--- a/ITProjectManagement/BA/0_0_1_StudentAppMVP/Wireframe.pptx
+++ b/ITProjectManagement/BA/0_0_1_StudentAppMVP/Wireframe.pptx
@@ -3299,30 +3299,6 @@
       </p:sp>
       <p:pic>
         <p:nvPicPr>
-          <p:cNvPr id="6" name="Picture 5"/>
-          <p:cNvPicPr>
-            <a:picLocks noChangeAspect="1"/>
-          </p:cNvPicPr>
-          <p:nvPr/>
-        </p:nvPicPr>
-        <p:blipFill>
-          <a:blip r:embed="rId2"/>
-          <a:stretch>
-            <a:fillRect/>
-          </a:stretch>
-        </p:blipFill>
-        <p:spPr>
-          <a:xfrm>
-            <a:off x="4441849" y="1329542"/>
-            <a:ext cx="7439025" cy="3857625"/>
-          </a:xfrm>
-          <a:prstGeom prst="rect">
-            <a:avLst/>
-          </a:prstGeom>
-        </p:spPr>
-      </p:pic>
-      <p:pic>
-        <p:nvPicPr>
           <p:cNvPr id="38" name="Picture 37"/>
           <p:cNvPicPr>
             <a:picLocks noChangeAspect="1"/>
@@ -3330,7 +3306,7 @@
           <p:nvPr/>
         </p:nvPicPr>
         <p:blipFill>
-          <a:blip r:embed="rId3" cstate="print">
+          <a:blip r:embed="rId2" cstate="print">
             <a:extLst>
               <a:ext uri="{28A0092B-C50C-407E-A947-70E740481C1C}">
                 <a14:useLocalDpi xmlns:a14="http://schemas.microsoft.com/office/drawing/2010/main" val="0"/>
@@ -3353,54 +3329,6 @@
       </p:pic>
       <p:sp>
         <p:nvSpPr>
-          <p:cNvPr id="9" name="Rectangle 8"/>
-          <p:cNvSpPr/>
-          <p:nvPr/>
-        </p:nvSpPr>
-        <p:spPr>
-          <a:xfrm>
-            <a:off x="5975797" y="1810280"/>
-            <a:ext cx="1751527" cy="191586"/>
-          </a:xfrm>
-          <a:prstGeom prst="rect">
-            <a:avLst/>
-          </a:prstGeom>
-          <a:solidFill>
-            <a:srgbClr val="92D050">
-              <a:alpha val="50000"/>
-            </a:srgbClr>
-          </a:solidFill>
-          <a:ln>
-            <a:noFill/>
-          </a:ln>
-        </p:spPr>
-        <p:style>
-          <a:lnRef idx="2">
-            <a:schemeClr val="accent1">
-              <a:shade val="50000"/>
-            </a:schemeClr>
-          </a:lnRef>
-          <a:fillRef idx="1">
-            <a:schemeClr val="accent1"/>
-          </a:fillRef>
-          <a:effectRef idx="0">
-            <a:schemeClr val="accent1"/>
-          </a:effectRef>
-          <a:fontRef idx="minor">
-            <a:schemeClr val="lt1"/>
-          </a:fontRef>
-        </p:style>
-        <p:txBody>
-          <a:bodyPr rtlCol="0" anchor="ctr"/>
-          <a:lstStyle/>
-          <a:p>
-            <a:pPr algn="ctr"/>
-            <a:endParaRPr lang="en-AU"/>
-          </a:p>
-        </p:txBody>
-      </p:sp>
-      <p:sp>
-        <p:nvSpPr>
           <p:cNvPr id="11" name="TextBox 10"/>
           <p:cNvSpPr txBox="1"/>
           <p:nvPr/>
@@ -3430,6 +3358,30 @@
           </a:p>
         </p:txBody>
       </p:sp>
+      <p:pic>
+        <p:nvPicPr>
+          <p:cNvPr id="7" name="Picture 6"/>
+          <p:cNvPicPr>
+            <a:picLocks noChangeAspect="1"/>
+          </p:cNvPicPr>
+          <p:nvPr/>
+        </p:nvPicPr>
+        <p:blipFill>
+          <a:blip r:embed="rId3"/>
+          <a:stretch>
+            <a:fillRect/>
+          </a:stretch>
+        </p:blipFill>
+        <p:spPr>
+          <a:xfrm>
+            <a:off x="4559121" y="1036548"/>
+            <a:ext cx="7439025" cy="3857625"/>
+          </a:xfrm>
+          <a:prstGeom prst="rect">
+            <a:avLst/>
+          </a:prstGeom>
+        </p:spPr>
+      </p:pic>
     </p:spTree>
     <p:extLst>
       <p:ext uri="{BB962C8B-B14F-4D97-AF65-F5344CB8AC3E}">

--- a/ITProjectManagement/BA/0_0_1_StudentAppMVP/Wireframe.pptx
+++ b/ITProjectManagement/BA/0_0_1_StudentAppMVP/Wireframe.pptx
@@ -11131,7 +11131,7 @@
         <p:spPr>
           <a:xfrm>
             <a:off x="1372991" y="5460933"/>
-            <a:ext cx="3070969" cy="307777"/>
+            <a:ext cx="3107838" cy="307777"/>
           </a:xfrm>
           <a:prstGeom prst="rect">
             <a:avLst/>
@@ -11146,7 +11146,11 @@
           <a:p>
             <a:r>
               <a:rPr lang="en-AU" sz="1400" dirty="0" smtClean="0"/>
-              <a:t>Secretly store this </a:t>
+              <a:t>Securely </a:t>
+            </a:r>
+            <a:r>
+              <a:rPr lang="en-AU" sz="1400" dirty="0" smtClean="0"/>
+              <a:t>store this </a:t>
             </a:r>
             <a:r>
               <a:rPr lang="en-AU" sz="1400" dirty="0"/>
@@ -11165,6 +11169,60 @@
               <a:t>nformation</a:t>
             </a:r>
             <a:endParaRPr lang="en-AU" sz="1400" dirty="0"/>
+          </a:p>
+        </p:txBody>
+      </p:sp>
+      <p:sp>
+        <p:nvSpPr>
+          <p:cNvPr id="48" name="TextBox 47"/>
+          <p:cNvSpPr txBox="1"/>
+          <p:nvPr/>
+        </p:nvSpPr>
+        <p:spPr>
+          <a:xfrm>
+            <a:off x="1494026" y="1068906"/>
+            <a:ext cx="2585964" cy="246221"/>
+          </a:xfrm>
+          <a:prstGeom prst="rect">
+            <a:avLst/>
+          </a:prstGeom>
+          <a:noFill/>
+        </p:spPr>
+        <p:txBody>
+          <a:bodyPr wrap="none" rtlCol="0">
+            <a:spAutoFit/>
+          </a:bodyPr>
+          <a:lstStyle/>
+          <a:p>
+            <a:r>
+              <a:rPr lang="en-AU" sz="1000" b="1" dirty="0" smtClean="0"/>
+              <a:t>Validation / Success messages in </a:t>
+            </a:r>
+            <a:r>
+              <a:rPr lang="en-AU" sz="1000" b="1" dirty="0" smtClean="0">
+                <a:solidFill>
+                  <a:srgbClr val="FF0000"/>
+                </a:solidFill>
+              </a:rPr>
+              <a:t>Red</a:t>
+            </a:r>
+            <a:r>
+              <a:rPr lang="en-AU" sz="1000" b="1" dirty="0" smtClean="0"/>
+              <a:t> / </a:t>
+            </a:r>
+            <a:r>
+              <a:rPr lang="en-AU" sz="1000" b="1" dirty="0" smtClean="0">
+                <a:solidFill>
+                  <a:srgbClr val="00B050"/>
+                </a:solidFill>
+              </a:rPr>
+              <a:t>Green</a:t>
+            </a:r>
+            <a:endParaRPr lang="en-AU" sz="1000" b="1" dirty="0">
+              <a:solidFill>
+                <a:srgbClr val="00B050"/>
+              </a:solidFill>
+            </a:endParaRPr>
           </a:p>
         </p:txBody>
       </p:sp>
@@ -12997,7 +13055,7 @@
         <p:spPr>
           <a:xfrm>
             <a:off x="2640320" y="4337982"/>
-            <a:ext cx="3070969" cy="307777"/>
+            <a:ext cx="3107838" cy="307777"/>
           </a:xfrm>
           <a:prstGeom prst="rect">
             <a:avLst/>
@@ -13012,7 +13070,11 @@
           <a:p>
             <a:r>
               <a:rPr lang="en-AU" sz="1400" dirty="0" smtClean="0"/>
-              <a:t>Secretly store this </a:t>
+              <a:t>Securely </a:t>
+            </a:r>
+            <a:r>
+              <a:rPr lang="en-AU" sz="1400" dirty="0" smtClean="0"/>
+              <a:t>store this </a:t>
             </a:r>
             <a:r>
               <a:rPr lang="en-AU" sz="1400" dirty="0"/>
@@ -13141,6 +13203,60 @@
           </a:prstGeom>
         </p:spPr>
       </p:pic>
+      <p:sp>
+        <p:nvSpPr>
+          <p:cNvPr id="56" name="TextBox 55"/>
+          <p:cNvSpPr txBox="1"/>
+          <p:nvPr/>
+        </p:nvSpPr>
+        <p:spPr>
+          <a:xfrm>
+            <a:off x="2787074" y="2021734"/>
+            <a:ext cx="2585964" cy="246221"/>
+          </a:xfrm>
+          <a:prstGeom prst="rect">
+            <a:avLst/>
+          </a:prstGeom>
+          <a:noFill/>
+        </p:spPr>
+        <p:txBody>
+          <a:bodyPr wrap="none" rtlCol="0">
+            <a:spAutoFit/>
+          </a:bodyPr>
+          <a:lstStyle/>
+          <a:p>
+            <a:r>
+              <a:rPr lang="en-AU" sz="1000" b="1" dirty="0" smtClean="0"/>
+              <a:t>Validation / Success messages in </a:t>
+            </a:r>
+            <a:r>
+              <a:rPr lang="en-AU" sz="1000" b="1" dirty="0" smtClean="0">
+                <a:solidFill>
+                  <a:srgbClr val="FF0000"/>
+                </a:solidFill>
+              </a:rPr>
+              <a:t>Red</a:t>
+            </a:r>
+            <a:r>
+              <a:rPr lang="en-AU" sz="1000" b="1" dirty="0" smtClean="0"/>
+              <a:t> / </a:t>
+            </a:r>
+            <a:r>
+              <a:rPr lang="en-AU" sz="1000" b="1" dirty="0" smtClean="0">
+                <a:solidFill>
+                  <a:srgbClr val="00B050"/>
+                </a:solidFill>
+              </a:rPr>
+              <a:t>Green</a:t>
+            </a:r>
+            <a:endParaRPr lang="en-AU" sz="1000" b="1" dirty="0">
+              <a:solidFill>
+                <a:srgbClr val="00B050"/>
+              </a:solidFill>
+            </a:endParaRPr>
+          </a:p>
+        </p:txBody>
+      </p:sp>
     </p:spTree>
     <p:extLst>
       <p:ext uri="{BB962C8B-B14F-4D97-AF65-F5344CB8AC3E}">
@@ -28640,18 +28756,14 @@
         <p:spPr>
           <a:xfrm>
             <a:off x="985052" y="2746625"/>
-            <a:ext cx="1653017" cy="1200329"/>
+            <a:ext cx="2680542" cy="1200329"/>
           </a:xfrm>
           <a:prstGeom prst="rect">
             <a:avLst/>
           </a:prstGeom>
           <a:noFill/>
           <a:ln>
-            <a:solidFill>
-              <a:schemeClr val="bg2">
-                <a:lumMod val="75000"/>
-              </a:schemeClr>
-            </a:solidFill>
+            <a:noFill/>
           </a:ln>
         </p:spPr>
         <p:txBody>
@@ -28702,7 +28814,11 @@
             <a:pPr lvl="1"/>
             <a:r>
               <a:rPr lang="en-AU" sz="1000" dirty="0" smtClean="0"/>
-              <a:t>3.  Quiz 1</a:t>
+              <a:t>3.  Quiz </a:t>
+            </a:r>
+            <a:r>
+              <a:rPr lang="en-AU" sz="1000" dirty="0" smtClean="0"/>
+              <a:t>1                                             60%</a:t>
             </a:r>
             <a:endParaRPr lang="en-AU" sz="1000" b="1" dirty="0" smtClean="0"/>
           </a:p>
@@ -30225,6 +30341,833 @@
           </a:p>
         </p:txBody>
       </p:sp>
+      <p:sp>
+        <p:nvSpPr>
+          <p:cNvPr id="42" name="Rectangle 41"/>
+          <p:cNvSpPr/>
+          <p:nvPr/>
+        </p:nvSpPr>
+        <p:spPr>
+          <a:xfrm>
+            <a:off x="3267636" y="2828879"/>
+            <a:ext cx="282021" cy="172061"/>
+          </a:xfrm>
+          <a:prstGeom prst="rect">
+            <a:avLst/>
+          </a:prstGeom>
+          <a:noFill/>
+          <a:ln w="25400">
+            <a:solidFill>
+              <a:schemeClr val="tx1"/>
+            </a:solidFill>
+          </a:ln>
+        </p:spPr>
+        <p:style>
+          <a:lnRef idx="2">
+            <a:schemeClr val="accent1">
+              <a:shade val="50000"/>
+            </a:schemeClr>
+          </a:lnRef>
+          <a:fillRef idx="1">
+            <a:schemeClr val="accent1"/>
+          </a:fillRef>
+          <a:effectRef idx="0">
+            <a:schemeClr val="accent1"/>
+          </a:effectRef>
+          <a:fontRef idx="minor">
+            <a:schemeClr val="lt1"/>
+          </a:fontRef>
+        </p:style>
+        <p:txBody>
+          <a:bodyPr rtlCol="0" anchor="ctr"/>
+          <a:lstStyle/>
+          <a:p>
+            <a:pPr algn="ctr"/>
+            <a:endParaRPr lang="en-AU"/>
+          </a:p>
+        </p:txBody>
+      </p:sp>
+      <p:sp>
+        <p:nvSpPr>
+          <p:cNvPr id="43" name="Isosceles Triangle 42"/>
+          <p:cNvSpPr/>
+          <p:nvPr/>
+        </p:nvSpPr>
+        <p:spPr>
+          <a:xfrm rot="10800000">
+            <a:off x="3289286" y="2834410"/>
+            <a:ext cx="235902" cy="94859"/>
+          </a:xfrm>
+          <a:prstGeom prst="triangle">
+            <a:avLst/>
+          </a:prstGeom>
+          <a:noFill/>
+          <a:ln w="25400">
+            <a:solidFill>
+              <a:schemeClr val="tx1"/>
+            </a:solidFill>
+          </a:ln>
+        </p:spPr>
+        <p:style>
+          <a:lnRef idx="2">
+            <a:schemeClr val="accent1">
+              <a:shade val="50000"/>
+            </a:schemeClr>
+          </a:lnRef>
+          <a:fillRef idx="1">
+            <a:schemeClr val="accent1"/>
+          </a:fillRef>
+          <a:effectRef idx="0">
+            <a:schemeClr val="accent1"/>
+          </a:effectRef>
+          <a:fontRef idx="minor">
+            <a:schemeClr val="lt1"/>
+          </a:fontRef>
+        </p:style>
+        <p:txBody>
+          <a:bodyPr rtlCol="0" anchor="ctr"/>
+          <a:lstStyle/>
+          <a:p>
+            <a:pPr algn="ctr"/>
+            <a:endParaRPr lang="en-AU"/>
+          </a:p>
+        </p:txBody>
+      </p:sp>
+      <p:sp>
+        <p:nvSpPr>
+          <p:cNvPr id="44" name="Rectangle 43"/>
+          <p:cNvSpPr/>
+          <p:nvPr/>
+        </p:nvSpPr>
+        <p:spPr>
+          <a:xfrm>
+            <a:off x="3314750" y="3083715"/>
+            <a:ext cx="166091" cy="154475"/>
+          </a:xfrm>
+          <a:prstGeom prst="rect">
+            <a:avLst/>
+          </a:prstGeom>
+          <a:noFill/>
+        </p:spPr>
+        <p:style>
+          <a:lnRef idx="2">
+            <a:schemeClr val="accent1">
+              <a:shade val="50000"/>
+            </a:schemeClr>
+          </a:lnRef>
+          <a:fillRef idx="1">
+            <a:schemeClr val="accent1"/>
+          </a:fillRef>
+          <a:effectRef idx="0">
+            <a:schemeClr val="accent1"/>
+          </a:effectRef>
+          <a:fontRef idx="minor">
+            <a:schemeClr val="lt1"/>
+          </a:fontRef>
+        </p:style>
+        <p:txBody>
+          <a:bodyPr rtlCol="0" anchor="ctr"/>
+          <a:lstStyle>
+            <a:defPPr>
+              <a:defRPr lang="en-US"/>
+            </a:defPPr>
+            <a:lvl1pPr marL="0" algn="l" defTabSz="914400" rtl="0" eaLnBrk="1" latinLnBrk="0" hangingPunct="1">
+              <a:defRPr sz="1800" kern="1200">
+                <a:solidFill>
+                  <a:schemeClr val="lt1"/>
+                </a:solidFill>
+                <a:latin typeface="+mn-lt"/>
+                <a:ea typeface="+mn-ea"/>
+                <a:cs typeface="+mn-cs"/>
+              </a:defRPr>
+            </a:lvl1pPr>
+            <a:lvl2pPr marL="457200" algn="l" defTabSz="914400" rtl="0" eaLnBrk="1" latinLnBrk="0" hangingPunct="1">
+              <a:defRPr sz="1800" kern="1200">
+                <a:solidFill>
+                  <a:schemeClr val="lt1"/>
+                </a:solidFill>
+                <a:latin typeface="+mn-lt"/>
+                <a:ea typeface="+mn-ea"/>
+                <a:cs typeface="+mn-cs"/>
+              </a:defRPr>
+            </a:lvl2pPr>
+            <a:lvl3pPr marL="914400" algn="l" defTabSz="914400" rtl="0" eaLnBrk="1" latinLnBrk="0" hangingPunct="1">
+              <a:defRPr sz="1800" kern="1200">
+                <a:solidFill>
+                  <a:schemeClr val="lt1"/>
+                </a:solidFill>
+                <a:latin typeface="+mn-lt"/>
+                <a:ea typeface="+mn-ea"/>
+                <a:cs typeface="+mn-cs"/>
+              </a:defRPr>
+            </a:lvl3pPr>
+            <a:lvl4pPr marL="1371600" algn="l" defTabSz="914400" rtl="0" eaLnBrk="1" latinLnBrk="0" hangingPunct="1">
+              <a:defRPr sz="1800" kern="1200">
+                <a:solidFill>
+                  <a:schemeClr val="lt1"/>
+                </a:solidFill>
+                <a:latin typeface="+mn-lt"/>
+                <a:ea typeface="+mn-ea"/>
+                <a:cs typeface="+mn-cs"/>
+              </a:defRPr>
+            </a:lvl4pPr>
+            <a:lvl5pPr marL="1828800" algn="l" defTabSz="914400" rtl="0" eaLnBrk="1" latinLnBrk="0" hangingPunct="1">
+              <a:defRPr sz="1800" kern="1200">
+                <a:solidFill>
+                  <a:schemeClr val="lt1"/>
+                </a:solidFill>
+                <a:latin typeface="+mn-lt"/>
+                <a:ea typeface="+mn-ea"/>
+                <a:cs typeface="+mn-cs"/>
+              </a:defRPr>
+            </a:lvl5pPr>
+            <a:lvl6pPr marL="2286000" algn="l" defTabSz="914400" rtl="0" eaLnBrk="1" latinLnBrk="0" hangingPunct="1">
+              <a:defRPr sz="1800" kern="1200">
+                <a:solidFill>
+                  <a:schemeClr val="lt1"/>
+                </a:solidFill>
+                <a:latin typeface="+mn-lt"/>
+                <a:ea typeface="+mn-ea"/>
+                <a:cs typeface="+mn-cs"/>
+              </a:defRPr>
+            </a:lvl6pPr>
+            <a:lvl7pPr marL="2743200" algn="l" defTabSz="914400" rtl="0" eaLnBrk="1" latinLnBrk="0" hangingPunct="1">
+              <a:defRPr sz="1800" kern="1200">
+                <a:solidFill>
+                  <a:schemeClr val="lt1"/>
+                </a:solidFill>
+                <a:latin typeface="+mn-lt"/>
+                <a:ea typeface="+mn-ea"/>
+                <a:cs typeface="+mn-cs"/>
+              </a:defRPr>
+            </a:lvl7pPr>
+            <a:lvl8pPr marL="3200400" algn="l" defTabSz="914400" rtl="0" eaLnBrk="1" latinLnBrk="0" hangingPunct="1">
+              <a:defRPr sz="1800" kern="1200">
+                <a:solidFill>
+                  <a:schemeClr val="lt1"/>
+                </a:solidFill>
+                <a:latin typeface="+mn-lt"/>
+                <a:ea typeface="+mn-ea"/>
+                <a:cs typeface="+mn-cs"/>
+              </a:defRPr>
+            </a:lvl8pPr>
+            <a:lvl9pPr marL="3657600" algn="l" defTabSz="914400" rtl="0" eaLnBrk="1" latinLnBrk="0" hangingPunct="1">
+              <a:defRPr sz="1800" kern="1200">
+                <a:solidFill>
+                  <a:schemeClr val="lt1"/>
+                </a:solidFill>
+                <a:latin typeface="+mn-lt"/>
+                <a:ea typeface="+mn-ea"/>
+                <a:cs typeface="+mn-cs"/>
+              </a:defRPr>
+            </a:lvl9pPr>
+          </a:lstStyle>
+          <a:p>
+            <a:pPr algn="ctr"/>
+            <a:endParaRPr lang="en-AU"/>
+          </a:p>
+        </p:txBody>
+      </p:sp>
+      <p:sp>
+        <p:nvSpPr>
+          <p:cNvPr id="46" name="Rectangle 45"/>
+          <p:cNvSpPr/>
+          <p:nvPr/>
+        </p:nvSpPr>
+        <p:spPr>
+          <a:xfrm>
+            <a:off x="3202754" y="2976122"/>
+            <a:ext cx="415498" cy="277485"/>
+          </a:xfrm>
+          <a:prstGeom prst="rect">
+            <a:avLst/>
+          </a:prstGeom>
+        </p:spPr>
+        <p:txBody>
+          <a:bodyPr wrap="none">
+            <a:spAutoFit/>
+          </a:bodyPr>
+          <a:lstStyle>
+            <a:defPPr>
+              <a:defRPr lang="en-US"/>
+            </a:defPPr>
+            <a:lvl1pPr marL="0" algn="l" defTabSz="914400" rtl="0" eaLnBrk="1" latinLnBrk="0" hangingPunct="1">
+              <a:defRPr sz="1800" kern="1200">
+                <a:solidFill>
+                  <a:schemeClr val="tx1"/>
+                </a:solidFill>
+                <a:latin typeface="+mn-lt"/>
+                <a:ea typeface="+mn-ea"/>
+                <a:cs typeface="+mn-cs"/>
+              </a:defRPr>
+            </a:lvl1pPr>
+            <a:lvl2pPr marL="457200" algn="l" defTabSz="914400" rtl="0" eaLnBrk="1" latinLnBrk="0" hangingPunct="1">
+              <a:defRPr sz="1800" kern="1200">
+                <a:solidFill>
+                  <a:schemeClr val="tx1"/>
+                </a:solidFill>
+                <a:latin typeface="+mn-lt"/>
+                <a:ea typeface="+mn-ea"/>
+                <a:cs typeface="+mn-cs"/>
+              </a:defRPr>
+            </a:lvl2pPr>
+            <a:lvl3pPr marL="914400" algn="l" defTabSz="914400" rtl="0" eaLnBrk="1" latinLnBrk="0" hangingPunct="1">
+              <a:defRPr sz="1800" kern="1200">
+                <a:solidFill>
+                  <a:schemeClr val="tx1"/>
+                </a:solidFill>
+                <a:latin typeface="+mn-lt"/>
+                <a:ea typeface="+mn-ea"/>
+                <a:cs typeface="+mn-cs"/>
+              </a:defRPr>
+            </a:lvl3pPr>
+            <a:lvl4pPr marL="1371600" algn="l" defTabSz="914400" rtl="0" eaLnBrk="1" latinLnBrk="0" hangingPunct="1">
+              <a:defRPr sz="1800" kern="1200">
+                <a:solidFill>
+                  <a:schemeClr val="tx1"/>
+                </a:solidFill>
+                <a:latin typeface="+mn-lt"/>
+                <a:ea typeface="+mn-ea"/>
+                <a:cs typeface="+mn-cs"/>
+              </a:defRPr>
+            </a:lvl4pPr>
+            <a:lvl5pPr marL="1828800" algn="l" defTabSz="914400" rtl="0" eaLnBrk="1" latinLnBrk="0" hangingPunct="1">
+              <a:defRPr sz="1800" kern="1200">
+                <a:solidFill>
+                  <a:schemeClr val="tx1"/>
+                </a:solidFill>
+                <a:latin typeface="+mn-lt"/>
+                <a:ea typeface="+mn-ea"/>
+                <a:cs typeface="+mn-cs"/>
+              </a:defRPr>
+            </a:lvl5pPr>
+            <a:lvl6pPr marL="2286000" algn="l" defTabSz="914400" rtl="0" eaLnBrk="1" latinLnBrk="0" hangingPunct="1">
+              <a:defRPr sz="1800" kern="1200">
+                <a:solidFill>
+                  <a:schemeClr val="tx1"/>
+                </a:solidFill>
+                <a:latin typeface="+mn-lt"/>
+                <a:ea typeface="+mn-ea"/>
+                <a:cs typeface="+mn-cs"/>
+              </a:defRPr>
+            </a:lvl6pPr>
+            <a:lvl7pPr marL="2743200" algn="l" defTabSz="914400" rtl="0" eaLnBrk="1" latinLnBrk="0" hangingPunct="1">
+              <a:defRPr sz="1800" kern="1200">
+                <a:solidFill>
+                  <a:schemeClr val="tx1"/>
+                </a:solidFill>
+                <a:latin typeface="+mn-lt"/>
+                <a:ea typeface="+mn-ea"/>
+                <a:cs typeface="+mn-cs"/>
+              </a:defRPr>
+            </a:lvl7pPr>
+            <a:lvl8pPr marL="3200400" algn="l" defTabSz="914400" rtl="0" eaLnBrk="1" latinLnBrk="0" hangingPunct="1">
+              <a:defRPr sz="1800" kern="1200">
+                <a:solidFill>
+                  <a:schemeClr val="tx1"/>
+                </a:solidFill>
+                <a:latin typeface="+mn-lt"/>
+                <a:ea typeface="+mn-ea"/>
+                <a:cs typeface="+mn-cs"/>
+              </a:defRPr>
+            </a:lvl8pPr>
+            <a:lvl9pPr marL="3657600" algn="l" defTabSz="914400" rtl="0" eaLnBrk="1" latinLnBrk="0" hangingPunct="1">
+              <a:defRPr sz="1800" kern="1200">
+                <a:solidFill>
+                  <a:schemeClr val="tx1"/>
+                </a:solidFill>
+                <a:latin typeface="+mn-lt"/>
+                <a:ea typeface="+mn-ea"/>
+                <a:cs typeface="+mn-cs"/>
+              </a:defRPr>
+            </a:lvl9pPr>
+          </a:lstStyle>
+          <a:p>
+            <a:r>
+              <a:rPr lang="en-AU" dirty="0" smtClean="0">
+                <a:effectLst/>
+                <a:latin typeface="Webdings" panose="05030102010509060703" pitchFamily="18" charset="2"/>
+                <a:ea typeface="Calibri" panose="020F0502020204030204" pitchFamily="34" charset="0"/>
+                <a:cs typeface="Times New Roman" panose="02020603050405020304" pitchFamily="18" charset="0"/>
+              </a:rPr>
+              <a:t>a</a:t>
+            </a:r>
+            <a:endParaRPr lang="en-AU" dirty="0"/>
+          </a:p>
+        </p:txBody>
+      </p:sp>
+      <p:sp>
+        <p:nvSpPr>
+          <p:cNvPr id="47" name="Rectangle 46"/>
+          <p:cNvSpPr/>
+          <p:nvPr/>
+        </p:nvSpPr>
+        <p:spPr>
+          <a:xfrm>
+            <a:off x="3309984" y="3293267"/>
+            <a:ext cx="166091" cy="154475"/>
+          </a:xfrm>
+          <a:prstGeom prst="rect">
+            <a:avLst/>
+          </a:prstGeom>
+          <a:noFill/>
+        </p:spPr>
+        <p:style>
+          <a:lnRef idx="2">
+            <a:schemeClr val="accent1">
+              <a:shade val="50000"/>
+            </a:schemeClr>
+          </a:lnRef>
+          <a:fillRef idx="1">
+            <a:schemeClr val="accent1"/>
+          </a:fillRef>
+          <a:effectRef idx="0">
+            <a:schemeClr val="accent1"/>
+          </a:effectRef>
+          <a:fontRef idx="minor">
+            <a:schemeClr val="lt1"/>
+          </a:fontRef>
+        </p:style>
+        <p:txBody>
+          <a:bodyPr rtlCol="0" anchor="ctr"/>
+          <a:lstStyle>
+            <a:defPPr>
+              <a:defRPr lang="en-US"/>
+            </a:defPPr>
+            <a:lvl1pPr marL="0" algn="l" defTabSz="914400" rtl="0" eaLnBrk="1" latinLnBrk="0" hangingPunct="1">
+              <a:defRPr sz="1800" kern="1200">
+                <a:solidFill>
+                  <a:schemeClr val="lt1"/>
+                </a:solidFill>
+                <a:latin typeface="+mn-lt"/>
+                <a:ea typeface="+mn-ea"/>
+                <a:cs typeface="+mn-cs"/>
+              </a:defRPr>
+            </a:lvl1pPr>
+            <a:lvl2pPr marL="457200" algn="l" defTabSz="914400" rtl="0" eaLnBrk="1" latinLnBrk="0" hangingPunct="1">
+              <a:defRPr sz="1800" kern="1200">
+                <a:solidFill>
+                  <a:schemeClr val="lt1"/>
+                </a:solidFill>
+                <a:latin typeface="+mn-lt"/>
+                <a:ea typeface="+mn-ea"/>
+                <a:cs typeface="+mn-cs"/>
+              </a:defRPr>
+            </a:lvl2pPr>
+            <a:lvl3pPr marL="914400" algn="l" defTabSz="914400" rtl="0" eaLnBrk="1" latinLnBrk="0" hangingPunct="1">
+              <a:defRPr sz="1800" kern="1200">
+                <a:solidFill>
+                  <a:schemeClr val="lt1"/>
+                </a:solidFill>
+                <a:latin typeface="+mn-lt"/>
+                <a:ea typeface="+mn-ea"/>
+                <a:cs typeface="+mn-cs"/>
+              </a:defRPr>
+            </a:lvl3pPr>
+            <a:lvl4pPr marL="1371600" algn="l" defTabSz="914400" rtl="0" eaLnBrk="1" latinLnBrk="0" hangingPunct="1">
+              <a:defRPr sz="1800" kern="1200">
+                <a:solidFill>
+                  <a:schemeClr val="lt1"/>
+                </a:solidFill>
+                <a:latin typeface="+mn-lt"/>
+                <a:ea typeface="+mn-ea"/>
+                <a:cs typeface="+mn-cs"/>
+              </a:defRPr>
+            </a:lvl4pPr>
+            <a:lvl5pPr marL="1828800" algn="l" defTabSz="914400" rtl="0" eaLnBrk="1" latinLnBrk="0" hangingPunct="1">
+              <a:defRPr sz="1800" kern="1200">
+                <a:solidFill>
+                  <a:schemeClr val="lt1"/>
+                </a:solidFill>
+                <a:latin typeface="+mn-lt"/>
+                <a:ea typeface="+mn-ea"/>
+                <a:cs typeface="+mn-cs"/>
+              </a:defRPr>
+            </a:lvl5pPr>
+            <a:lvl6pPr marL="2286000" algn="l" defTabSz="914400" rtl="0" eaLnBrk="1" latinLnBrk="0" hangingPunct="1">
+              <a:defRPr sz="1800" kern="1200">
+                <a:solidFill>
+                  <a:schemeClr val="lt1"/>
+                </a:solidFill>
+                <a:latin typeface="+mn-lt"/>
+                <a:ea typeface="+mn-ea"/>
+                <a:cs typeface="+mn-cs"/>
+              </a:defRPr>
+            </a:lvl6pPr>
+            <a:lvl7pPr marL="2743200" algn="l" defTabSz="914400" rtl="0" eaLnBrk="1" latinLnBrk="0" hangingPunct="1">
+              <a:defRPr sz="1800" kern="1200">
+                <a:solidFill>
+                  <a:schemeClr val="lt1"/>
+                </a:solidFill>
+                <a:latin typeface="+mn-lt"/>
+                <a:ea typeface="+mn-ea"/>
+                <a:cs typeface="+mn-cs"/>
+              </a:defRPr>
+            </a:lvl7pPr>
+            <a:lvl8pPr marL="3200400" algn="l" defTabSz="914400" rtl="0" eaLnBrk="1" latinLnBrk="0" hangingPunct="1">
+              <a:defRPr sz="1800" kern="1200">
+                <a:solidFill>
+                  <a:schemeClr val="lt1"/>
+                </a:solidFill>
+                <a:latin typeface="+mn-lt"/>
+                <a:ea typeface="+mn-ea"/>
+                <a:cs typeface="+mn-cs"/>
+              </a:defRPr>
+            </a:lvl8pPr>
+            <a:lvl9pPr marL="3657600" algn="l" defTabSz="914400" rtl="0" eaLnBrk="1" latinLnBrk="0" hangingPunct="1">
+              <a:defRPr sz="1800" kern="1200">
+                <a:solidFill>
+                  <a:schemeClr val="lt1"/>
+                </a:solidFill>
+                <a:latin typeface="+mn-lt"/>
+                <a:ea typeface="+mn-ea"/>
+                <a:cs typeface="+mn-cs"/>
+              </a:defRPr>
+            </a:lvl9pPr>
+          </a:lstStyle>
+          <a:p>
+            <a:pPr algn="ctr"/>
+            <a:endParaRPr lang="en-AU"/>
+          </a:p>
+        </p:txBody>
+      </p:sp>
+      <p:sp>
+        <p:nvSpPr>
+          <p:cNvPr id="48" name="Rectangle 47"/>
+          <p:cNvSpPr/>
+          <p:nvPr/>
+        </p:nvSpPr>
+        <p:spPr>
+          <a:xfrm>
+            <a:off x="3197988" y="3185674"/>
+            <a:ext cx="415498" cy="277485"/>
+          </a:xfrm>
+          <a:prstGeom prst="rect">
+            <a:avLst/>
+          </a:prstGeom>
+        </p:spPr>
+        <p:txBody>
+          <a:bodyPr wrap="none">
+            <a:spAutoFit/>
+          </a:bodyPr>
+          <a:lstStyle>
+            <a:defPPr>
+              <a:defRPr lang="en-US"/>
+            </a:defPPr>
+            <a:lvl1pPr marL="0" algn="l" defTabSz="914400" rtl="0" eaLnBrk="1" latinLnBrk="0" hangingPunct="1">
+              <a:defRPr sz="1800" kern="1200">
+                <a:solidFill>
+                  <a:schemeClr val="tx1"/>
+                </a:solidFill>
+                <a:latin typeface="+mn-lt"/>
+                <a:ea typeface="+mn-ea"/>
+                <a:cs typeface="+mn-cs"/>
+              </a:defRPr>
+            </a:lvl1pPr>
+            <a:lvl2pPr marL="457200" algn="l" defTabSz="914400" rtl="0" eaLnBrk="1" latinLnBrk="0" hangingPunct="1">
+              <a:defRPr sz="1800" kern="1200">
+                <a:solidFill>
+                  <a:schemeClr val="tx1"/>
+                </a:solidFill>
+                <a:latin typeface="+mn-lt"/>
+                <a:ea typeface="+mn-ea"/>
+                <a:cs typeface="+mn-cs"/>
+              </a:defRPr>
+            </a:lvl2pPr>
+            <a:lvl3pPr marL="914400" algn="l" defTabSz="914400" rtl="0" eaLnBrk="1" latinLnBrk="0" hangingPunct="1">
+              <a:defRPr sz="1800" kern="1200">
+                <a:solidFill>
+                  <a:schemeClr val="tx1"/>
+                </a:solidFill>
+                <a:latin typeface="+mn-lt"/>
+                <a:ea typeface="+mn-ea"/>
+                <a:cs typeface="+mn-cs"/>
+              </a:defRPr>
+            </a:lvl3pPr>
+            <a:lvl4pPr marL="1371600" algn="l" defTabSz="914400" rtl="0" eaLnBrk="1" latinLnBrk="0" hangingPunct="1">
+              <a:defRPr sz="1800" kern="1200">
+                <a:solidFill>
+                  <a:schemeClr val="tx1"/>
+                </a:solidFill>
+                <a:latin typeface="+mn-lt"/>
+                <a:ea typeface="+mn-ea"/>
+                <a:cs typeface="+mn-cs"/>
+              </a:defRPr>
+            </a:lvl4pPr>
+            <a:lvl5pPr marL="1828800" algn="l" defTabSz="914400" rtl="0" eaLnBrk="1" latinLnBrk="0" hangingPunct="1">
+              <a:defRPr sz="1800" kern="1200">
+                <a:solidFill>
+                  <a:schemeClr val="tx1"/>
+                </a:solidFill>
+                <a:latin typeface="+mn-lt"/>
+                <a:ea typeface="+mn-ea"/>
+                <a:cs typeface="+mn-cs"/>
+              </a:defRPr>
+            </a:lvl5pPr>
+            <a:lvl6pPr marL="2286000" algn="l" defTabSz="914400" rtl="0" eaLnBrk="1" latinLnBrk="0" hangingPunct="1">
+              <a:defRPr sz="1800" kern="1200">
+                <a:solidFill>
+                  <a:schemeClr val="tx1"/>
+                </a:solidFill>
+                <a:latin typeface="+mn-lt"/>
+                <a:ea typeface="+mn-ea"/>
+                <a:cs typeface="+mn-cs"/>
+              </a:defRPr>
+            </a:lvl6pPr>
+            <a:lvl7pPr marL="2743200" algn="l" defTabSz="914400" rtl="0" eaLnBrk="1" latinLnBrk="0" hangingPunct="1">
+              <a:defRPr sz="1800" kern="1200">
+                <a:solidFill>
+                  <a:schemeClr val="tx1"/>
+                </a:solidFill>
+                <a:latin typeface="+mn-lt"/>
+                <a:ea typeface="+mn-ea"/>
+                <a:cs typeface="+mn-cs"/>
+              </a:defRPr>
+            </a:lvl7pPr>
+            <a:lvl8pPr marL="3200400" algn="l" defTabSz="914400" rtl="0" eaLnBrk="1" latinLnBrk="0" hangingPunct="1">
+              <a:defRPr sz="1800" kern="1200">
+                <a:solidFill>
+                  <a:schemeClr val="tx1"/>
+                </a:solidFill>
+                <a:latin typeface="+mn-lt"/>
+                <a:ea typeface="+mn-ea"/>
+                <a:cs typeface="+mn-cs"/>
+              </a:defRPr>
+            </a:lvl8pPr>
+            <a:lvl9pPr marL="3657600" algn="l" defTabSz="914400" rtl="0" eaLnBrk="1" latinLnBrk="0" hangingPunct="1">
+              <a:defRPr sz="1800" kern="1200">
+                <a:solidFill>
+                  <a:schemeClr val="tx1"/>
+                </a:solidFill>
+                <a:latin typeface="+mn-lt"/>
+                <a:ea typeface="+mn-ea"/>
+                <a:cs typeface="+mn-cs"/>
+              </a:defRPr>
+            </a:lvl9pPr>
+          </a:lstStyle>
+          <a:p>
+            <a:r>
+              <a:rPr lang="en-AU" dirty="0" smtClean="0">
+                <a:effectLst/>
+                <a:latin typeface="Webdings" panose="05030102010509060703" pitchFamily="18" charset="2"/>
+                <a:ea typeface="Calibri" panose="020F0502020204030204" pitchFamily="34" charset="0"/>
+                <a:cs typeface="Times New Roman" panose="02020603050405020304" pitchFamily="18" charset="0"/>
+              </a:rPr>
+              <a:t>a</a:t>
+            </a:r>
+            <a:endParaRPr lang="en-AU" dirty="0"/>
+          </a:p>
+        </p:txBody>
+      </p:sp>
+      <p:sp>
+        <p:nvSpPr>
+          <p:cNvPr id="49" name="Rectangle 48"/>
+          <p:cNvSpPr/>
+          <p:nvPr/>
+        </p:nvSpPr>
+        <p:spPr>
+          <a:xfrm>
+            <a:off x="3314750" y="3683793"/>
+            <a:ext cx="166091" cy="154475"/>
+          </a:xfrm>
+          <a:prstGeom prst="rect">
+            <a:avLst/>
+          </a:prstGeom>
+          <a:noFill/>
+        </p:spPr>
+        <p:style>
+          <a:lnRef idx="2">
+            <a:schemeClr val="accent1">
+              <a:shade val="50000"/>
+            </a:schemeClr>
+          </a:lnRef>
+          <a:fillRef idx="1">
+            <a:schemeClr val="accent1"/>
+          </a:fillRef>
+          <a:effectRef idx="0">
+            <a:schemeClr val="accent1"/>
+          </a:effectRef>
+          <a:fontRef idx="minor">
+            <a:schemeClr val="lt1"/>
+          </a:fontRef>
+        </p:style>
+        <p:txBody>
+          <a:bodyPr rtlCol="0" anchor="ctr"/>
+          <a:lstStyle>
+            <a:defPPr>
+              <a:defRPr lang="en-US"/>
+            </a:defPPr>
+            <a:lvl1pPr marL="0" algn="l" defTabSz="914400" rtl="0" eaLnBrk="1" latinLnBrk="0" hangingPunct="1">
+              <a:defRPr sz="1800" kern="1200">
+                <a:solidFill>
+                  <a:schemeClr val="lt1"/>
+                </a:solidFill>
+                <a:latin typeface="+mn-lt"/>
+                <a:ea typeface="+mn-ea"/>
+                <a:cs typeface="+mn-cs"/>
+              </a:defRPr>
+            </a:lvl1pPr>
+            <a:lvl2pPr marL="457200" algn="l" defTabSz="914400" rtl="0" eaLnBrk="1" latinLnBrk="0" hangingPunct="1">
+              <a:defRPr sz="1800" kern="1200">
+                <a:solidFill>
+                  <a:schemeClr val="lt1"/>
+                </a:solidFill>
+                <a:latin typeface="+mn-lt"/>
+                <a:ea typeface="+mn-ea"/>
+                <a:cs typeface="+mn-cs"/>
+              </a:defRPr>
+            </a:lvl2pPr>
+            <a:lvl3pPr marL="914400" algn="l" defTabSz="914400" rtl="0" eaLnBrk="1" latinLnBrk="0" hangingPunct="1">
+              <a:defRPr sz="1800" kern="1200">
+                <a:solidFill>
+                  <a:schemeClr val="lt1"/>
+                </a:solidFill>
+                <a:latin typeface="+mn-lt"/>
+                <a:ea typeface="+mn-ea"/>
+                <a:cs typeface="+mn-cs"/>
+              </a:defRPr>
+            </a:lvl3pPr>
+            <a:lvl4pPr marL="1371600" algn="l" defTabSz="914400" rtl="0" eaLnBrk="1" latinLnBrk="0" hangingPunct="1">
+              <a:defRPr sz="1800" kern="1200">
+                <a:solidFill>
+                  <a:schemeClr val="lt1"/>
+                </a:solidFill>
+                <a:latin typeface="+mn-lt"/>
+                <a:ea typeface="+mn-ea"/>
+                <a:cs typeface="+mn-cs"/>
+              </a:defRPr>
+            </a:lvl4pPr>
+            <a:lvl5pPr marL="1828800" algn="l" defTabSz="914400" rtl="0" eaLnBrk="1" latinLnBrk="0" hangingPunct="1">
+              <a:defRPr sz="1800" kern="1200">
+                <a:solidFill>
+                  <a:schemeClr val="lt1"/>
+                </a:solidFill>
+                <a:latin typeface="+mn-lt"/>
+                <a:ea typeface="+mn-ea"/>
+                <a:cs typeface="+mn-cs"/>
+              </a:defRPr>
+            </a:lvl5pPr>
+            <a:lvl6pPr marL="2286000" algn="l" defTabSz="914400" rtl="0" eaLnBrk="1" latinLnBrk="0" hangingPunct="1">
+              <a:defRPr sz="1800" kern="1200">
+                <a:solidFill>
+                  <a:schemeClr val="lt1"/>
+                </a:solidFill>
+                <a:latin typeface="+mn-lt"/>
+                <a:ea typeface="+mn-ea"/>
+                <a:cs typeface="+mn-cs"/>
+              </a:defRPr>
+            </a:lvl6pPr>
+            <a:lvl7pPr marL="2743200" algn="l" defTabSz="914400" rtl="0" eaLnBrk="1" latinLnBrk="0" hangingPunct="1">
+              <a:defRPr sz="1800" kern="1200">
+                <a:solidFill>
+                  <a:schemeClr val="lt1"/>
+                </a:solidFill>
+                <a:latin typeface="+mn-lt"/>
+                <a:ea typeface="+mn-ea"/>
+                <a:cs typeface="+mn-cs"/>
+              </a:defRPr>
+            </a:lvl7pPr>
+            <a:lvl8pPr marL="3200400" algn="l" defTabSz="914400" rtl="0" eaLnBrk="1" latinLnBrk="0" hangingPunct="1">
+              <a:defRPr sz="1800" kern="1200">
+                <a:solidFill>
+                  <a:schemeClr val="lt1"/>
+                </a:solidFill>
+                <a:latin typeface="+mn-lt"/>
+                <a:ea typeface="+mn-ea"/>
+                <a:cs typeface="+mn-cs"/>
+              </a:defRPr>
+            </a:lvl8pPr>
+            <a:lvl9pPr marL="3657600" algn="l" defTabSz="914400" rtl="0" eaLnBrk="1" latinLnBrk="0" hangingPunct="1">
+              <a:defRPr sz="1800" kern="1200">
+                <a:solidFill>
+                  <a:schemeClr val="lt1"/>
+                </a:solidFill>
+                <a:latin typeface="+mn-lt"/>
+                <a:ea typeface="+mn-ea"/>
+                <a:cs typeface="+mn-cs"/>
+              </a:defRPr>
+            </a:lvl9pPr>
+          </a:lstStyle>
+          <a:p>
+            <a:pPr algn="ctr"/>
+            <a:endParaRPr lang="en-AU"/>
+          </a:p>
+        </p:txBody>
+      </p:sp>
+      <p:cxnSp>
+        <p:nvCxnSpPr>
+          <p:cNvPr id="51" name="Straight Connector 50"/>
+          <p:cNvCxnSpPr/>
+          <p:nvPr/>
+        </p:nvCxnSpPr>
+        <p:spPr>
+          <a:xfrm>
+            <a:off x="4010090" y="2981978"/>
+            <a:ext cx="10964" cy="853171"/>
+          </a:xfrm>
+          <a:prstGeom prst="line">
+            <a:avLst/>
+          </a:prstGeom>
+          <a:ln w="76200" cap="rnd">
+            <a:solidFill>
+              <a:schemeClr val="bg2">
+                <a:lumMod val="90000"/>
+              </a:schemeClr>
+            </a:solidFill>
+          </a:ln>
+        </p:spPr>
+        <p:style>
+          <a:lnRef idx="1">
+            <a:schemeClr val="accent1"/>
+          </a:lnRef>
+          <a:fillRef idx="0">
+            <a:schemeClr val="accent1"/>
+          </a:fillRef>
+          <a:effectRef idx="0">
+            <a:schemeClr val="accent1"/>
+          </a:effectRef>
+          <a:fontRef idx="minor">
+            <a:schemeClr val="tx1"/>
+          </a:fontRef>
+        </p:style>
+      </p:cxnSp>
+      <p:cxnSp>
+        <p:nvCxnSpPr>
+          <p:cNvPr id="52" name="Straight Connector 51"/>
+          <p:cNvCxnSpPr/>
+          <p:nvPr/>
+        </p:nvCxnSpPr>
+        <p:spPr>
+          <a:xfrm>
+            <a:off x="4010086" y="2768387"/>
+            <a:ext cx="0" cy="506062"/>
+          </a:xfrm>
+          <a:prstGeom prst="line">
+            <a:avLst/>
+          </a:prstGeom>
+          <a:ln w="76200" cap="rnd">
+            <a:solidFill>
+              <a:schemeClr val="bg2">
+                <a:lumMod val="50000"/>
+              </a:schemeClr>
+            </a:solidFill>
+          </a:ln>
+        </p:spPr>
+        <p:style>
+          <a:lnRef idx="1">
+            <a:schemeClr val="accent1"/>
+          </a:lnRef>
+          <a:fillRef idx="0">
+            <a:schemeClr val="accent1"/>
+          </a:fillRef>
+          <a:effectRef idx="0">
+            <a:schemeClr val="accent1"/>
+          </a:effectRef>
+          <a:fontRef idx="minor">
+            <a:schemeClr val="tx1"/>
+          </a:fontRef>
+        </p:style>
+      </p:cxnSp>
     </p:spTree>
     <p:extLst>
       <p:ext uri="{BB962C8B-B14F-4D97-AF65-F5344CB8AC3E}">
@@ -30548,7 +31491,7 @@
         <p:spPr>
           <a:xfrm>
             <a:off x="7342956" y="2413261"/>
-            <a:ext cx="1653017" cy="1815882"/>
+            <a:ext cx="2132315" cy="1815882"/>
           </a:xfrm>
           <a:prstGeom prst="rect">
             <a:avLst/>
@@ -30603,7 +31546,11 @@
             <a:pPr lvl="1"/>
             <a:r>
               <a:rPr lang="en-AU" sz="1000" dirty="0" smtClean="0"/>
-              <a:t>3.  Quiz 1</a:t>
+              <a:t>3.  Quiz </a:t>
+            </a:r>
+            <a:r>
+              <a:rPr lang="en-AU" sz="1000" dirty="0" smtClean="0"/>
+              <a:t>1                          60%</a:t>
             </a:r>
             <a:endParaRPr lang="en-AU" sz="1000" b="1" dirty="0" smtClean="0"/>
           </a:p>
@@ -30635,7 +31582,11 @@
             <a:pPr lvl="1"/>
             <a:r>
               <a:rPr lang="en-AU" sz="1000" dirty="0" smtClean="0"/>
-              <a:t>5. Quiz 2</a:t>
+              <a:t>5. Quiz </a:t>
+            </a:r>
+            <a:r>
+              <a:rPr lang="en-AU" sz="1000" dirty="0" smtClean="0"/>
+              <a:t>2                           </a:t>
             </a:r>
             <a:endParaRPr lang="en-AU" sz="1000" dirty="0"/>
           </a:p>
@@ -32537,6 +33488,1359 @@
           </a:prstGeom>
         </p:spPr>
       </p:pic>
+      <p:sp>
+        <p:nvSpPr>
+          <p:cNvPr id="54" name="Rectangle 53"/>
+          <p:cNvSpPr/>
+          <p:nvPr/>
+        </p:nvSpPr>
+        <p:spPr>
+          <a:xfrm>
+            <a:off x="9082667" y="2485977"/>
+            <a:ext cx="282021" cy="172061"/>
+          </a:xfrm>
+          <a:prstGeom prst="rect">
+            <a:avLst/>
+          </a:prstGeom>
+          <a:noFill/>
+          <a:ln w="25400">
+            <a:solidFill>
+              <a:schemeClr val="tx1"/>
+            </a:solidFill>
+          </a:ln>
+        </p:spPr>
+        <p:style>
+          <a:lnRef idx="2">
+            <a:schemeClr val="accent1">
+              <a:shade val="50000"/>
+            </a:schemeClr>
+          </a:lnRef>
+          <a:fillRef idx="1">
+            <a:schemeClr val="accent1"/>
+          </a:fillRef>
+          <a:effectRef idx="0">
+            <a:schemeClr val="accent1"/>
+          </a:effectRef>
+          <a:fontRef idx="minor">
+            <a:schemeClr val="lt1"/>
+          </a:fontRef>
+        </p:style>
+        <p:txBody>
+          <a:bodyPr rtlCol="0" anchor="ctr"/>
+          <a:lstStyle/>
+          <a:p>
+            <a:pPr algn="ctr"/>
+            <a:endParaRPr lang="en-AU"/>
+          </a:p>
+        </p:txBody>
+      </p:sp>
+      <p:sp>
+        <p:nvSpPr>
+          <p:cNvPr id="55" name="Isosceles Triangle 54"/>
+          <p:cNvSpPr/>
+          <p:nvPr/>
+        </p:nvSpPr>
+        <p:spPr>
+          <a:xfrm rot="10800000">
+            <a:off x="9104317" y="2491508"/>
+            <a:ext cx="235902" cy="94859"/>
+          </a:xfrm>
+          <a:prstGeom prst="triangle">
+            <a:avLst/>
+          </a:prstGeom>
+          <a:noFill/>
+          <a:ln w="25400">
+            <a:solidFill>
+              <a:schemeClr val="tx1"/>
+            </a:solidFill>
+          </a:ln>
+        </p:spPr>
+        <p:style>
+          <a:lnRef idx="2">
+            <a:schemeClr val="accent1">
+              <a:shade val="50000"/>
+            </a:schemeClr>
+          </a:lnRef>
+          <a:fillRef idx="1">
+            <a:schemeClr val="accent1"/>
+          </a:fillRef>
+          <a:effectRef idx="0">
+            <a:schemeClr val="accent1"/>
+          </a:effectRef>
+          <a:fontRef idx="minor">
+            <a:schemeClr val="lt1"/>
+          </a:fontRef>
+        </p:style>
+        <p:txBody>
+          <a:bodyPr rtlCol="0" anchor="ctr"/>
+          <a:lstStyle/>
+          <a:p>
+            <a:pPr algn="ctr"/>
+            <a:endParaRPr lang="en-AU"/>
+          </a:p>
+        </p:txBody>
+      </p:sp>
+      <p:sp>
+        <p:nvSpPr>
+          <p:cNvPr id="56" name="Rectangle 55"/>
+          <p:cNvSpPr/>
+          <p:nvPr/>
+        </p:nvSpPr>
+        <p:spPr>
+          <a:xfrm>
+            <a:off x="9129781" y="2783676"/>
+            <a:ext cx="166091" cy="154475"/>
+          </a:xfrm>
+          <a:prstGeom prst="rect">
+            <a:avLst/>
+          </a:prstGeom>
+          <a:noFill/>
+        </p:spPr>
+        <p:style>
+          <a:lnRef idx="2">
+            <a:schemeClr val="accent1">
+              <a:shade val="50000"/>
+            </a:schemeClr>
+          </a:lnRef>
+          <a:fillRef idx="1">
+            <a:schemeClr val="accent1"/>
+          </a:fillRef>
+          <a:effectRef idx="0">
+            <a:schemeClr val="accent1"/>
+          </a:effectRef>
+          <a:fontRef idx="minor">
+            <a:schemeClr val="lt1"/>
+          </a:fontRef>
+        </p:style>
+        <p:txBody>
+          <a:bodyPr rtlCol="0" anchor="ctr"/>
+          <a:lstStyle>
+            <a:defPPr>
+              <a:defRPr lang="en-US"/>
+            </a:defPPr>
+            <a:lvl1pPr marL="0" algn="l" defTabSz="914400" rtl="0" eaLnBrk="1" latinLnBrk="0" hangingPunct="1">
+              <a:defRPr sz="1800" kern="1200">
+                <a:solidFill>
+                  <a:schemeClr val="lt1"/>
+                </a:solidFill>
+                <a:latin typeface="+mn-lt"/>
+                <a:ea typeface="+mn-ea"/>
+                <a:cs typeface="+mn-cs"/>
+              </a:defRPr>
+            </a:lvl1pPr>
+            <a:lvl2pPr marL="457200" algn="l" defTabSz="914400" rtl="0" eaLnBrk="1" latinLnBrk="0" hangingPunct="1">
+              <a:defRPr sz="1800" kern="1200">
+                <a:solidFill>
+                  <a:schemeClr val="lt1"/>
+                </a:solidFill>
+                <a:latin typeface="+mn-lt"/>
+                <a:ea typeface="+mn-ea"/>
+                <a:cs typeface="+mn-cs"/>
+              </a:defRPr>
+            </a:lvl2pPr>
+            <a:lvl3pPr marL="914400" algn="l" defTabSz="914400" rtl="0" eaLnBrk="1" latinLnBrk="0" hangingPunct="1">
+              <a:defRPr sz="1800" kern="1200">
+                <a:solidFill>
+                  <a:schemeClr val="lt1"/>
+                </a:solidFill>
+                <a:latin typeface="+mn-lt"/>
+                <a:ea typeface="+mn-ea"/>
+                <a:cs typeface="+mn-cs"/>
+              </a:defRPr>
+            </a:lvl3pPr>
+            <a:lvl4pPr marL="1371600" algn="l" defTabSz="914400" rtl="0" eaLnBrk="1" latinLnBrk="0" hangingPunct="1">
+              <a:defRPr sz="1800" kern="1200">
+                <a:solidFill>
+                  <a:schemeClr val="lt1"/>
+                </a:solidFill>
+                <a:latin typeface="+mn-lt"/>
+                <a:ea typeface="+mn-ea"/>
+                <a:cs typeface="+mn-cs"/>
+              </a:defRPr>
+            </a:lvl4pPr>
+            <a:lvl5pPr marL="1828800" algn="l" defTabSz="914400" rtl="0" eaLnBrk="1" latinLnBrk="0" hangingPunct="1">
+              <a:defRPr sz="1800" kern="1200">
+                <a:solidFill>
+                  <a:schemeClr val="lt1"/>
+                </a:solidFill>
+                <a:latin typeface="+mn-lt"/>
+                <a:ea typeface="+mn-ea"/>
+                <a:cs typeface="+mn-cs"/>
+              </a:defRPr>
+            </a:lvl5pPr>
+            <a:lvl6pPr marL="2286000" algn="l" defTabSz="914400" rtl="0" eaLnBrk="1" latinLnBrk="0" hangingPunct="1">
+              <a:defRPr sz="1800" kern="1200">
+                <a:solidFill>
+                  <a:schemeClr val="lt1"/>
+                </a:solidFill>
+                <a:latin typeface="+mn-lt"/>
+                <a:ea typeface="+mn-ea"/>
+                <a:cs typeface="+mn-cs"/>
+              </a:defRPr>
+            </a:lvl6pPr>
+            <a:lvl7pPr marL="2743200" algn="l" defTabSz="914400" rtl="0" eaLnBrk="1" latinLnBrk="0" hangingPunct="1">
+              <a:defRPr sz="1800" kern="1200">
+                <a:solidFill>
+                  <a:schemeClr val="lt1"/>
+                </a:solidFill>
+                <a:latin typeface="+mn-lt"/>
+                <a:ea typeface="+mn-ea"/>
+                <a:cs typeface="+mn-cs"/>
+              </a:defRPr>
+            </a:lvl7pPr>
+            <a:lvl8pPr marL="3200400" algn="l" defTabSz="914400" rtl="0" eaLnBrk="1" latinLnBrk="0" hangingPunct="1">
+              <a:defRPr sz="1800" kern="1200">
+                <a:solidFill>
+                  <a:schemeClr val="lt1"/>
+                </a:solidFill>
+                <a:latin typeface="+mn-lt"/>
+                <a:ea typeface="+mn-ea"/>
+                <a:cs typeface="+mn-cs"/>
+              </a:defRPr>
+            </a:lvl8pPr>
+            <a:lvl9pPr marL="3657600" algn="l" defTabSz="914400" rtl="0" eaLnBrk="1" latinLnBrk="0" hangingPunct="1">
+              <a:defRPr sz="1800" kern="1200">
+                <a:solidFill>
+                  <a:schemeClr val="lt1"/>
+                </a:solidFill>
+                <a:latin typeface="+mn-lt"/>
+                <a:ea typeface="+mn-ea"/>
+                <a:cs typeface="+mn-cs"/>
+              </a:defRPr>
+            </a:lvl9pPr>
+          </a:lstStyle>
+          <a:p>
+            <a:pPr algn="ctr"/>
+            <a:endParaRPr lang="en-AU"/>
+          </a:p>
+        </p:txBody>
+      </p:sp>
+      <p:sp>
+        <p:nvSpPr>
+          <p:cNvPr id="57" name="Rectangle 56"/>
+          <p:cNvSpPr/>
+          <p:nvPr/>
+        </p:nvSpPr>
+        <p:spPr>
+          <a:xfrm>
+            <a:off x="9017785" y="2676083"/>
+            <a:ext cx="415498" cy="277485"/>
+          </a:xfrm>
+          <a:prstGeom prst="rect">
+            <a:avLst/>
+          </a:prstGeom>
+        </p:spPr>
+        <p:txBody>
+          <a:bodyPr wrap="none">
+            <a:spAutoFit/>
+          </a:bodyPr>
+          <a:lstStyle>
+            <a:defPPr>
+              <a:defRPr lang="en-US"/>
+            </a:defPPr>
+            <a:lvl1pPr marL="0" algn="l" defTabSz="914400" rtl="0" eaLnBrk="1" latinLnBrk="0" hangingPunct="1">
+              <a:defRPr sz="1800" kern="1200">
+                <a:solidFill>
+                  <a:schemeClr val="tx1"/>
+                </a:solidFill>
+                <a:latin typeface="+mn-lt"/>
+                <a:ea typeface="+mn-ea"/>
+                <a:cs typeface="+mn-cs"/>
+              </a:defRPr>
+            </a:lvl1pPr>
+            <a:lvl2pPr marL="457200" algn="l" defTabSz="914400" rtl="0" eaLnBrk="1" latinLnBrk="0" hangingPunct="1">
+              <a:defRPr sz="1800" kern="1200">
+                <a:solidFill>
+                  <a:schemeClr val="tx1"/>
+                </a:solidFill>
+                <a:latin typeface="+mn-lt"/>
+                <a:ea typeface="+mn-ea"/>
+                <a:cs typeface="+mn-cs"/>
+              </a:defRPr>
+            </a:lvl2pPr>
+            <a:lvl3pPr marL="914400" algn="l" defTabSz="914400" rtl="0" eaLnBrk="1" latinLnBrk="0" hangingPunct="1">
+              <a:defRPr sz="1800" kern="1200">
+                <a:solidFill>
+                  <a:schemeClr val="tx1"/>
+                </a:solidFill>
+                <a:latin typeface="+mn-lt"/>
+                <a:ea typeface="+mn-ea"/>
+                <a:cs typeface="+mn-cs"/>
+              </a:defRPr>
+            </a:lvl3pPr>
+            <a:lvl4pPr marL="1371600" algn="l" defTabSz="914400" rtl="0" eaLnBrk="1" latinLnBrk="0" hangingPunct="1">
+              <a:defRPr sz="1800" kern="1200">
+                <a:solidFill>
+                  <a:schemeClr val="tx1"/>
+                </a:solidFill>
+                <a:latin typeface="+mn-lt"/>
+                <a:ea typeface="+mn-ea"/>
+                <a:cs typeface="+mn-cs"/>
+              </a:defRPr>
+            </a:lvl4pPr>
+            <a:lvl5pPr marL="1828800" algn="l" defTabSz="914400" rtl="0" eaLnBrk="1" latinLnBrk="0" hangingPunct="1">
+              <a:defRPr sz="1800" kern="1200">
+                <a:solidFill>
+                  <a:schemeClr val="tx1"/>
+                </a:solidFill>
+                <a:latin typeface="+mn-lt"/>
+                <a:ea typeface="+mn-ea"/>
+                <a:cs typeface="+mn-cs"/>
+              </a:defRPr>
+            </a:lvl5pPr>
+            <a:lvl6pPr marL="2286000" algn="l" defTabSz="914400" rtl="0" eaLnBrk="1" latinLnBrk="0" hangingPunct="1">
+              <a:defRPr sz="1800" kern="1200">
+                <a:solidFill>
+                  <a:schemeClr val="tx1"/>
+                </a:solidFill>
+                <a:latin typeface="+mn-lt"/>
+                <a:ea typeface="+mn-ea"/>
+                <a:cs typeface="+mn-cs"/>
+              </a:defRPr>
+            </a:lvl6pPr>
+            <a:lvl7pPr marL="2743200" algn="l" defTabSz="914400" rtl="0" eaLnBrk="1" latinLnBrk="0" hangingPunct="1">
+              <a:defRPr sz="1800" kern="1200">
+                <a:solidFill>
+                  <a:schemeClr val="tx1"/>
+                </a:solidFill>
+                <a:latin typeface="+mn-lt"/>
+                <a:ea typeface="+mn-ea"/>
+                <a:cs typeface="+mn-cs"/>
+              </a:defRPr>
+            </a:lvl7pPr>
+            <a:lvl8pPr marL="3200400" algn="l" defTabSz="914400" rtl="0" eaLnBrk="1" latinLnBrk="0" hangingPunct="1">
+              <a:defRPr sz="1800" kern="1200">
+                <a:solidFill>
+                  <a:schemeClr val="tx1"/>
+                </a:solidFill>
+                <a:latin typeface="+mn-lt"/>
+                <a:ea typeface="+mn-ea"/>
+                <a:cs typeface="+mn-cs"/>
+              </a:defRPr>
+            </a:lvl8pPr>
+            <a:lvl9pPr marL="3657600" algn="l" defTabSz="914400" rtl="0" eaLnBrk="1" latinLnBrk="0" hangingPunct="1">
+              <a:defRPr sz="1800" kern="1200">
+                <a:solidFill>
+                  <a:schemeClr val="tx1"/>
+                </a:solidFill>
+                <a:latin typeface="+mn-lt"/>
+                <a:ea typeface="+mn-ea"/>
+                <a:cs typeface="+mn-cs"/>
+              </a:defRPr>
+            </a:lvl9pPr>
+          </a:lstStyle>
+          <a:p>
+            <a:r>
+              <a:rPr lang="en-AU" dirty="0" smtClean="0">
+                <a:effectLst/>
+                <a:latin typeface="Webdings" panose="05030102010509060703" pitchFamily="18" charset="2"/>
+                <a:ea typeface="Calibri" panose="020F0502020204030204" pitchFamily="34" charset="0"/>
+                <a:cs typeface="Times New Roman" panose="02020603050405020304" pitchFamily="18" charset="0"/>
+              </a:rPr>
+              <a:t>a</a:t>
+            </a:r>
+            <a:endParaRPr lang="en-AU" dirty="0"/>
+          </a:p>
+        </p:txBody>
+      </p:sp>
+      <p:sp>
+        <p:nvSpPr>
+          <p:cNvPr id="60" name="Rectangle 59"/>
+          <p:cNvSpPr/>
+          <p:nvPr/>
+        </p:nvSpPr>
+        <p:spPr>
+          <a:xfrm>
+            <a:off x="9125015" y="2993228"/>
+            <a:ext cx="166091" cy="154475"/>
+          </a:xfrm>
+          <a:prstGeom prst="rect">
+            <a:avLst/>
+          </a:prstGeom>
+          <a:noFill/>
+        </p:spPr>
+        <p:style>
+          <a:lnRef idx="2">
+            <a:schemeClr val="accent1">
+              <a:shade val="50000"/>
+            </a:schemeClr>
+          </a:lnRef>
+          <a:fillRef idx="1">
+            <a:schemeClr val="accent1"/>
+          </a:fillRef>
+          <a:effectRef idx="0">
+            <a:schemeClr val="accent1"/>
+          </a:effectRef>
+          <a:fontRef idx="minor">
+            <a:schemeClr val="lt1"/>
+          </a:fontRef>
+        </p:style>
+        <p:txBody>
+          <a:bodyPr rtlCol="0" anchor="ctr"/>
+          <a:lstStyle>
+            <a:defPPr>
+              <a:defRPr lang="en-US"/>
+            </a:defPPr>
+            <a:lvl1pPr marL="0" algn="l" defTabSz="914400" rtl="0" eaLnBrk="1" latinLnBrk="0" hangingPunct="1">
+              <a:defRPr sz="1800" kern="1200">
+                <a:solidFill>
+                  <a:schemeClr val="lt1"/>
+                </a:solidFill>
+                <a:latin typeface="+mn-lt"/>
+                <a:ea typeface="+mn-ea"/>
+                <a:cs typeface="+mn-cs"/>
+              </a:defRPr>
+            </a:lvl1pPr>
+            <a:lvl2pPr marL="457200" algn="l" defTabSz="914400" rtl="0" eaLnBrk="1" latinLnBrk="0" hangingPunct="1">
+              <a:defRPr sz="1800" kern="1200">
+                <a:solidFill>
+                  <a:schemeClr val="lt1"/>
+                </a:solidFill>
+                <a:latin typeface="+mn-lt"/>
+                <a:ea typeface="+mn-ea"/>
+                <a:cs typeface="+mn-cs"/>
+              </a:defRPr>
+            </a:lvl2pPr>
+            <a:lvl3pPr marL="914400" algn="l" defTabSz="914400" rtl="0" eaLnBrk="1" latinLnBrk="0" hangingPunct="1">
+              <a:defRPr sz="1800" kern="1200">
+                <a:solidFill>
+                  <a:schemeClr val="lt1"/>
+                </a:solidFill>
+                <a:latin typeface="+mn-lt"/>
+                <a:ea typeface="+mn-ea"/>
+                <a:cs typeface="+mn-cs"/>
+              </a:defRPr>
+            </a:lvl3pPr>
+            <a:lvl4pPr marL="1371600" algn="l" defTabSz="914400" rtl="0" eaLnBrk="1" latinLnBrk="0" hangingPunct="1">
+              <a:defRPr sz="1800" kern="1200">
+                <a:solidFill>
+                  <a:schemeClr val="lt1"/>
+                </a:solidFill>
+                <a:latin typeface="+mn-lt"/>
+                <a:ea typeface="+mn-ea"/>
+                <a:cs typeface="+mn-cs"/>
+              </a:defRPr>
+            </a:lvl4pPr>
+            <a:lvl5pPr marL="1828800" algn="l" defTabSz="914400" rtl="0" eaLnBrk="1" latinLnBrk="0" hangingPunct="1">
+              <a:defRPr sz="1800" kern="1200">
+                <a:solidFill>
+                  <a:schemeClr val="lt1"/>
+                </a:solidFill>
+                <a:latin typeface="+mn-lt"/>
+                <a:ea typeface="+mn-ea"/>
+                <a:cs typeface="+mn-cs"/>
+              </a:defRPr>
+            </a:lvl5pPr>
+            <a:lvl6pPr marL="2286000" algn="l" defTabSz="914400" rtl="0" eaLnBrk="1" latinLnBrk="0" hangingPunct="1">
+              <a:defRPr sz="1800" kern="1200">
+                <a:solidFill>
+                  <a:schemeClr val="lt1"/>
+                </a:solidFill>
+                <a:latin typeface="+mn-lt"/>
+                <a:ea typeface="+mn-ea"/>
+                <a:cs typeface="+mn-cs"/>
+              </a:defRPr>
+            </a:lvl6pPr>
+            <a:lvl7pPr marL="2743200" algn="l" defTabSz="914400" rtl="0" eaLnBrk="1" latinLnBrk="0" hangingPunct="1">
+              <a:defRPr sz="1800" kern="1200">
+                <a:solidFill>
+                  <a:schemeClr val="lt1"/>
+                </a:solidFill>
+                <a:latin typeface="+mn-lt"/>
+                <a:ea typeface="+mn-ea"/>
+                <a:cs typeface="+mn-cs"/>
+              </a:defRPr>
+            </a:lvl7pPr>
+            <a:lvl8pPr marL="3200400" algn="l" defTabSz="914400" rtl="0" eaLnBrk="1" latinLnBrk="0" hangingPunct="1">
+              <a:defRPr sz="1800" kern="1200">
+                <a:solidFill>
+                  <a:schemeClr val="lt1"/>
+                </a:solidFill>
+                <a:latin typeface="+mn-lt"/>
+                <a:ea typeface="+mn-ea"/>
+                <a:cs typeface="+mn-cs"/>
+              </a:defRPr>
+            </a:lvl8pPr>
+            <a:lvl9pPr marL="3657600" algn="l" defTabSz="914400" rtl="0" eaLnBrk="1" latinLnBrk="0" hangingPunct="1">
+              <a:defRPr sz="1800" kern="1200">
+                <a:solidFill>
+                  <a:schemeClr val="lt1"/>
+                </a:solidFill>
+                <a:latin typeface="+mn-lt"/>
+                <a:ea typeface="+mn-ea"/>
+                <a:cs typeface="+mn-cs"/>
+              </a:defRPr>
+            </a:lvl9pPr>
+          </a:lstStyle>
+          <a:p>
+            <a:pPr algn="ctr"/>
+            <a:endParaRPr lang="en-AU"/>
+          </a:p>
+        </p:txBody>
+      </p:sp>
+      <p:sp>
+        <p:nvSpPr>
+          <p:cNvPr id="74" name="Rectangle 73"/>
+          <p:cNvSpPr/>
+          <p:nvPr/>
+        </p:nvSpPr>
+        <p:spPr>
+          <a:xfrm>
+            <a:off x="9013019" y="2885635"/>
+            <a:ext cx="415498" cy="277485"/>
+          </a:xfrm>
+          <a:prstGeom prst="rect">
+            <a:avLst/>
+          </a:prstGeom>
+        </p:spPr>
+        <p:txBody>
+          <a:bodyPr wrap="none">
+            <a:spAutoFit/>
+          </a:bodyPr>
+          <a:lstStyle>
+            <a:defPPr>
+              <a:defRPr lang="en-US"/>
+            </a:defPPr>
+            <a:lvl1pPr marL="0" algn="l" defTabSz="914400" rtl="0" eaLnBrk="1" latinLnBrk="0" hangingPunct="1">
+              <a:defRPr sz="1800" kern="1200">
+                <a:solidFill>
+                  <a:schemeClr val="tx1"/>
+                </a:solidFill>
+                <a:latin typeface="+mn-lt"/>
+                <a:ea typeface="+mn-ea"/>
+                <a:cs typeface="+mn-cs"/>
+              </a:defRPr>
+            </a:lvl1pPr>
+            <a:lvl2pPr marL="457200" algn="l" defTabSz="914400" rtl="0" eaLnBrk="1" latinLnBrk="0" hangingPunct="1">
+              <a:defRPr sz="1800" kern="1200">
+                <a:solidFill>
+                  <a:schemeClr val="tx1"/>
+                </a:solidFill>
+                <a:latin typeface="+mn-lt"/>
+                <a:ea typeface="+mn-ea"/>
+                <a:cs typeface="+mn-cs"/>
+              </a:defRPr>
+            </a:lvl2pPr>
+            <a:lvl3pPr marL="914400" algn="l" defTabSz="914400" rtl="0" eaLnBrk="1" latinLnBrk="0" hangingPunct="1">
+              <a:defRPr sz="1800" kern="1200">
+                <a:solidFill>
+                  <a:schemeClr val="tx1"/>
+                </a:solidFill>
+                <a:latin typeface="+mn-lt"/>
+                <a:ea typeface="+mn-ea"/>
+                <a:cs typeface="+mn-cs"/>
+              </a:defRPr>
+            </a:lvl3pPr>
+            <a:lvl4pPr marL="1371600" algn="l" defTabSz="914400" rtl="0" eaLnBrk="1" latinLnBrk="0" hangingPunct="1">
+              <a:defRPr sz="1800" kern="1200">
+                <a:solidFill>
+                  <a:schemeClr val="tx1"/>
+                </a:solidFill>
+                <a:latin typeface="+mn-lt"/>
+                <a:ea typeface="+mn-ea"/>
+                <a:cs typeface="+mn-cs"/>
+              </a:defRPr>
+            </a:lvl4pPr>
+            <a:lvl5pPr marL="1828800" algn="l" defTabSz="914400" rtl="0" eaLnBrk="1" latinLnBrk="0" hangingPunct="1">
+              <a:defRPr sz="1800" kern="1200">
+                <a:solidFill>
+                  <a:schemeClr val="tx1"/>
+                </a:solidFill>
+                <a:latin typeface="+mn-lt"/>
+                <a:ea typeface="+mn-ea"/>
+                <a:cs typeface="+mn-cs"/>
+              </a:defRPr>
+            </a:lvl5pPr>
+            <a:lvl6pPr marL="2286000" algn="l" defTabSz="914400" rtl="0" eaLnBrk="1" latinLnBrk="0" hangingPunct="1">
+              <a:defRPr sz="1800" kern="1200">
+                <a:solidFill>
+                  <a:schemeClr val="tx1"/>
+                </a:solidFill>
+                <a:latin typeface="+mn-lt"/>
+                <a:ea typeface="+mn-ea"/>
+                <a:cs typeface="+mn-cs"/>
+              </a:defRPr>
+            </a:lvl6pPr>
+            <a:lvl7pPr marL="2743200" algn="l" defTabSz="914400" rtl="0" eaLnBrk="1" latinLnBrk="0" hangingPunct="1">
+              <a:defRPr sz="1800" kern="1200">
+                <a:solidFill>
+                  <a:schemeClr val="tx1"/>
+                </a:solidFill>
+                <a:latin typeface="+mn-lt"/>
+                <a:ea typeface="+mn-ea"/>
+                <a:cs typeface="+mn-cs"/>
+              </a:defRPr>
+            </a:lvl7pPr>
+            <a:lvl8pPr marL="3200400" algn="l" defTabSz="914400" rtl="0" eaLnBrk="1" latinLnBrk="0" hangingPunct="1">
+              <a:defRPr sz="1800" kern="1200">
+                <a:solidFill>
+                  <a:schemeClr val="tx1"/>
+                </a:solidFill>
+                <a:latin typeface="+mn-lt"/>
+                <a:ea typeface="+mn-ea"/>
+                <a:cs typeface="+mn-cs"/>
+              </a:defRPr>
+            </a:lvl8pPr>
+            <a:lvl9pPr marL="3657600" algn="l" defTabSz="914400" rtl="0" eaLnBrk="1" latinLnBrk="0" hangingPunct="1">
+              <a:defRPr sz="1800" kern="1200">
+                <a:solidFill>
+                  <a:schemeClr val="tx1"/>
+                </a:solidFill>
+                <a:latin typeface="+mn-lt"/>
+                <a:ea typeface="+mn-ea"/>
+                <a:cs typeface="+mn-cs"/>
+              </a:defRPr>
+            </a:lvl9pPr>
+          </a:lstStyle>
+          <a:p>
+            <a:r>
+              <a:rPr lang="en-AU" dirty="0" smtClean="0">
+                <a:effectLst/>
+                <a:latin typeface="Webdings" panose="05030102010509060703" pitchFamily="18" charset="2"/>
+                <a:ea typeface="Calibri" panose="020F0502020204030204" pitchFamily="34" charset="0"/>
+                <a:cs typeface="Times New Roman" panose="02020603050405020304" pitchFamily="18" charset="0"/>
+              </a:rPr>
+              <a:t>a</a:t>
+            </a:r>
+            <a:endParaRPr lang="en-AU" dirty="0"/>
+          </a:p>
+        </p:txBody>
+      </p:sp>
+      <p:sp>
+        <p:nvSpPr>
+          <p:cNvPr id="75" name="Rectangle 74"/>
+          <p:cNvSpPr/>
+          <p:nvPr/>
+        </p:nvSpPr>
+        <p:spPr>
+          <a:xfrm>
+            <a:off x="9129781" y="3340891"/>
+            <a:ext cx="166091" cy="154475"/>
+          </a:xfrm>
+          <a:prstGeom prst="rect">
+            <a:avLst/>
+          </a:prstGeom>
+          <a:noFill/>
+        </p:spPr>
+        <p:style>
+          <a:lnRef idx="2">
+            <a:schemeClr val="accent1">
+              <a:shade val="50000"/>
+            </a:schemeClr>
+          </a:lnRef>
+          <a:fillRef idx="1">
+            <a:schemeClr val="accent1"/>
+          </a:fillRef>
+          <a:effectRef idx="0">
+            <a:schemeClr val="accent1"/>
+          </a:effectRef>
+          <a:fontRef idx="minor">
+            <a:schemeClr val="lt1"/>
+          </a:fontRef>
+        </p:style>
+        <p:txBody>
+          <a:bodyPr rtlCol="0" anchor="ctr"/>
+          <a:lstStyle>
+            <a:defPPr>
+              <a:defRPr lang="en-US"/>
+            </a:defPPr>
+            <a:lvl1pPr marL="0" algn="l" defTabSz="914400" rtl="0" eaLnBrk="1" latinLnBrk="0" hangingPunct="1">
+              <a:defRPr sz="1800" kern="1200">
+                <a:solidFill>
+                  <a:schemeClr val="lt1"/>
+                </a:solidFill>
+                <a:latin typeface="+mn-lt"/>
+                <a:ea typeface="+mn-ea"/>
+                <a:cs typeface="+mn-cs"/>
+              </a:defRPr>
+            </a:lvl1pPr>
+            <a:lvl2pPr marL="457200" algn="l" defTabSz="914400" rtl="0" eaLnBrk="1" latinLnBrk="0" hangingPunct="1">
+              <a:defRPr sz="1800" kern="1200">
+                <a:solidFill>
+                  <a:schemeClr val="lt1"/>
+                </a:solidFill>
+                <a:latin typeface="+mn-lt"/>
+                <a:ea typeface="+mn-ea"/>
+                <a:cs typeface="+mn-cs"/>
+              </a:defRPr>
+            </a:lvl2pPr>
+            <a:lvl3pPr marL="914400" algn="l" defTabSz="914400" rtl="0" eaLnBrk="1" latinLnBrk="0" hangingPunct="1">
+              <a:defRPr sz="1800" kern="1200">
+                <a:solidFill>
+                  <a:schemeClr val="lt1"/>
+                </a:solidFill>
+                <a:latin typeface="+mn-lt"/>
+                <a:ea typeface="+mn-ea"/>
+                <a:cs typeface="+mn-cs"/>
+              </a:defRPr>
+            </a:lvl3pPr>
+            <a:lvl4pPr marL="1371600" algn="l" defTabSz="914400" rtl="0" eaLnBrk="1" latinLnBrk="0" hangingPunct="1">
+              <a:defRPr sz="1800" kern="1200">
+                <a:solidFill>
+                  <a:schemeClr val="lt1"/>
+                </a:solidFill>
+                <a:latin typeface="+mn-lt"/>
+                <a:ea typeface="+mn-ea"/>
+                <a:cs typeface="+mn-cs"/>
+              </a:defRPr>
+            </a:lvl4pPr>
+            <a:lvl5pPr marL="1828800" algn="l" defTabSz="914400" rtl="0" eaLnBrk="1" latinLnBrk="0" hangingPunct="1">
+              <a:defRPr sz="1800" kern="1200">
+                <a:solidFill>
+                  <a:schemeClr val="lt1"/>
+                </a:solidFill>
+                <a:latin typeface="+mn-lt"/>
+                <a:ea typeface="+mn-ea"/>
+                <a:cs typeface="+mn-cs"/>
+              </a:defRPr>
+            </a:lvl5pPr>
+            <a:lvl6pPr marL="2286000" algn="l" defTabSz="914400" rtl="0" eaLnBrk="1" latinLnBrk="0" hangingPunct="1">
+              <a:defRPr sz="1800" kern="1200">
+                <a:solidFill>
+                  <a:schemeClr val="lt1"/>
+                </a:solidFill>
+                <a:latin typeface="+mn-lt"/>
+                <a:ea typeface="+mn-ea"/>
+                <a:cs typeface="+mn-cs"/>
+              </a:defRPr>
+            </a:lvl6pPr>
+            <a:lvl7pPr marL="2743200" algn="l" defTabSz="914400" rtl="0" eaLnBrk="1" latinLnBrk="0" hangingPunct="1">
+              <a:defRPr sz="1800" kern="1200">
+                <a:solidFill>
+                  <a:schemeClr val="lt1"/>
+                </a:solidFill>
+                <a:latin typeface="+mn-lt"/>
+                <a:ea typeface="+mn-ea"/>
+                <a:cs typeface="+mn-cs"/>
+              </a:defRPr>
+            </a:lvl7pPr>
+            <a:lvl8pPr marL="3200400" algn="l" defTabSz="914400" rtl="0" eaLnBrk="1" latinLnBrk="0" hangingPunct="1">
+              <a:defRPr sz="1800" kern="1200">
+                <a:solidFill>
+                  <a:schemeClr val="lt1"/>
+                </a:solidFill>
+                <a:latin typeface="+mn-lt"/>
+                <a:ea typeface="+mn-ea"/>
+                <a:cs typeface="+mn-cs"/>
+              </a:defRPr>
+            </a:lvl8pPr>
+            <a:lvl9pPr marL="3657600" algn="l" defTabSz="914400" rtl="0" eaLnBrk="1" latinLnBrk="0" hangingPunct="1">
+              <a:defRPr sz="1800" kern="1200">
+                <a:solidFill>
+                  <a:schemeClr val="lt1"/>
+                </a:solidFill>
+                <a:latin typeface="+mn-lt"/>
+                <a:ea typeface="+mn-ea"/>
+                <a:cs typeface="+mn-cs"/>
+              </a:defRPr>
+            </a:lvl9pPr>
+          </a:lstStyle>
+          <a:p>
+            <a:pPr algn="ctr"/>
+            <a:endParaRPr lang="en-AU"/>
+          </a:p>
+        </p:txBody>
+      </p:sp>
+      <p:sp>
+        <p:nvSpPr>
+          <p:cNvPr id="76" name="Rectangle 75"/>
+          <p:cNvSpPr/>
+          <p:nvPr/>
+        </p:nvSpPr>
+        <p:spPr>
+          <a:xfrm>
+            <a:off x="9017785" y="3233298"/>
+            <a:ext cx="415498" cy="277485"/>
+          </a:xfrm>
+          <a:prstGeom prst="rect">
+            <a:avLst/>
+          </a:prstGeom>
+        </p:spPr>
+        <p:txBody>
+          <a:bodyPr wrap="none">
+            <a:spAutoFit/>
+          </a:bodyPr>
+          <a:lstStyle>
+            <a:defPPr>
+              <a:defRPr lang="en-US"/>
+            </a:defPPr>
+            <a:lvl1pPr marL="0" algn="l" defTabSz="914400" rtl="0" eaLnBrk="1" latinLnBrk="0" hangingPunct="1">
+              <a:defRPr sz="1800" kern="1200">
+                <a:solidFill>
+                  <a:schemeClr val="tx1"/>
+                </a:solidFill>
+                <a:latin typeface="+mn-lt"/>
+                <a:ea typeface="+mn-ea"/>
+                <a:cs typeface="+mn-cs"/>
+              </a:defRPr>
+            </a:lvl1pPr>
+            <a:lvl2pPr marL="457200" algn="l" defTabSz="914400" rtl="0" eaLnBrk="1" latinLnBrk="0" hangingPunct="1">
+              <a:defRPr sz="1800" kern="1200">
+                <a:solidFill>
+                  <a:schemeClr val="tx1"/>
+                </a:solidFill>
+                <a:latin typeface="+mn-lt"/>
+                <a:ea typeface="+mn-ea"/>
+                <a:cs typeface="+mn-cs"/>
+              </a:defRPr>
+            </a:lvl2pPr>
+            <a:lvl3pPr marL="914400" algn="l" defTabSz="914400" rtl="0" eaLnBrk="1" latinLnBrk="0" hangingPunct="1">
+              <a:defRPr sz="1800" kern="1200">
+                <a:solidFill>
+                  <a:schemeClr val="tx1"/>
+                </a:solidFill>
+                <a:latin typeface="+mn-lt"/>
+                <a:ea typeface="+mn-ea"/>
+                <a:cs typeface="+mn-cs"/>
+              </a:defRPr>
+            </a:lvl3pPr>
+            <a:lvl4pPr marL="1371600" algn="l" defTabSz="914400" rtl="0" eaLnBrk="1" latinLnBrk="0" hangingPunct="1">
+              <a:defRPr sz="1800" kern="1200">
+                <a:solidFill>
+                  <a:schemeClr val="tx1"/>
+                </a:solidFill>
+                <a:latin typeface="+mn-lt"/>
+                <a:ea typeface="+mn-ea"/>
+                <a:cs typeface="+mn-cs"/>
+              </a:defRPr>
+            </a:lvl4pPr>
+            <a:lvl5pPr marL="1828800" algn="l" defTabSz="914400" rtl="0" eaLnBrk="1" latinLnBrk="0" hangingPunct="1">
+              <a:defRPr sz="1800" kern="1200">
+                <a:solidFill>
+                  <a:schemeClr val="tx1"/>
+                </a:solidFill>
+                <a:latin typeface="+mn-lt"/>
+                <a:ea typeface="+mn-ea"/>
+                <a:cs typeface="+mn-cs"/>
+              </a:defRPr>
+            </a:lvl5pPr>
+            <a:lvl6pPr marL="2286000" algn="l" defTabSz="914400" rtl="0" eaLnBrk="1" latinLnBrk="0" hangingPunct="1">
+              <a:defRPr sz="1800" kern="1200">
+                <a:solidFill>
+                  <a:schemeClr val="tx1"/>
+                </a:solidFill>
+                <a:latin typeface="+mn-lt"/>
+                <a:ea typeface="+mn-ea"/>
+                <a:cs typeface="+mn-cs"/>
+              </a:defRPr>
+            </a:lvl6pPr>
+            <a:lvl7pPr marL="2743200" algn="l" defTabSz="914400" rtl="0" eaLnBrk="1" latinLnBrk="0" hangingPunct="1">
+              <a:defRPr sz="1800" kern="1200">
+                <a:solidFill>
+                  <a:schemeClr val="tx1"/>
+                </a:solidFill>
+                <a:latin typeface="+mn-lt"/>
+                <a:ea typeface="+mn-ea"/>
+                <a:cs typeface="+mn-cs"/>
+              </a:defRPr>
+            </a:lvl7pPr>
+            <a:lvl8pPr marL="3200400" algn="l" defTabSz="914400" rtl="0" eaLnBrk="1" latinLnBrk="0" hangingPunct="1">
+              <a:defRPr sz="1800" kern="1200">
+                <a:solidFill>
+                  <a:schemeClr val="tx1"/>
+                </a:solidFill>
+                <a:latin typeface="+mn-lt"/>
+                <a:ea typeface="+mn-ea"/>
+                <a:cs typeface="+mn-cs"/>
+              </a:defRPr>
+            </a:lvl8pPr>
+            <a:lvl9pPr marL="3657600" algn="l" defTabSz="914400" rtl="0" eaLnBrk="1" latinLnBrk="0" hangingPunct="1">
+              <a:defRPr sz="1800" kern="1200">
+                <a:solidFill>
+                  <a:schemeClr val="tx1"/>
+                </a:solidFill>
+                <a:latin typeface="+mn-lt"/>
+                <a:ea typeface="+mn-ea"/>
+                <a:cs typeface="+mn-cs"/>
+              </a:defRPr>
+            </a:lvl9pPr>
+          </a:lstStyle>
+          <a:p>
+            <a:r>
+              <a:rPr lang="en-AU" dirty="0" smtClean="0">
+                <a:effectLst/>
+                <a:latin typeface="Webdings" panose="05030102010509060703" pitchFamily="18" charset="2"/>
+                <a:ea typeface="Calibri" panose="020F0502020204030204" pitchFamily="34" charset="0"/>
+                <a:cs typeface="Times New Roman" panose="02020603050405020304" pitchFamily="18" charset="0"/>
+              </a:rPr>
+              <a:t>a</a:t>
+            </a:r>
+            <a:endParaRPr lang="en-AU" dirty="0"/>
+          </a:p>
+        </p:txBody>
+      </p:sp>
+      <p:sp>
+        <p:nvSpPr>
+          <p:cNvPr id="79" name="Rectangle 78"/>
+          <p:cNvSpPr/>
+          <p:nvPr/>
+        </p:nvSpPr>
+        <p:spPr>
+          <a:xfrm>
+            <a:off x="9120252" y="3731411"/>
+            <a:ext cx="166091" cy="154475"/>
+          </a:xfrm>
+          <a:prstGeom prst="rect">
+            <a:avLst/>
+          </a:prstGeom>
+          <a:noFill/>
+        </p:spPr>
+        <p:style>
+          <a:lnRef idx="2">
+            <a:schemeClr val="accent1">
+              <a:shade val="50000"/>
+            </a:schemeClr>
+          </a:lnRef>
+          <a:fillRef idx="1">
+            <a:schemeClr val="accent1"/>
+          </a:fillRef>
+          <a:effectRef idx="0">
+            <a:schemeClr val="accent1"/>
+          </a:effectRef>
+          <a:fontRef idx="minor">
+            <a:schemeClr val="lt1"/>
+          </a:fontRef>
+        </p:style>
+        <p:txBody>
+          <a:bodyPr rtlCol="0" anchor="ctr"/>
+          <a:lstStyle>
+            <a:defPPr>
+              <a:defRPr lang="en-US"/>
+            </a:defPPr>
+            <a:lvl1pPr marL="0" algn="l" defTabSz="914400" rtl="0" eaLnBrk="1" latinLnBrk="0" hangingPunct="1">
+              <a:defRPr sz="1800" kern="1200">
+                <a:solidFill>
+                  <a:schemeClr val="lt1"/>
+                </a:solidFill>
+                <a:latin typeface="+mn-lt"/>
+                <a:ea typeface="+mn-ea"/>
+                <a:cs typeface="+mn-cs"/>
+              </a:defRPr>
+            </a:lvl1pPr>
+            <a:lvl2pPr marL="457200" algn="l" defTabSz="914400" rtl="0" eaLnBrk="1" latinLnBrk="0" hangingPunct="1">
+              <a:defRPr sz="1800" kern="1200">
+                <a:solidFill>
+                  <a:schemeClr val="lt1"/>
+                </a:solidFill>
+                <a:latin typeface="+mn-lt"/>
+                <a:ea typeface="+mn-ea"/>
+                <a:cs typeface="+mn-cs"/>
+              </a:defRPr>
+            </a:lvl2pPr>
+            <a:lvl3pPr marL="914400" algn="l" defTabSz="914400" rtl="0" eaLnBrk="1" latinLnBrk="0" hangingPunct="1">
+              <a:defRPr sz="1800" kern="1200">
+                <a:solidFill>
+                  <a:schemeClr val="lt1"/>
+                </a:solidFill>
+                <a:latin typeface="+mn-lt"/>
+                <a:ea typeface="+mn-ea"/>
+                <a:cs typeface="+mn-cs"/>
+              </a:defRPr>
+            </a:lvl3pPr>
+            <a:lvl4pPr marL="1371600" algn="l" defTabSz="914400" rtl="0" eaLnBrk="1" latinLnBrk="0" hangingPunct="1">
+              <a:defRPr sz="1800" kern="1200">
+                <a:solidFill>
+                  <a:schemeClr val="lt1"/>
+                </a:solidFill>
+                <a:latin typeface="+mn-lt"/>
+                <a:ea typeface="+mn-ea"/>
+                <a:cs typeface="+mn-cs"/>
+              </a:defRPr>
+            </a:lvl4pPr>
+            <a:lvl5pPr marL="1828800" algn="l" defTabSz="914400" rtl="0" eaLnBrk="1" latinLnBrk="0" hangingPunct="1">
+              <a:defRPr sz="1800" kern="1200">
+                <a:solidFill>
+                  <a:schemeClr val="lt1"/>
+                </a:solidFill>
+                <a:latin typeface="+mn-lt"/>
+                <a:ea typeface="+mn-ea"/>
+                <a:cs typeface="+mn-cs"/>
+              </a:defRPr>
+            </a:lvl5pPr>
+            <a:lvl6pPr marL="2286000" algn="l" defTabSz="914400" rtl="0" eaLnBrk="1" latinLnBrk="0" hangingPunct="1">
+              <a:defRPr sz="1800" kern="1200">
+                <a:solidFill>
+                  <a:schemeClr val="lt1"/>
+                </a:solidFill>
+                <a:latin typeface="+mn-lt"/>
+                <a:ea typeface="+mn-ea"/>
+                <a:cs typeface="+mn-cs"/>
+              </a:defRPr>
+            </a:lvl6pPr>
+            <a:lvl7pPr marL="2743200" algn="l" defTabSz="914400" rtl="0" eaLnBrk="1" latinLnBrk="0" hangingPunct="1">
+              <a:defRPr sz="1800" kern="1200">
+                <a:solidFill>
+                  <a:schemeClr val="lt1"/>
+                </a:solidFill>
+                <a:latin typeface="+mn-lt"/>
+                <a:ea typeface="+mn-ea"/>
+                <a:cs typeface="+mn-cs"/>
+              </a:defRPr>
+            </a:lvl7pPr>
+            <a:lvl8pPr marL="3200400" algn="l" defTabSz="914400" rtl="0" eaLnBrk="1" latinLnBrk="0" hangingPunct="1">
+              <a:defRPr sz="1800" kern="1200">
+                <a:solidFill>
+                  <a:schemeClr val="lt1"/>
+                </a:solidFill>
+                <a:latin typeface="+mn-lt"/>
+                <a:ea typeface="+mn-ea"/>
+                <a:cs typeface="+mn-cs"/>
+              </a:defRPr>
+            </a:lvl8pPr>
+            <a:lvl9pPr marL="3657600" algn="l" defTabSz="914400" rtl="0" eaLnBrk="1" latinLnBrk="0" hangingPunct="1">
+              <a:defRPr sz="1800" kern="1200">
+                <a:solidFill>
+                  <a:schemeClr val="lt1"/>
+                </a:solidFill>
+                <a:latin typeface="+mn-lt"/>
+                <a:ea typeface="+mn-ea"/>
+                <a:cs typeface="+mn-cs"/>
+              </a:defRPr>
+            </a:lvl9pPr>
+          </a:lstStyle>
+          <a:p>
+            <a:pPr algn="ctr"/>
+            <a:endParaRPr lang="en-AU"/>
+          </a:p>
+        </p:txBody>
+      </p:sp>
+      <p:sp>
+        <p:nvSpPr>
+          <p:cNvPr id="81" name="Rectangle 80"/>
+          <p:cNvSpPr/>
+          <p:nvPr/>
+        </p:nvSpPr>
+        <p:spPr>
+          <a:xfrm>
+            <a:off x="9120252" y="3988593"/>
+            <a:ext cx="166091" cy="154475"/>
+          </a:xfrm>
+          <a:prstGeom prst="rect">
+            <a:avLst/>
+          </a:prstGeom>
+          <a:noFill/>
+        </p:spPr>
+        <p:style>
+          <a:lnRef idx="2">
+            <a:schemeClr val="accent1">
+              <a:shade val="50000"/>
+            </a:schemeClr>
+          </a:lnRef>
+          <a:fillRef idx="1">
+            <a:schemeClr val="accent1"/>
+          </a:fillRef>
+          <a:effectRef idx="0">
+            <a:schemeClr val="accent1"/>
+          </a:effectRef>
+          <a:fontRef idx="minor">
+            <a:schemeClr val="lt1"/>
+          </a:fontRef>
+        </p:style>
+        <p:txBody>
+          <a:bodyPr rtlCol="0" anchor="ctr"/>
+          <a:lstStyle>
+            <a:defPPr>
+              <a:defRPr lang="en-US"/>
+            </a:defPPr>
+            <a:lvl1pPr marL="0" algn="l" defTabSz="914400" rtl="0" eaLnBrk="1" latinLnBrk="0" hangingPunct="1">
+              <a:defRPr sz="1800" kern="1200">
+                <a:solidFill>
+                  <a:schemeClr val="lt1"/>
+                </a:solidFill>
+                <a:latin typeface="+mn-lt"/>
+                <a:ea typeface="+mn-ea"/>
+                <a:cs typeface="+mn-cs"/>
+              </a:defRPr>
+            </a:lvl1pPr>
+            <a:lvl2pPr marL="457200" algn="l" defTabSz="914400" rtl="0" eaLnBrk="1" latinLnBrk="0" hangingPunct="1">
+              <a:defRPr sz="1800" kern="1200">
+                <a:solidFill>
+                  <a:schemeClr val="lt1"/>
+                </a:solidFill>
+                <a:latin typeface="+mn-lt"/>
+                <a:ea typeface="+mn-ea"/>
+                <a:cs typeface="+mn-cs"/>
+              </a:defRPr>
+            </a:lvl2pPr>
+            <a:lvl3pPr marL="914400" algn="l" defTabSz="914400" rtl="0" eaLnBrk="1" latinLnBrk="0" hangingPunct="1">
+              <a:defRPr sz="1800" kern="1200">
+                <a:solidFill>
+                  <a:schemeClr val="lt1"/>
+                </a:solidFill>
+                <a:latin typeface="+mn-lt"/>
+                <a:ea typeface="+mn-ea"/>
+                <a:cs typeface="+mn-cs"/>
+              </a:defRPr>
+            </a:lvl3pPr>
+            <a:lvl4pPr marL="1371600" algn="l" defTabSz="914400" rtl="0" eaLnBrk="1" latinLnBrk="0" hangingPunct="1">
+              <a:defRPr sz="1800" kern="1200">
+                <a:solidFill>
+                  <a:schemeClr val="lt1"/>
+                </a:solidFill>
+                <a:latin typeface="+mn-lt"/>
+                <a:ea typeface="+mn-ea"/>
+                <a:cs typeface="+mn-cs"/>
+              </a:defRPr>
+            </a:lvl4pPr>
+            <a:lvl5pPr marL="1828800" algn="l" defTabSz="914400" rtl="0" eaLnBrk="1" latinLnBrk="0" hangingPunct="1">
+              <a:defRPr sz="1800" kern="1200">
+                <a:solidFill>
+                  <a:schemeClr val="lt1"/>
+                </a:solidFill>
+                <a:latin typeface="+mn-lt"/>
+                <a:ea typeface="+mn-ea"/>
+                <a:cs typeface="+mn-cs"/>
+              </a:defRPr>
+            </a:lvl5pPr>
+            <a:lvl6pPr marL="2286000" algn="l" defTabSz="914400" rtl="0" eaLnBrk="1" latinLnBrk="0" hangingPunct="1">
+              <a:defRPr sz="1800" kern="1200">
+                <a:solidFill>
+                  <a:schemeClr val="lt1"/>
+                </a:solidFill>
+                <a:latin typeface="+mn-lt"/>
+                <a:ea typeface="+mn-ea"/>
+                <a:cs typeface="+mn-cs"/>
+              </a:defRPr>
+            </a:lvl6pPr>
+            <a:lvl7pPr marL="2743200" algn="l" defTabSz="914400" rtl="0" eaLnBrk="1" latinLnBrk="0" hangingPunct="1">
+              <a:defRPr sz="1800" kern="1200">
+                <a:solidFill>
+                  <a:schemeClr val="lt1"/>
+                </a:solidFill>
+                <a:latin typeface="+mn-lt"/>
+                <a:ea typeface="+mn-ea"/>
+                <a:cs typeface="+mn-cs"/>
+              </a:defRPr>
+            </a:lvl7pPr>
+            <a:lvl8pPr marL="3200400" algn="l" defTabSz="914400" rtl="0" eaLnBrk="1" latinLnBrk="0" hangingPunct="1">
+              <a:defRPr sz="1800" kern="1200">
+                <a:solidFill>
+                  <a:schemeClr val="lt1"/>
+                </a:solidFill>
+                <a:latin typeface="+mn-lt"/>
+                <a:ea typeface="+mn-ea"/>
+                <a:cs typeface="+mn-cs"/>
+              </a:defRPr>
+            </a:lvl8pPr>
+            <a:lvl9pPr marL="3657600" algn="l" defTabSz="914400" rtl="0" eaLnBrk="1" latinLnBrk="0" hangingPunct="1">
+              <a:defRPr sz="1800" kern="1200">
+                <a:solidFill>
+                  <a:schemeClr val="lt1"/>
+                </a:solidFill>
+                <a:latin typeface="+mn-lt"/>
+                <a:ea typeface="+mn-ea"/>
+                <a:cs typeface="+mn-cs"/>
+              </a:defRPr>
+            </a:lvl9pPr>
+          </a:lstStyle>
+          <a:p>
+            <a:pPr algn="ctr"/>
+            <a:endParaRPr lang="en-AU"/>
+          </a:p>
+        </p:txBody>
+      </p:sp>
+      <p:sp>
+        <p:nvSpPr>
+          <p:cNvPr id="82" name="Rectangle 81"/>
+          <p:cNvSpPr/>
+          <p:nvPr/>
+        </p:nvSpPr>
+        <p:spPr>
+          <a:xfrm>
+            <a:off x="9008256" y="3881000"/>
+            <a:ext cx="415498" cy="277485"/>
+          </a:xfrm>
+          <a:prstGeom prst="rect">
+            <a:avLst/>
+          </a:prstGeom>
+        </p:spPr>
+        <p:txBody>
+          <a:bodyPr wrap="none">
+            <a:spAutoFit/>
+          </a:bodyPr>
+          <a:lstStyle>
+            <a:defPPr>
+              <a:defRPr lang="en-US"/>
+            </a:defPPr>
+            <a:lvl1pPr marL="0" algn="l" defTabSz="914400" rtl="0" eaLnBrk="1" latinLnBrk="0" hangingPunct="1">
+              <a:defRPr sz="1800" kern="1200">
+                <a:solidFill>
+                  <a:schemeClr val="tx1"/>
+                </a:solidFill>
+                <a:latin typeface="+mn-lt"/>
+                <a:ea typeface="+mn-ea"/>
+                <a:cs typeface="+mn-cs"/>
+              </a:defRPr>
+            </a:lvl1pPr>
+            <a:lvl2pPr marL="457200" algn="l" defTabSz="914400" rtl="0" eaLnBrk="1" latinLnBrk="0" hangingPunct="1">
+              <a:defRPr sz="1800" kern="1200">
+                <a:solidFill>
+                  <a:schemeClr val="tx1"/>
+                </a:solidFill>
+                <a:latin typeface="+mn-lt"/>
+                <a:ea typeface="+mn-ea"/>
+                <a:cs typeface="+mn-cs"/>
+              </a:defRPr>
+            </a:lvl2pPr>
+            <a:lvl3pPr marL="914400" algn="l" defTabSz="914400" rtl="0" eaLnBrk="1" latinLnBrk="0" hangingPunct="1">
+              <a:defRPr sz="1800" kern="1200">
+                <a:solidFill>
+                  <a:schemeClr val="tx1"/>
+                </a:solidFill>
+                <a:latin typeface="+mn-lt"/>
+                <a:ea typeface="+mn-ea"/>
+                <a:cs typeface="+mn-cs"/>
+              </a:defRPr>
+            </a:lvl3pPr>
+            <a:lvl4pPr marL="1371600" algn="l" defTabSz="914400" rtl="0" eaLnBrk="1" latinLnBrk="0" hangingPunct="1">
+              <a:defRPr sz="1800" kern="1200">
+                <a:solidFill>
+                  <a:schemeClr val="tx1"/>
+                </a:solidFill>
+                <a:latin typeface="+mn-lt"/>
+                <a:ea typeface="+mn-ea"/>
+                <a:cs typeface="+mn-cs"/>
+              </a:defRPr>
+            </a:lvl4pPr>
+            <a:lvl5pPr marL="1828800" algn="l" defTabSz="914400" rtl="0" eaLnBrk="1" latinLnBrk="0" hangingPunct="1">
+              <a:defRPr sz="1800" kern="1200">
+                <a:solidFill>
+                  <a:schemeClr val="tx1"/>
+                </a:solidFill>
+                <a:latin typeface="+mn-lt"/>
+                <a:ea typeface="+mn-ea"/>
+                <a:cs typeface="+mn-cs"/>
+              </a:defRPr>
+            </a:lvl5pPr>
+            <a:lvl6pPr marL="2286000" algn="l" defTabSz="914400" rtl="0" eaLnBrk="1" latinLnBrk="0" hangingPunct="1">
+              <a:defRPr sz="1800" kern="1200">
+                <a:solidFill>
+                  <a:schemeClr val="tx1"/>
+                </a:solidFill>
+                <a:latin typeface="+mn-lt"/>
+                <a:ea typeface="+mn-ea"/>
+                <a:cs typeface="+mn-cs"/>
+              </a:defRPr>
+            </a:lvl6pPr>
+            <a:lvl7pPr marL="2743200" algn="l" defTabSz="914400" rtl="0" eaLnBrk="1" latinLnBrk="0" hangingPunct="1">
+              <a:defRPr sz="1800" kern="1200">
+                <a:solidFill>
+                  <a:schemeClr val="tx1"/>
+                </a:solidFill>
+                <a:latin typeface="+mn-lt"/>
+                <a:ea typeface="+mn-ea"/>
+                <a:cs typeface="+mn-cs"/>
+              </a:defRPr>
+            </a:lvl7pPr>
+            <a:lvl8pPr marL="3200400" algn="l" defTabSz="914400" rtl="0" eaLnBrk="1" latinLnBrk="0" hangingPunct="1">
+              <a:defRPr sz="1800" kern="1200">
+                <a:solidFill>
+                  <a:schemeClr val="tx1"/>
+                </a:solidFill>
+                <a:latin typeface="+mn-lt"/>
+                <a:ea typeface="+mn-ea"/>
+                <a:cs typeface="+mn-cs"/>
+              </a:defRPr>
+            </a:lvl8pPr>
+            <a:lvl9pPr marL="3657600" algn="l" defTabSz="914400" rtl="0" eaLnBrk="1" latinLnBrk="0" hangingPunct="1">
+              <a:defRPr sz="1800" kern="1200">
+                <a:solidFill>
+                  <a:schemeClr val="tx1"/>
+                </a:solidFill>
+                <a:latin typeface="+mn-lt"/>
+                <a:ea typeface="+mn-ea"/>
+                <a:cs typeface="+mn-cs"/>
+              </a:defRPr>
+            </a:lvl9pPr>
+          </a:lstStyle>
+          <a:p>
+            <a:r>
+              <a:rPr lang="en-AU" dirty="0" smtClean="0">
+                <a:effectLst/>
+                <a:latin typeface="Webdings" panose="05030102010509060703" pitchFamily="18" charset="2"/>
+                <a:ea typeface="Calibri" panose="020F0502020204030204" pitchFamily="34" charset="0"/>
+                <a:cs typeface="Times New Roman" panose="02020603050405020304" pitchFamily="18" charset="0"/>
+              </a:rPr>
+              <a:t>a</a:t>
+            </a:r>
+            <a:endParaRPr lang="en-AU" dirty="0"/>
+          </a:p>
+        </p:txBody>
+      </p:sp>
+      <p:cxnSp>
+        <p:nvCxnSpPr>
+          <p:cNvPr id="83" name="Straight Connector 82"/>
+          <p:cNvCxnSpPr/>
+          <p:nvPr/>
+        </p:nvCxnSpPr>
+        <p:spPr>
+          <a:xfrm>
+            <a:off x="9739391" y="2251248"/>
+            <a:ext cx="10964" cy="1828849"/>
+          </a:xfrm>
+          <a:prstGeom prst="line">
+            <a:avLst/>
+          </a:prstGeom>
+          <a:ln w="76200" cap="rnd">
+            <a:solidFill>
+              <a:schemeClr val="bg2">
+                <a:lumMod val="90000"/>
+              </a:schemeClr>
+            </a:solidFill>
+          </a:ln>
+        </p:spPr>
+        <p:style>
+          <a:lnRef idx="1">
+            <a:schemeClr val="accent1"/>
+          </a:lnRef>
+          <a:fillRef idx="0">
+            <a:schemeClr val="accent1"/>
+          </a:fillRef>
+          <a:effectRef idx="0">
+            <a:schemeClr val="accent1"/>
+          </a:effectRef>
+          <a:fontRef idx="minor">
+            <a:schemeClr val="tx1"/>
+          </a:fontRef>
+        </p:style>
+      </p:cxnSp>
+      <p:cxnSp>
+        <p:nvCxnSpPr>
+          <p:cNvPr id="84" name="Straight Connector 83"/>
+          <p:cNvCxnSpPr/>
+          <p:nvPr/>
+        </p:nvCxnSpPr>
+        <p:spPr>
+          <a:xfrm>
+            <a:off x="9739387" y="2207556"/>
+            <a:ext cx="0" cy="1084790"/>
+          </a:xfrm>
+          <a:prstGeom prst="line">
+            <a:avLst/>
+          </a:prstGeom>
+          <a:ln w="76200" cap="rnd">
+            <a:solidFill>
+              <a:schemeClr val="bg2">
+                <a:lumMod val="50000"/>
+              </a:schemeClr>
+            </a:solidFill>
+          </a:ln>
+        </p:spPr>
+        <p:style>
+          <a:lnRef idx="1">
+            <a:schemeClr val="accent1"/>
+          </a:lnRef>
+          <a:fillRef idx="0">
+            <a:schemeClr val="accent1"/>
+          </a:fillRef>
+          <a:effectRef idx="0">
+            <a:schemeClr val="accent1"/>
+          </a:effectRef>
+          <a:fontRef idx="minor">
+            <a:schemeClr val="tx1"/>
+          </a:fontRef>
+        </p:style>
+      </p:cxnSp>
     </p:spTree>
     <p:extLst>
       <p:ext uri="{BB962C8B-B14F-4D97-AF65-F5344CB8AC3E}">
@@ -34881,7 +37185,11 @@
           <a:p>
             <a:r>
               <a:rPr lang="en-AU" sz="1200" b="1" dirty="0" smtClean="0"/>
-              <a:t>Inward Referral Discount:</a:t>
+              <a:t>Reference </a:t>
+            </a:r>
+            <a:r>
+              <a:rPr lang="en-AU" sz="1200" b="1" dirty="0" smtClean="0"/>
+              <a:t>Discount:</a:t>
             </a:r>
           </a:p>
           <a:p>
@@ -35095,7 +37403,15 @@
           <a:p>
             <a:r>
               <a:rPr lang="en-AU" sz="1200" b="1" dirty="0" smtClean="0"/>
-              <a:t>Outward Referral Discount:</a:t>
+              <a:t>Buddy </a:t>
+            </a:r>
+            <a:r>
+              <a:rPr lang="en-AU" sz="1200" b="1" dirty="0" smtClean="0"/>
+              <a:t>Discount</a:t>
+            </a:r>
+            <a:r>
+              <a:rPr lang="en-AU" sz="1200" b="1" dirty="0" smtClean="0"/>
+              <a:t>:</a:t>
             </a:r>
           </a:p>
           <a:p>
@@ -36624,7 +38940,11 @@
           <a:p>
             <a:r>
               <a:rPr lang="en-AU" sz="1200" b="1" dirty="0" smtClean="0"/>
-              <a:t>Inward Referral Discount:</a:t>
+              <a:t>Reference </a:t>
+            </a:r>
+            <a:r>
+              <a:rPr lang="en-AU" sz="1200" b="1" dirty="0" smtClean="0"/>
+              <a:t>Discount:</a:t>
             </a:r>
           </a:p>
           <a:p>
@@ -37054,7 +39374,7 @@
         <p:spPr>
           <a:xfrm>
             <a:off x="4501326" y="4402345"/>
-            <a:ext cx="3569088" cy="1176472"/>
+            <a:ext cx="3569088" cy="895814"/>
           </a:xfrm>
           <a:prstGeom prst="rect">
             <a:avLst/>
@@ -37259,71 +39579,6 @@
           </a:graphicData>
         </a:graphic>
       </p:graphicFrame>
-      <p:pic>
-        <p:nvPicPr>
-          <p:cNvPr id="211" name="Picture 210"/>
-          <p:cNvPicPr>
-            <a:picLocks noChangeAspect="1"/>
-          </p:cNvPicPr>
-          <p:nvPr/>
-        </p:nvPicPr>
-        <p:blipFill>
-          <a:blip r:embed="rId2"/>
-          <a:stretch>
-            <a:fillRect/>
-          </a:stretch>
-        </p:blipFill>
-        <p:spPr>
-          <a:xfrm>
-            <a:off x="6091085" y="5342174"/>
-            <a:ext cx="199161" cy="190500"/>
-          </a:xfrm>
-          <a:prstGeom prst="rect">
-            <a:avLst/>
-          </a:prstGeom>
-          <a:solidFill>
-            <a:schemeClr val="bg1">
-              <a:lumMod val="95000"/>
-            </a:schemeClr>
-          </a:solidFill>
-        </p:spPr>
-      </p:pic>
-      <p:sp>
-        <p:nvSpPr>
-          <p:cNvPr id="212" name="TextBox 211"/>
-          <p:cNvSpPr txBox="1"/>
-          <p:nvPr/>
-        </p:nvSpPr>
-        <p:spPr>
-          <a:xfrm>
-            <a:off x="4533160" y="5317207"/>
-            <a:ext cx="1489510" cy="261610"/>
-          </a:xfrm>
-          <a:prstGeom prst="rect">
-            <a:avLst/>
-          </a:prstGeom>
-          <a:noFill/>
-        </p:spPr>
-        <p:txBody>
-          <a:bodyPr wrap="none" rtlCol="0">
-            <a:spAutoFit/>
-          </a:bodyPr>
-          <a:lstStyle/>
-          <a:p>
-            <a:r>
-              <a:rPr lang="en-AU" sz="1100" dirty="0" smtClean="0"/>
-              <a:t>Share your Scholarship</a:t>
-            </a:r>
-            <a:endParaRPr lang="en-AU" sz="1100" b="1" u="sng" dirty="0">
-              <a:solidFill>
-                <a:schemeClr val="accent1">
-                  <a:lumMod val="75000"/>
-                </a:schemeClr>
-              </a:solidFill>
-            </a:endParaRPr>
-          </a:p>
-        </p:txBody>
-      </p:sp>
       <p:sp>
         <p:nvSpPr>
           <p:cNvPr id="250" name="Rectangle 249"/>
@@ -37332,7 +39587,7 @@
         </p:nvSpPr>
         <p:spPr>
           <a:xfrm>
-            <a:off x="4504028" y="345717"/>
+            <a:off x="4518310" y="345717"/>
             <a:ext cx="3571276" cy="6109561"/>
           </a:xfrm>
           <a:prstGeom prst="rect">
@@ -37813,7 +40068,11 @@
           <a:p>
             <a:r>
               <a:rPr lang="en-AU" sz="1200" b="1" dirty="0" smtClean="0"/>
-              <a:t>Inward Referral Discount:</a:t>
+              <a:t>Reference </a:t>
+            </a:r>
+            <a:r>
+              <a:rPr lang="en-AU" sz="1200" b="1" dirty="0" smtClean="0"/>
+              <a:t>Discount:</a:t>
             </a:r>
           </a:p>
           <a:p>
@@ -38027,7 +40286,15 @@
           <a:p>
             <a:r>
               <a:rPr lang="en-AU" sz="1200" b="1" dirty="0" smtClean="0"/>
-              <a:t>Outward Referral Discount:</a:t>
+              <a:t>Buddy </a:t>
+            </a:r>
+            <a:r>
+              <a:rPr lang="en-AU" sz="1200" b="1" dirty="0" smtClean="0"/>
+              <a:t>Discount</a:t>
+            </a:r>
+            <a:r>
+              <a:rPr lang="en-AU" sz="1200" b="1" dirty="0" smtClean="0"/>
+              <a:t>:</a:t>
             </a:r>
           </a:p>
           <a:p>
@@ -38242,8 +40509,8 @@
         </p:nvSpPr>
         <p:spPr>
           <a:xfrm>
-            <a:off x="4406825" y="4022111"/>
-            <a:ext cx="3569088" cy="895814"/>
+            <a:off x="4406825" y="4042352"/>
+            <a:ext cx="3569088" cy="875574"/>
           </a:xfrm>
           <a:prstGeom prst="rect">
             <a:avLst/>
@@ -45199,7 +47466,7 @@
             <p:spPr>
               <a:xfrm>
                 <a:off x="1495775" y="1483350"/>
-                <a:ext cx="1335430" cy="307777"/>
+                <a:ext cx="1384033" cy="307777"/>
               </a:xfrm>
               <a:prstGeom prst="rect">
                 <a:avLst/>
@@ -45214,7 +47481,7 @@
               <a:p>
                 <a:r>
                   <a:rPr lang="en-AU" sz="1400" dirty="0" smtClean="0"/>
-                  <a:t>Referrer’s Email</a:t>
+                  <a:t>Reference Token</a:t>
                 </a:r>
                 <a:endParaRPr lang="en-AU" sz="1400" dirty="0"/>
               </a:p>
@@ -45230,7 +47497,7 @@
           <p:spPr>
             <a:xfrm>
               <a:off x="1495775" y="2003586"/>
-              <a:ext cx="1808508" cy="246221"/>
+              <a:ext cx="1837362" cy="246221"/>
             </a:xfrm>
             <a:prstGeom prst="rect">
               <a:avLst/>
@@ -45245,7 +47512,11 @@
             <a:p>
               <a:r>
                 <a:rPr lang="en-AU" sz="1000" dirty="0" smtClean="0"/>
-                <a:t>Text describing referrer’s email</a:t>
+                <a:t>Text describing </a:t>
+              </a:r>
+              <a:r>
+                <a:rPr lang="en-AU" sz="1000" dirty="0" smtClean="0"/>
+                <a:t>reference token</a:t>
               </a:r>
               <a:endParaRPr lang="en-AU" sz="1000" dirty="0"/>
             </a:p>
@@ -47034,9 +49305,9 @@
         <p:grpSpPr>
           <a:xfrm>
             <a:off x="5037059" y="3979656"/>
-            <a:ext cx="3028320" cy="522018"/>
+            <a:ext cx="3057174" cy="522018"/>
             <a:chOff x="1495775" y="1483350"/>
-            <a:chExt cx="3028320" cy="522018"/>
+            <a:chExt cx="3057174" cy="522018"/>
           </a:xfrm>
         </p:grpSpPr>
         <p:grpSp>
@@ -47193,7 +49464,7 @@
             <p:spPr>
               <a:xfrm>
                 <a:off x="1495775" y="1483350"/>
-                <a:ext cx="1335430" cy="307777"/>
+                <a:ext cx="1384033" cy="307777"/>
               </a:xfrm>
               <a:prstGeom prst="rect">
                 <a:avLst/>
@@ -47208,7 +49479,7 @@
               <a:p>
                 <a:r>
                   <a:rPr lang="en-AU" sz="1400" dirty="0" smtClean="0"/>
-                  <a:t>Referrer’s Email</a:t>
+                  <a:t>Reference Token</a:t>
                 </a:r>
                 <a:endParaRPr lang="en-AU" sz="1400" dirty="0"/>
               </a:p>
@@ -47224,7 +49495,7 @@
           <p:spPr>
             <a:xfrm>
               <a:off x="2715587" y="1538511"/>
-              <a:ext cx="1808508" cy="246221"/>
+              <a:ext cx="1837362" cy="246221"/>
             </a:xfrm>
             <a:prstGeom prst="rect">
               <a:avLst/>
@@ -47239,7 +49510,11 @@
             <a:p>
               <a:r>
                 <a:rPr lang="en-AU" sz="1000" dirty="0" smtClean="0"/>
-                <a:t>Text describing referrer’s email</a:t>
+                <a:t>Text describing </a:t>
+              </a:r>
+              <a:r>
+                <a:rPr lang="en-AU" sz="1000" dirty="0" smtClean="0"/>
+                <a:t>reference token</a:t>
               </a:r>
               <a:endParaRPr lang="en-AU" sz="1000" dirty="0"/>
             </a:p>
@@ -50905,13 +53180,43 @@
       </p:grpSpPr>
       <p:sp>
         <p:nvSpPr>
-          <p:cNvPr id="53" name="Rectangle 52"/>
+          <p:cNvPr id="151" name="TextBox 150"/>
+          <p:cNvSpPr txBox="1"/>
+          <p:nvPr/>
+        </p:nvSpPr>
+        <p:spPr>
+          <a:xfrm>
+            <a:off x="5277853" y="0"/>
+            <a:ext cx="6079958" cy="461665"/>
+          </a:xfrm>
+          <a:prstGeom prst="rect">
+            <a:avLst/>
+          </a:prstGeom>
+          <a:noFill/>
+        </p:spPr>
+        <p:txBody>
+          <a:bodyPr wrap="square" rtlCol="0">
+            <a:spAutoFit/>
+          </a:bodyPr>
+          <a:lstStyle/>
+          <a:p>
+            <a:r>
+              <a:rPr lang="en-AU" sz="2400" dirty="0" smtClean="0"/>
+              <a:t>SEARCH COURSES PAGE - Mobile</a:t>
+            </a:r>
+            <a:endParaRPr lang="en-AU" sz="2400" dirty="0"/>
+          </a:p>
+        </p:txBody>
+      </p:sp>
+      <p:sp>
+        <p:nvSpPr>
+          <p:cNvPr id="183" name="Rectangle 182"/>
           <p:cNvSpPr/>
           <p:nvPr/>
         </p:nvSpPr>
         <p:spPr>
           <a:xfrm>
-            <a:off x="968029" y="5806782"/>
+            <a:off x="1112724" y="5732860"/>
             <a:ext cx="720000" cy="540000"/>
           </a:xfrm>
           <a:prstGeom prst="rect">
@@ -50946,7 +53251,101 @@
         </p:style>
         <p:txBody>
           <a:bodyPr rtlCol="0" anchor="ctr"/>
-          <a:lstStyle/>
+          <a:lstStyle>
+            <a:defPPr>
+              <a:defRPr lang="en-US"/>
+            </a:defPPr>
+            <a:lvl1pPr marL="0" algn="l" defTabSz="914400" rtl="0" eaLnBrk="1" latinLnBrk="0" hangingPunct="1">
+              <a:defRPr sz="1800" kern="1200">
+                <a:solidFill>
+                  <a:schemeClr val="lt1"/>
+                </a:solidFill>
+                <a:latin typeface="+mn-lt"/>
+                <a:ea typeface="+mn-ea"/>
+                <a:cs typeface="+mn-cs"/>
+              </a:defRPr>
+            </a:lvl1pPr>
+            <a:lvl2pPr marL="457200" algn="l" defTabSz="914400" rtl="0" eaLnBrk="1" latinLnBrk="0" hangingPunct="1">
+              <a:defRPr sz="1800" kern="1200">
+                <a:solidFill>
+                  <a:schemeClr val="lt1"/>
+                </a:solidFill>
+                <a:latin typeface="+mn-lt"/>
+                <a:ea typeface="+mn-ea"/>
+                <a:cs typeface="+mn-cs"/>
+              </a:defRPr>
+            </a:lvl2pPr>
+            <a:lvl3pPr marL="914400" algn="l" defTabSz="914400" rtl="0" eaLnBrk="1" latinLnBrk="0" hangingPunct="1">
+              <a:defRPr sz="1800" kern="1200">
+                <a:solidFill>
+                  <a:schemeClr val="lt1"/>
+                </a:solidFill>
+                <a:latin typeface="+mn-lt"/>
+                <a:ea typeface="+mn-ea"/>
+                <a:cs typeface="+mn-cs"/>
+              </a:defRPr>
+            </a:lvl3pPr>
+            <a:lvl4pPr marL="1371600" algn="l" defTabSz="914400" rtl="0" eaLnBrk="1" latinLnBrk="0" hangingPunct="1">
+              <a:defRPr sz="1800" kern="1200">
+                <a:solidFill>
+                  <a:schemeClr val="lt1"/>
+                </a:solidFill>
+                <a:latin typeface="+mn-lt"/>
+                <a:ea typeface="+mn-ea"/>
+                <a:cs typeface="+mn-cs"/>
+              </a:defRPr>
+            </a:lvl4pPr>
+            <a:lvl5pPr marL="1828800" algn="l" defTabSz="914400" rtl="0" eaLnBrk="1" latinLnBrk="0" hangingPunct="1">
+              <a:defRPr sz="1800" kern="1200">
+                <a:solidFill>
+                  <a:schemeClr val="lt1"/>
+                </a:solidFill>
+                <a:latin typeface="+mn-lt"/>
+                <a:ea typeface="+mn-ea"/>
+                <a:cs typeface="+mn-cs"/>
+              </a:defRPr>
+            </a:lvl5pPr>
+            <a:lvl6pPr marL="2286000" algn="l" defTabSz="914400" rtl="0" eaLnBrk="1" latinLnBrk="0" hangingPunct="1">
+              <a:defRPr sz="1800" kern="1200">
+                <a:solidFill>
+                  <a:schemeClr val="lt1"/>
+                </a:solidFill>
+                <a:latin typeface="+mn-lt"/>
+                <a:ea typeface="+mn-ea"/>
+                <a:cs typeface="+mn-cs"/>
+              </a:defRPr>
+            </a:lvl6pPr>
+            <a:lvl7pPr marL="2743200" algn="l" defTabSz="914400" rtl="0" eaLnBrk="1" latinLnBrk="0" hangingPunct="1">
+              <a:defRPr sz="1800" kern="1200">
+                <a:solidFill>
+                  <a:schemeClr val="lt1"/>
+                </a:solidFill>
+                <a:latin typeface="+mn-lt"/>
+                <a:ea typeface="+mn-ea"/>
+                <a:cs typeface="+mn-cs"/>
+              </a:defRPr>
+            </a:lvl7pPr>
+            <a:lvl8pPr marL="3200400" algn="l" defTabSz="914400" rtl="0" eaLnBrk="1" latinLnBrk="0" hangingPunct="1">
+              <a:defRPr sz="1800" kern="1200">
+                <a:solidFill>
+                  <a:schemeClr val="lt1"/>
+                </a:solidFill>
+                <a:latin typeface="+mn-lt"/>
+                <a:ea typeface="+mn-ea"/>
+                <a:cs typeface="+mn-cs"/>
+              </a:defRPr>
+            </a:lvl8pPr>
+            <a:lvl9pPr marL="3657600" algn="l" defTabSz="914400" rtl="0" eaLnBrk="1" latinLnBrk="0" hangingPunct="1">
+              <a:defRPr sz="1800" kern="1200">
+                <a:solidFill>
+                  <a:schemeClr val="lt1"/>
+                </a:solidFill>
+                <a:latin typeface="+mn-lt"/>
+                <a:ea typeface="+mn-ea"/>
+                <a:cs typeface="+mn-cs"/>
+              </a:defRPr>
+            </a:lvl9pPr>
+          </a:lstStyle>
           <a:p>
             <a:pPr algn="ctr"/>
             <a:endParaRPr lang="en-AU" dirty="0"/>
@@ -50955,13 +53354,13 @@
       </p:sp>
       <p:sp>
         <p:nvSpPr>
-          <p:cNvPr id="68" name="Rectangle 67"/>
+          <p:cNvPr id="184" name="Rectangle 183"/>
           <p:cNvSpPr/>
           <p:nvPr/>
         </p:nvSpPr>
         <p:spPr>
           <a:xfrm>
-            <a:off x="3820404" y="5814756"/>
+            <a:off x="3965099" y="5740834"/>
             <a:ext cx="720000" cy="532017"/>
           </a:xfrm>
           <a:prstGeom prst="rect">
@@ -50996,7 +53395,101 @@
         </p:style>
         <p:txBody>
           <a:bodyPr rtlCol="0" anchor="ctr"/>
-          <a:lstStyle/>
+          <a:lstStyle>
+            <a:defPPr>
+              <a:defRPr lang="en-US"/>
+            </a:defPPr>
+            <a:lvl1pPr marL="0" algn="l" defTabSz="914400" rtl="0" eaLnBrk="1" latinLnBrk="0" hangingPunct="1">
+              <a:defRPr sz="1800" kern="1200">
+                <a:solidFill>
+                  <a:schemeClr val="lt1"/>
+                </a:solidFill>
+                <a:latin typeface="+mn-lt"/>
+                <a:ea typeface="+mn-ea"/>
+                <a:cs typeface="+mn-cs"/>
+              </a:defRPr>
+            </a:lvl1pPr>
+            <a:lvl2pPr marL="457200" algn="l" defTabSz="914400" rtl="0" eaLnBrk="1" latinLnBrk="0" hangingPunct="1">
+              <a:defRPr sz="1800" kern="1200">
+                <a:solidFill>
+                  <a:schemeClr val="lt1"/>
+                </a:solidFill>
+                <a:latin typeface="+mn-lt"/>
+                <a:ea typeface="+mn-ea"/>
+                <a:cs typeface="+mn-cs"/>
+              </a:defRPr>
+            </a:lvl2pPr>
+            <a:lvl3pPr marL="914400" algn="l" defTabSz="914400" rtl="0" eaLnBrk="1" latinLnBrk="0" hangingPunct="1">
+              <a:defRPr sz="1800" kern="1200">
+                <a:solidFill>
+                  <a:schemeClr val="lt1"/>
+                </a:solidFill>
+                <a:latin typeface="+mn-lt"/>
+                <a:ea typeface="+mn-ea"/>
+                <a:cs typeface="+mn-cs"/>
+              </a:defRPr>
+            </a:lvl3pPr>
+            <a:lvl4pPr marL="1371600" algn="l" defTabSz="914400" rtl="0" eaLnBrk="1" latinLnBrk="0" hangingPunct="1">
+              <a:defRPr sz="1800" kern="1200">
+                <a:solidFill>
+                  <a:schemeClr val="lt1"/>
+                </a:solidFill>
+                <a:latin typeface="+mn-lt"/>
+                <a:ea typeface="+mn-ea"/>
+                <a:cs typeface="+mn-cs"/>
+              </a:defRPr>
+            </a:lvl4pPr>
+            <a:lvl5pPr marL="1828800" algn="l" defTabSz="914400" rtl="0" eaLnBrk="1" latinLnBrk="0" hangingPunct="1">
+              <a:defRPr sz="1800" kern="1200">
+                <a:solidFill>
+                  <a:schemeClr val="lt1"/>
+                </a:solidFill>
+                <a:latin typeface="+mn-lt"/>
+                <a:ea typeface="+mn-ea"/>
+                <a:cs typeface="+mn-cs"/>
+              </a:defRPr>
+            </a:lvl5pPr>
+            <a:lvl6pPr marL="2286000" algn="l" defTabSz="914400" rtl="0" eaLnBrk="1" latinLnBrk="0" hangingPunct="1">
+              <a:defRPr sz="1800" kern="1200">
+                <a:solidFill>
+                  <a:schemeClr val="lt1"/>
+                </a:solidFill>
+                <a:latin typeface="+mn-lt"/>
+                <a:ea typeface="+mn-ea"/>
+                <a:cs typeface="+mn-cs"/>
+              </a:defRPr>
+            </a:lvl6pPr>
+            <a:lvl7pPr marL="2743200" algn="l" defTabSz="914400" rtl="0" eaLnBrk="1" latinLnBrk="0" hangingPunct="1">
+              <a:defRPr sz="1800" kern="1200">
+                <a:solidFill>
+                  <a:schemeClr val="lt1"/>
+                </a:solidFill>
+                <a:latin typeface="+mn-lt"/>
+                <a:ea typeface="+mn-ea"/>
+                <a:cs typeface="+mn-cs"/>
+              </a:defRPr>
+            </a:lvl7pPr>
+            <a:lvl8pPr marL="3200400" algn="l" defTabSz="914400" rtl="0" eaLnBrk="1" latinLnBrk="0" hangingPunct="1">
+              <a:defRPr sz="1800" kern="1200">
+                <a:solidFill>
+                  <a:schemeClr val="lt1"/>
+                </a:solidFill>
+                <a:latin typeface="+mn-lt"/>
+                <a:ea typeface="+mn-ea"/>
+                <a:cs typeface="+mn-cs"/>
+              </a:defRPr>
+            </a:lvl8pPr>
+            <a:lvl9pPr marL="3657600" algn="l" defTabSz="914400" rtl="0" eaLnBrk="1" latinLnBrk="0" hangingPunct="1">
+              <a:defRPr sz="1800" kern="1200">
+                <a:solidFill>
+                  <a:schemeClr val="lt1"/>
+                </a:solidFill>
+                <a:latin typeface="+mn-lt"/>
+                <a:ea typeface="+mn-ea"/>
+                <a:cs typeface="+mn-cs"/>
+              </a:defRPr>
+            </a:lvl9pPr>
+          </a:lstStyle>
           <a:p>
             <a:pPr algn="ctr"/>
             <a:endParaRPr lang="en-AU" dirty="0"/>
@@ -51005,13 +53498,13 @@
       </p:sp>
       <p:sp>
         <p:nvSpPr>
-          <p:cNvPr id="2" name="Rectangle 1"/>
+          <p:cNvPr id="185" name="Rectangle 184"/>
           <p:cNvSpPr/>
           <p:nvPr/>
         </p:nvSpPr>
         <p:spPr>
           <a:xfrm>
-            <a:off x="965563" y="242862"/>
+            <a:off x="1110258" y="168940"/>
             <a:ext cx="3587474" cy="507008"/>
           </a:xfrm>
           <a:prstGeom prst="rect">
@@ -51045,7 +53538,101 @@
         </p:style>
         <p:txBody>
           <a:bodyPr rtlCol="0" anchor="ctr"/>
-          <a:lstStyle/>
+          <a:lstStyle>
+            <a:defPPr>
+              <a:defRPr lang="en-US"/>
+            </a:defPPr>
+            <a:lvl1pPr marL="0" algn="l" defTabSz="914400" rtl="0" eaLnBrk="1" latinLnBrk="0" hangingPunct="1">
+              <a:defRPr sz="1800" kern="1200">
+                <a:solidFill>
+                  <a:schemeClr val="lt1"/>
+                </a:solidFill>
+                <a:latin typeface="+mn-lt"/>
+                <a:ea typeface="+mn-ea"/>
+                <a:cs typeface="+mn-cs"/>
+              </a:defRPr>
+            </a:lvl1pPr>
+            <a:lvl2pPr marL="457200" algn="l" defTabSz="914400" rtl="0" eaLnBrk="1" latinLnBrk="0" hangingPunct="1">
+              <a:defRPr sz="1800" kern="1200">
+                <a:solidFill>
+                  <a:schemeClr val="lt1"/>
+                </a:solidFill>
+                <a:latin typeface="+mn-lt"/>
+                <a:ea typeface="+mn-ea"/>
+                <a:cs typeface="+mn-cs"/>
+              </a:defRPr>
+            </a:lvl2pPr>
+            <a:lvl3pPr marL="914400" algn="l" defTabSz="914400" rtl="0" eaLnBrk="1" latinLnBrk="0" hangingPunct="1">
+              <a:defRPr sz="1800" kern="1200">
+                <a:solidFill>
+                  <a:schemeClr val="lt1"/>
+                </a:solidFill>
+                <a:latin typeface="+mn-lt"/>
+                <a:ea typeface="+mn-ea"/>
+                <a:cs typeface="+mn-cs"/>
+              </a:defRPr>
+            </a:lvl3pPr>
+            <a:lvl4pPr marL="1371600" algn="l" defTabSz="914400" rtl="0" eaLnBrk="1" latinLnBrk="0" hangingPunct="1">
+              <a:defRPr sz="1800" kern="1200">
+                <a:solidFill>
+                  <a:schemeClr val="lt1"/>
+                </a:solidFill>
+                <a:latin typeface="+mn-lt"/>
+                <a:ea typeface="+mn-ea"/>
+                <a:cs typeface="+mn-cs"/>
+              </a:defRPr>
+            </a:lvl4pPr>
+            <a:lvl5pPr marL="1828800" algn="l" defTabSz="914400" rtl="0" eaLnBrk="1" latinLnBrk="0" hangingPunct="1">
+              <a:defRPr sz="1800" kern="1200">
+                <a:solidFill>
+                  <a:schemeClr val="lt1"/>
+                </a:solidFill>
+                <a:latin typeface="+mn-lt"/>
+                <a:ea typeface="+mn-ea"/>
+                <a:cs typeface="+mn-cs"/>
+              </a:defRPr>
+            </a:lvl5pPr>
+            <a:lvl6pPr marL="2286000" algn="l" defTabSz="914400" rtl="0" eaLnBrk="1" latinLnBrk="0" hangingPunct="1">
+              <a:defRPr sz="1800" kern="1200">
+                <a:solidFill>
+                  <a:schemeClr val="lt1"/>
+                </a:solidFill>
+                <a:latin typeface="+mn-lt"/>
+                <a:ea typeface="+mn-ea"/>
+                <a:cs typeface="+mn-cs"/>
+              </a:defRPr>
+            </a:lvl6pPr>
+            <a:lvl7pPr marL="2743200" algn="l" defTabSz="914400" rtl="0" eaLnBrk="1" latinLnBrk="0" hangingPunct="1">
+              <a:defRPr sz="1800" kern="1200">
+                <a:solidFill>
+                  <a:schemeClr val="lt1"/>
+                </a:solidFill>
+                <a:latin typeface="+mn-lt"/>
+                <a:ea typeface="+mn-ea"/>
+                <a:cs typeface="+mn-cs"/>
+              </a:defRPr>
+            </a:lvl7pPr>
+            <a:lvl8pPr marL="3200400" algn="l" defTabSz="914400" rtl="0" eaLnBrk="1" latinLnBrk="0" hangingPunct="1">
+              <a:defRPr sz="1800" kern="1200">
+                <a:solidFill>
+                  <a:schemeClr val="lt1"/>
+                </a:solidFill>
+                <a:latin typeface="+mn-lt"/>
+                <a:ea typeface="+mn-ea"/>
+                <a:cs typeface="+mn-cs"/>
+              </a:defRPr>
+            </a:lvl8pPr>
+            <a:lvl9pPr marL="3657600" algn="l" defTabSz="914400" rtl="0" eaLnBrk="1" latinLnBrk="0" hangingPunct="1">
+              <a:defRPr sz="1800" kern="1200">
+                <a:solidFill>
+                  <a:schemeClr val="lt1"/>
+                </a:solidFill>
+                <a:latin typeface="+mn-lt"/>
+                <a:ea typeface="+mn-ea"/>
+                <a:cs typeface="+mn-cs"/>
+              </a:defRPr>
+            </a:lvl9pPr>
+          </a:lstStyle>
           <a:p>
             <a:pPr algn="ctr"/>
             <a:r>
@@ -51066,13 +53653,13 @@
       </p:sp>
       <p:sp>
         <p:nvSpPr>
-          <p:cNvPr id="54" name="Rectangle 53"/>
+          <p:cNvPr id="186" name="Rectangle 185"/>
           <p:cNvSpPr/>
           <p:nvPr/>
         </p:nvSpPr>
         <p:spPr>
           <a:xfrm>
-            <a:off x="1679984" y="5814756"/>
+            <a:off x="1824679" y="5740834"/>
             <a:ext cx="720000" cy="540000"/>
           </a:xfrm>
           <a:prstGeom prst="rect">
@@ -51108,7 +53695,101 @@
         </p:style>
         <p:txBody>
           <a:bodyPr rtlCol="0" anchor="ctr"/>
-          <a:lstStyle/>
+          <a:lstStyle>
+            <a:defPPr>
+              <a:defRPr lang="en-US"/>
+            </a:defPPr>
+            <a:lvl1pPr marL="0" algn="l" defTabSz="914400" rtl="0" eaLnBrk="1" latinLnBrk="0" hangingPunct="1">
+              <a:defRPr sz="1800" kern="1200">
+                <a:solidFill>
+                  <a:schemeClr val="lt1"/>
+                </a:solidFill>
+                <a:latin typeface="+mn-lt"/>
+                <a:ea typeface="+mn-ea"/>
+                <a:cs typeface="+mn-cs"/>
+              </a:defRPr>
+            </a:lvl1pPr>
+            <a:lvl2pPr marL="457200" algn="l" defTabSz="914400" rtl="0" eaLnBrk="1" latinLnBrk="0" hangingPunct="1">
+              <a:defRPr sz="1800" kern="1200">
+                <a:solidFill>
+                  <a:schemeClr val="lt1"/>
+                </a:solidFill>
+                <a:latin typeface="+mn-lt"/>
+                <a:ea typeface="+mn-ea"/>
+                <a:cs typeface="+mn-cs"/>
+              </a:defRPr>
+            </a:lvl2pPr>
+            <a:lvl3pPr marL="914400" algn="l" defTabSz="914400" rtl="0" eaLnBrk="1" latinLnBrk="0" hangingPunct="1">
+              <a:defRPr sz="1800" kern="1200">
+                <a:solidFill>
+                  <a:schemeClr val="lt1"/>
+                </a:solidFill>
+                <a:latin typeface="+mn-lt"/>
+                <a:ea typeface="+mn-ea"/>
+                <a:cs typeface="+mn-cs"/>
+              </a:defRPr>
+            </a:lvl3pPr>
+            <a:lvl4pPr marL="1371600" algn="l" defTabSz="914400" rtl="0" eaLnBrk="1" latinLnBrk="0" hangingPunct="1">
+              <a:defRPr sz="1800" kern="1200">
+                <a:solidFill>
+                  <a:schemeClr val="lt1"/>
+                </a:solidFill>
+                <a:latin typeface="+mn-lt"/>
+                <a:ea typeface="+mn-ea"/>
+                <a:cs typeface="+mn-cs"/>
+              </a:defRPr>
+            </a:lvl4pPr>
+            <a:lvl5pPr marL="1828800" algn="l" defTabSz="914400" rtl="0" eaLnBrk="1" latinLnBrk="0" hangingPunct="1">
+              <a:defRPr sz="1800" kern="1200">
+                <a:solidFill>
+                  <a:schemeClr val="lt1"/>
+                </a:solidFill>
+                <a:latin typeface="+mn-lt"/>
+                <a:ea typeface="+mn-ea"/>
+                <a:cs typeface="+mn-cs"/>
+              </a:defRPr>
+            </a:lvl5pPr>
+            <a:lvl6pPr marL="2286000" algn="l" defTabSz="914400" rtl="0" eaLnBrk="1" latinLnBrk="0" hangingPunct="1">
+              <a:defRPr sz="1800" kern="1200">
+                <a:solidFill>
+                  <a:schemeClr val="lt1"/>
+                </a:solidFill>
+                <a:latin typeface="+mn-lt"/>
+                <a:ea typeface="+mn-ea"/>
+                <a:cs typeface="+mn-cs"/>
+              </a:defRPr>
+            </a:lvl6pPr>
+            <a:lvl7pPr marL="2743200" algn="l" defTabSz="914400" rtl="0" eaLnBrk="1" latinLnBrk="0" hangingPunct="1">
+              <a:defRPr sz="1800" kern="1200">
+                <a:solidFill>
+                  <a:schemeClr val="lt1"/>
+                </a:solidFill>
+                <a:latin typeface="+mn-lt"/>
+                <a:ea typeface="+mn-ea"/>
+                <a:cs typeface="+mn-cs"/>
+              </a:defRPr>
+            </a:lvl7pPr>
+            <a:lvl8pPr marL="3200400" algn="l" defTabSz="914400" rtl="0" eaLnBrk="1" latinLnBrk="0" hangingPunct="1">
+              <a:defRPr sz="1800" kern="1200">
+                <a:solidFill>
+                  <a:schemeClr val="lt1"/>
+                </a:solidFill>
+                <a:latin typeface="+mn-lt"/>
+                <a:ea typeface="+mn-ea"/>
+                <a:cs typeface="+mn-cs"/>
+              </a:defRPr>
+            </a:lvl8pPr>
+            <a:lvl9pPr marL="3657600" algn="l" defTabSz="914400" rtl="0" eaLnBrk="1" latinLnBrk="0" hangingPunct="1">
+              <a:defRPr sz="1800" kern="1200">
+                <a:solidFill>
+                  <a:schemeClr val="lt1"/>
+                </a:solidFill>
+                <a:latin typeface="+mn-lt"/>
+                <a:ea typeface="+mn-ea"/>
+                <a:cs typeface="+mn-cs"/>
+              </a:defRPr>
+            </a:lvl9pPr>
+          </a:lstStyle>
           <a:p>
             <a:pPr algn="ctr"/>
             <a:endParaRPr lang="en-AU"/>
@@ -51117,13 +53798,13 @@
       </p:sp>
       <p:sp>
         <p:nvSpPr>
-          <p:cNvPr id="64" name="Rectangle 63"/>
+          <p:cNvPr id="187" name="Rectangle 186"/>
           <p:cNvSpPr/>
           <p:nvPr/>
         </p:nvSpPr>
         <p:spPr>
           <a:xfrm>
-            <a:off x="2389667" y="5814756"/>
+            <a:off x="2534362" y="5740834"/>
             <a:ext cx="720000" cy="540000"/>
           </a:xfrm>
           <a:prstGeom prst="rect">
@@ -51158,7 +53839,101 @@
         </p:style>
         <p:txBody>
           <a:bodyPr rtlCol="0" anchor="ctr"/>
-          <a:lstStyle/>
+          <a:lstStyle>
+            <a:defPPr>
+              <a:defRPr lang="en-US"/>
+            </a:defPPr>
+            <a:lvl1pPr marL="0" algn="l" defTabSz="914400" rtl="0" eaLnBrk="1" latinLnBrk="0" hangingPunct="1">
+              <a:defRPr sz="1800" kern="1200">
+                <a:solidFill>
+                  <a:schemeClr val="lt1"/>
+                </a:solidFill>
+                <a:latin typeface="+mn-lt"/>
+                <a:ea typeface="+mn-ea"/>
+                <a:cs typeface="+mn-cs"/>
+              </a:defRPr>
+            </a:lvl1pPr>
+            <a:lvl2pPr marL="457200" algn="l" defTabSz="914400" rtl="0" eaLnBrk="1" latinLnBrk="0" hangingPunct="1">
+              <a:defRPr sz="1800" kern="1200">
+                <a:solidFill>
+                  <a:schemeClr val="lt1"/>
+                </a:solidFill>
+                <a:latin typeface="+mn-lt"/>
+                <a:ea typeface="+mn-ea"/>
+                <a:cs typeface="+mn-cs"/>
+              </a:defRPr>
+            </a:lvl2pPr>
+            <a:lvl3pPr marL="914400" algn="l" defTabSz="914400" rtl="0" eaLnBrk="1" latinLnBrk="0" hangingPunct="1">
+              <a:defRPr sz="1800" kern="1200">
+                <a:solidFill>
+                  <a:schemeClr val="lt1"/>
+                </a:solidFill>
+                <a:latin typeface="+mn-lt"/>
+                <a:ea typeface="+mn-ea"/>
+                <a:cs typeface="+mn-cs"/>
+              </a:defRPr>
+            </a:lvl3pPr>
+            <a:lvl4pPr marL="1371600" algn="l" defTabSz="914400" rtl="0" eaLnBrk="1" latinLnBrk="0" hangingPunct="1">
+              <a:defRPr sz="1800" kern="1200">
+                <a:solidFill>
+                  <a:schemeClr val="lt1"/>
+                </a:solidFill>
+                <a:latin typeface="+mn-lt"/>
+                <a:ea typeface="+mn-ea"/>
+                <a:cs typeface="+mn-cs"/>
+              </a:defRPr>
+            </a:lvl4pPr>
+            <a:lvl5pPr marL="1828800" algn="l" defTabSz="914400" rtl="0" eaLnBrk="1" latinLnBrk="0" hangingPunct="1">
+              <a:defRPr sz="1800" kern="1200">
+                <a:solidFill>
+                  <a:schemeClr val="lt1"/>
+                </a:solidFill>
+                <a:latin typeface="+mn-lt"/>
+                <a:ea typeface="+mn-ea"/>
+                <a:cs typeface="+mn-cs"/>
+              </a:defRPr>
+            </a:lvl5pPr>
+            <a:lvl6pPr marL="2286000" algn="l" defTabSz="914400" rtl="0" eaLnBrk="1" latinLnBrk="0" hangingPunct="1">
+              <a:defRPr sz="1800" kern="1200">
+                <a:solidFill>
+                  <a:schemeClr val="lt1"/>
+                </a:solidFill>
+                <a:latin typeface="+mn-lt"/>
+                <a:ea typeface="+mn-ea"/>
+                <a:cs typeface="+mn-cs"/>
+              </a:defRPr>
+            </a:lvl6pPr>
+            <a:lvl7pPr marL="2743200" algn="l" defTabSz="914400" rtl="0" eaLnBrk="1" latinLnBrk="0" hangingPunct="1">
+              <a:defRPr sz="1800" kern="1200">
+                <a:solidFill>
+                  <a:schemeClr val="lt1"/>
+                </a:solidFill>
+                <a:latin typeface="+mn-lt"/>
+                <a:ea typeface="+mn-ea"/>
+                <a:cs typeface="+mn-cs"/>
+              </a:defRPr>
+            </a:lvl7pPr>
+            <a:lvl8pPr marL="3200400" algn="l" defTabSz="914400" rtl="0" eaLnBrk="1" latinLnBrk="0" hangingPunct="1">
+              <a:defRPr sz="1800" kern="1200">
+                <a:solidFill>
+                  <a:schemeClr val="lt1"/>
+                </a:solidFill>
+                <a:latin typeface="+mn-lt"/>
+                <a:ea typeface="+mn-ea"/>
+                <a:cs typeface="+mn-cs"/>
+              </a:defRPr>
+            </a:lvl8pPr>
+            <a:lvl9pPr marL="3657600" algn="l" defTabSz="914400" rtl="0" eaLnBrk="1" latinLnBrk="0" hangingPunct="1">
+              <a:defRPr sz="1800" kern="1200">
+                <a:solidFill>
+                  <a:schemeClr val="lt1"/>
+                </a:solidFill>
+                <a:latin typeface="+mn-lt"/>
+                <a:ea typeface="+mn-ea"/>
+                <a:cs typeface="+mn-cs"/>
+              </a:defRPr>
+            </a:lvl9pPr>
+          </a:lstStyle>
           <a:p>
             <a:pPr algn="ctr"/>
             <a:endParaRPr lang="en-AU"/>
@@ -51167,13 +53942,13 @@
       </p:sp>
       <p:sp>
         <p:nvSpPr>
-          <p:cNvPr id="65" name="Rectangle 64"/>
+          <p:cNvPr id="188" name="Rectangle 187"/>
           <p:cNvSpPr/>
           <p:nvPr/>
         </p:nvSpPr>
         <p:spPr>
           <a:xfrm>
-            <a:off x="3101622" y="5814756"/>
+            <a:off x="3246317" y="5740834"/>
             <a:ext cx="720000" cy="529746"/>
           </a:xfrm>
           <a:prstGeom prst="rect">
@@ -51208,7 +53983,101 @@
         </p:style>
         <p:txBody>
           <a:bodyPr rtlCol="0" anchor="ctr"/>
-          <a:lstStyle/>
+          <a:lstStyle>
+            <a:defPPr>
+              <a:defRPr lang="en-US"/>
+            </a:defPPr>
+            <a:lvl1pPr marL="0" algn="l" defTabSz="914400" rtl="0" eaLnBrk="1" latinLnBrk="0" hangingPunct="1">
+              <a:defRPr sz="1800" kern="1200">
+                <a:solidFill>
+                  <a:schemeClr val="lt1"/>
+                </a:solidFill>
+                <a:latin typeface="+mn-lt"/>
+                <a:ea typeface="+mn-ea"/>
+                <a:cs typeface="+mn-cs"/>
+              </a:defRPr>
+            </a:lvl1pPr>
+            <a:lvl2pPr marL="457200" algn="l" defTabSz="914400" rtl="0" eaLnBrk="1" latinLnBrk="0" hangingPunct="1">
+              <a:defRPr sz="1800" kern="1200">
+                <a:solidFill>
+                  <a:schemeClr val="lt1"/>
+                </a:solidFill>
+                <a:latin typeface="+mn-lt"/>
+                <a:ea typeface="+mn-ea"/>
+                <a:cs typeface="+mn-cs"/>
+              </a:defRPr>
+            </a:lvl2pPr>
+            <a:lvl3pPr marL="914400" algn="l" defTabSz="914400" rtl="0" eaLnBrk="1" latinLnBrk="0" hangingPunct="1">
+              <a:defRPr sz="1800" kern="1200">
+                <a:solidFill>
+                  <a:schemeClr val="lt1"/>
+                </a:solidFill>
+                <a:latin typeface="+mn-lt"/>
+                <a:ea typeface="+mn-ea"/>
+                <a:cs typeface="+mn-cs"/>
+              </a:defRPr>
+            </a:lvl3pPr>
+            <a:lvl4pPr marL="1371600" algn="l" defTabSz="914400" rtl="0" eaLnBrk="1" latinLnBrk="0" hangingPunct="1">
+              <a:defRPr sz="1800" kern="1200">
+                <a:solidFill>
+                  <a:schemeClr val="lt1"/>
+                </a:solidFill>
+                <a:latin typeface="+mn-lt"/>
+                <a:ea typeface="+mn-ea"/>
+                <a:cs typeface="+mn-cs"/>
+              </a:defRPr>
+            </a:lvl4pPr>
+            <a:lvl5pPr marL="1828800" algn="l" defTabSz="914400" rtl="0" eaLnBrk="1" latinLnBrk="0" hangingPunct="1">
+              <a:defRPr sz="1800" kern="1200">
+                <a:solidFill>
+                  <a:schemeClr val="lt1"/>
+                </a:solidFill>
+                <a:latin typeface="+mn-lt"/>
+                <a:ea typeface="+mn-ea"/>
+                <a:cs typeface="+mn-cs"/>
+              </a:defRPr>
+            </a:lvl5pPr>
+            <a:lvl6pPr marL="2286000" algn="l" defTabSz="914400" rtl="0" eaLnBrk="1" latinLnBrk="0" hangingPunct="1">
+              <a:defRPr sz="1800" kern="1200">
+                <a:solidFill>
+                  <a:schemeClr val="lt1"/>
+                </a:solidFill>
+                <a:latin typeface="+mn-lt"/>
+                <a:ea typeface="+mn-ea"/>
+                <a:cs typeface="+mn-cs"/>
+              </a:defRPr>
+            </a:lvl6pPr>
+            <a:lvl7pPr marL="2743200" algn="l" defTabSz="914400" rtl="0" eaLnBrk="1" latinLnBrk="0" hangingPunct="1">
+              <a:defRPr sz="1800" kern="1200">
+                <a:solidFill>
+                  <a:schemeClr val="lt1"/>
+                </a:solidFill>
+                <a:latin typeface="+mn-lt"/>
+                <a:ea typeface="+mn-ea"/>
+                <a:cs typeface="+mn-cs"/>
+              </a:defRPr>
+            </a:lvl7pPr>
+            <a:lvl8pPr marL="3200400" algn="l" defTabSz="914400" rtl="0" eaLnBrk="1" latinLnBrk="0" hangingPunct="1">
+              <a:defRPr sz="1800" kern="1200">
+                <a:solidFill>
+                  <a:schemeClr val="lt1"/>
+                </a:solidFill>
+                <a:latin typeface="+mn-lt"/>
+                <a:ea typeface="+mn-ea"/>
+                <a:cs typeface="+mn-cs"/>
+              </a:defRPr>
+            </a:lvl8pPr>
+            <a:lvl9pPr marL="3657600" algn="l" defTabSz="914400" rtl="0" eaLnBrk="1" latinLnBrk="0" hangingPunct="1">
+              <a:defRPr sz="1800" kern="1200">
+                <a:solidFill>
+                  <a:schemeClr val="lt1"/>
+                </a:solidFill>
+                <a:latin typeface="+mn-lt"/>
+                <a:ea typeface="+mn-ea"/>
+                <a:cs typeface="+mn-cs"/>
+              </a:defRPr>
+            </a:lvl9pPr>
+          </a:lstStyle>
           <a:p>
             <a:pPr algn="ctr"/>
             <a:endParaRPr lang="en-AU"/>
@@ -51217,13 +54086,13 @@
       </p:sp>
       <p:sp>
         <p:nvSpPr>
-          <p:cNvPr id="3" name="Rectangle 2"/>
+          <p:cNvPr id="189" name="Rectangle 188"/>
           <p:cNvSpPr/>
           <p:nvPr/>
         </p:nvSpPr>
         <p:spPr>
           <a:xfrm>
-            <a:off x="1146826" y="5797686"/>
+            <a:off x="1291521" y="5723764"/>
             <a:ext cx="378630" cy="369332"/>
           </a:xfrm>
           <a:prstGeom prst="rect">
@@ -51234,7 +54103,101 @@
           <a:bodyPr wrap="none">
             <a:spAutoFit/>
           </a:bodyPr>
-          <a:lstStyle/>
+          <a:lstStyle>
+            <a:defPPr>
+              <a:defRPr lang="en-US"/>
+            </a:defPPr>
+            <a:lvl1pPr marL="0" algn="l" defTabSz="914400" rtl="0" eaLnBrk="1" latinLnBrk="0" hangingPunct="1">
+              <a:defRPr sz="1800" kern="1200">
+                <a:solidFill>
+                  <a:schemeClr val="tx1"/>
+                </a:solidFill>
+                <a:latin typeface="+mn-lt"/>
+                <a:ea typeface="+mn-ea"/>
+                <a:cs typeface="+mn-cs"/>
+              </a:defRPr>
+            </a:lvl1pPr>
+            <a:lvl2pPr marL="457200" algn="l" defTabSz="914400" rtl="0" eaLnBrk="1" latinLnBrk="0" hangingPunct="1">
+              <a:defRPr sz="1800" kern="1200">
+                <a:solidFill>
+                  <a:schemeClr val="tx1"/>
+                </a:solidFill>
+                <a:latin typeface="+mn-lt"/>
+                <a:ea typeface="+mn-ea"/>
+                <a:cs typeface="+mn-cs"/>
+              </a:defRPr>
+            </a:lvl2pPr>
+            <a:lvl3pPr marL="914400" algn="l" defTabSz="914400" rtl="0" eaLnBrk="1" latinLnBrk="0" hangingPunct="1">
+              <a:defRPr sz="1800" kern="1200">
+                <a:solidFill>
+                  <a:schemeClr val="tx1"/>
+                </a:solidFill>
+                <a:latin typeface="+mn-lt"/>
+                <a:ea typeface="+mn-ea"/>
+                <a:cs typeface="+mn-cs"/>
+              </a:defRPr>
+            </a:lvl3pPr>
+            <a:lvl4pPr marL="1371600" algn="l" defTabSz="914400" rtl="0" eaLnBrk="1" latinLnBrk="0" hangingPunct="1">
+              <a:defRPr sz="1800" kern="1200">
+                <a:solidFill>
+                  <a:schemeClr val="tx1"/>
+                </a:solidFill>
+                <a:latin typeface="+mn-lt"/>
+                <a:ea typeface="+mn-ea"/>
+                <a:cs typeface="+mn-cs"/>
+              </a:defRPr>
+            </a:lvl4pPr>
+            <a:lvl5pPr marL="1828800" algn="l" defTabSz="914400" rtl="0" eaLnBrk="1" latinLnBrk="0" hangingPunct="1">
+              <a:defRPr sz="1800" kern="1200">
+                <a:solidFill>
+                  <a:schemeClr val="tx1"/>
+                </a:solidFill>
+                <a:latin typeface="+mn-lt"/>
+                <a:ea typeface="+mn-ea"/>
+                <a:cs typeface="+mn-cs"/>
+              </a:defRPr>
+            </a:lvl5pPr>
+            <a:lvl6pPr marL="2286000" algn="l" defTabSz="914400" rtl="0" eaLnBrk="1" latinLnBrk="0" hangingPunct="1">
+              <a:defRPr sz="1800" kern="1200">
+                <a:solidFill>
+                  <a:schemeClr val="tx1"/>
+                </a:solidFill>
+                <a:latin typeface="+mn-lt"/>
+                <a:ea typeface="+mn-ea"/>
+                <a:cs typeface="+mn-cs"/>
+              </a:defRPr>
+            </a:lvl6pPr>
+            <a:lvl7pPr marL="2743200" algn="l" defTabSz="914400" rtl="0" eaLnBrk="1" latinLnBrk="0" hangingPunct="1">
+              <a:defRPr sz="1800" kern="1200">
+                <a:solidFill>
+                  <a:schemeClr val="tx1"/>
+                </a:solidFill>
+                <a:latin typeface="+mn-lt"/>
+                <a:ea typeface="+mn-ea"/>
+                <a:cs typeface="+mn-cs"/>
+              </a:defRPr>
+            </a:lvl7pPr>
+            <a:lvl8pPr marL="3200400" algn="l" defTabSz="914400" rtl="0" eaLnBrk="1" latinLnBrk="0" hangingPunct="1">
+              <a:defRPr sz="1800" kern="1200">
+                <a:solidFill>
+                  <a:schemeClr val="tx1"/>
+                </a:solidFill>
+                <a:latin typeface="+mn-lt"/>
+                <a:ea typeface="+mn-ea"/>
+                <a:cs typeface="+mn-cs"/>
+              </a:defRPr>
+            </a:lvl8pPr>
+            <a:lvl9pPr marL="3657600" algn="l" defTabSz="914400" rtl="0" eaLnBrk="1" latinLnBrk="0" hangingPunct="1">
+              <a:defRPr sz="1800" kern="1200">
+                <a:solidFill>
+                  <a:schemeClr val="tx1"/>
+                </a:solidFill>
+                <a:latin typeface="+mn-lt"/>
+                <a:ea typeface="+mn-ea"/>
+                <a:cs typeface="+mn-cs"/>
+              </a:defRPr>
+            </a:lvl9pPr>
+          </a:lstStyle>
           <a:p>
             <a:r>
               <a:rPr lang="en-AU" dirty="0" smtClean="0">
@@ -51251,13 +54214,13 @@
       </p:sp>
       <p:sp>
         <p:nvSpPr>
-          <p:cNvPr id="6" name="Rectangle 5"/>
+          <p:cNvPr id="190" name="Rectangle 189"/>
           <p:cNvSpPr/>
           <p:nvPr/>
         </p:nvSpPr>
         <p:spPr>
           <a:xfrm>
-            <a:off x="2516179" y="5797686"/>
+            <a:off x="2660874" y="5723764"/>
             <a:ext cx="465192" cy="369332"/>
           </a:xfrm>
           <a:prstGeom prst="rect">
@@ -51268,7 +54231,101 @@
           <a:bodyPr wrap="none">
             <a:spAutoFit/>
           </a:bodyPr>
-          <a:lstStyle/>
+          <a:lstStyle>
+            <a:defPPr>
+              <a:defRPr lang="en-US"/>
+            </a:defPPr>
+            <a:lvl1pPr marL="0" algn="l" defTabSz="914400" rtl="0" eaLnBrk="1" latinLnBrk="0" hangingPunct="1">
+              <a:defRPr sz="1800" kern="1200">
+                <a:solidFill>
+                  <a:schemeClr val="tx1"/>
+                </a:solidFill>
+                <a:latin typeface="+mn-lt"/>
+                <a:ea typeface="+mn-ea"/>
+                <a:cs typeface="+mn-cs"/>
+              </a:defRPr>
+            </a:lvl1pPr>
+            <a:lvl2pPr marL="457200" algn="l" defTabSz="914400" rtl="0" eaLnBrk="1" latinLnBrk="0" hangingPunct="1">
+              <a:defRPr sz="1800" kern="1200">
+                <a:solidFill>
+                  <a:schemeClr val="tx1"/>
+                </a:solidFill>
+                <a:latin typeface="+mn-lt"/>
+                <a:ea typeface="+mn-ea"/>
+                <a:cs typeface="+mn-cs"/>
+              </a:defRPr>
+            </a:lvl2pPr>
+            <a:lvl3pPr marL="914400" algn="l" defTabSz="914400" rtl="0" eaLnBrk="1" latinLnBrk="0" hangingPunct="1">
+              <a:defRPr sz="1800" kern="1200">
+                <a:solidFill>
+                  <a:schemeClr val="tx1"/>
+                </a:solidFill>
+                <a:latin typeface="+mn-lt"/>
+                <a:ea typeface="+mn-ea"/>
+                <a:cs typeface="+mn-cs"/>
+              </a:defRPr>
+            </a:lvl3pPr>
+            <a:lvl4pPr marL="1371600" algn="l" defTabSz="914400" rtl="0" eaLnBrk="1" latinLnBrk="0" hangingPunct="1">
+              <a:defRPr sz="1800" kern="1200">
+                <a:solidFill>
+                  <a:schemeClr val="tx1"/>
+                </a:solidFill>
+                <a:latin typeface="+mn-lt"/>
+                <a:ea typeface="+mn-ea"/>
+                <a:cs typeface="+mn-cs"/>
+              </a:defRPr>
+            </a:lvl4pPr>
+            <a:lvl5pPr marL="1828800" algn="l" defTabSz="914400" rtl="0" eaLnBrk="1" latinLnBrk="0" hangingPunct="1">
+              <a:defRPr sz="1800" kern="1200">
+                <a:solidFill>
+                  <a:schemeClr val="tx1"/>
+                </a:solidFill>
+                <a:latin typeface="+mn-lt"/>
+                <a:ea typeface="+mn-ea"/>
+                <a:cs typeface="+mn-cs"/>
+              </a:defRPr>
+            </a:lvl5pPr>
+            <a:lvl6pPr marL="2286000" algn="l" defTabSz="914400" rtl="0" eaLnBrk="1" latinLnBrk="0" hangingPunct="1">
+              <a:defRPr sz="1800" kern="1200">
+                <a:solidFill>
+                  <a:schemeClr val="tx1"/>
+                </a:solidFill>
+                <a:latin typeface="+mn-lt"/>
+                <a:ea typeface="+mn-ea"/>
+                <a:cs typeface="+mn-cs"/>
+              </a:defRPr>
+            </a:lvl6pPr>
+            <a:lvl7pPr marL="2743200" algn="l" defTabSz="914400" rtl="0" eaLnBrk="1" latinLnBrk="0" hangingPunct="1">
+              <a:defRPr sz="1800" kern="1200">
+                <a:solidFill>
+                  <a:schemeClr val="tx1"/>
+                </a:solidFill>
+                <a:latin typeface="+mn-lt"/>
+                <a:ea typeface="+mn-ea"/>
+                <a:cs typeface="+mn-cs"/>
+              </a:defRPr>
+            </a:lvl7pPr>
+            <a:lvl8pPr marL="3200400" algn="l" defTabSz="914400" rtl="0" eaLnBrk="1" latinLnBrk="0" hangingPunct="1">
+              <a:defRPr sz="1800" kern="1200">
+                <a:solidFill>
+                  <a:schemeClr val="tx1"/>
+                </a:solidFill>
+                <a:latin typeface="+mn-lt"/>
+                <a:ea typeface="+mn-ea"/>
+                <a:cs typeface="+mn-cs"/>
+              </a:defRPr>
+            </a:lvl8pPr>
+            <a:lvl9pPr marL="3657600" algn="l" defTabSz="914400" rtl="0" eaLnBrk="1" latinLnBrk="0" hangingPunct="1">
+              <a:defRPr sz="1800" kern="1200">
+                <a:solidFill>
+                  <a:schemeClr val="tx1"/>
+                </a:solidFill>
+                <a:latin typeface="+mn-lt"/>
+                <a:ea typeface="+mn-ea"/>
+                <a:cs typeface="+mn-cs"/>
+              </a:defRPr>
+            </a:lvl9pPr>
+          </a:lstStyle>
           <a:p>
             <a:r>
               <a:rPr lang="en-AU" dirty="0" smtClean="0">
@@ -51285,13 +54342,13 @@
       </p:sp>
       <p:sp>
         <p:nvSpPr>
-          <p:cNvPr id="9" name="Rectangle 8"/>
+          <p:cNvPr id="191" name="Rectangle 190"/>
           <p:cNvSpPr/>
           <p:nvPr/>
         </p:nvSpPr>
         <p:spPr>
           <a:xfrm>
-            <a:off x="997932" y="6083606"/>
+            <a:off x="1142627" y="6009684"/>
             <a:ext cx="670376" cy="230832"/>
           </a:xfrm>
           <a:prstGeom prst="rect">
@@ -51302,7 +54359,101 @@
           <a:bodyPr wrap="none">
             <a:spAutoFit/>
           </a:bodyPr>
-          <a:lstStyle/>
+          <a:lstStyle>
+            <a:defPPr>
+              <a:defRPr lang="en-US"/>
+            </a:defPPr>
+            <a:lvl1pPr marL="0" algn="l" defTabSz="914400" rtl="0" eaLnBrk="1" latinLnBrk="0" hangingPunct="1">
+              <a:defRPr sz="1800" kern="1200">
+                <a:solidFill>
+                  <a:schemeClr val="tx1"/>
+                </a:solidFill>
+                <a:latin typeface="+mn-lt"/>
+                <a:ea typeface="+mn-ea"/>
+                <a:cs typeface="+mn-cs"/>
+              </a:defRPr>
+            </a:lvl1pPr>
+            <a:lvl2pPr marL="457200" algn="l" defTabSz="914400" rtl="0" eaLnBrk="1" latinLnBrk="0" hangingPunct="1">
+              <a:defRPr sz="1800" kern="1200">
+                <a:solidFill>
+                  <a:schemeClr val="tx1"/>
+                </a:solidFill>
+                <a:latin typeface="+mn-lt"/>
+                <a:ea typeface="+mn-ea"/>
+                <a:cs typeface="+mn-cs"/>
+              </a:defRPr>
+            </a:lvl2pPr>
+            <a:lvl3pPr marL="914400" algn="l" defTabSz="914400" rtl="0" eaLnBrk="1" latinLnBrk="0" hangingPunct="1">
+              <a:defRPr sz="1800" kern="1200">
+                <a:solidFill>
+                  <a:schemeClr val="tx1"/>
+                </a:solidFill>
+                <a:latin typeface="+mn-lt"/>
+                <a:ea typeface="+mn-ea"/>
+                <a:cs typeface="+mn-cs"/>
+              </a:defRPr>
+            </a:lvl3pPr>
+            <a:lvl4pPr marL="1371600" algn="l" defTabSz="914400" rtl="0" eaLnBrk="1" latinLnBrk="0" hangingPunct="1">
+              <a:defRPr sz="1800" kern="1200">
+                <a:solidFill>
+                  <a:schemeClr val="tx1"/>
+                </a:solidFill>
+                <a:latin typeface="+mn-lt"/>
+                <a:ea typeface="+mn-ea"/>
+                <a:cs typeface="+mn-cs"/>
+              </a:defRPr>
+            </a:lvl4pPr>
+            <a:lvl5pPr marL="1828800" algn="l" defTabSz="914400" rtl="0" eaLnBrk="1" latinLnBrk="0" hangingPunct="1">
+              <a:defRPr sz="1800" kern="1200">
+                <a:solidFill>
+                  <a:schemeClr val="tx1"/>
+                </a:solidFill>
+                <a:latin typeface="+mn-lt"/>
+                <a:ea typeface="+mn-ea"/>
+                <a:cs typeface="+mn-cs"/>
+              </a:defRPr>
+            </a:lvl5pPr>
+            <a:lvl6pPr marL="2286000" algn="l" defTabSz="914400" rtl="0" eaLnBrk="1" latinLnBrk="0" hangingPunct="1">
+              <a:defRPr sz="1800" kern="1200">
+                <a:solidFill>
+                  <a:schemeClr val="tx1"/>
+                </a:solidFill>
+                <a:latin typeface="+mn-lt"/>
+                <a:ea typeface="+mn-ea"/>
+                <a:cs typeface="+mn-cs"/>
+              </a:defRPr>
+            </a:lvl6pPr>
+            <a:lvl7pPr marL="2743200" algn="l" defTabSz="914400" rtl="0" eaLnBrk="1" latinLnBrk="0" hangingPunct="1">
+              <a:defRPr sz="1800" kern="1200">
+                <a:solidFill>
+                  <a:schemeClr val="tx1"/>
+                </a:solidFill>
+                <a:latin typeface="+mn-lt"/>
+                <a:ea typeface="+mn-ea"/>
+                <a:cs typeface="+mn-cs"/>
+              </a:defRPr>
+            </a:lvl7pPr>
+            <a:lvl8pPr marL="3200400" algn="l" defTabSz="914400" rtl="0" eaLnBrk="1" latinLnBrk="0" hangingPunct="1">
+              <a:defRPr sz="1800" kern="1200">
+                <a:solidFill>
+                  <a:schemeClr val="tx1"/>
+                </a:solidFill>
+                <a:latin typeface="+mn-lt"/>
+                <a:ea typeface="+mn-ea"/>
+                <a:cs typeface="+mn-cs"/>
+              </a:defRPr>
+            </a:lvl8pPr>
+            <a:lvl9pPr marL="3657600" algn="l" defTabSz="914400" rtl="0" eaLnBrk="1" latinLnBrk="0" hangingPunct="1">
+              <a:defRPr sz="1800" kern="1200">
+                <a:solidFill>
+                  <a:schemeClr val="tx1"/>
+                </a:solidFill>
+                <a:latin typeface="+mn-lt"/>
+                <a:ea typeface="+mn-ea"/>
+                <a:cs typeface="+mn-cs"/>
+              </a:defRPr>
+            </a:lvl9pPr>
+          </a:lstStyle>
           <a:p>
             <a:r>
               <a:rPr lang="en-AU" sz="900" dirty="0" smtClean="0"/>
@@ -51314,13 +54465,13 @@
       </p:sp>
       <p:sp>
         <p:nvSpPr>
-          <p:cNvPr id="69" name="Rectangle 68"/>
+          <p:cNvPr id="192" name="Rectangle 191"/>
           <p:cNvSpPr/>
           <p:nvPr/>
         </p:nvSpPr>
         <p:spPr>
           <a:xfrm>
-            <a:off x="1615855" y="6083606"/>
+            <a:off x="1760550" y="6009684"/>
             <a:ext cx="849913" cy="230832"/>
           </a:xfrm>
           <a:prstGeom prst="rect">
@@ -51331,7 +54482,101 @@
           <a:bodyPr wrap="none">
             <a:spAutoFit/>
           </a:bodyPr>
-          <a:lstStyle/>
+          <a:lstStyle>
+            <a:defPPr>
+              <a:defRPr lang="en-US"/>
+            </a:defPPr>
+            <a:lvl1pPr marL="0" algn="l" defTabSz="914400" rtl="0" eaLnBrk="1" latinLnBrk="0" hangingPunct="1">
+              <a:defRPr sz="1800" kern="1200">
+                <a:solidFill>
+                  <a:schemeClr val="tx1"/>
+                </a:solidFill>
+                <a:latin typeface="+mn-lt"/>
+                <a:ea typeface="+mn-ea"/>
+                <a:cs typeface="+mn-cs"/>
+              </a:defRPr>
+            </a:lvl1pPr>
+            <a:lvl2pPr marL="457200" algn="l" defTabSz="914400" rtl="0" eaLnBrk="1" latinLnBrk="0" hangingPunct="1">
+              <a:defRPr sz="1800" kern="1200">
+                <a:solidFill>
+                  <a:schemeClr val="tx1"/>
+                </a:solidFill>
+                <a:latin typeface="+mn-lt"/>
+                <a:ea typeface="+mn-ea"/>
+                <a:cs typeface="+mn-cs"/>
+              </a:defRPr>
+            </a:lvl2pPr>
+            <a:lvl3pPr marL="914400" algn="l" defTabSz="914400" rtl="0" eaLnBrk="1" latinLnBrk="0" hangingPunct="1">
+              <a:defRPr sz="1800" kern="1200">
+                <a:solidFill>
+                  <a:schemeClr val="tx1"/>
+                </a:solidFill>
+                <a:latin typeface="+mn-lt"/>
+                <a:ea typeface="+mn-ea"/>
+                <a:cs typeface="+mn-cs"/>
+              </a:defRPr>
+            </a:lvl3pPr>
+            <a:lvl4pPr marL="1371600" algn="l" defTabSz="914400" rtl="0" eaLnBrk="1" latinLnBrk="0" hangingPunct="1">
+              <a:defRPr sz="1800" kern="1200">
+                <a:solidFill>
+                  <a:schemeClr val="tx1"/>
+                </a:solidFill>
+                <a:latin typeface="+mn-lt"/>
+                <a:ea typeface="+mn-ea"/>
+                <a:cs typeface="+mn-cs"/>
+              </a:defRPr>
+            </a:lvl4pPr>
+            <a:lvl5pPr marL="1828800" algn="l" defTabSz="914400" rtl="0" eaLnBrk="1" latinLnBrk="0" hangingPunct="1">
+              <a:defRPr sz="1800" kern="1200">
+                <a:solidFill>
+                  <a:schemeClr val="tx1"/>
+                </a:solidFill>
+                <a:latin typeface="+mn-lt"/>
+                <a:ea typeface="+mn-ea"/>
+                <a:cs typeface="+mn-cs"/>
+              </a:defRPr>
+            </a:lvl5pPr>
+            <a:lvl6pPr marL="2286000" algn="l" defTabSz="914400" rtl="0" eaLnBrk="1" latinLnBrk="0" hangingPunct="1">
+              <a:defRPr sz="1800" kern="1200">
+                <a:solidFill>
+                  <a:schemeClr val="tx1"/>
+                </a:solidFill>
+                <a:latin typeface="+mn-lt"/>
+                <a:ea typeface="+mn-ea"/>
+                <a:cs typeface="+mn-cs"/>
+              </a:defRPr>
+            </a:lvl6pPr>
+            <a:lvl7pPr marL="2743200" algn="l" defTabSz="914400" rtl="0" eaLnBrk="1" latinLnBrk="0" hangingPunct="1">
+              <a:defRPr sz="1800" kern="1200">
+                <a:solidFill>
+                  <a:schemeClr val="tx1"/>
+                </a:solidFill>
+                <a:latin typeface="+mn-lt"/>
+                <a:ea typeface="+mn-ea"/>
+                <a:cs typeface="+mn-cs"/>
+              </a:defRPr>
+            </a:lvl7pPr>
+            <a:lvl8pPr marL="3200400" algn="l" defTabSz="914400" rtl="0" eaLnBrk="1" latinLnBrk="0" hangingPunct="1">
+              <a:defRPr sz="1800" kern="1200">
+                <a:solidFill>
+                  <a:schemeClr val="tx1"/>
+                </a:solidFill>
+                <a:latin typeface="+mn-lt"/>
+                <a:ea typeface="+mn-ea"/>
+                <a:cs typeface="+mn-cs"/>
+              </a:defRPr>
+            </a:lvl8pPr>
+            <a:lvl9pPr marL="3657600" algn="l" defTabSz="914400" rtl="0" eaLnBrk="1" latinLnBrk="0" hangingPunct="1">
+              <a:defRPr sz="1800" kern="1200">
+                <a:solidFill>
+                  <a:schemeClr val="tx1"/>
+                </a:solidFill>
+                <a:latin typeface="+mn-lt"/>
+                <a:ea typeface="+mn-ea"/>
+                <a:cs typeface="+mn-cs"/>
+              </a:defRPr>
+            </a:lvl9pPr>
+          </a:lstStyle>
           <a:p>
             <a:r>
               <a:rPr lang="en-AU" sz="900" dirty="0" smtClean="0"/>
@@ -51343,13 +54588,13 @@
       </p:sp>
       <p:sp>
         <p:nvSpPr>
-          <p:cNvPr id="70" name="Rectangle 69"/>
+          <p:cNvPr id="193" name="Rectangle 192"/>
           <p:cNvSpPr/>
           <p:nvPr/>
         </p:nvSpPr>
         <p:spPr>
           <a:xfrm>
-            <a:off x="2378636" y="6085879"/>
+            <a:off x="2523331" y="6011957"/>
             <a:ext cx="732893" cy="230832"/>
           </a:xfrm>
           <a:prstGeom prst="rect">
@@ -51360,7 +54605,101 @@
           <a:bodyPr wrap="none">
             <a:spAutoFit/>
           </a:bodyPr>
-          <a:lstStyle/>
+          <a:lstStyle>
+            <a:defPPr>
+              <a:defRPr lang="en-US"/>
+            </a:defPPr>
+            <a:lvl1pPr marL="0" algn="l" defTabSz="914400" rtl="0" eaLnBrk="1" latinLnBrk="0" hangingPunct="1">
+              <a:defRPr sz="1800" kern="1200">
+                <a:solidFill>
+                  <a:schemeClr val="tx1"/>
+                </a:solidFill>
+                <a:latin typeface="+mn-lt"/>
+                <a:ea typeface="+mn-ea"/>
+                <a:cs typeface="+mn-cs"/>
+              </a:defRPr>
+            </a:lvl1pPr>
+            <a:lvl2pPr marL="457200" algn="l" defTabSz="914400" rtl="0" eaLnBrk="1" latinLnBrk="0" hangingPunct="1">
+              <a:defRPr sz="1800" kern="1200">
+                <a:solidFill>
+                  <a:schemeClr val="tx1"/>
+                </a:solidFill>
+                <a:latin typeface="+mn-lt"/>
+                <a:ea typeface="+mn-ea"/>
+                <a:cs typeface="+mn-cs"/>
+              </a:defRPr>
+            </a:lvl2pPr>
+            <a:lvl3pPr marL="914400" algn="l" defTabSz="914400" rtl="0" eaLnBrk="1" latinLnBrk="0" hangingPunct="1">
+              <a:defRPr sz="1800" kern="1200">
+                <a:solidFill>
+                  <a:schemeClr val="tx1"/>
+                </a:solidFill>
+                <a:latin typeface="+mn-lt"/>
+                <a:ea typeface="+mn-ea"/>
+                <a:cs typeface="+mn-cs"/>
+              </a:defRPr>
+            </a:lvl3pPr>
+            <a:lvl4pPr marL="1371600" algn="l" defTabSz="914400" rtl="0" eaLnBrk="1" latinLnBrk="0" hangingPunct="1">
+              <a:defRPr sz="1800" kern="1200">
+                <a:solidFill>
+                  <a:schemeClr val="tx1"/>
+                </a:solidFill>
+                <a:latin typeface="+mn-lt"/>
+                <a:ea typeface="+mn-ea"/>
+                <a:cs typeface="+mn-cs"/>
+              </a:defRPr>
+            </a:lvl4pPr>
+            <a:lvl5pPr marL="1828800" algn="l" defTabSz="914400" rtl="0" eaLnBrk="1" latinLnBrk="0" hangingPunct="1">
+              <a:defRPr sz="1800" kern="1200">
+                <a:solidFill>
+                  <a:schemeClr val="tx1"/>
+                </a:solidFill>
+                <a:latin typeface="+mn-lt"/>
+                <a:ea typeface="+mn-ea"/>
+                <a:cs typeface="+mn-cs"/>
+              </a:defRPr>
+            </a:lvl5pPr>
+            <a:lvl6pPr marL="2286000" algn="l" defTabSz="914400" rtl="0" eaLnBrk="1" latinLnBrk="0" hangingPunct="1">
+              <a:defRPr sz="1800" kern="1200">
+                <a:solidFill>
+                  <a:schemeClr val="tx1"/>
+                </a:solidFill>
+                <a:latin typeface="+mn-lt"/>
+                <a:ea typeface="+mn-ea"/>
+                <a:cs typeface="+mn-cs"/>
+              </a:defRPr>
+            </a:lvl6pPr>
+            <a:lvl7pPr marL="2743200" algn="l" defTabSz="914400" rtl="0" eaLnBrk="1" latinLnBrk="0" hangingPunct="1">
+              <a:defRPr sz="1800" kern="1200">
+                <a:solidFill>
+                  <a:schemeClr val="tx1"/>
+                </a:solidFill>
+                <a:latin typeface="+mn-lt"/>
+                <a:ea typeface="+mn-ea"/>
+                <a:cs typeface="+mn-cs"/>
+              </a:defRPr>
+            </a:lvl7pPr>
+            <a:lvl8pPr marL="3200400" algn="l" defTabSz="914400" rtl="0" eaLnBrk="1" latinLnBrk="0" hangingPunct="1">
+              <a:defRPr sz="1800" kern="1200">
+                <a:solidFill>
+                  <a:schemeClr val="tx1"/>
+                </a:solidFill>
+                <a:latin typeface="+mn-lt"/>
+                <a:ea typeface="+mn-ea"/>
+                <a:cs typeface="+mn-cs"/>
+              </a:defRPr>
+            </a:lvl8pPr>
+            <a:lvl9pPr marL="3657600" algn="l" defTabSz="914400" rtl="0" eaLnBrk="1" latinLnBrk="0" hangingPunct="1">
+              <a:defRPr sz="1800" kern="1200">
+                <a:solidFill>
+                  <a:schemeClr val="tx1"/>
+                </a:solidFill>
+                <a:latin typeface="+mn-lt"/>
+                <a:ea typeface="+mn-ea"/>
+                <a:cs typeface="+mn-cs"/>
+              </a:defRPr>
+            </a:lvl9pPr>
+          </a:lstStyle>
           <a:p>
             <a:r>
               <a:rPr lang="en-AU" sz="900" dirty="0" smtClean="0"/>
@@ -51372,13 +54711,13 @@
       </p:sp>
       <p:sp>
         <p:nvSpPr>
-          <p:cNvPr id="11" name="Rectangle 10"/>
+          <p:cNvPr id="194" name="Rectangle 193"/>
           <p:cNvSpPr/>
           <p:nvPr/>
         </p:nvSpPr>
         <p:spPr>
           <a:xfrm>
-            <a:off x="1818798" y="5784412"/>
+            <a:off x="1963493" y="5710490"/>
             <a:ext cx="404278" cy="369332"/>
           </a:xfrm>
           <a:prstGeom prst="rect">
@@ -51389,7 +54728,101 @@
           <a:bodyPr wrap="none">
             <a:spAutoFit/>
           </a:bodyPr>
-          <a:lstStyle/>
+          <a:lstStyle>
+            <a:defPPr>
+              <a:defRPr lang="en-US"/>
+            </a:defPPr>
+            <a:lvl1pPr marL="0" algn="l" defTabSz="914400" rtl="0" eaLnBrk="1" latinLnBrk="0" hangingPunct="1">
+              <a:defRPr sz="1800" kern="1200">
+                <a:solidFill>
+                  <a:schemeClr val="tx1"/>
+                </a:solidFill>
+                <a:latin typeface="+mn-lt"/>
+                <a:ea typeface="+mn-ea"/>
+                <a:cs typeface="+mn-cs"/>
+              </a:defRPr>
+            </a:lvl1pPr>
+            <a:lvl2pPr marL="457200" algn="l" defTabSz="914400" rtl="0" eaLnBrk="1" latinLnBrk="0" hangingPunct="1">
+              <a:defRPr sz="1800" kern="1200">
+                <a:solidFill>
+                  <a:schemeClr val="tx1"/>
+                </a:solidFill>
+                <a:latin typeface="+mn-lt"/>
+                <a:ea typeface="+mn-ea"/>
+                <a:cs typeface="+mn-cs"/>
+              </a:defRPr>
+            </a:lvl2pPr>
+            <a:lvl3pPr marL="914400" algn="l" defTabSz="914400" rtl="0" eaLnBrk="1" latinLnBrk="0" hangingPunct="1">
+              <a:defRPr sz="1800" kern="1200">
+                <a:solidFill>
+                  <a:schemeClr val="tx1"/>
+                </a:solidFill>
+                <a:latin typeface="+mn-lt"/>
+                <a:ea typeface="+mn-ea"/>
+                <a:cs typeface="+mn-cs"/>
+              </a:defRPr>
+            </a:lvl3pPr>
+            <a:lvl4pPr marL="1371600" algn="l" defTabSz="914400" rtl="0" eaLnBrk="1" latinLnBrk="0" hangingPunct="1">
+              <a:defRPr sz="1800" kern="1200">
+                <a:solidFill>
+                  <a:schemeClr val="tx1"/>
+                </a:solidFill>
+                <a:latin typeface="+mn-lt"/>
+                <a:ea typeface="+mn-ea"/>
+                <a:cs typeface="+mn-cs"/>
+              </a:defRPr>
+            </a:lvl4pPr>
+            <a:lvl5pPr marL="1828800" algn="l" defTabSz="914400" rtl="0" eaLnBrk="1" latinLnBrk="0" hangingPunct="1">
+              <a:defRPr sz="1800" kern="1200">
+                <a:solidFill>
+                  <a:schemeClr val="tx1"/>
+                </a:solidFill>
+                <a:latin typeface="+mn-lt"/>
+                <a:ea typeface="+mn-ea"/>
+                <a:cs typeface="+mn-cs"/>
+              </a:defRPr>
+            </a:lvl5pPr>
+            <a:lvl6pPr marL="2286000" algn="l" defTabSz="914400" rtl="0" eaLnBrk="1" latinLnBrk="0" hangingPunct="1">
+              <a:defRPr sz="1800" kern="1200">
+                <a:solidFill>
+                  <a:schemeClr val="tx1"/>
+                </a:solidFill>
+                <a:latin typeface="+mn-lt"/>
+                <a:ea typeface="+mn-ea"/>
+                <a:cs typeface="+mn-cs"/>
+              </a:defRPr>
+            </a:lvl6pPr>
+            <a:lvl7pPr marL="2743200" algn="l" defTabSz="914400" rtl="0" eaLnBrk="1" latinLnBrk="0" hangingPunct="1">
+              <a:defRPr sz="1800" kern="1200">
+                <a:solidFill>
+                  <a:schemeClr val="tx1"/>
+                </a:solidFill>
+                <a:latin typeface="+mn-lt"/>
+                <a:ea typeface="+mn-ea"/>
+                <a:cs typeface="+mn-cs"/>
+              </a:defRPr>
+            </a:lvl7pPr>
+            <a:lvl8pPr marL="3200400" algn="l" defTabSz="914400" rtl="0" eaLnBrk="1" latinLnBrk="0" hangingPunct="1">
+              <a:defRPr sz="1800" kern="1200">
+                <a:solidFill>
+                  <a:schemeClr val="tx1"/>
+                </a:solidFill>
+                <a:latin typeface="+mn-lt"/>
+                <a:ea typeface="+mn-ea"/>
+                <a:cs typeface="+mn-cs"/>
+              </a:defRPr>
+            </a:lvl8pPr>
+            <a:lvl9pPr marL="3657600" algn="l" defTabSz="914400" rtl="0" eaLnBrk="1" latinLnBrk="0" hangingPunct="1">
+              <a:defRPr sz="1800" kern="1200">
+                <a:solidFill>
+                  <a:schemeClr val="tx1"/>
+                </a:solidFill>
+                <a:latin typeface="+mn-lt"/>
+                <a:ea typeface="+mn-ea"/>
+                <a:cs typeface="+mn-cs"/>
+              </a:defRPr>
+            </a:lvl9pPr>
+          </a:lstStyle>
           <a:p>
             <a:r>
               <a:rPr lang="en-AU" dirty="0" smtClean="0">
@@ -51406,13 +54839,13 @@
       </p:sp>
       <p:cxnSp>
         <p:nvCxnSpPr>
-          <p:cNvPr id="17" name="Straight Connector 16"/>
+          <p:cNvPr id="195" name="Straight Connector 194"/>
           <p:cNvCxnSpPr/>
           <p:nvPr/>
         </p:nvCxnSpPr>
         <p:spPr>
           <a:xfrm>
-            <a:off x="2083039" y="6001544"/>
+            <a:off x="2227734" y="5927622"/>
             <a:ext cx="77934" cy="62871"/>
           </a:xfrm>
           <a:prstGeom prst="line">
@@ -51441,13 +54874,13 @@
       </p:cxnSp>
       <p:sp>
         <p:nvSpPr>
-          <p:cNvPr id="71" name="Rectangle 70"/>
+          <p:cNvPr id="196" name="Rectangle 195"/>
           <p:cNvSpPr/>
           <p:nvPr/>
         </p:nvSpPr>
         <p:spPr>
           <a:xfrm>
-            <a:off x="3272322" y="5797686"/>
+            <a:off x="3417017" y="5723764"/>
             <a:ext cx="386644" cy="369332"/>
           </a:xfrm>
           <a:prstGeom prst="rect">
@@ -51458,7 +54891,101 @@
           <a:bodyPr wrap="none">
             <a:spAutoFit/>
           </a:bodyPr>
-          <a:lstStyle/>
+          <a:lstStyle>
+            <a:defPPr>
+              <a:defRPr lang="en-US"/>
+            </a:defPPr>
+            <a:lvl1pPr marL="0" algn="l" defTabSz="914400" rtl="0" eaLnBrk="1" latinLnBrk="0" hangingPunct="1">
+              <a:defRPr sz="1800" kern="1200">
+                <a:solidFill>
+                  <a:schemeClr val="tx1"/>
+                </a:solidFill>
+                <a:latin typeface="+mn-lt"/>
+                <a:ea typeface="+mn-ea"/>
+                <a:cs typeface="+mn-cs"/>
+              </a:defRPr>
+            </a:lvl1pPr>
+            <a:lvl2pPr marL="457200" algn="l" defTabSz="914400" rtl="0" eaLnBrk="1" latinLnBrk="0" hangingPunct="1">
+              <a:defRPr sz="1800" kern="1200">
+                <a:solidFill>
+                  <a:schemeClr val="tx1"/>
+                </a:solidFill>
+                <a:latin typeface="+mn-lt"/>
+                <a:ea typeface="+mn-ea"/>
+                <a:cs typeface="+mn-cs"/>
+              </a:defRPr>
+            </a:lvl2pPr>
+            <a:lvl3pPr marL="914400" algn="l" defTabSz="914400" rtl="0" eaLnBrk="1" latinLnBrk="0" hangingPunct="1">
+              <a:defRPr sz="1800" kern="1200">
+                <a:solidFill>
+                  <a:schemeClr val="tx1"/>
+                </a:solidFill>
+                <a:latin typeface="+mn-lt"/>
+                <a:ea typeface="+mn-ea"/>
+                <a:cs typeface="+mn-cs"/>
+              </a:defRPr>
+            </a:lvl3pPr>
+            <a:lvl4pPr marL="1371600" algn="l" defTabSz="914400" rtl="0" eaLnBrk="1" latinLnBrk="0" hangingPunct="1">
+              <a:defRPr sz="1800" kern="1200">
+                <a:solidFill>
+                  <a:schemeClr val="tx1"/>
+                </a:solidFill>
+                <a:latin typeface="+mn-lt"/>
+                <a:ea typeface="+mn-ea"/>
+                <a:cs typeface="+mn-cs"/>
+              </a:defRPr>
+            </a:lvl4pPr>
+            <a:lvl5pPr marL="1828800" algn="l" defTabSz="914400" rtl="0" eaLnBrk="1" latinLnBrk="0" hangingPunct="1">
+              <a:defRPr sz="1800" kern="1200">
+                <a:solidFill>
+                  <a:schemeClr val="tx1"/>
+                </a:solidFill>
+                <a:latin typeface="+mn-lt"/>
+                <a:ea typeface="+mn-ea"/>
+                <a:cs typeface="+mn-cs"/>
+              </a:defRPr>
+            </a:lvl5pPr>
+            <a:lvl6pPr marL="2286000" algn="l" defTabSz="914400" rtl="0" eaLnBrk="1" latinLnBrk="0" hangingPunct="1">
+              <a:defRPr sz="1800" kern="1200">
+                <a:solidFill>
+                  <a:schemeClr val="tx1"/>
+                </a:solidFill>
+                <a:latin typeface="+mn-lt"/>
+                <a:ea typeface="+mn-ea"/>
+                <a:cs typeface="+mn-cs"/>
+              </a:defRPr>
+            </a:lvl6pPr>
+            <a:lvl7pPr marL="2743200" algn="l" defTabSz="914400" rtl="0" eaLnBrk="1" latinLnBrk="0" hangingPunct="1">
+              <a:defRPr sz="1800" kern="1200">
+                <a:solidFill>
+                  <a:schemeClr val="tx1"/>
+                </a:solidFill>
+                <a:latin typeface="+mn-lt"/>
+                <a:ea typeface="+mn-ea"/>
+                <a:cs typeface="+mn-cs"/>
+              </a:defRPr>
+            </a:lvl7pPr>
+            <a:lvl8pPr marL="3200400" algn="l" defTabSz="914400" rtl="0" eaLnBrk="1" latinLnBrk="0" hangingPunct="1">
+              <a:defRPr sz="1800" kern="1200">
+                <a:solidFill>
+                  <a:schemeClr val="tx1"/>
+                </a:solidFill>
+                <a:latin typeface="+mn-lt"/>
+                <a:ea typeface="+mn-ea"/>
+                <a:cs typeface="+mn-cs"/>
+              </a:defRPr>
+            </a:lvl8pPr>
+            <a:lvl9pPr marL="3657600" algn="l" defTabSz="914400" rtl="0" eaLnBrk="1" latinLnBrk="0" hangingPunct="1">
+              <a:defRPr sz="1800" kern="1200">
+                <a:solidFill>
+                  <a:schemeClr val="tx1"/>
+                </a:solidFill>
+                <a:latin typeface="+mn-lt"/>
+                <a:ea typeface="+mn-ea"/>
+                <a:cs typeface="+mn-cs"/>
+              </a:defRPr>
+            </a:lvl9pPr>
+          </a:lstStyle>
           <a:p>
             <a:r>
               <a:rPr lang="en-AU" dirty="0" smtClean="0">
@@ -51477,13 +55004,13 @@
       </p:sp>
       <p:sp>
         <p:nvSpPr>
-          <p:cNvPr id="72" name="Rectangle 71"/>
+          <p:cNvPr id="197" name="Rectangle 196"/>
           <p:cNvSpPr/>
           <p:nvPr/>
         </p:nvSpPr>
         <p:spPr>
           <a:xfrm>
-            <a:off x="3170179" y="6083606"/>
+            <a:off x="3314874" y="6009684"/>
             <a:ext cx="641522" cy="230832"/>
           </a:xfrm>
           <a:prstGeom prst="rect">
@@ -51494,7 +55021,101 @@
           <a:bodyPr wrap="none">
             <a:spAutoFit/>
           </a:bodyPr>
-          <a:lstStyle/>
+          <a:lstStyle>
+            <a:defPPr>
+              <a:defRPr lang="en-US"/>
+            </a:defPPr>
+            <a:lvl1pPr marL="0" algn="l" defTabSz="914400" rtl="0" eaLnBrk="1" latinLnBrk="0" hangingPunct="1">
+              <a:defRPr sz="1800" kern="1200">
+                <a:solidFill>
+                  <a:schemeClr val="tx1"/>
+                </a:solidFill>
+                <a:latin typeface="+mn-lt"/>
+                <a:ea typeface="+mn-ea"/>
+                <a:cs typeface="+mn-cs"/>
+              </a:defRPr>
+            </a:lvl1pPr>
+            <a:lvl2pPr marL="457200" algn="l" defTabSz="914400" rtl="0" eaLnBrk="1" latinLnBrk="0" hangingPunct="1">
+              <a:defRPr sz="1800" kern="1200">
+                <a:solidFill>
+                  <a:schemeClr val="tx1"/>
+                </a:solidFill>
+                <a:latin typeface="+mn-lt"/>
+                <a:ea typeface="+mn-ea"/>
+                <a:cs typeface="+mn-cs"/>
+              </a:defRPr>
+            </a:lvl2pPr>
+            <a:lvl3pPr marL="914400" algn="l" defTabSz="914400" rtl="0" eaLnBrk="1" latinLnBrk="0" hangingPunct="1">
+              <a:defRPr sz="1800" kern="1200">
+                <a:solidFill>
+                  <a:schemeClr val="tx1"/>
+                </a:solidFill>
+                <a:latin typeface="+mn-lt"/>
+                <a:ea typeface="+mn-ea"/>
+                <a:cs typeface="+mn-cs"/>
+              </a:defRPr>
+            </a:lvl3pPr>
+            <a:lvl4pPr marL="1371600" algn="l" defTabSz="914400" rtl="0" eaLnBrk="1" latinLnBrk="0" hangingPunct="1">
+              <a:defRPr sz="1800" kern="1200">
+                <a:solidFill>
+                  <a:schemeClr val="tx1"/>
+                </a:solidFill>
+                <a:latin typeface="+mn-lt"/>
+                <a:ea typeface="+mn-ea"/>
+                <a:cs typeface="+mn-cs"/>
+              </a:defRPr>
+            </a:lvl4pPr>
+            <a:lvl5pPr marL="1828800" algn="l" defTabSz="914400" rtl="0" eaLnBrk="1" latinLnBrk="0" hangingPunct="1">
+              <a:defRPr sz="1800" kern="1200">
+                <a:solidFill>
+                  <a:schemeClr val="tx1"/>
+                </a:solidFill>
+                <a:latin typeface="+mn-lt"/>
+                <a:ea typeface="+mn-ea"/>
+                <a:cs typeface="+mn-cs"/>
+              </a:defRPr>
+            </a:lvl5pPr>
+            <a:lvl6pPr marL="2286000" algn="l" defTabSz="914400" rtl="0" eaLnBrk="1" latinLnBrk="0" hangingPunct="1">
+              <a:defRPr sz="1800" kern="1200">
+                <a:solidFill>
+                  <a:schemeClr val="tx1"/>
+                </a:solidFill>
+                <a:latin typeface="+mn-lt"/>
+                <a:ea typeface="+mn-ea"/>
+                <a:cs typeface="+mn-cs"/>
+              </a:defRPr>
+            </a:lvl6pPr>
+            <a:lvl7pPr marL="2743200" algn="l" defTabSz="914400" rtl="0" eaLnBrk="1" latinLnBrk="0" hangingPunct="1">
+              <a:defRPr sz="1800" kern="1200">
+                <a:solidFill>
+                  <a:schemeClr val="tx1"/>
+                </a:solidFill>
+                <a:latin typeface="+mn-lt"/>
+                <a:ea typeface="+mn-ea"/>
+                <a:cs typeface="+mn-cs"/>
+              </a:defRPr>
+            </a:lvl7pPr>
+            <a:lvl8pPr marL="3200400" algn="l" defTabSz="914400" rtl="0" eaLnBrk="1" latinLnBrk="0" hangingPunct="1">
+              <a:defRPr sz="1800" kern="1200">
+                <a:solidFill>
+                  <a:schemeClr val="tx1"/>
+                </a:solidFill>
+                <a:latin typeface="+mn-lt"/>
+                <a:ea typeface="+mn-ea"/>
+                <a:cs typeface="+mn-cs"/>
+              </a:defRPr>
+            </a:lvl8pPr>
+            <a:lvl9pPr marL="3657600" algn="l" defTabSz="914400" rtl="0" eaLnBrk="1" latinLnBrk="0" hangingPunct="1">
+              <a:defRPr sz="1800" kern="1200">
+                <a:solidFill>
+                  <a:schemeClr val="tx1"/>
+                </a:solidFill>
+                <a:latin typeface="+mn-lt"/>
+                <a:ea typeface="+mn-ea"/>
+                <a:cs typeface="+mn-cs"/>
+              </a:defRPr>
+            </a:lvl9pPr>
+          </a:lstStyle>
           <a:p>
             <a:r>
               <a:rPr lang="en-AU" sz="900" dirty="0" smtClean="0"/>
@@ -51506,14 +55127,14 @@
       </p:sp>
       <p:sp>
         <p:nvSpPr>
-          <p:cNvPr id="75" name="Rectangle 74"/>
+          <p:cNvPr id="198" name="Rectangle 197"/>
           <p:cNvSpPr/>
           <p:nvPr/>
         </p:nvSpPr>
         <p:spPr>
           <a:xfrm>
-            <a:off x="3761647" y="6083606"/>
-            <a:ext cx="768159" cy="230832"/>
+            <a:off x="3906342" y="6009684"/>
+            <a:ext cx="851515" cy="230832"/>
           </a:xfrm>
           <a:prstGeom prst="rect">
             <a:avLst/>
@@ -51523,12 +55144,105 @@
           <a:bodyPr wrap="none">
             <a:spAutoFit/>
           </a:bodyPr>
-          <a:lstStyle/>
-          <a:p>
-            <a:pPr algn="ctr"/>
+          <a:lstStyle>
+            <a:defPPr>
+              <a:defRPr lang="en-US"/>
+            </a:defPPr>
+            <a:lvl1pPr marL="0" algn="l" defTabSz="914400" rtl="0" eaLnBrk="1" latinLnBrk="0" hangingPunct="1">
+              <a:defRPr sz="1800" kern="1200">
+                <a:solidFill>
+                  <a:schemeClr val="tx1"/>
+                </a:solidFill>
+                <a:latin typeface="+mn-lt"/>
+                <a:ea typeface="+mn-ea"/>
+                <a:cs typeface="+mn-cs"/>
+              </a:defRPr>
+            </a:lvl1pPr>
+            <a:lvl2pPr marL="457200" algn="l" defTabSz="914400" rtl="0" eaLnBrk="1" latinLnBrk="0" hangingPunct="1">
+              <a:defRPr sz="1800" kern="1200">
+                <a:solidFill>
+                  <a:schemeClr val="tx1"/>
+                </a:solidFill>
+                <a:latin typeface="+mn-lt"/>
+                <a:ea typeface="+mn-ea"/>
+                <a:cs typeface="+mn-cs"/>
+              </a:defRPr>
+            </a:lvl2pPr>
+            <a:lvl3pPr marL="914400" algn="l" defTabSz="914400" rtl="0" eaLnBrk="1" latinLnBrk="0" hangingPunct="1">
+              <a:defRPr sz="1800" kern="1200">
+                <a:solidFill>
+                  <a:schemeClr val="tx1"/>
+                </a:solidFill>
+                <a:latin typeface="+mn-lt"/>
+                <a:ea typeface="+mn-ea"/>
+                <a:cs typeface="+mn-cs"/>
+              </a:defRPr>
+            </a:lvl3pPr>
+            <a:lvl4pPr marL="1371600" algn="l" defTabSz="914400" rtl="0" eaLnBrk="1" latinLnBrk="0" hangingPunct="1">
+              <a:defRPr sz="1800" kern="1200">
+                <a:solidFill>
+                  <a:schemeClr val="tx1"/>
+                </a:solidFill>
+                <a:latin typeface="+mn-lt"/>
+                <a:ea typeface="+mn-ea"/>
+                <a:cs typeface="+mn-cs"/>
+              </a:defRPr>
+            </a:lvl4pPr>
+            <a:lvl5pPr marL="1828800" algn="l" defTabSz="914400" rtl="0" eaLnBrk="1" latinLnBrk="0" hangingPunct="1">
+              <a:defRPr sz="1800" kern="1200">
+                <a:solidFill>
+                  <a:schemeClr val="tx1"/>
+                </a:solidFill>
+                <a:latin typeface="+mn-lt"/>
+                <a:ea typeface="+mn-ea"/>
+                <a:cs typeface="+mn-cs"/>
+              </a:defRPr>
+            </a:lvl5pPr>
+            <a:lvl6pPr marL="2286000" algn="l" defTabSz="914400" rtl="0" eaLnBrk="1" latinLnBrk="0" hangingPunct="1">
+              <a:defRPr sz="1800" kern="1200">
+                <a:solidFill>
+                  <a:schemeClr val="tx1"/>
+                </a:solidFill>
+                <a:latin typeface="+mn-lt"/>
+                <a:ea typeface="+mn-ea"/>
+                <a:cs typeface="+mn-cs"/>
+              </a:defRPr>
+            </a:lvl6pPr>
+            <a:lvl7pPr marL="2743200" algn="l" defTabSz="914400" rtl="0" eaLnBrk="1" latinLnBrk="0" hangingPunct="1">
+              <a:defRPr sz="1800" kern="1200">
+                <a:solidFill>
+                  <a:schemeClr val="tx1"/>
+                </a:solidFill>
+                <a:latin typeface="+mn-lt"/>
+                <a:ea typeface="+mn-ea"/>
+                <a:cs typeface="+mn-cs"/>
+              </a:defRPr>
+            </a:lvl7pPr>
+            <a:lvl8pPr marL="3200400" algn="l" defTabSz="914400" rtl="0" eaLnBrk="1" latinLnBrk="0" hangingPunct="1">
+              <a:defRPr sz="1800" kern="1200">
+                <a:solidFill>
+                  <a:schemeClr val="tx1"/>
+                </a:solidFill>
+                <a:latin typeface="+mn-lt"/>
+                <a:ea typeface="+mn-ea"/>
+                <a:cs typeface="+mn-cs"/>
+              </a:defRPr>
+            </a:lvl8pPr>
+            <a:lvl9pPr marL="3657600" algn="l" defTabSz="914400" rtl="0" eaLnBrk="1" latinLnBrk="0" hangingPunct="1">
+              <a:defRPr sz="1800" kern="1200">
+                <a:solidFill>
+                  <a:schemeClr val="tx1"/>
+                </a:solidFill>
+                <a:latin typeface="+mn-lt"/>
+                <a:ea typeface="+mn-ea"/>
+                <a:cs typeface="+mn-cs"/>
+              </a:defRPr>
+            </a:lvl9pPr>
+          </a:lstStyle>
+          <a:p>
             <a:r>
               <a:rPr lang="en-AU" sz="900" dirty="0" smtClean="0"/>
-              <a:t>Scholarships</a:t>
+              <a:t>Achievements</a:t>
             </a:r>
             <a:endParaRPr lang="en-AU" sz="900" dirty="0"/>
           </a:p>
@@ -51536,13 +55250,13 @@
       </p:sp>
       <p:sp>
         <p:nvSpPr>
-          <p:cNvPr id="82" name="Rectangle 81"/>
+          <p:cNvPr id="199" name="Rectangle 198"/>
           <p:cNvSpPr/>
           <p:nvPr/>
         </p:nvSpPr>
         <p:spPr>
           <a:xfrm>
-            <a:off x="3978755" y="5784412"/>
+            <a:off x="4123450" y="5710490"/>
             <a:ext cx="428322" cy="369332"/>
           </a:xfrm>
           <a:prstGeom prst="rect">
@@ -51553,7 +55267,101 @@
           <a:bodyPr wrap="none">
             <a:spAutoFit/>
           </a:bodyPr>
-          <a:lstStyle/>
+          <a:lstStyle>
+            <a:defPPr>
+              <a:defRPr lang="en-US"/>
+            </a:defPPr>
+            <a:lvl1pPr marL="0" algn="l" defTabSz="914400" rtl="0" eaLnBrk="1" latinLnBrk="0" hangingPunct="1">
+              <a:defRPr sz="1800" kern="1200">
+                <a:solidFill>
+                  <a:schemeClr val="tx1"/>
+                </a:solidFill>
+                <a:latin typeface="+mn-lt"/>
+                <a:ea typeface="+mn-ea"/>
+                <a:cs typeface="+mn-cs"/>
+              </a:defRPr>
+            </a:lvl1pPr>
+            <a:lvl2pPr marL="457200" algn="l" defTabSz="914400" rtl="0" eaLnBrk="1" latinLnBrk="0" hangingPunct="1">
+              <a:defRPr sz="1800" kern="1200">
+                <a:solidFill>
+                  <a:schemeClr val="tx1"/>
+                </a:solidFill>
+                <a:latin typeface="+mn-lt"/>
+                <a:ea typeface="+mn-ea"/>
+                <a:cs typeface="+mn-cs"/>
+              </a:defRPr>
+            </a:lvl2pPr>
+            <a:lvl3pPr marL="914400" algn="l" defTabSz="914400" rtl="0" eaLnBrk="1" latinLnBrk="0" hangingPunct="1">
+              <a:defRPr sz="1800" kern="1200">
+                <a:solidFill>
+                  <a:schemeClr val="tx1"/>
+                </a:solidFill>
+                <a:latin typeface="+mn-lt"/>
+                <a:ea typeface="+mn-ea"/>
+                <a:cs typeface="+mn-cs"/>
+              </a:defRPr>
+            </a:lvl3pPr>
+            <a:lvl4pPr marL="1371600" algn="l" defTabSz="914400" rtl="0" eaLnBrk="1" latinLnBrk="0" hangingPunct="1">
+              <a:defRPr sz="1800" kern="1200">
+                <a:solidFill>
+                  <a:schemeClr val="tx1"/>
+                </a:solidFill>
+                <a:latin typeface="+mn-lt"/>
+                <a:ea typeface="+mn-ea"/>
+                <a:cs typeface="+mn-cs"/>
+              </a:defRPr>
+            </a:lvl4pPr>
+            <a:lvl5pPr marL="1828800" algn="l" defTabSz="914400" rtl="0" eaLnBrk="1" latinLnBrk="0" hangingPunct="1">
+              <a:defRPr sz="1800" kern="1200">
+                <a:solidFill>
+                  <a:schemeClr val="tx1"/>
+                </a:solidFill>
+                <a:latin typeface="+mn-lt"/>
+                <a:ea typeface="+mn-ea"/>
+                <a:cs typeface="+mn-cs"/>
+              </a:defRPr>
+            </a:lvl5pPr>
+            <a:lvl6pPr marL="2286000" algn="l" defTabSz="914400" rtl="0" eaLnBrk="1" latinLnBrk="0" hangingPunct="1">
+              <a:defRPr sz="1800" kern="1200">
+                <a:solidFill>
+                  <a:schemeClr val="tx1"/>
+                </a:solidFill>
+                <a:latin typeface="+mn-lt"/>
+                <a:ea typeface="+mn-ea"/>
+                <a:cs typeface="+mn-cs"/>
+              </a:defRPr>
+            </a:lvl6pPr>
+            <a:lvl7pPr marL="2743200" algn="l" defTabSz="914400" rtl="0" eaLnBrk="1" latinLnBrk="0" hangingPunct="1">
+              <a:defRPr sz="1800" kern="1200">
+                <a:solidFill>
+                  <a:schemeClr val="tx1"/>
+                </a:solidFill>
+                <a:latin typeface="+mn-lt"/>
+                <a:ea typeface="+mn-ea"/>
+                <a:cs typeface="+mn-cs"/>
+              </a:defRPr>
+            </a:lvl7pPr>
+            <a:lvl8pPr marL="3200400" algn="l" defTabSz="914400" rtl="0" eaLnBrk="1" latinLnBrk="0" hangingPunct="1">
+              <a:defRPr sz="1800" kern="1200">
+                <a:solidFill>
+                  <a:schemeClr val="tx1"/>
+                </a:solidFill>
+                <a:latin typeface="+mn-lt"/>
+                <a:ea typeface="+mn-ea"/>
+                <a:cs typeface="+mn-cs"/>
+              </a:defRPr>
+            </a:lvl8pPr>
+            <a:lvl9pPr marL="3657600" algn="l" defTabSz="914400" rtl="0" eaLnBrk="1" latinLnBrk="0" hangingPunct="1">
+              <a:defRPr sz="1800" kern="1200">
+                <a:solidFill>
+                  <a:schemeClr val="tx1"/>
+                </a:solidFill>
+                <a:latin typeface="+mn-lt"/>
+                <a:ea typeface="+mn-ea"/>
+                <a:cs typeface="+mn-cs"/>
+              </a:defRPr>
+            </a:lvl9pPr>
+          </a:lstStyle>
           <a:p>
             <a:r>
               <a:rPr lang="en-AU" dirty="0" smtClean="0">
@@ -51570,21 +55378,21 @@
       </p:sp>
       <p:grpSp>
         <p:nvGrpSpPr>
-          <p:cNvPr id="85" name="Group 84"/>
+          <p:cNvPr id="200" name="Group 199"/>
           <p:cNvGrpSpPr/>
           <p:nvPr/>
         </p:nvGrpSpPr>
         <p:grpSpPr>
           <a:xfrm>
-            <a:off x="1204611" y="712829"/>
-            <a:ext cx="3162456" cy="522018"/>
+            <a:off x="1349306" y="632687"/>
+            <a:ext cx="3162456" cy="431419"/>
             <a:chOff x="1495775" y="1483350"/>
             <a:chExt cx="2160000" cy="522018"/>
           </a:xfrm>
         </p:grpSpPr>
         <p:grpSp>
           <p:nvGrpSpPr>
-            <p:cNvPr id="86" name="Group 85"/>
+            <p:cNvPr id="249" name="Group 248"/>
             <p:cNvGrpSpPr/>
             <p:nvPr/>
           </p:nvGrpSpPr>
@@ -51598,7 +55406,7 @@
           </p:grpSpPr>
           <p:sp>
             <p:nvSpPr>
-              <p:cNvPr id="88" name="Rectangle 87"/>
+              <p:cNvPr id="251" name="Rectangle 250"/>
               <p:cNvSpPr/>
               <p:nvPr/>
             </p:nvSpPr>
@@ -51635,7 +55443,101 @@
             </p:style>
             <p:txBody>
               <a:bodyPr rtlCol="0" anchor="ctr"/>
-              <a:lstStyle/>
+              <a:lstStyle>
+                <a:defPPr>
+                  <a:defRPr lang="en-US"/>
+                </a:defPPr>
+                <a:lvl1pPr marL="0" algn="l" defTabSz="914400" rtl="0" eaLnBrk="1" latinLnBrk="0" hangingPunct="1">
+                  <a:defRPr sz="1800" kern="1200">
+                    <a:solidFill>
+                      <a:schemeClr val="lt1"/>
+                    </a:solidFill>
+                    <a:latin typeface="+mn-lt"/>
+                    <a:ea typeface="+mn-ea"/>
+                    <a:cs typeface="+mn-cs"/>
+                  </a:defRPr>
+                </a:lvl1pPr>
+                <a:lvl2pPr marL="457200" algn="l" defTabSz="914400" rtl="0" eaLnBrk="1" latinLnBrk="0" hangingPunct="1">
+                  <a:defRPr sz="1800" kern="1200">
+                    <a:solidFill>
+                      <a:schemeClr val="lt1"/>
+                    </a:solidFill>
+                    <a:latin typeface="+mn-lt"/>
+                    <a:ea typeface="+mn-ea"/>
+                    <a:cs typeface="+mn-cs"/>
+                  </a:defRPr>
+                </a:lvl2pPr>
+                <a:lvl3pPr marL="914400" algn="l" defTabSz="914400" rtl="0" eaLnBrk="1" latinLnBrk="0" hangingPunct="1">
+                  <a:defRPr sz="1800" kern="1200">
+                    <a:solidFill>
+                      <a:schemeClr val="lt1"/>
+                    </a:solidFill>
+                    <a:latin typeface="+mn-lt"/>
+                    <a:ea typeface="+mn-ea"/>
+                    <a:cs typeface="+mn-cs"/>
+                  </a:defRPr>
+                </a:lvl3pPr>
+                <a:lvl4pPr marL="1371600" algn="l" defTabSz="914400" rtl="0" eaLnBrk="1" latinLnBrk="0" hangingPunct="1">
+                  <a:defRPr sz="1800" kern="1200">
+                    <a:solidFill>
+                      <a:schemeClr val="lt1"/>
+                    </a:solidFill>
+                    <a:latin typeface="+mn-lt"/>
+                    <a:ea typeface="+mn-ea"/>
+                    <a:cs typeface="+mn-cs"/>
+                  </a:defRPr>
+                </a:lvl4pPr>
+                <a:lvl5pPr marL="1828800" algn="l" defTabSz="914400" rtl="0" eaLnBrk="1" latinLnBrk="0" hangingPunct="1">
+                  <a:defRPr sz="1800" kern="1200">
+                    <a:solidFill>
+                      <a:schemeClr val="lt1"/>
+                    </a:solidFill>
+                    <a:latin typeface="+mn-lt"/>
+                    <a:ea typeface="+mn-ea"/>
+                    <a:cs typeface="+mn-cs"/>
+                  </a:defRPr>
+                </a:lvl5pPr>
+                <a:lvl6pPr marL="2286000" algn="l" defTabSz="914400" rtl="0" eaLnBrk="1" latinLnBrk="0" hangingPunct="1">
+                  <a:defRPr sz="1800" kern="1200">
+                    <a:solidFill>
+                      <a:schemeClr val="lt1"/>
+                    </a:solidFill>
+                    <a:latin typeface="+mn-lt"/>
+                    <a:ea typeface="+mn-ea"/>
+                    <a:cs typeface="+mn-cs"/>
+                  </a:defRPr>
+                </a:lvl6pPr>
+                <a:lvl7pPr marL="2743200" algn="l" defTabSz="914400" rtl="0" eaLnBrk="1" latinLnBrk="0" hangingPunct="1">
+                  <a:defRPr sz="1800" kern="1200">
+                    <a:solidFill>
+                      <a:schemeClr val="lt1"/>
+                    </a:solidFill>
+                    <a:latin typeface="+mn-lt"/>
+                    <a:ea typeface="+mn-ea"/>
+                    <a:cs typeface="+mn-cs"/>
+                  </a:defRPr>
+                </a:lvl7pPr>
+                <a:lvl8pPr marL="3200400" algn="l" defTabSz="914400" rtl="0" eaLnBrk="1" latinLnBrk="0" hangingPunct="1">
+                  <a:defRPr sz="1800" kern="1200">
+                    <a:solidFill>
+                      <a:schemeClr val="lt1"/>
+                    </a:solidFill>
+                    <a:latin typeface="+mn-lt"/>
+                    <a:ea typeface="+mn-ea"/>
+                    <a:cs typeface="+mn-cs"/>
+                  </a:defRPr>
+                </a:lvl8pPr>
+                <a:lvl9pPr marL="3657600" algn="l" defTabSz="914400" rtl="0" eaLnBrk="1" latinLnBrk="0" hangingPunct="1">
+                  <a:defRPr sz="1800" kern="1200">
+                    <a:solidFill>
+                      <a:schemeClr val="lt1"/>
+                    </a:solidFill>
+                    <a:latin typeface="+mn-lt"/>
+                    <a:ea typeface="+mn-ea"/>
+                    <a:cs typeface="+mn-cs"/>
+                  </a:defRPr>
+                </a:lvl9pPr>
+              </a:lstStyle>
               <a:p>
                 <a:pPr algn="ctr"/>
                 <a:endParaRPr lang="en-AU"/>
@@ -51644,7 +55546,7 @@
           </p:sp>
           <p:cxnSp>
             <p:nvCxnSpPr>
-              <p:cNvPr id="89" name="Straight Connector 88"/>
+              <p:cNvPr id="252" name="Straight Connector 251"/>
               <p:cNvCxnSpPr/>
               <p:nvPr/>
             </p:nvCxnSpPr>
@@ -51679,7 +55581,7 @@
           </p:cxnSp>
           <p:cxnSp>
             <p:nvCxnSpPr>
-              <p:cNvPr id="90" name="Straight Connector 89"/>
+              <p:cNvPr id="253" name="Straight Connector 252"/>
               <p:cNvCxnSpPr/>
               <p:nvPr/>
             </p:nvCxnSpPr>
@@ -51715,7 +55617,7 @@
         </p:grpSp>
         <p:sp>
           <p:nvSpPr>
-            <p:cNvPr id="87" name="TextBox 86"/>
+            <p:cNvPr id="250" name="TextBox 86"/>
             <p:cNvSpPr txBox="1"/>
             <p:nvPr/>
           </p:nvSpPr>
@@ -51733,7 +55635,101 @@
             <a:bodyPr wrap="none" rtlCol="0">
               <a:spAutoFit/>
             </a:bodyPr>
-            <a:lstStyle/>
+            <a:lstStyle>
+              <a:defPPr>
+                <a:defRPr lang="en-US"/>
+              </a:defPPr>
+              <a:lvl1pPr marL="0" algn="l" defTabSz="914400" rtl="0" eaLnBrk="1" latinLnBrk="0" hangingPunct="1">
+                <a:defRPr sz="1800" kern="1200">
+                  <a:solidFill>
+                    <a:schemeClr val="tx1"/>
+                  </a:solidFill>
+                  <a:latin typeface="+mn-lt"/>
+                  <a:ea typeface="+mn-ea"/>
+                  <a:cs typeface="+mn-cs"/>
+                </a:defRPr>
+              </a:lvl1pPr>
+              <a:lvl2pPr marL="457200" algn="l" defTabSz="914400" rtl="0" eaLnBrk="1" latinLnBrk="0" hangingPunct="1">
+                <a:defRPr sz="1800" kern="1200">
+                  <a:solidFill>
+                    <a:schemeClr val="tx1"/>
+                  </a:solidFill>
+                  <a:latin typeface="+mn-lt"/>
+                  <a:ea typeface="+mn-ea"/>
+                  <a:cs typeface="+mn-cs"/>
+                </a:defRPr>
+              </a:lvl2pPr>
+              <a:lvl3pPr marL="914400" algn="l" defTabSz="914400" rtl="0" eaLnBrk="1" latinLnBrk="0" hangingPunct="1">
+                <a:defRPr sz="1800" kern="1200">
+                  <a:solidFill>
+                    <a:schemeClr val="tx1"/>
+                  </a:solidFill>
+                  <a:latin typeface="+mn-lt"/>
+                  <a:ea typeface="+mn-ea"/>
+                  <a:cs typeface="+mn-cs"/>
+                </a:defRPr>
+              </a:lvl3pPr>
+              <a:lvl4pPr marL="1371600" algn="l" defTabSz="914400" rtl="0" eaLnBrk="1" latinLnBrk="0" hangingPunct="1">
+                <a:defRPr sz="1800" kern="1200">
+                  <a:solidFill>
+                    <a:schemeClr val="tx1"/>
+                  </a:solidFill>
+                  <a:latin typeface="+mn-lt"/>
+                  <a:ea typeface="+mn-ea"/>
+                  <a:cs typeface="+mn-cs"/>
+                </a:defRPr>
+              </a:lvl4pPr>
+              <a:lvl5pPr marL="1828800" algn="l" defTabSz="914400" rtl="0" eaLnBrk="1" latinLnBrk="0" hangingPunct="1">
+                <a:defRPr sz="1800" kern="1200">
+                  <a:solidFill>
+                    <a:schemeClr val="tx1"/>
+                  </a:solidFill>
+                  <a:latin typeface="+mn-lt"/>
+                  <a:ea typeface="+mn-ea"/>
+                  <a:cs typeface="+mn-cs"/>
+                </a:defRPr>
+              </a:lvl5pPr>
+              <a:lvl6pPr marL="2286000" algn="l" defTabSz="914400" rtl="0" eaLnBrk="1" latinLnBrk="0" hangingPunct="1">
+                <a:defRPr sz="1800" kern="1200">
+                  <a:solidFill>
+                    <a:schemeClr val="tx1"/>
+                  </a:solidFill>
+                  <a:latin typeface="+mn-lt"/>
+                  <a:ea typeface="+mn-ea"/>
+                  <a:cs typeface="+mn-cs"/>
+                </a:defRPr>
+              </a:lvl6pPr>
+              <a:lvl7pPr marL="2743200" algn="l" defTabSz="914400" rtl="0" eaLnBrk="1" latinLnBrk="0" hangingPunct="1">
+                <a:defRPr sz="1800" kern="1200">
+                  <a:solidFill>
+                    <a:schemeClr val="tx1"/>
+                  </a:solidFill>
+                  <a:latin typeface="+mn-lt"/>
+                  <a:ea typeface="+mn-ea"/>
+                  <a:cs typeface="+mn-cs"/>
+                </a:defRPr>
+              </a:lvl7pPr>
+              <a:lvl8pPr marL="3200400" algn="l" defTabSz="914400" rtl="0" eaLnBrk="1" latinLnBrk="0" hangingPunct="1">
+                <a:defRPr sz="1800" kern="1200">
+                  <a:solidFill>
+                    <a:schemeClr val="tx1"/>
+                  </a:solidFill>
+                  <a:latin typeface="+mn-lt"/>
+                  <a:ea typeface="+mn-ea"/>
+                  <a:cs typeface="+mn-cs"/>
+                </a:defRPr>
+              </a:lvl8pPr>
+              <a:lvl9pPr marL="3657600" algn="l" defTabSz="914400" rtl="0" eaLnBrk="1" latinLnBrk="0" hangingPunct="1">
+                <a:defRPr sz="1800" kern="1200">
+                  <a:solidFill>
+                    <a:schemeClr val="tx1"/>
+                  </a:solidFill>
+                  <a:latin typeface="+mn-lt"/>
+                  <a:ea typeface="+mn-ea"/>
+                  <a:cs typeface="+mn-cs"/>
+                </a:defRPr>
+              </a:lvl9pPr>
+            </a:lstStyle>
             <a:p>
               <a:r>
                 <a:rPr lang="en-AU" sz="1400" dirty="0" smtClean="0"/>
@@ -51746,21 +55742,21 @@
       </p:grpSp>
       <p:grpSp>
         <p:nvGrpSpPr>
-          <p:cNvPr id="91" name="Group 90"/>
+          <p:cNvPr id="201" name="Group 200"/>
           <p:cNvGrpSpPr/>
           <p:nvPr/>
         </p:nvGrpSpPr>
         <p:grpSpPr>
           <a:xfrm>
-            <a:off x="1196371" y="1223579"/>
-            <a:ext cx="3162456" cy="522018"/>
+            <a:off x="1341066" y="1014647"/>
+            <a:ext cx="3162456" cy="431419"/>
             <a:chOff x="1495775" y="1483350"/>
             <a:chExt cx="2160000" cy="522018"/>
           </a:xfrm>
         </p:grpSpPr>
         <p:grpSp>
           <p:nvGrpSpPr>
-            <p:cNvPr id="92" name="Group 91"/>
+            <p:cNvPr id="244" name="Group 243"/>
             <p:cNvGrpSpPr/>
             <p:nvPr/>
           </p:nvGrpSpPr>
@@ -51774,7 +55770,7 @@
           </p:grpSpPr>
           <p:sp>
             <p:nvSpPr>
-              <p:cNvPr id="94" name="Rectangle 93"/>
+              <p:cNvPr id="246" name="Rectangle 245"/>
               <p:cNvSpPr/>
               <p:nvPr/>
             </p:nvSpPr>
@@ -51811,7 +55807,101 @@
             </p:style>
             <p:txBody>
               <a:bodyPr rtlCol="0" anchor="ctr"/>
-              <a:lstStyle/>
+              <a:lstStyle>
+                <a:defPPr>
+                  <a:defRPr lang="en-US"/>
+                </a:defPPr>
+                <a:lvl1pPr marL="0" algn="l" defTabSz="914400" rtl="0" eaLnBrk="1" latinLnBrk="0" hangingPunct="1">
+                  <a:defRPr sz="1800" kern="1200">
+                    <a:solidFill>
+                      <a:schemeClr val="lt1"/>
+                    </a:solidFill>
+                    <a:latin typeface="+mn-lt"/>
+                    <a:ea typeface="+mn-ea"/>
+                    <a:cs typeface="+mn-cs"/>
+                  </a:defRPr>
+                </a:lvl1pPr>
+                <a:lvl2pPr marL="457200" algn="l" defTabSz="914400" rtl="0" eaLnBrk="1" latinLnBrk="0" hangingPunct="1">
+                  <a:defRPr sz="1800" kern="1200">
+                    <a:solidFill>
+                      <a:schemeClr val="lt1"/>
+                    </a:solidFill>
+                    <a:latin typeface="+mn-lt"/>
+                    <a:ea typeface="+mn-ea"/>
+                    <a:cs typeface="+mn-cs"/>
+                  </a:defRPr>
+                </a:lvl2pPr>
+                <a:lvl3pPr marL="914400" algn="l" defTabSz="914400" rtl="0" eaLnBrk="1" latinLnBrk="0" hangingPunct="1">
+                  <a:defRPr sz="1800" kern="1200">
+                    <a:solidFill>
+                      <a:schemeClr val="lt1"/>
+                    </a:solidFill>
+                    <a:latin typeface="+mn-lt"/>
+                    <a:ea typeface="+mn-ea"/>
+                    <a:cs typeface="+mn-cs"/>
+                  </a:defRPr>
+                </a:lvl3pPr>
+                <a:lvl4pPr marL="1371600" algn="l" defTabSz="914400" rtl="0" eaLnBrk="1" latinLnBrk="0" hangingPunct="1">
+                  <a:defRPr sz="1800" kern="1200">
+                    <a:solidFill>
+                      <a:schemeClr val="lt1"/>
+                    </a:solidFill>
+                    <a:latin typeface="+mn-lt"/>
+                    <a:ea typeface="+mn-ea"/>
+                    <a:cs typeface="+mn-cs"/>
+                  </a:defRPr>
+                </a:lvl4pPr>
+                <a:lvl5pPr marL="1828800" algn="l" defTabSz="914400" rtl="0" eaLnBrk="1" latinLnBrk="0" hangingPunct="1">
+                  <a:defRPr sz="1800" kern="1200">
+                    <a:solidFill>
+                      <a:schemeClr val="lt1"/>
+                    </a:solidFill>
+                    <a:latin typeface="+mn-lt"/>
+                    <a:ea typeface="+mn-ea"/>
+                    <a:cs typeface="+mn-cs"/>
+                  </a:defRPr>
+                </a:lvl5pPr>
+                <a:lvl6pPr marL="2286000" algn="l" defTabSz="914400" rtl="0" eaLnBrk="1" latinLnBrk="0" hangingPunct="1">
+                  <a:defRPr sz="1800" kern="1200">
+                    <a:solidFill>
+                      <a:schemeClr val="lt1"/>
+                    </a:solidFill>
+                    <a:latin typeface="+mn-lt"/>
+                    <a:ea typeface="+mn-ea"/>
+                    <a:cs typeface="+mn-cs"/>
+                  </a:defRPr>
+                </a:lvl6pPr>
+                <a:lvl7pPr marL="2743200" algn="l" defTabSz="914400" rtl="0" eaLnBrk="1" latinLnBrk="0" hangingPunct="1">
+                  <a:defRPr sz="1800" kern="1200">
+                    <a:solidFill>
+                      <a:schemeClr val="lt1"/>
+                    </a:solidFill>
+                    <a:latin typeface="+mn-lt"/>
+                    <a:ea typeface="+mn-ea"/>
+                    <a:cs typeface="+mn-cs"/>
+                  </a:defRPr>
+                </a:lvl7pPr>
+                <a:lvl8pPr marL="3200400" algn="l" defTabSz="914400" rtl="0" eaLnBrk="1" latinLnBrk="0" hangingPunct="1">
+                  <a:defRPr sz="1800" kern="1200">
+                    <a:solidFill>
+                      <a:schemeClr val="lt1"/>
+                    </a:solidFill>
+                    <a:latin typeface="+mn-lt"/>
+                    <a:ea typeface="+mn-ea"/>
+                    <a:cs typeface="+mn-cs"/>
+                  </a:defRPr>
+                </a:lvl8pPr>
+                <a:lvl9pPr marL="3657600" algn="l" defTabSz="914400" rtl="0" eaLnBrk="1" latinLnBrk="0" hangingPunct="1">
+                  <a:defRPr sz="1800" kern="1200">
+                    <a:solidFill>
+                      <a:schemeClr val="lt1"/>
+                    </a:solidFill>
+                    <a:latin typeface="+mn-lt"/>
+                    <a:ea typeface="+mn-ea"/>
+                    <a:cs typeface="+mn-cs"/>
+                  </a:defRPr>
+                </a:lvl9pPr>
+              </a:lstStyle>
               <a:p>
                 <a:pPr algn="ctr"/>
                 <a:endParaRPr lang="en-AU"/>
@@ -51820,7 +55910,7 @@
           </p:sp>
           <p:cxnSp>
             <p:nvCxnSpPr>
-              <p:cNvPr id="95" name="Straight Connector 94"/>
+              <p:cNvPr id="247" name="Straight Connector 246"/>
               <p:cNvCxnSpPr/>
               <p:nvPr/>
             </p:nvCxnSpPr>
@@ -51855,7 +55945,7 @@
           </p:cxnSp>
           <p:cxnSp>
             <p:nvCxnSpPr>
-              <p:cNvPr id="96" name="Straight Connector 95"/>
+              <p:cNvPr id="248" name="Straight Connector 247"/>
               <p:cNvCxnSpPr/>
               <p:nvPr/>
             </p:nvCxnSpPr>
@@ -51891,7 +55981,7 @@
         </p:grpSp>
         <p:sp>
           <p:nvSpPr>
-            <p:cNvPr id="93" name="TextBox 92"/>
+            <p:cNvPr id="245" name="TextBox 92"/>
             <p:cNvSpPr txBox="1"/>
             <p:nvPr/>
           </p:nvSpPr>
@@ -51909,7 +55999,101 @@
             <a:bodyPr wrap="none" rtlCol="0">
               <a:spAutoFit/>
             </a:bodyPr>
-            <a:lstStyle/>
+            <a:lstStyle>
+              <a:defPPr>
+                <a:defRPr lang="en-US"/>
+              </a:defPPr>
+              <a:lvl1pPr marL="0" algn="l" defTabSz="914400" rtl="0" eaLnBrk="1" latinLnBrk="0" hangingPunct="1">
+                <a:defRPr sz="1800" kern="1200">
+                  <a:solidFill>
+                    <a:schemeClr val="tx1"/>
+                  </a:solidFill>
+                  <a:latin typeface="+mn-lt"/>
+                  <a:ea typeface="+mn-ea"/>
+                  <a:cs typeface="+mn-cs"/>
+                </a:defRPr>
+              </a:lvl1pPr>
+              <a:lvl2pPr marL="457200" algn="l" defTabSz="914400" rtl="0" eaLnBrk="1" latinLnBrk="0" hangingPunct="1">
+                <a:defRPr sz="1800" kern="1200">
+                  <a:solidFill>
+                    <a:schemeClr val="tx1"/>
+                  </a:solidFill>
+                  <a:latin typeface="+mn-lt"/>
+                  <a:ea typeface="+mn-ea"/>
+                  <a:cs typeface="+mn-cs"/>
+                </a:defRPr>
+              </a:lvl2pPr>
+              <a:lvl3pPr marL="914400" algn="l" defTabSz="914400" rtl="0" eaLnBrk="1" latinLnBrk="0" hangingPunct="1">
+                <a:defRPr sz="1800" kern="1200">
+                  <a:solidFill>
+                    <a:schemeClr val="tx1"/>
+                  </a:solidFill>
+                  <a:latin typeface="+mn-lt"/>
+                  <a:ea typeface="+mn-ea"/>
+                  <a:cs typeface="+mn-cs"/>
+                </a:defRPr>
+              </a:lvl3pPr>
+              <a:lvl4pPr marL="1371600" algn="l" defTabSz="914400" rtl="0" eaLnBrk="1" latinLnBrk="0" hangingPunct="1">
+                <a:defRPr sz="1800" kern="1200">
+                  <a:solidFill>
+                    <a:schemeClr val="tx1"/>
+                  </a:solidFill>
+                  <a:latin typeface="+mn-lt"/>
+                  <a:ea typeface="+mn-ea"/>
+                  <a:cs typeface="+mn-cs"/>
+                </a:defRPr>
+              </a:lvl4pPr>
+              <a:lvl5pPr marL="1828800" algn="l" defTabSz="914400" rtl="0" eaLnBrk="1" latinLnBrk="0" hangingPunct="1">
+                <a:defRPr sz="1800" kern="1200">
+                  <a:solidFill>
+                    <a:schemeClr val="tx1"/>
+                  </a:solidFill>
+                  <a:latin typeface="+mn-lt"/>
+                  <a:ea typeface="+mn-ea"/>
+                  <a:cs typeface="+mn-cs"/>
+                </a:defRPr>
+              </a:lvl5pPr>
+              <a:lvl6pPr marL="2286000" algn="l" defTabSz="914400" rtl="0" eaLnBrk="1" latinLnBrk="0" hangingPunct="1">
+                <a:defRPr sz="1800" kern="1200">
+                  <a:solidFill>
+                    <a:schemeClr val="tx1"/>
+                  </a:solidFill>
+                  <a:latin typeface="+mn-lt"/>
+                  <a:ea typeface="+mn-ea"/>
+                  <a:cs typeface="+mn-cs"/>
+                </a:defRPr>
+              </a:lvl6pPr>
+              <a:lvl7pPr marL="2743200" algn="l" defTabSz="914400" rtl="0" eaLnBrk="1" latinLnBrk="0" hangingPunct="1">
+                <a:defRPr sz="1800" kern="1200">
+                  <a:solidFill>
+                    <a:schemeClr val="tx1"/>
+                  </a:solidFill>
+                  <a:latin typeface="+mn-lt"/>
+                  <a:ea typeface="+mn-ea"/>
+                  <a:cs typeface="+mn-cs"/>
+                </a:defRPr>
+              </a:lvl7pPr>
+              <a:lvl8pPr marL="3200400" algn="l" defTabSz="914400" rtl="0" eaLnBrk="1" latinLnBrk="0" hangingPunct="1">
+                <a:defRPr sz="1800" kern="1200">
+                  <a:solidFill>
+                    <a:schemeClr val="tx1"/>
+                  </a:solidFill>
+                  <a:latin typeface="+mn-lt"/>
+                  <a:ea typeface="+mn-ea"/>
+                  <a:cs typeface="+mn-cs"/>
+                </a:defRPr>
+              </a:lvl8pPr>
+              <a:lvl9pPr marL="3657600" algn="l" defTabSz="914400" rtl="0" eaLnBrk="1" latinLnBrk="0" hangingPunct="1">
+                <a:defRPr sz="1800" kern="1200">
+                  <a:solidFill>
+                    <a:schemeClr val="tx1"/>
+                  </a:solidFill>
+                  <a:latin typeface="+mn-lt"/>
+                  <a:ea typeface="+mn-ea"/>
+                  <a:cs typeface="+mn-cs"/>
+                </a:defRPr>
+              </a:lvl9pPr>
+            </a:lstStyle>
             <a:p>
               <a:r>
                 <a:rPr lang="en-AU" sz="1400" dirty="0" smtClean="0"/>
@@ -51922,21 +56106,21 @@
       </p:grpSp>
       <p:grpSp>
         <p:nvGrpSpPr>
-          <p:cNvPr id="99" name="Group 98"/>
+          <p:cNvPr id="202" name="Group 201"/>
           <p:cNvGrpSpPr/>
           <p:nvPr/>
         </p:nvGrpSpPr>
         <p:grpSpPr>
           <a:xfrm>
-            <a:off x="1196370" y="1742392"/>
-            <a:ext cx="3162456" cy="522018"/>
+            <a:off x="1341065" y="1391791"/>
+            <a:ext cx="3162456" cy="431419"/>
             <a:chOff x="1495775" y="1483350"/>
             <a:chExt cx="2160000" cy="522018"/>
           </a:xfrm>
         </p:grpSpPr>
         <p:grpSp>
           <p:nvGrpSpPr>
-            <p:cNvPr id="100" name="Group 99"/>
+            <p:cNvPr id="239" name="Group 238"/>
             <p:cNvGrpSpPr/>
             <p:nvPr/>
           </p:nvGrpSpPr>
@@ -51950,7 +56134,7 @@
           </p:grpSpPr>
           <p:sp>
             <p:nvSpPr>
-              <p:cNvPr id="102" name="Rectangle 101"/>
+              <p:cNvPr id="241" name="Rectangle 240"/>
               <p:cNvSpPr/>
               <p:nvPr/>
             </p:nvSpPr>
@@ -51987,7 +56171,101 @@
             </p:style>
             <p:txBody>
               <a:bodyPr rtlCol="0" anchor="ctr"/>
-              <a:lstStyle/>
+              <a:lstStyle>
+                <a:defPPr>
+                  <a:defRPr lang="en-US"/>
+                </a:defPPr>
+                <a:lvl1pPr marL="0" algn="l" defTabSz="914400" rtl="0" eaLnBrk="1" latinLnBrk="0" hangingPunct="1">
+                  <a:defRPr sz="1800" kern="1200">
+                    <a:solidFill>
+                      <a:schemeClr val="lt1"/>
+                    </a:solidFill>
+                    <a:latin typeface="+mn-lt"/>
+                    <a:ea typeface="+mn-ea"/>
+                    <a:cs typeface="+mn-cs"/>
+                  </a:defRPr>
+                </a:lvl1pPr>
+                <a:lvl2pPr marL="457200" algn="l" defTabSz="914400" rtl="0" eaLnBrk="1" latinLnBrk="0" hangingPunct="1">
+                  <a:defRPr sz="1800" kern="1200">
+                    <a:solidFill>
+                      <a:schemeClr val="lt1"/>
+                    </a:solidFill>
+                    <a:latin typeface="+mn-lt"/>
+                    <a:ea typeface="+mn-ea"/>
+                    <a:cs typeface="+mn-cs"/>
+                  </a:defRPr>
+                </a:lvl2pPr>
+                <a:lvl3pPr marL="914400" algn="l" defTabSz="914400" rtl="0" eaLnBrk="1" latinLnBrk="0" hangingPunct="1">
+                  <a:defRPr sz="1800" kern="1200">
+                    <a:solidFill>
+                      <a:schemeClr val="lt1"/>
+                    </a:solidFill>
+                    <a:latin typeface="+mn-lt"/>
+                    <a:ea typeface="+mn-ea"/>
+                    <a:cs typeface="+mn-cs"/>
+                  </a:defRPr>
+                </a:lvl3pPr>
+                <a:lvl4pPr marL="1371600" algn="l" defTabSz="914400" rtl="0" eaLnBrk="1" latinLnBrk="0" hangingPunct="1">
+                  <a:defRPr sz="1800" kern="1200">
+                    <a:solidFill>
+                      <a:schemeClr val="lt1"/>
+                    </a:solidFill>
+                    <a:latin typeface="+mn-lt"/>
+                    <a:ea typeface="+mn-ea"/>
+                    <a:cs typeface="+mn-cs"/>
+                  </a:defRPr>
+                </a:lvl4pPr>
+                <a:lvl5pPr marL="1828800" algn="l" defTabSz="914400" rtl="0" eaLnBrk="1" latinLnBrk="0" hangingPunct="1">
+                  <a:defRPr sz="1800" kern="1200">
+                    <a:solidFill>
+                      <a:schemeClr val="lt1"/>
+                    </a:solidFill>
+                    <a:latin typeface="+mn-lt"/>
+                    <a:ea typeface="+mn-ea"/>
+                    <a:cs typeface="+mn-cs"/>
+                  </a:defRPr>
+                </a:lvl5pPr>
+                <a:lvl6pPr marL="2286000" algn="l" defTabSz="914400" rtl="0" eaLnBrk="1" latinLnBrk="0" hangingPunct="1">
+                  <a:defRPr sz="1800" kern="1200">
+                    <a:solidFill>
+                      <a:schemeClr val="lt1"/>
+                    </a:solidFill>
+                    <a:latin typeface="+mn-lt"/>
+                    <a:ea typeface="+mn-ea"/>
+                    <a:cs typeface="+mn-cs"/>
+                  </a:defRPr>
+                </a:lvl6pPr>
+                <a:lvl7pPr marL="2743200" algn="l" defTabSz="914400" rtl="0" eaLnBrk="1" latinLnBrk="0" hangingPunct="1">
+                  <a:defRPr sz="1800" kern="1200">
+                    <a:solidFill>
+                      <a:schemeClr val="lt1"/>
+                    </a:solidFill>
+                    <a:latin typeface="+mn-lt"/>
+                    <a:ea typeface="+mn-ea"/>
+                    <a:cs typeface="+mn-cs"/>
+                  </a:defRPr>
+                </a:lvl7pPr>
+                <a:lvl8pPr marL="3200400" algn="l" defTabSz="914400" rtl="0" eaLnBrk="1" latinLnBrk="0" hangingPunct="1">
+                  <a:defRPr sz="1800" kern="1200">
+                    <a:solidFill>
+                      <a:schemeClr val="lt1"/>
+                    </a:solidFill>
+                    <a:latin typeface="+mn-lt"/>
+                    <a:ea typeface="+mn-ea"/>
+                    <a:cs typeface="+mn-cs"/>
+                  </a:defRPr>
+                </a:lvl8pPr>
+                <a:lvl9pPr marL="3657600" algn="l" defTabSz="914400" rtl="0" eaLnBrk="1" latinLnBrk="0" hangingPunct="1">
+                  <a:defRPr sz="1800" kern="1200">
+                    <a:solidFill>
+                      <a:schemeClr val="lt1"/>
+                    </a:solidFill>
+                    <a:latin typeface="+mn-lt"/>
+                    <a:ea typeface="+mn-ea"/>
+                    <a:cs typeface="+mn-cs"/>
+                  </a:defRPr>
+                </a:lvl9pPr>
+              </a:lstStyle>
               <a:p>
                 <a:pPr algn="ctr"/>
                 <a:endParaRPr lang="en-AU"/>
@@ -51996,7 +56274,7 @@
           </p:sp>
           <p:cxnSp>
             <p:nvCxnSpPr>
-              <p:cNvPr id="103" name="Straight Connector 102"/>
+              <p:cNvPr id="242" name="Straight Connector 241"/>
               <p:cNvCxnSpPr/>
               <p:nvPr/>
             </p:nvCxnSpPr>
@@ -52031,7 +56309,7 @@
           </p:cxnSp>
           <p:cxnSp>
             <p:nvCxnSpPr>
-              <p:cNvPr id="104" name="Straight Connector 103"/>
+              <p:cNvPr id="243" name="Straight Connector 242"/>
               <p:cNvCxnSpPr/>
               <p:nvPr/>
             </p:nvCxnSpPr>
@@ -52067,7 +56345,7 @@
         </p:grpSp>
         <p:sp>
           <p:nvSpPr>
-            <p:cNvPr id="101" name="TextBox 100"/>
+            <p:cNvPr id="240" name="TextBox 100"/>
             <p:cNvSpPr txBox="1"/>
             <p:nvPr/>
           </p:nvSpPr>
@@ -52085,7 +56363,101 @@
             <a:bodyPr wrap="none" rtlCol="0">
               <a:spAutoFit/>
             </a:bodyPr>
-            <a:lstStyle/>
+            <a:lstStyle>
+              <a:defPPr>
+                <a:defRPr lang="en-US"/>
+              </a:defPPr>
+              <a:lvl1pPr marL="0" algn="l" defTabSz="914400" rtl="0" eaLnBrk="1" latinLnBrk="0" hangingPunct="1">
+                <a:defRPr sz="1800" kern="1200">
+                  <a:solidFill>
+                    <a:schemeClr val="tx1"/>
+                  </a:solidFill>
+                  <a:latin typeface="+mn-lt"/>
+                  <a:ea typeface="+mn-ea"/>
+                  <a:cs typeface="+mn-cs"/>
+                </a:defRPr>
+              </a:lvl1pPr>
+              <a:lvl2pPr marL="457200" algn="l" defTabSz="914400" rtl="0" eaLnBrk="1" latinLnBrk="0" hangingPunct="1">
+                <a:defRPr sz="1800" kern="1200">
+                  <a:solidFill>
+                    <a:schemeClr val="tx1"/>
+                  </a:solidFill>
+                  <a:latin typeface="+mn-lt"/>
+                  <a:ea typeface="+mn-ea"/>
+                  <a:cs typeface="+mn-cs"/>
+                </a:defRPr>
+              </a:lvl2pPr>
+              <a:lvl3pPr marL="914400" algn="l" defTabSz="914400" rtl="0" eaLnBrk="1" latinLnBrk="0" hangingPunct="1">
+                <a:defRPr sz="1800" kern="1200">
+                  <a:solidFill>
+                    <a:schemeClr val="tx1"/>
+                  </a:solidFill>
+                  <a:latin typeface="+mn-lt"/>
+                  <a:ea typeface="+mn-ea"/>
+                  <a:cs typeface="+mn-cs"/>
+                </a:defRPr>
+              </a:lvl3pPr>
+              <a:lvl4pPr marL="1371600" algn="l" defTabSz="914400" rtl="0" eaLnBrk="1" latinLnBrk="0" hangingPunct="1">
+                <a:defRPr sz="1800" kern="1200">
+                  <a:solidFill>
+                    <a:schemeClr val="tx1"/>
+                  </a:solidFill>
+                  <a:latin typeface="+mn-lt"/>
+                  <a:ea typeface="+mn-ea"/>
+                  <a:cs typeface="+mn-cs"/>
+                </a:defRPr>
+              </a:lvl4pPr>
+              <a:lvl5pPr marL="1828800" algn="l" defTabSz="914400" rtl="0" eaLnBrk="1" latinLnBrk="0" hangingPunct="1">
+                <a:defRPr sz="1800" kern="1200">
+                  <a:solidFill>
+                    <a:schemeClr val="tx1"/>
+                  </a:solidFill>
+                  <a:latin typeface="+mn-lt"/>
+                  <a:ea typeface="+mn-ea"/>
+                  <a:cs typeface="+mn-cs"/>
+                </a:defRPr>
+              </a:lvl5pPr>
+              <a:lvl6pPr marL="2286000" algn="l" defTabSz="914400" rtl="0" eaLnBrk="1" latinLnBrk="0" hangingPunct="1">
+                <a:defRPr sz="1800" kern="1200">
+                  <a:solidFill>
+                    <a:schemeClr val="tx1"/>
+                  </a:solidFill>
+                  <a:latin typeface="+mn-lt"/>
+                  <a:ea typeface="+mn-ea"/>
+                  <a:cs typeface="+mn-cs"/>
+                </a:defRPr>
+              </a:lvl6pPr>
+              <a:lvl7pPr marL="2743200" algn="l" defTabSz="914400" rtl="0" eaLnBrk="1" latinLnBrk="0" hangingPunct="1">
+                <a:defRPr sz="1800" kern="1200">
+                  <a:solidFill>
+                    <a:schemeClr val="tx1"/>
+                  </a:solidFill>
+                  <a:latin typeface="+mn-lt"/>
+                  <a:ea typeface="+mn-ea"/>
+                  <a:cs typeface="+mn-cs"/>
+                </a:defRPr>
+              </a:lvl7pPr>
+              <a:lvl8pPr marL="3200400" algn="l" defTabSz="914400" rtl="0" eaLnBrk="1" latinLnBrk="0" hangingPunct="1">
+                <a:defRPr sz="1800" kern="1200">
+                  <a:solidFill>
+                    <a:schemeClr val="tx1"/>
+                  </a:solidFill>
+                  <a:latin typeface="+mn-lt"/>
+                  <a:ea typeface="+mn-ea"/>
+                  <a:cs typeface="+mn-cs"/>
+                </a:defRPr>
+              </a:lvl8pPr>
+              <a:lvl9pPr marL="3657600" algn="l" defTabSz="914400" rtl="0" eaLnBrk="1" latinLnBrk="0" hangingPunct="1">
+                <a:defRPr sz="1800" kern="1200">
+                  <a:solidFill>
+                    <a:schemeClr val="tx1"/>
+                  </a:solidFill>
+                  <a:latin typeface="+mn-lt"/>
+                  <a:ea typeface="+mn-ea"/>
+                  <a:cs typeface="+mn-cs"/>
+                </a:defRPr>
+              </a:lvl9pPr>
+            </a:lstStyle>
             <a:p>
               <a:r>
                 <a:rPr lang="en-AU" sz="1400" dirty="0" smtClean="0"/>
@@ -52098,14 +56470,14 @@
       </p:grpSp>
       <p:sp>
         <p:nvSpPr>
-          <p:cNvPr id="5" name="Rectangle 4"/>
+          <p:cNvPr id="203" name="Rectangle 202"/>
           <p:cNvSpPr/>
           <p:nvPr/>
         </p:nvSpPr>
         <p:spPr>
           <a:xfrm>
-            <a:off x="4102443" y="982933"/>
-            <a:ext cx="256383" cy="251914"/>
+            <a:off x="4247138" y="875940"/>
+            <a:ext cx="256383" cy="189267"/>
           </a:xfrm>
           <a:prstGeom prst="rect">
             <a:avLst/>
@@ -52132,7 +56504,101 @@
         </p:style>
         <p:txBody>
           <a:bodyPr rtlCol="0" anchor="ctr"/>
-          <a:lstStyle/>
+          <a:lstStyle>
+            <a:defPPr>
+              <a:defRPr lang="en-US"/>
+            </a:defPPr>
+            <a:lvl1pPr marL="0" algn="l" defTabSz="914400" rtl="0" eaLnBrk="1" latinLnBrk="0" hangingPunct="1">
+              <a:defRPr sz="1800" kern="1200">
+                <a:solidFill>
+                  <a:schemeClr val="lt1"/>
+                </a:solidFill>
+                <a:latin typeface="+mn-lt"/>
+                <a:ea typeface="+mn-ea"/>
+                <a:cs typeface="+mn-cs"/>
+              </a:defRPr>
+            </a:lvl1pPr>
+            <a:lvl2pPr marL="457200" algn="l" defTabSz="914400" rtl="0" eaLnBrk="1" latinLnBrk="0" hangingPunct="1">
+              <a:defRPr sz="1800" kern="1200">
+                <a:solidFill>
+                  <a:schemeClr val="lt1"/>
+                </a:solidFill>
+                <a:latin typeface="+mn-lt"/>
+                <a:ea typeface="+mn-ea"/>
+                <a:cs typeface="+mn-cs"/>
+              </a:defRPr>
+            </a:lvl2pPr>
+            <a:lvl3pPr marL="914400" algn="l" defTabSz="914400" rtl="0" eaLnBrk="1" latinLnBrk="0" hangingPunct="1">
+              <a:defRPr sz="1800" kern="1200">
+                <a:solidFill>
+                  <a:schemeClr val="lt1"/>
+                </a:solidFill>
+                <a:latin typeface="+mn-lt"/>
+                <a:ea typeface="+mn-ea"/>
+                <a:cs typeface="+mn-cs"/>
+              </a:defRPr>
+            </a:lvl3pPr>
+            <a:lvl4pPr marL="1371600" algn="l" defTabSz="914400" rtl="0" eaLnBrk="1" latinLnBrk="0" hangingPunct="1">
+              <a:defRPr sz="1800" kern="1200">
+                <a:solidFill>
+                  <a:schemeClr val="lt1"/>
+                </a:solidFill>
+                <a:latin typeface="+mn-lt"/>
+                <a:ea typeface="+mn-ea"/>
+                <a:cs typeface="+mn-cs"/>
+              </a:defRPr>
+            </a:lvl4pPr>
+            <a:lvl5pPr marL="1828800" algn="l" defTabSz="914400" rtl="0" eaLnBrk="1" latinLnBrk="0" hangingPunct="1">
+              <a:defRPr sz="1800" kern="1200">
+                <a:solidFill>
+                  <a:schemeClr val="lt1"/>
+                </a:solidFill>
+                <a:latin typeface="+mn-lt"/>
+                <a:ea typeface="+mn-ea"/>
+                <a:cs typeface="+mn-cs"/>
+              </a:defRPr>
+            </a:lvl5pPr>
+            <a:lvl6pPr marL="2286000" algn="l" defTabSz="914400" rtl="0" eaLnBrk="1" latinLnBrk="0" hangingPunct="1">
+              <a:defRPr sz="1800" kern="1200">
+                <a:solidFill>
+                  <a:schemeClr val="lt1"/>
+                </a:solidFill>
+                <a:latin typeface="+mn-lt"/>
+                <a:ea typeface="+mn-ea"/>
+                <a:cs typeface="+mn-cs"/>
+              </a:defRPr>
+            </a:lvl6pPr>
+            <a:lvl7pPr marL="2743200" algn="l" defTabSz="914400" rtl="0" eaLnBrk="1" latinLnBrk="0" hangingPunct="1">
+              <a:defRPr sz="1800" kern="1200">
+                <a:solidFill>
+                  <a:schemeClr val="lt1"/>
+                </a:solidFill>
+                <a:latin typeface="+mn-lt"/>
+                <a:ea typeface="+mn-ea"/>
+                <a:cs typeface="+mn-cs"/>
+              </a:defRPr>
+            </a:lvl7pPr>
+            <a:lvl8pPr marL="3200400" algn="l" defTabSz="914400" rtl="0" eaLnBrk="1" latinLnBrk="0" hangingPunct="1">
+              <a:defRPr sz="1800" kern="1200">
+                <a:solidFill>
+                  <a:schemeClr val="lt1"/>
+                </a:solidFill>
+                <a:latin typeface="+mn-lt"/>
+                <a:ea typeface="+mn-ea"/>
+                <a:cs typeface="+mn-cs"/>
+              </a:defRPr>
+            </a:lvl8pPr>
+            <a:lvl9pPr marL="3657600" algn="l" defTabSz="914400" rtl="0" eaLnBrk="1" latinLnBrk="0" hangingPunct="1">
+              <a:defRPr sz="1800" kern="1200">
+                <a:solidFill>
+                  <a:schemeClr val="lt1"/>
+                </a:solidFill>
+                <a:latin typeface="+mn-lt"/>
+                <a:ea typeface="+mn-ea"/>
+                <a:cs typeface="+mn-cs"/>
+              </a:defRPr>
+            </a:lvl9pPr>
+          </a:lstStyle>
           <a:p>
             <a:pPr algn="ctr"/>
             <a:endParaRPr lang="en-AU"/>
@@ -52141,14 +56607,14 @@
       </p:sp>
       <p:sp>
         <p:nvSpPr>
-          <p:cNvPr id="7" name="Isosceles Triangle 6"/>
+          <p:cNvPr id="204" name="Isosceles Triangle 203"/>
           <p:cNvSpPr/>
           <p:nvPr/>
         </p:nvSpPr>
         <p:spPr>
           <a:xfrm rot="10800000">
-            <a:off x="4112683" y="1010562"/>
-            <a:ext cx="235902" cy="184851"/>
+            <a:off x="4257378" y="895230"/>
+            <a:ext cx="235902" cy="138881"/>
           </a:xfrm>
           <a:prstGeom prst="triangle">
             <a:avLst/>
@@ -52172,7 +56638,101 @@
         </p:style>
         <p:txBody>
           <a:bodyPr rtlCol="0" anchor="ctr"/>
-          <a:lstStyle/>
+          <a:lstStyle>
+            <a:defPPr>
+              <a:defRPr lang="en-US"/>
+            </a:defPPr>
+            <a:lvl1pPr marL="0" algn="l" defTabSz="914400" rtl="0" eaLnBrk="1" latinLnBrk="0" hangingPunct="1">
+              <a:defRPr sz="1800" kern="1200">
+                <a:solidFill>
+                  <a:schemeClr val="lt1"/>
+                </a:solidFill>
+                <a:latin typeface="+mn-lt"/>
+                <a:ea typeface="+mn-ea"/>
+                <a:cs typeface="+mn-cs"/>
+              </a:defRPr>
+            </a:lvl1pPr>
+            <a:lvl2pPr marL="457200" algn="l" defTabSz="914400" rtl="0" eaLnBrk="1" latinLnBrk="0" hangingPunct="1">
+              <a:defRPr sz="1800" kern="1200">
+                <a:solidFill>
+                  <a:schemeClr val="lt1"/>
+                </a:solidFill>
+                <a:latin typeface="+mn-lt"/>
+                <a:ea typeface="+mn-ea"/>
+                <a:cs typeface="+mn-cs"/>
+              </a:defRPr>
+            </a:lvl2pPr>
+            <a:lvl3pPr marL="914400" algn="l" defTabSz="914400" rtl="0" eaLnBrk="1" latinLnBrk="0" hangingPunct="1">
+              <a:defRPr sz="1800" kern="1200">
+                <a:solidFill>
+                  <a:schemeClr val="lt1"/>
+                </a:solidFill>
+                <a:latin typeface="+mn-lt"/>
+                <a:ea typeface="+mn-ea"/>
+                <a:cs typeface="+mn-cs"/>
+              </a:defRPr>
+            </a:lvl3pPr>
+            <a:lvl4pPr marL="1371600" algn="l" defTabSz="914400" rtl="0" eaLnBrk="1" latinLnBrk="0" hangingPunct="1">
+              <a:defRPr sz="1800" kern="1200">
+                <a:solidFill>
+                  <a:schemeClr val="lt1"/>
+                </a:solidFill>
+                <a:latin typeface="+mn-lt"/>
+                <a:ea typeface="+mn-ea"/>
+                <a:cs typeface="+mn-cs"/>
+              </a:defRPr>
+            </a:lvl4pPr>
+            <a:lvl5pPr marL="1828800" algn="l" defTabSz="914400" rtl="0" eaLnBrk="1" latinLnBrk="0" hangingPunct="1">
+              <a:defRPr sz="1800" kern="1200">
+                <a:solidFill>
+                  <a:schemeClr val="lt1"/>
+                </a:solidFill>
+                <a:latin typeface="+mn-lt"/>
+                <a:ea typeface="+mn-ea"/>
+                <a:cs typeface="+mn-cs"/>
+              </a:defRPr>
+            </a:lvl5pPr>
+            <a:lvl6pPr marL="2286000" algn="l" defTabSz="914400" rtl="0" eaLnBrk="1" latinLnBrk="0" hangingPunct="1">
+              <a:defRPr sz="1800" kern="1200">
+                <a:solidFill>
+                  <a:schemeClr val="lt1"/>
+                </a:solidFill>
+                <a:latin typeface="+mn-lt"/>
+                <a:ea typeface="+mn-ea"/>
+                <a:cs typeface="+mn-cs"/>
+              </a:defRPr>
+            </a:lvl6pPr>
+            <a:lvl7pPr marL="2743200" algn="l" defTabSz="914400" rtl="0" eaLnBrk="1" latinLnBrk="0" hangingPunct="1">
+              <a:defRPr sz="1800" kern="1200">
+                <a:solidFill>
+                  <a:schemeClr val="lt1"/>
+                </a:solidFill>
+                <a:latin typeface="+mn-lt"/>
+                <a:ea typeface="+mn-ea"/>
+                <a:cs typeface="+mn-cs"/>
+              </a:defRPr>
+            </a:lvl7pPr>
+            <a:lvl8pPr marL="3200400" algn="l" defTabSz="914400" rtl="0" eaLnBrk="1" latinLnBrk="0" hangingPunct="1">
+              <a:defRPr sz="1800" kern="1200">
+                <a:solidFill>
+                  <a:schemeClr val="lt1"/>
+                </a:solidFill>
+                <a:latin typeface="+mn-lt"/>
+                <a:ea typeface="+mn-ea"/>
+                <a:cs typeface="+mn-cs"/>
+              </a:defRPr>
+            </a:lvl8pPr>
+            <a:lvl9pPr marL="3657600" algn="l" defTabSz="914400" rtl="0" eaLnBrk="1" latinLnBrk="0" hangingPunct="1">
+              <a:defRPr sz="1800" kern="1200">
+                <a:solidFill>
+                  <a:schemeClr val="lt1"/>
+                </a:solidFill>
+                <a:latin typeface="+mn-lt"/>
+                <a:ea typeface="+mn-ea"/>
+                <a:cs typeface="+mn-cs"/>
+              </a:defRPr>
+            </a:lvl9pPr>
+          </a:lstStyle>
           <a:p>
             <a:pPr algn="ctr"/>
             <a:endParaRPr lang="en-AU"/>
@@ -52181,14 +56741,14 @@
       </p:sp>
       <p:sp>
         <p:nvSpPr>
-          <p:cNvPr id="57" name="Rectangle 56"/>
+          <p:cNvPr id="205" name="Rectangle 204"/>
           <p:cNvSpPr/>
           <p:nvPr/>
         </p:nvSpPr>
         <p:spPr>
           <a:xfrm>
-            <a:off x="4102443" y="1491803"/>
-            <a:ext cx="256383" cy="251914"/>
+            <a:off x="4247138" y="1256020"/>
+            <a:ext cx="256383" cy="189267"/>
           </a:xfrm>
           <a:prstGeom prst="rect">
             <a:avLst/>
@@ -52215,7 +56775,101 @@
         </p:style>
         <p:txBody>
           <a:bodyPr rtlCol="0" anchor="ctr"/>
-          <a:lstStyle/>
+          <a:lstStyle>
+            <a:defPPr>
+              <a:defRPr lang="en-US"/>
+            </a:defPPr>
+            <a:lvl1pPr marL="0" algn="l" defTabSz="914400" rtl="0" eaLnBrk="1" latinLnBrk="0" hangingPunct="1">
+              <a:defRPr sz="1800" kern="1200">
+                <a:solidFill>
+                  <a:schemeClr val="lt1"/>
+                </a:solidFill>
+                <a:latin typeface="+mn-lt"/>
+                <a:ea typeface="+mn-ea"/>
+                <a:cs typeface="+mn-cs"/>
+              </a:defRPr>
+            </a:lvl1pPr>
+            <a:lvl2pPr marL="457200" algn="l" defTabSz="914400" rtl="0" eaLnBrk="1" latinLnBrk="0" hangingPunct="1">
+              <a:defRPr sz="1800" kern="1200">
+                <a:solidFill>
+                  <a:schemeClr val="lt1"/>
+                </a:solidFill>
+                <a:latin typeface="+mn-lt"/>
+                <a:ea typeface="+mn-ea"/>
+                <a:cs typeface="+mn-cs"/>
+              </a:defRPr>
+            </a:lvl2pPr>
+            <a:lvl3pPr marL="914400" algn="l" defTabSz="914400" rtl="0" eaLnBrk="1" latinLnBrk="0" hangingPunct="1">
+              <a:defRPr sz="1800" kern="1200">
+                <a:solidFill>
+                  <a:schemeClr val="lt1"/>
+                </a:solidFill>
+                <a:latin typeface="+mn-lt"/>
+                <a:ea typeface="+mn-ea"/>
+                <a:cs typeface="+mn-cs"/>
+              </a:defRPr>
+            </a:lvl3pPr>
+            <a:lvl4pPr marL="1371600" algn="l" defTabSz="914400" rtl="0" eaLnBrk="1" latinLnBrk="0" hangingPunct="1">
+              <a:defRPr sz="1800" kern="1200">
+                <a:solidFill>
+                  <a:schemeClr val="lt1"/>
+                </a:solidFill>
+                <a:latin typeface="+mn-lt"/>
+                <a:ea typeface="+mn-ea"/>
+                <a:cs typeface="+mn-cs"/>
+              </a:defRPr>
+            </a:lvl4pPr>
+            <a:lvl5pPr marL="1828800" algn="l" defTabSz="914400" rtl="0" eaLnBrk="1" latinLnBrk="0" hangingPunct="1">
+              <a:defRPr sz="1800" kern="1200">
+                <a:solidFill>
+                  <a:schemeClr val="lt1"/>
+                </a:solidFill>
+                <a:latin typeface="+mn-lt"/>
+                <a:ea typeface="+mn-ea"/>
+                <a:cs typeface="+mn-cs"/>
+              </a:defRPr>
+            </a:lvl5pPr>
+            <a:lvl6pPr marL="2286000" algn="l" defTabSz="914400" rtl="0" eaLnBrk="1" latinLnBrk="0" hangingPunct="1">
+              <a:defRPr sz="1800" kern="1200">
+                <a:solidFill>
+                  <a:schemeClr val="lt1"/>
+                </a:solidFill>
+                <a:latin typeface="+mn-lt"/>
+                <a:ea typeface="+mn-ea"/>
+                <a:cs typeface="+mn-cs"/>
+              </a:defRPr>
+            </a:lvl6pPr>
+            <a:lvl7pPr marL="2743200" algn="l" defTabSz="914400" rtl="0" eaLnBrk="1" latinLnBrk="0" hangingPunct="1">
+              <a:defRPr sz="1800" kern="1200">
+                <a:solidFill>
+                  <a:schemeClr val="lt1"/>
+                </a:solidFill>
+                <a:latin typeface="+mn-lt"/>
+                <a:ea typeface="+mn-ea"/>
+                <a:cs typeface="+mn-cs"/>
+              </a:defRPr>
+            </a:lvl7pPr>
+            <a:lvl8pPr marL="3200400" algn="l" defTabSz="914400" rtl="0" eaLnBrk="1" latinLnBrk="0" hangingPunct="1">
+              <a:defRPr sz="1800" kern="1200">
+                <a:solidFill>
+                  <a:schemeClr val="lt1"/>
+                </a:solidFill>
+                <a:latin typeface="+mn-lt"/>
+                <a:ea typeface="+mn-ea"/>
+                <a:cs typeface="+mn-cs"/>
+              </a:defRPr>
+            </a:lvl8pPr>
+            <a:lvl9pPr marL="3657600" algn="l" defTabSz="914400" rtl="0" eaLnBrk="1" latinLnBrk="0" hangingPunct="1">
+              <a:defRPr sz="1800" kern="1200">
+                <a:solidFill>
+                  <a:schemeClr val="lt1"/>
+                </a:solidFill>
+                <a:latin typeface="+mn-lt"/>
+                <a:ea typeface="+mn-ea"/>
+                <a:cs typeface="+mn-cs"/>
+              </a:defRPr>
+            </a:lvl9pPr>
+          </a:lstStyle>
           <a:p>
             <a:pPr algn="ctr"/>
             <a:endParaRPr lang="en-AU"/>
@@ -52224,14 +56878,14 @@
       </p:sp>
       <p:sp>
         <p:nvSpPr>
-          <p:cNvPr id="58" name="Isosceles Triangle 57"/>
+          <p:cNvPr id="206" name="Isosceles Triangle 205"/>
           <p:cNvSpPr/>
           <p:nvPr/>
         </p:nvSpPr>
         <p:spPr>
           <a:xfrm rot="10800000">
-            <a:off x="4112683" y="1519432"/>
-            <a:ext cx="235902" cy="184851"/>
+            <a:off x="4257378" y="1262431"/>
+            <a:ext cx="235902" cy="138881"/>
           </a:xfrm>
           <a:prstGeom prst="triangle">
             <a:avLst/>
@@ -52255,7 +56909,101 @@
         </p:style>
         <p:txBody>
           <a:bodyPr rtlCol="0" anchor="ctr"/>
-          <a:lstStyle/>
+          <a:lstStyle>
+            <a:defPPr>
+              <a:defRPr lang="en-US"/>
+            </a:defPPr>
+            <a:lvl1pPr marL="0" algn="l" defTabSz="914400" rtl="0" eaLnBrk="1" latinLnBrk="0" hangingPunct="1">
+              <a:defRPr sz="1800" kern="1200">
+                <a:solidFill>
+                  <a:schemeClr val="lt1"/>
+                </a:solidFill>
+                <a:latin typeface="+mn-lt"/>
+                <a:ea typeface="+mn-ea"/>
+                <a:cs typeface="+mn-cs"/>
+              </a:defRPr>
+            </a:lvl1pPr>
+            <a:lvl2pPr marL="457200" algn="l" defTabSz="914400" rtl="0" eaLnBrk="1" latinLnBrk="0" hangingPunct="1">
+              <a:defRPr sz="1800" kern="1200">
+                <a:solidFill>
+                  <a:schemeClr val="lt1"/>
+                </a:solidFill>
+                <a:latin typeface="+mn-lt"/>
+                <a:ea typeface="+mn-ea"/>
+                <a:cs typeface="+mn-cs"/>
+              </a:defRPr>
+            </a:lvl2pPr>
+            <a:lvl3pPr marL="914400" algn="l" defTabSz="914400" rtl="0" eaLnBrk="1" latinLnBrk="0" hangingPunct="1">
+              <a:defRPr sz="1800" kern="1200">
+                <a:solidFill>
+                  <a:schemeClr val="lt1"/>
+                </a:solidFill>
+                <a:latin typeface="+mn-lt"/>
+                <a:ea typeface="+mn-ea"/>
+                <a:cs typeface="+mn-cs"/>
+              </a:defRPr>
+            </a:lvl3pPr>
+            <a:lvl4pPr marL="1371600" algn="l" defTabSz="914400" rtl="0" eaLnBrk="1" latinLnBrk="0" hangingPunct="1">
+              <a:defRPr sz="1800" kern="1200">
+                <a:solidFill>
+                  <a:schemeClr val="lt1"/>
+                </a:solidFill>
+                <a:latin typeface="+mn-lt"/>
+                <a:ea typeface="+mn-ea"/>
+                <a:cs typeface="+mn-cs"/>
+              </a:defRPr>
+            </a:lvl4pPr>
+            <a:lvl5pPr marL="1828800" algn="l" defTabSz="914400" rtl="0" eaLnBrk="1" latinLnBrk="0" hangingPunct="1">
+              <a:defRPr sz="1800" kern="1200">
+                <a:solidFill>
+                  <a:schemeClr val="lt1"/>
+                </a:solidFill>
+                <a:latin typeface="+mn-lt"/>
+                <a:ea typeface="+mn-ea"/>
+                <a:cs typeface="+mn-cs"/>
+              </a:defRPr>
+            </a:lvl5pPr>
+            <a:lvl6pPr marL="2286000" algn="l" defTabSz="914400" rtl="0" eaLnBrk="1" latinLnBrk="0" hangingPunct="1">
+              <a:defRPr sz="1800" kern="1200">
+                <a:solidFill>
+                  <a:schemeClr val="lt1"/>
+                </a:solidFill>
+                <a:latin typeface="+mn-lt"/>
+                <a:ea typeface="+mn-ea"/>
+                <a:cs typeface="+mn-cs"/>
+              </a:defRPr>
+            </a:lvl6pPr>
+            <a:lvl7pPr marL="2743200" algn="l" defTabSz="914400" rtl="0" eaLnBrk="1" latinLnBrk="0" hangingPunct="1">
+              <a:defRPr sz="1800" kern="1200">
+                <a:solidFill>
+                  <a:schemeClr val="lt1"/>
+                </a:solidFill>
+                <a:latin typeface="+mn-lt"/>
+                <a:ea typeface="+mn-ea"/>
+                <a:cs typeface="+mn-cs"/>
+              </a:defRPr>
+            </a:lvl7pPr>
+            <a:lvl8pPr marL="3200400" algn="l" defTabSz="914400" rtl="0" eaLnBrk="1" latinLnBrk="0" hangingPunct="1">
+              <a:defRPr sz="1800" kern="1200">
+                <a:solidFill>
+                  <a:schemeClr val="lt1"/>
+                </a:solidFill>
+                <a:latin typeface="+mn-lt"/>
+                <a:ea typeface="+mn-ea"/>
+                <a:cs typeface="+mn-cs"/>
+              </a:defRPr>
+            </a:lvl8pPr>
+            <a:lvl9pPr marL="3657600" algn="l" defTabSz="914400" rtl="0" eaLnBrk="1" latinLnBrk="0" hangingPunct="1">
+              <a:defRPr sz="1800" kern="1200">
+                <a:solidFill>
+                  <a:schemeClr val="lt1"/>
+                </a:solidFill>
+                <a:latin typeface="+mn-lt"/>
+                <a:ea typeface="+mn-ea"/>
+                <a:cs typeface="+mn-cs"/>
+              </a:defRPr>
+            </a:lvl9pPr>
+          </a:lstStyle>
           <a:p>
             <a:pPr algn="ctr"/>
             <a:endParaRPr lang="en-AU"/>
@@ -52264,14 +57012,14 @@
       </p:sp>
       <p:sp>
         <p:nvSpPr>
-          <p:cNvPr id="59" name="Rectangle 58"/>
+          <p:cNvPr id="207" name="Rectangle 206"/>
           <p:cNvSpPr/>
           <p:nvPr/>
         </p:nvSpPr>
         <p:spPr>
           <a:xfrm>
-            <a:off x="4102250" y="2020175"/>
-            <a:ext cx="256383" cy="251914"/>
+            <a:off x="4246945" y="1629844"/>
+            <a:ext cx="256383" cy="189267"/>
           </a:xfrm>
           <a:prstGeom prst="rect">
             <a:avLst/>
@@ -52298,7 +57046,101 @@
         </p:style>
         <p:txBody>
           <a:bodyPr rtlCol="0" anchor="ctr"/>
-          <a:lstStyle/>
+          <a:lstStyle>
+            <a:defPPr>
+              <a:defRPr lang="en-US"/>
+            </a:defPPr>
+            <a:lvl1pPr marL="0" algn="l" defTabSz="914400" rtl="0" eaLnBrk="1" latinLnBrk="0" hangingPunct="1">
+              <a:defRPr sz="1800" kern="1200">
+                <a:solidFill>
+                  <a:schemeClr val="lt1"/>
+                </a:solidFill>
+                <a:latin typeface="+mn-lt"/>
+                <a:ea typeface="+mn-ea"/>
+                <a:cs typeface="+mn-cs"/>
+              </a:defRPr>
+            </a:lvl1pPr>
+            <a:lvl2pPr marL="457200" algn="l" defTabSz="914400" rtl="0" eaLnBrk="1" latinLnBrk="0" hangingPunct="1">
+              <a:defRPr sz="1800" kern="1200">
+                <a:solidFill>
+                  <a:schemeClr val="lt1"/>
+                </a:solidFill>
+                <a:latin typeface="+mn-lt"/>
+                <a:ea typeface="+mn-ea"/>
+                <a:cs typeface="+mn-cs"/>
+              </a:defRPr>
+            </a:lvl2pPr>
+            <a:lvl3pPr marL="914400" algn="l" defTabSz="914400" rtl="0" eaLnBrk="1" latinLnBrk="0" hangingPunct="1">
+              <a:defRPr sz="1800" kern="1200">
+                <a:solidFill>
+                  <a:schemeClr val="lt1"/>
+                </a:solidFill>
+                <a:latin typeface="+mn-lt"/>
+                <a:ea typeface="+mn-ea"/>
+                <a:cs typeface="+mn-cs"/>
+              </a:defRPr>
+            </a:lvl3pPr>
+            <a:lvl4pPr marL="1371600" algn="l" defTabSz="914400" rtl="0" eaLnBrk="1" latinLnBrk="0" hangingPunct="1">
+              <a:defRPr sz="1800" kern="1200">
+                <a:solidFill>
+                  <a:schemeClr val="lt1"/>
+                </a:solidFill>
+                <a:latin typeface="+mn-lt"/>
+                <a:ea typeface="+mn-ea"/>
+                <a:cs typeface="+mn-cs"/>
+              </a:defRPr>
+            </a:lvl4pPr>
+            <a:lvl5pPr marL="1828800" algn="l" defTabSz="914400" rtl="0" eaLnBrk="1" latinLnBrk="0" hangingPunct="1">
+              <a:defRPr sz="1800" kern="1200">
+                <a:solidFill>
+                  <a:schemeClr val="lt1"/>
+                </a:solidFill>
+                <a:latin typeface="+mn-lt"/>
+                <a:ea typeface="+mn-ea"/>
+                <a:cs typeface="+mn-cs"/>
+              </a:defRPr>
+            </a:lvl5pPr>
+            <a:lvl6pPr marL="2286000" algn="l" defTabSz="914400" rtl="0" eaLnBrk="1" latinLnBrk="0" hangingPunct="1">
+              <a:defRPr sz="1800" kern="1200">
+                <a:solidFill>
+                  <a:schemeClr val="lt1"/>
+                </a:solidFill>
+                <a:latin typeface="+mn-lt"/>
+                <a:ea typeface="+mn-ea"/>
+                <a:cs typeface="+mn-cs"/>
+              </a:defRPr>
+            </a:lvl6pPr>
+            <a:lvl7pPr marL="2743200" algn="l" defTabSz="914400" rtl="0" eaLnBrk="1" latinLnBrk="0" hangingPunct="1">
+              <a:defRPr sz="1800" kern="1200">
+                <a:solidFill>
+                  <a:schemeClr val="lt1"/>
+                </a:solidFill>
+                <a:latin typeface="+mn-lt"/>
+                <a:ea typeface="+mn-ea"/>
+                <a:cs typeface="+mn-cs"/>
+              </a:defRPr>
+            </a:lvl7pPr>
+            <a:lvl8pPr marL="3200400" algn="l" defTabSz="914400" rtl="0" eaLnBrk="1" latinLnBrk="0" hangingPunct="1">
+              <a:defRPr sz="1800" kern="1200">
+                <a:solidFill>
+                  <a:schemeClr val="lt1"/>
+                </a:solidFill>
+                <a:latin typeface="+mn-lt"/>
+                <a:ea typeface="+mn-ea"/>
+                <a:cs typeface="+mn-cs"/>
+              </a:defRPr>
+            </a:lvl8pPr>
+            <a:lvl9pPr marL="3657600" algn="l" defTabSz="914400" rtl="0" eaLnBrk="1" latinLnBrk="0" hangingPunct="1">
+              <a:defRPr sz="1800" kern="1200">
+                <a:solidFill>
+                  <a:schemeClr val="lt1"/>
+                </a:solidFill>
+                <a:latin typeface="+mn-lt"/>
+                <a:ea typeface="+mn-ea"/>
+                <a:cs typeface="+mn-cs"/>
+              </a:defRPr>
+            </a:lvl9pPr>
+          </a:lstStyle>
           <a:p>
             <a:pPr algn="ctr"/>
             <a:endParaRPr lang="en-AU"/>
@@ -52307,14 +57149,14 @@
       </p:sp>
       <p:sp>
         <p:nvSpPr>
-          <p:cNvPr id="60" name="Isosceles Triangle 59"/>
+          <p:cNvPr id="208" name="Isosceles Triangle 207"/>
           <p:cNvSpPr/>
           <p:nvPr/>
         </p:nvSpPr>
         <p:spPr>
           <a:xfrm rot="10800000">
-            <a:off x="4112490" y="2047804"/>
-            <a:ext cx="235902" cy="184851"/>
+            <a:off x="4257185" y="1636255"/>
+            <a:ext cx="235902" cy="138881"/>
           </a:xfrm>
           <a:prstGeom prst="triangle">
             <a:avLst/>
@@ -52338,7 +57180,101 @@
         </p:style>
         <p:txBody>
           <a:bodyPr rtlCol="0" anchor="ctr"/>
-          <a:lstStyle/>
+          <a:lstStyle>
+            <a:defPPr>
+              <a:defRPr lang="en-US"/>
+            </a:defPPr>
+            <a:lvl1pPr marL="0" algn="l" defTabSz="914400" rtl="0" eaLnBrk="1" latinLnBrk="0" hangingPunct="1">
+              <a:defRPr sz="1800" kern="1200">
+                <a:solidFill>
+                  <a:schemeClr val="lt1"/>
+                </a:solidFill>
+                <a:latin typeface="+mn-lt"/>
+                <a:ea typeface="+mn-ea"/>
+                <a:cs typeface="+mn-cs"/>
+              </a:defRPr>
+            </a:lvl1pPr>
+            <a:lvl2pPr marL="457200" algn="l" defTabSz="914400" rtl="0" eaLnBrk="1" latinLnBrk="0" hangingPunct="1">
+              <a:defRPr sz="1800" kern="1200">
+                <a:solidFill>
+                  <a:schemeClr val="lt1"/>
+                </a:solidFill>
+                <a:latin typeface="+mn-lt"/>
+                <a:ea typeface="+mn-ea"/>
+                <a:cs typeface="+mn-cs"/>
+              </a:defRPr>
+            </a:lvl2pPr>
+            <a:lvl3pPr marL="914400" algn="l" defTabSz="914400" rtl="0" eaLnBrk="1" latinLnBrk="0" hangingPunct="1">
+              <a:defRPr sz="1800" kern="1200">
+                <a:solidFill>
+                  <a:schemeClr val="lt1"/>
+                </a:solidFill>
+                <a:latin typeface="+mn-lt"/>
+                <a:ea typeface="+mn-ea"/>
+                <a:cs typeface="+mn-cs"/>
+              </a:defRPr>
+            </a:lvl3pPr>
+            <a:lvl4pPr marL="1371600" algn="l" defTabSz="914400" rtl="0" eaLnBrk="1" latinLnBrk="0" hangingPunct="1">
+              <a:defRPr sz="1800" kern="1200">
+                <a:solidFill>
+                  <a:schemeClr val="lt1"/>
+                </a:solidFill>
+                <a:latin typeface="+mn-lt"/>
+                <a:ea typeface="+mn-ea"/>
+                <a:cs typeface="+mn-cs"/>
+              </a:defRPr>
+            </a:lvl4pPr>
+            <a:lvl5pPr marL="1828800" algn="l" defTabSz="914400" rtl="0" eaLnBrk="1" latinLnBrk="0" hangingPunct="1">
+              <a:defRPr sz="1800" kern="1200">
+                <a:solidFill>
+                  <a:schemeClr val="lt1"/>
+                </a:solidFill>
+                <a:latin typeface="+mn-lt"/>
+                <a:ea typeface="+mn-ea"/>
+                <a:cs typeface="+mn-cs"/>
+              </a:defRPr>
+            </a:lvl5pPr>
+            <a:lvl6pPr marL="2286000" algn="l" defTabSz="914400" rtl="0" eaLnBrk="1" latinLnBrk="0" hangingPunct="1">
+              <a:defRPr sz="1800" kern="1200">
+                <a:solidFill>
+                  <a:schemeClr val="lt1"/>
+                </a:solidFill>
+                <a:latin typeface="+mn-lt"/>
+                <a:ea typeface="+mn-ea"/>
+                <a:cs typeface="+mn-cs"/>
+              </a:defRPr>
+            </a:lvl6pPr>
+            <a:lvl7pPr marL="2743200" algn="l" defTabSz="914400" rtl="0" eaLnBrk="1" latinLnBrk="0" hangingPunct="1">
+              <a:defRPr sz="1800" kern="1200">
+                <a:solidFill>
+                  <a:schemeClr val="lt1"/>
+                </a:solidFill>
+                <a:latin typeface="+mn-lt"/>
+                <a:ea typeface="+mn-ea"/>
+                <a:cs typeface="+mn-cs"/>
+              </a:defRPr>
+            </a:lvl7pPr>
+            <a:lvl8pPr marL="3200400" algn="l" defTabSz="914400" rtl="0" eaLnBrk="1" latinLnBrk="0" hangingPunct="1">
+              <a:defRPr sz="1800" kern="1200">
+                <a:solidFill>
+                  <a:schemeClr val="lt1"/>
+                </a:solidFill>
+                <a:latin typeface="+mn-lt"/>
+                <a:ea typeface="+mn-ea"/>
+                <a:cs typeface="+mn-cs"/>
+              </a:defRPr>
+            </a:lvl8pPr>
+            <a:lvl9pPr marL="3657600" algn="l" defTabSz="914400" rtl="0" eaLnBrk="1" latinLnBrk="0" hangingPunct="1">
+              <a:defRPr sz="1800" kern="1200">
+                <a:solidFill>
+                  <a:schemeClr val="lt1"/>
+                </a:solidFill>
+                <a:latin typeface="+mn-lt"/>
+                <a:ea typeface="+mn-ea"/>
+                <a:cs typeface="+mn-cs"/>
+              </a:defRPr>
+            </a:lvl9pPr>
+          </a:lstStyle>
           <a:p>
             <a:pPr algn="ctr"/>
             <a:endParaRPr lang="en-AU"/>
@@ -52347,13 +57283,13 @@
       </p:sp>
       <p:sp>
         <p:nvSpPr>
-          <p:cNvPr id="8" name="Rectangle 7"/>
+          <p:cNvPr id="209" name="Rectangle 208"/>
           <p:cNvSpPr/>
           <p:nvPr/>
         </p:nvSpPr>
         <p:spPr>
           <a:xfrm>
-            <a:off x="1023568" y="2357852"/>
+            <a:off x="1168263" y="2283930"/>
             <a:ext cx="3490624" cy="3001578"/>
           </a:xfrm>
           <a:prstGeom prst="rect">
@@ -52384,7 +57320,101 @@
         </p:style>
         <p:txBody>
           <a:bodyPr rtlCol="0" anchor="ctr"/>
-          <a:lstStyle/>
+          <a:lstStyle>
+            <a:defPPr>
+              <a:defRPr lang="en-US"/>
+            </a:defPPr>
+            <a:lvl1pPr marL="0" algn="l" defTabSz="914400" rtl="0" eaLnBrk="1" latinLnBrk="0" hangingPunct="1">
+              <a:defRPr sz="1800" kern="1200">
+                <a:solidFill>
+                  <a:schemeClr val="lt1"/>
+                </a:solidFill>
+                <a:latin typeface="+mn-lt"/>
+                <a:ea typeface="+mn-ea"/>
+                <a:cs typeface="+mn-cs"/>
+              </a:defRPr>
+            </a:lvl1pPr>
+            <a:lvl2pPr marL="457200" algn="l" defTabSz="914400" rtl="0" eaLnBrk="1" latinLnBrk="0" hangingPunct="1">
+              <a:defRPr sz="1800" kern="1200">
+                <a:solidFill>
+                  <a:schemeClr val="lt1"/>
+                </a:solidFill>
+                <a:latin typeface="+mn-lt"/>
+                <a:ea typeface="+mn-ea"/>
+                <a:cs typeface="+mn-cs"/>
+              </a:defRPr>
+            </a:lvl2pPr>
+            <a:lvl3pPr marL="914400" algn="l" defTabSz="914400" rtl="0" eaLnBrk="1" latinLnBrk="0" hangingPunct="1">
+              <a:defRPr sz="1800" kern="1200">
+                <a:solidFill>
+                  <a:schemeClr val="lt1"/>
+                </a:solidFill>
+                <a:latin typeface="+mn-lt"/>
+                <a:ea typeface="+mn-ea"/>
+                <a:cs typeface="+mn-cs"/>
+              </a:defRPr>
+            </a:lvl3pPr>
+            <a:lvl4pPr marL="1371600" algn="l" defTabSz="914400" rtl="0" eaLnBrk="1" latinLnBrk="0" hangingPunct="1">
+              <a:defRPr sz="1800" kern="1200">
+                <a:solidFill>
+                  <a:schemeClr val="lt1"/>
+                </a:solidFill>
+                <a:latin typeface="+mn-lt"/>
+                <a:ea typeface="+mn-ea"/>
+                <a:cs typeface="+mn-cs"/>
+              </a:defRPr>
+            </a:lvl4pPr>
+            <a:lvl5pPr marL="1828800" algn="l" defTabSz="914400" rtl="0" eaLnBrk="1" latinLnBrk="0" hangingPunct="1">
+              <a:defRPr sz="1800" kern="1200">
+                <a:solidFill>
+                  <a:schemeClr val="lt1"/>
+                </a:solidFill>
+                <a:latin typeface="+mn-lt"/>
+                <a:ea typeface="+mn-ea"/>
+                <a:cs typeface="+mn-cs"/>
+              </a:defRPr>
+            </a:lvl5pPr>
+            <a:lvl6pPr marL="2286000" algn="l" defTabSz="914400" rtl="0" eaLnBrk="1" latinLnBrk="0" hangingPunct="1">
+              <a:defRPr sz="1800" kern="1200">
+                <a:solidFill>
+                  <a:schemeClr val="lt1"/>
+                </a:solidFill>
+                <a:latin typeface="+mn-lt"/>
+                <a:ea typeface="+mn-ea"/>
+                <a:cs typeface="+mn-cs"/>
+              </a:defRPr>
+            </a:lvl6pPr>
+            <a:lvl7pPr marL="2743200" algn="l" defTabSz="914400" rtl="0" eaLnBrk="1" latinLnBrk="0" hangingPunct="1">
+              <a:defRPr sz="1800" kern="1200">
+                <a:solidFill>
+                  <a:schemeClr val="lt1"/>
+                </a:solidFill>
+                <a:latin typeface="+mn-lt"/>
+                <a:ea typeface="+mn-ea"/>
+                <a:cs typeface="+mn-cs"/>
+              </a:defRPr>
+            </a:lvl7pPr>
+            <a:lvl8pPr marL="3200400" algn="l" defTabSz="914400" rtl="0" eaLnBrk="1" latinLnBrk="0" hangingPunct="1">
+              <a:defRPr sz="1800" kern="1200">
+                <a:solidFill>
+                  <a:schemeClr val="lt1"/>
+                </a:solidFill>
+                <a:latin typeface="+mn-lt"/>
+                <a:ea typeface="+mn-ea"/>
+                <a:cs typeface="+mn-cs"/>
+              </a:defRPr>
+            </a:lvl8pPr>
+            <a:lvl9pPr marL="3657600" algn="l" defTabSz="914400" rtl="0" eaLnBrk="1" latinLnBrk="0" hangingPunct="1">
+              <a:defRPr sz="1800" kern="1200">
+                <a:solidFill>
+                  <a:schemeClr val="lt1"/>
+                </a:solidFill>
+                <a:latin typeface="+mn-lt"/>
+                <a:ea typeface="+mn-ea"/>
+                <a:cs typeface="+mn-cs"/>
+              </a:defRPr>
+            </a:lvl9pPr>
+          </a:lstStyle>
           <a:p>
             <a:pPr algn="ctr"/>
             <a:endParaRPr lang="en-AU"/>
@@ -52393,13 +57423,13 @@
       </p:sp>
       <p:sp>
         <p:nvSpPr>
-          <p:cNvPr id="10" name="Rectangle 9"/>
+          <p:cNvPr id="210" name="Rectangle 209"/>
           <p:cNvSpPr/>
           <p:nvPr/>
         </p:nvSpPr>
         <p:spPr>
           <a:xfrm>
-            <a:off x="1255759" y="2513488"/>
+            <a:off x="1400454" y="2439566"/>
             <a:ext cx="2251980" cy="1967345"/>
           </a:xfrm>
           <a:prstGeom prst="rect">
@@ -52437,7 +57467,101 @@
         </p:style>
         <p:txBody>
           <a:bodyPr rtlCol="0" anchor="ctr"/>
-          <a:lstStyle/>
+          <a:lstStyle>
+            <a:defPPr>
+              <a:defRPr lang="en-US"/>
+            </a:defPPr>
+            <a:lvl1pPr marL="0" algn="l" defTabSz="914400" rtl="0" eaLnBrk="1" latinLnBrk="0" hangingPunct="1">
+              <a:defRPr sz="1800" kern="1200">
+                <a:solidFill>
+                  <a:schemeClr val="lt1"/>
+                </a:solidFill>
+                <a:latin typeface="+mn-lt"/>
+                <a:ea typeface="+mn-ea"/>
+                <a:cs typeface="+mn-cs"/>
+              </a:defRPr>
+            </a:lvl1pPr>
+            <a:lvl2pPr marL="457200" algn="l" defTabSz="914400" rtl="0" eaLnBrk="1" latinLnBrk="0" hangingPunct="1">
+              <a:defRPr sz="1800" kern="1200">
+                <a:solidFill>
+                  <a:schemeClr val="lt1"/>
+                </a:solidFill>
+                <a:latin typeface="+mn-lt"/>
+                <a:ea typeface="+mn-ea"/>
+                <a:cs typeface="+mn-cs"/>
+              </a:defRPr>
+            </a:lvl2pPr>
+            <a:lvl3pPr marL="914400" algn="l" defTabSz="914400" rtl="0" eaLnBrk="1" latinLnBrk="0" hangingPunct="1">
+              <a:defRPr sz="1800" kern="1200">
+                <a:solidFill>
+                  <a:schemeClr val="lt1"/>
+                </a:solidFill>
+                <a:latin typeface="+mn-lt"/>
+                <a:ea typeface="+mn-ea"/>
+                <a:cs typeface="+mn-cs"/>
+              </a:defRPr>
+            </a:lvl3pPr>
+            <a:lvl4pPr marL="1371600" algn="l" defTabSz="914400" rtl="0" eaLnBrk="1" latinLnBrk="0" hangingPunct="1">
+              <a:defRPr sz="1800" kern="1200">
+                <a:solidFill>
+                  <a:schemeClr val="lt1"/>
+                </a:solidFill>
+                <a:latin typeface="+mn-lt"/>
+                <a:ea typeface="+mn-ea"/>
+                <a:cs typeface="+mn-cs"/>
+              </a:defRPr>
+            </a:lvl4pPr>
+            <a:lvl5pPr marL="1828800" algn="l" defTabSz="914400" rtl="0" eaLnBrk="1" latinLnBrk="0" hangingPunct="1">
+              <a:defRPr sz="1800" kern="1200">
+                <a:solidFill>
+                  <a:schemeClr val="lt1"/>
+                </a:solidFill>
+                <a:latin typeface="+mn-lt"/>
+                <a:ea typeface="+mn-ea"/>
+                <a:cs typeface="+mn-cs"/>
+              </a:defRPr>
+            </a:lvl5pPr>
+            <a:lvl6pPr marL="2286000" algn="l" defTabSz="914400" rtl="0" eaLnBrk="1" latinLnBrk="0" hangingPunct="1">
+              <a:defRPr sz="1800" kern="1200">
+                <a:solidFill>
+                  <a:schemeClr val="lt1"/>
+                </a:solidFill>
+                <a:latin typeface="+mn-lt"/>
+                <a:ea typeface="+mn-ea"/>
+                <a:cs typeface="+mn-cs"/>
+              </a:defRPr>
+            </a:lvl6pPr>
+            <a:lvl7pPr marL="2743200" algn="l" defTabSz="914400" rtl="0" eaLnBrk="1" latinLnBrk="0" hangingPunct="1">
+              <a:defRPr sz="1800" kern="1200">
+                <a:solidFill>
+                  <a:schemeClr val="lt1"/>
+                </a:solidFill>
+                <a:latin typeface="+mn-lt"/>
+                <a:ea typeface="+mn-ea"/>
+                <a:cs typeface="+mn-cs"/>
+              </a:defRPr>
+            </a:lvl7pPr>
+            <a:lvl8pPr marL="3200400" algn="l" defTabSz="914400" rtl="0" eaLnBrk="1" latinLnBrk="0" hangingPunct="1">
+              <a:defRPr sz="1800" kern="1200">
+                <a:solidFill>
+                  <a:schemeClr val="lt1"/>
+                </a:solidFill>
+                <a:latin typeface="+mn-lt"/>
+                <a:ea typeface="+mn-ea"/>
+                <a:cs typeface="+mn-cs"/>
+              </a:defRPr>
+            </a:lvl8pPr>
+            <a:lvl9pPr marL="3657600" algn="l" defTabSz="914400" rtl="0" eaLnBrk="1" latinLnBrk="0" hangingPunct="1">
+              <a:defRPr sz="1800" kern="1200">
+                <a:solidFill>
+                  <a:schemeClr val="lt1"/>
+                </a:solidFill>
+                <a:latin typeface="+mn-lt"/>
+                <a:ea typeface="+mn-ea"/>
+                <a:cs typeface="+mn-cs"/>
+              </a:defRPr>
+            </a:lvl9pPr>
+          </a:lstStyle>
           <a:p>
             <a:pPr algn="ctr"/>
             <a:endParaRPr lang="en-AU" dirty="0"/>
@@ -52446,13 +57570,13 @@
       </p:sp>
       <p:sp>
         <p:nvSpPr>
-          <p:cNvPr id="63" name="Rectangle 62"/>
+          <p:cNvPr id="211" name="Rectangle 210"/>
           <p:cNvSpPr/>
           <p:nvPr/>
         </p:nvSpPr>
         <p:spPr>
           <a:xfrm>
-            <a:off x="1255759" y="4570787"/>
+            <a:off x="1400454" y="4496865"/>
             <a:ext cx="2260234" cy="664751"/>
           </a:xfrm>
           <a:prstGeom prst="rect">
@@ -52490,7 +57614,101 @@
         </p:style>
         <p:txBody>
           <a:bodyPr rtlCol="0" anchor="ctr"/>
-          <a:lstStyle/>
+          <a:lstStyle>
+            <a:defPPr>
+              <a:defRPr lang="en-US"/>
+            </a:defPPr>
+            <a:lvl1pPr marL="0" algn="l" defTabSz="914400" rtl="0" eaLnBrk="1" latinLnBrk="0" hangingPunct="1">
+              <a:defRPr sz="1800" kern="1200">
+                <a:solidFill>
+                  <a:schemeClr val="lt1"/>
+                </a:solidFill>
+                <a:latin typeface="+mn-lt"/>
+                <a:ea typeface="+mn-ea"/>
+                <a:cs typeface="+mn-cs"/>
+              </a:defRPr>
+            </a:lvl1pPr>
+            <a:lvl2pPr marL="457200" algn="l" defTabSz="914400" rtl="0" eaLnBrk="1" latinLnBrk="0" hangingPunct="1">
+              <a:defRPr sz="1800" kern="1200">
+                <a:solidFill>
+                  <a:schemeClr val="lt1"/>
+                </a:solidFill>
+                <a:latin typeface="+mn-lt"/>
+                <a:ea typeface="+mn-ea"/>
+                <a:cs typeface="+mn-cs"/>
+              </a:defRPr>
+            </a:lvl2pPr>
+            <a:lvl3pPr marL="914400" algn="l" defTabSz="914400" rtl="0" eaLnBrk="1" latinLnBrk="0" hangingPunct="1">
+              <a:defRPr sz="1800" kern="1200">
+                <a:solidFill>
+                  <a:schemeClr val="lt1"/>
+                </a:solidFill>
+                <a:latin typeface="+mn-lt"/>
+                <a:ea typeface="+mn-ea"/>
+                <a:cs typeface="+mn-cs"/>
+              </a:defRPr>
+            </a:lvl3pPr>
+            <a:lvl4pPr marL="1371600" algn="l" defTabSz="914400" rtl="0" eaLnBrk="1" latinLnBrk="0" hangingPunct="1">
+              <a:defRPr sz="1800" kern="1200">
+                <a:solidFill>
+                  <a:schemeClr val="lt1"/>
+                </a:solidFill>
+                <a:latin typeface="+mn-lt"/>
+                <a:ea typeface="+mn-ea"/>
+                <a:cs typeface="+mn-cs"/>
+              </a:defRPr>
+            </a:lvl4pPr>
+            <a:lvl5pPr marL="1828800" algn="l" defTabSz="914400" rtl="0" eaLnBrk="1" latinLnBrk="0" hangingPunct="1">
+              <a:defRPr sz="1800" kern="1200">
+                <a:solidFill>
+                  <a:schemeClr val="lt1"/>
+                </a:solidFill>
+                <a:latin typeface="+mn-lt"/>
+                <a:ea typeface="+mn-ea"/>
+                <a:cs typeface="+mn-cs"/>
+              </a:defRPr>
+            </a:lvl5pPr>
+            <a:lvl6pPr marL="2286000" algn="l" defTabSz="914400" rtl="0" eaLnBrk="1" latinLnBrk="0" hangingPunct="1">
+              <a:defRPr sz="1800" kern="1200">
+                <a:solidFill>
+                  <a:schemeClr val="lt1"/>
+                </a:solidFill>
+                <a:latin typeface="+mn-lt"/>
+                <a:ea typeface="+mn-ea"/>
+                <a:cs typeface="+mn-cs"/>
+              </a:defRPr>
+            </a:lvl6pPr>
+            <a:lvl7pPr marL="2743200" algn="l" defTabSz="914400" rtl="0" eaLnBrk="1" latinLnBrk="0" hangingPunct="1">
+              <a:defRPr sz="1800" kern="1200">
+                <a:solidFill>
+                  <a:schemeClr val="lt1"/>
+                </a:solidFill>
+                <a:latin typeface="+mn-lt"/>
+                <a:ea typeface="+mn-ea"/>
+                <a:cs typeface="+mn-cs"/>
+              </a:defRPr>
+            </a:lvl7pPr>
+            <a:lvl8pPr marL="3200400" algn="l" defTabSz="914400" rtl="0" eaLnBrk="1" latinLnBrk="0" hangingPunct="1">
+              <a:defRPr sz="1800" kern="1200">
+                <a:solidFill>
+                  <a:schemeClr val="lt1"/>
+                </a:solidFill>
+                <a:latin typeface="+mn-lt"/>
+                <a:ea typeface="+mn-ea"/>
+                <a:cs typeface="+mn-cs"/>
+              </a:defRPr>
+            </a:lvl8pPr>
+            <a:lvl9pPr marL="3657600" algn="l" defTabSz="914400" rtl="0" eaLnBrk="1" latinLnBrk="0" hangingPunct="1">
+              <a:defRPr sz="1800" kern="1200">
+                <a:solidFill>
+                  <a:schemeClr val="lt1"/>
+                </a:solidFill>
+                <a:latin typeface="+mn-lt"/>
+                <a:ea typeface="+mn-ea"/>
+                <a:cs typeface="+mn-cs"/>
+              </a:defRPr>
+            </a:lvl9pPr>
+          </a:lstStyle>
           <a:p>
             <a:pPr algn="ctr"/>
             <a:r>
@@ -52522,13 +57740,13 @@
       </p:sp>
       <p:sp>
         <p:nvSpPr>
-          <p:cNvPr id="4" name="Rounded Rectangle 3"/>
+          <p:cNvPr id="212" name="Rounded Rectangle 211"/>
           <p:cNvSpPr/>
           <p:nvPr/>
         </p:nvSpPr>
         <p:spPr>
           <a:xfrm>
-            <a:off x="953037" y="241791"/>
+            <a:off x="1097732" y="167869"/>
             <a:ext cx="3600000" cy="6522263"/>
           </a:xfrm>
           <a:prstGeom prst="roundRect">
@@ -52561,7 +57779,101 @@
         </p:style>
         <p:txBody>
           <a:bodyPr rtlCol="0" anchor="ctr"/>
-          <a:lstStyle/>
+          <a:lstStyle>
+            <a:defPPr>
+              <a:defRPr lang="en-US"/>
+            </a:defPPr>
+            <a:lvl1pPr marL="0" algn="l" defTabSz="914400" rtl="0" eaLnBrk="1" latinLnBrk="0" hangingPunct="1">
+              <a:defRPr sz="1800" kern="1200">
+                <a:solidFill>
+                  <a:schemeClr val="lt1"/>
+                </a:solidFill>
+                <a:latin typeface="+mn-lt"/>
+                <a:ea typeface="+mn-ea"/>
+                <a:cs typeface="+mn-cs"/>
+              </a:defRPr>
+            </a:lvl1pPr>
+            <a:lvl2pPr marL="457200" algn="l" defTabSz="914400" rtl="0" eaLnBrk="1" latinLnBrk="0" hangingPunct="1">
+              <a:defRPr sz="1800" kern="1200">
+                <a:solidFill>
+                  <a:schemeClr val="lt1"/>
+                </a:solidFill>
+                <a:latin typeface="+mn-lt"/>
+                <a:ea typeface="+mn-ea"/>
+                <a:cs typeface="+mn-cs"/>
+              </a:defRPr>
+            </a:lvl2pPr>
+            <a:lvl3pPr marL="914400" algn="l" defTabSz="914400" rtl="0" eaLnBrk="1" latinLnBrk="0" hangingPunct="1">
+              <a:defRPr sz="1800" kern="1200">
+                <a:solidFill>
+                  <a:schemeClr val="lt1"/>
+                </a:solidFill>
+                <a:latin typeface="+mn-lt"/>
+                <a:ea typeface="+mn-ea"/>
+                <a:cs typeface="+mn-cs"/>
+              </a:defRPr>
+            </a:lvl3pPr>
+            <a:lvl4pPr marL="1371600" algn="l" defTabSz="914400" rtl="0" eaLnBrk="1" latinLnBrk="0" hangingPunct="1">
+              <a:defRPr sz="1800" kern="1200">
+                <a:solidFill>
+                  <a:schemeClr val="lt1"/>
+                </a:solidFill>
+                <a:latin typeface="+mn-lt"/>
+                <a:ea typeface="+mn-ea"/>
+                <a:cs typeface="+mn-cs"/>
+              </a:defRPr>
+            </a:lvl4pPr>
+            <a:lvl5pPr marL="1828800" algn="l" defTabSz="914400" rtl="0" eaLnBrk="1" latinLnBrk="0" hangingPunct="1">
+              <a:defRPr sz="1800" kern="1200">
+                <a:solidFill>
+                  <a:schemeClr val="lt1"/>
+                </a:solidFill>
+                <a:latin typeface="+mn-lt"/>
+                <a:ea typeface="+mn-ea"/>
+                <a:cs typeface="+mn-cs"/>
+              </a:defRPr>
+            </a:lvl5pPr>
+            <a:lvl6pPr marL="2286000" algn="l" defTabSz="914400" rtl="0" eaLnBrk="1" latinLnBrk="0" hangingPunct="1">
+              <a:defRPr sz="1800" kern="1200">
+                <a:solidFill>
+                  <a:schemeClr val="lt1"/>
+                </a:solidFill>
+                <a:latin typeface="+mn-lt"/>
+                <a:ea typeface="+mn-ea"/>
+                <a:cs typeface="+mn-cs"/>
+              </a:defRPr>
+            </a:lvl6pPr>
+            <a:lvl7pPr marL="2743200" algn="l" defTabSz="914400" rtl="0" eaLnBrk="1" latinLnBrk="0" hangingPunct="1">
+              <a:defRPr sz="1800" kern="1200">
+                <a:solidFill>
+                  <a:schemeClr val="lt1"/>
+                </a:solidFill>
+                <a:latin typeface="+mn-lt"/>
+                <a:ea typeface="+mn-ea"/>
+                <a:cs typeface="+mn-cs"/>
+              </a:defRPr>
+            </a:lvl7pPr>
+            <a:lvl8pPr marL="3200400" algn="l" defTabSz="914400" rtl="0" eaLnBrk="1" latinLnBrk="0" hangingPunct="1">
+              <a:defRPr sz="1800" kern="1200">
+                <a:solidFill>
+                  <a:schemeClr val="lt1"/>
+                </a:solidFill>
+                <a:latin typeface="+mn-lt"/>
+                <a:ea typeface="+mn-ea"/>
+                <a:cs typeface="+mn-cs"/>
+              </a:defRPr>
+            </a:lvl8pPr>
+            <a:lvl9pPr marL="3657600" algn="l" defTabSz="914400" rtl="0" eaLnBrk="1" latinLnBrk="0" hangingPunct="1">
+              <a:defRPr sz="1800" kern="1200">
+                <a:solidFill>
+                  <a:schemeClr val="lt1"/>
+                </a:solidFill>
+                <a:latin typeface="+mn-lt"/>
+                <a:ea typeface="+mn-ea"/>
+                <a:cs typeface="+mn-cs"/>
+              </a:defRPr>
+            </a:lvl9pPr>
+          </a:lstStyle>
           <a:p>
             <a:pPr algn="ctr"/>
             <a:endParaRPr lang="en-AU"/>
@@ -52570,13 +57882,13 @@
       </p:sp>
       <p:sp>
         <p:nvSpPr>
-          <p:cNvPr id="33" name="TextBox 32"/>
+          <p:cNvPr id="213" name="TextBox 32"/>
           <p:cNvSpPr txBox="1"/>
           <p:nvPr/>
         </p:nvSpPr>
         <p:spPr>
           <a:xfrm>
-            <a:off x="1494634" y="3144659"/>
+            <a:off x="1639329" y="3070737"/>
             <a:ext cx="1976823" cy="261610"/>
           </a:xfrm>
           <a:prstGeom prst="rect">
@@ -52588,7 +57900,101 @@
           <a:bodyPr wrap="none" rtlCol="0">
             <a:spAutoFit/>
           </a:bodyPr>
-          <a:lstStyle/>
+          <a:lstStyle>
+            <a:defPPr>
+              <a:defRPr lang="en-US"/>
+            </a:defPPr>
+            <a:lvl1pPr marL="0" algn="l" defTabSz="914400" rtl="0" eaLnBrk="1" latinLnBrk="0" hangingPunct="1">
+              <a:defRPr sz="1800" kern="1200">
+                <a:solidFill>
+                  <a:schemeClr val="tx1"/>
+                </a:solidFill>
+                <a:latin typeface="+mn-lt"/>
+                <a:ea typeface="+mn-ea"/>
+                <a:cs typeface="+mn-cs"/>
+              </a:defRPr>
+            </a:lvl1pPr>
+            <a:lvl2pPr marL="457200" algn="l" defTabSz="914400" rtl="0" eaLnBrk="1" latinLnBrk="0" hangingPunct="1">
+              <a:defRPr sz="1800" kern="1200">
+                <a:solidFill>
+                  <a:schemeClr val="tx1"/>
+                </a:solidFill>
+                <a:latin typeface="+mn-lt"/>
+                <a:ea typeface="+mn-ea"/>
+                <a:cs typeface="+mn-cs"/>
+              </a:defRPr>
+            </a:lvl2pPr>
+            <a:lvl3pPr marL="914400" algn="l" defTabSz="914400" rtl="0" eaLnBrk="1" latinLnBrk="0" hangingPunct="1">
+              <a:defRPr sz="1800" kern="1200">
+                <a:solidFill>
+                  <a:schemeClr val="tx1"/>
+                </a:solidFill>
+                <a:latin typeface="+mn-lt"/>
+                <a:ea typeface="+mn-ea"/>
+                <a:cs typeface="+mn-cs"/>
+              </a:defRPr>
+            </a:lvl3pPr>
+            <a:lvl4pPr marL="1371600" algn="l" defTabSz="914400" rtl="0" eaLnBrk="1" latinLnBrk="0" hangingPunct="1">
+              <a:defRPr sz="1800" kern="1200">
+                <a:solidFill>
+                  <a:schemeClr val="tx1"/>
+                </a:solidFill>
+                <a:latin typeface="+mn-lt"/>
+                <a:ea typeface="+mn-ea"/>
+                <a:cs typeface="+mn-cs"/>
+              </a:defRPr>
+            </a:lvl4pPr>
+            <a:lvl5pPr marL="1828800" algn="l" defTabSz="914400" rtl="0" eaLnBrk="1" latinLnBrk="0" hangingPunct="1">
+              <a:defRPr sz="1800" kern="1200">
+                <a:solidFill>
+                  <a:schemeClr val="tx1"/>
+                </a:solidFill>
+                <a:latin typeface="+mn-lt"/>
+                <a:ea typeface="+mn-ea"/>
+                <a:cs typeface="+mn-cs"/>
+              </a:defRPr>
+            </a:lvl5pPr>
+            <a:lvl6pPr marL="2286000" algn="l" defTabSz="914400" rtl="0" eaLnBrk="1" latinLnBrk="0" hangingPunct="1">
+              <a:defRPr sz="1800" kern="1200">
+                <a:solidFill>
+                  <a:schemeClr val="tx1"/>
+                </a:solidFill>
+                <a:latin typeface="+mn-lt"/>
+                <a:ea typeface="+mn-ea"/>
+                <a:cs typeface="+mn-cs"/>
+              </a:defRPr>
+            </a:lvl6pPr>
+            <a:lvl7pPr marL="2743200" algn="l" defTabSz="914400" rtl="0" eaLnBrk="1" latinLnBrk="0" hangingPunct="1">
+              <a:defRPr sz="1800" kern="1200">
+                <a:solidFill>
+                  <a:schemeClr val="tx1"/>
+                </a:solidFill>
+                <a:latin typeface="+mn-lt"/>
+                <a:ea typeface="+mn-ea"/>
+                <a:cs typeface="+mn-cs"/>
+              </a:defRPr>
+            </a:lvl7pPr>
+            <a:lvl8pPr marL="3200400" algn="l" defTabSz="914400" rtl="0" eaLnBrk="1" latinLnBrk="0" hangingPunct="1">
+              <a:defRPr sz="1800" kern="1200">
+                <a:solidFill>
+                  <a:schemeClr val="tx1"/>
+                </a:solidFill>
+                <a:latin typeface="+mn-lt"/>
+                <a:ea typeface="+mn-ea"/>
+                <a:cs typeface="+mn-cs"/>
+              </a:defRPr>
+            </a:lvl8pPr>
+            <a:lvl9pPr marL="3657600" algn="l" defTabSz="914400" rtl="0" eaLnBrk="1" latinLnBrk="0" hangingPunct="1">
+              <a:defRPr sz="1800" kern="1200">
+                <a:solidFill>
+                  <a:schemeClr val="tx1"/>
+                </a:solidFill>
+                <a:latin typeface="+mn-lt"/>
+                <a:ea typeface="+mn-ea"/>
+                <a:cs typeface="+mn-cs"/>
+              </a:defRPr>
+            </a:lvl9pPr>
+          </a:lstStyle>
           <a:p>
             <a:r>
               <a:rPr lang="en-AU" sz="1100" dirty="0" smtClean="0"/>
@@ -52616,13 +58022,13 @@
       </p:sp>
       <p:sp>
         <p:nvSpPr>
-          <p:cNvPr id="35" name="Rectangle 34"/>
+          <p:cNvPr id="214" name="Rectangle 213"/>
           <p:cNvSpPr/>
           <p:nvPr/>
         </p:nvSpPr>
         <p:spPr>
           <a:xfrm>
-            <a:off x="1489627" y="3299070"/>
+            <a:off x="1634322" y="3225148"/>
             <a:ext cx="1366080" cy="261610"/>
           </a:xfrm>
           <a:prstGeom prst="rect">
@@ -52633,7 +58039,101 @@
           <a:bodyPr wrap="none">
             <a:spAutoFit/>
           </a:bodyPr>
-          <a:lstStyle/>
+          <a:lstStyle>
+            <a:defPPr>
+              <a:defRPr lang="en-US"/>
+            </a:defPPr>
+            <a:lvl1pPr marL="0" algn="l" defTabSz="914400" rtl="0" eaLnBrk="1" latinLnBrk="0" hangingPunct="1">
+              <a:defRPr sz="1800" kern="1200">
+                <a:solidFill>
+                  <a:schemeClr val="tx1"/>
+                </a:solidFill>
+                <a:latin typeface="+mn-lt"/>
+                <a:ea typeface="+mn-ea"/>
+                <a:cs typeface="+mn-cs"/>
+              </a:defRPr>
+            </a:lvl1pPr>
+            <a:lvl2pPr marL="457200" algn="l" defTabSz="914400" rtl="0" eaLnBrk="1" latinLnBrk="0" hangingPunct="1">
+              <a:defRPr sz="1800" kern="1200">
+                <a:solidFill>
+                  <a:schemeClr val="tx1"/>
+                </a:solidFill>
+                <a:latin typeface="+mn-lt"/>
+                <a:ea typeface="+mn-ea"/>
+                <a:cs typeface="+mn-cs"/>
+              </a:defRPr>
+            </a:lvl2pPr>
+            <a:lvl3pPr marL="914400" algn="l" defTabSz="914400" rtl="0" eaLnBrk="1" latinLnBrk="0" hangingPunct="1">
+              <a:defRPr sz="1800" kern="1200">
+                <a:solidFill>
+                  <a:schemeClr val="tx1"/>
+                </a:solidFill>
+                <a:latin typeface="+mn-lt"/>
+                <a:ea typeface="+mn-ea"/>
+                <a:cs typeface="+mn-cs"/>
+              </a:defRPr>
+            </a:lvl3pPr>
+            <a:lvl4pPr marL="1371600" algn="l" defTabSz="914400" rtl="0" eaLnBrk="1" latinLnBrk="0" hangingPunct="1">
+              <a:defRPr sz="1800" kern="1200">
+                <a:solidFill>
+                  <a:schemeClr val="tx1"/>
+                </a:solidFill>
+                <a:latin typeface="+mn-lt"/>
+                <a:ea typeface="+mn-ea"/>
+                <a:cs typeface="+mn-cs"/>
+              </a:defRPr>
+            </a:lvl4pPr>
+            <a:lvl5pPr marL="1828800" algn="l" defTabSz="914400" rtl="0" eaLnBrk="1" latinLnBrk="0" hangingPunct="1">
+              <a:defRPr sz="1800" kern="1200">
+                <a:solidFill>
+                  <a:schemeClr val="tx1"/>
+                </a:solidFill>
+                <a:latin typeface="+mn-lt"/>
+                <a:ea typeface="+mn-ea"/>
+                <a:cs typeface="+mn-cs"/>
+              </a:defRPr>
+            </a:lvl5pPr>
+            <a:lvl6pPr marL="2286000" algn="l" defTabSz="914400" rtl="0" eaLnBrk="1" latinLnBrk="0" hangingPunct="1">
+              <a:defRPr sz="1800" kern="1200">
+                <a:solidFill>
+                  <a:schemeClr val="tx1"/>
+                </a:solidFill>
+                <a:latin typeface="+mn-lt"/>
+                <a:ea typeface="+mn-ea"/>
+                <a:cs typeface="+mn-cs"/>
+              </a:defRPr>
+            </a:lvl6pPr>
+            <a:lvl7pPr marL="2743200" algn="l" defTabSz="914400" rtl="0" eaLnBrk="1" latinLnBrk="0" hangingPunct="1">
+              <a:defRPr sz="1800" kern="1200">
+                <a:solidFill>
+                  <a:schemeClr val="tx1"/>
+                </a:solidFill>
+                <a:latin typeface="+mn-lt"/>
+                <a:ea typeface="+mn-ea"/>
+                <a:cs typeface="+mn-cs"/>
+              </a:defRPr>
+            </a:lvl7pPr>
+            <a:lvl8pPr marL="3200400" algn="l" defTabSz="914400" rtl="0" eaLnBrk="1" latinLnBrk="0" hangingPunct="1">
+              <a:defRPr sz="1800" kern="1200">
+                <a:solidFill>
+                  <a:schemeClr val="tx1"/>
+                </a:solidFill>
+                <a:latin typeface="+mn-lt"/>
+                <a:ea typeface="+mn-ea"/>
+                <a:cs typeface="+mn-cs"/>
+              </a:defRPr>
+            </a:lvl8pPr>
+            <a:lvl9pPr marL="3657600" algn="l" defTabSz="914400" rtl="0" eaLnBrk="1" latinLnBrk="0" hangingPunct="1">
+              <a:defRPr sz="1800" kern="1200">
+                <a:solidFill>
+                  <a:schemeClr val="tx1"/>
+                </a:solidFill>
+                <a:latin typeface="+mn-lt"/>
+                <a:ea typeface="+mn-ea"/>
+                <a:cs typeface="+mn-cs"/>
+              </a:defRPr>
+            </a:lvl9pPr>
+          </a:lstStyle>
           <a:p>
             <a:r>
               <a:rPr lang="en-AU" sz="1100" b="1" dirty="0" smtClean="0">
@@ -52693,13 +58193,13 @@
       </p:sp>
       <p:sp>
         <p:nvSpPr>
-          <p:cNvPr id="84" name="Rectangle 83"/>
+          <p:cNvPr id="215" name="Rectangle 214"/>
           <p:cNvSpPr/>
           <p:nvPr/>
         </p:nvSpPr>
         <p:spPr>
           <a:xfrm>
-            <a:off x="3623326" y="2513487"/>
+            <a:off x="3768021" y="2439565"/>
             <a:ext cx="890865" cy="1967345"/>
           </a:xfrm>
           <a:prstGeom prst="rect">
@@ -52737,7 +58237,101 @@
         </p:style>
         <p:txBody>
           <a:bodyPr rtlCol="0" anchor="ctr"/>
-          <a:lstStyle/>
+          <a:lstStyle>
+            <a:defPPr>
+              <a:defRPr lang="en-US"/>
+            </a:defPPr>
+            <a:lvl1pPr marL="0" algn="l" defTabSz="914400" rtl="0" eaLnBrk="1" latinLnBrk="0" hangingPunct="1">
+              <a:defRPr sz="1800" kern="1200">
+                <a:solidFill>
+                  <a:schemeClr val="lt1"/>
+                </a:solidFill>
+                <a:latin typeface="+mn-lt"/>
+                <a:ea typeface="+mn-ea"/>
+                <a:cs typeface="+mn-cs"/>
+              </a:defRPr>
+            </a:lvl1pPr>
+            <a:lvl2pPr marL="457200" algn="l" defTabSz="914400" rtl="0" eaLnBrk="1" latinLnBrk="0" hangingPunct="1">
+              <a:defRPr sz="1800" kern="1200">
+                <a:solidFill>
+                  <a:schemeClr val="lt1"/>
+                </a:solidFill>
+                <a:latin typeface="+mn-lt"/>
+                <a:ea typeface="+mn-ea"/>
+                <a:cs typeface="+mn-cs"/>
+              </a:defRPr>
+            </a:lvl2pPr>
+            <a:lvl3pPr marL="914400" algn="l" defTabSz="914400" rtl="0" eaLnBrk="1" latinLnBrk="0" hangingPunct="1">
+              <a:defRPr sz="1800" kern="1200">
+                <a:solidFill>
+                  <a:schemeClr val="lt1"/>
+                </a:solidFill>
+                <a:latin typeface="+mn-lt"/>
+                <a:ea typeface="+mn-ea"/>
+                <a:cs typeface="+mn-cs"/>
+              </a:defRPr>
+            </a:lvl3pPr>
+            <a:lvl4pPr marL="1371600" algn="l" defTabSz="914400" rtl="0" eaLnBrk="1" latinLnBrk="0" hangingPunct="1">
+              <a:defRPr sz="1800" kern="1200">
+                <a:solidFill>
+                  <a:schemeClr val="lt1"/>
+                </a:solidFill>
+                <a:latin typeface="+mn-lt"/>
+                <a:ea typeface="+mn-ea"/>
+                <a:cs typeface="+mn-cs"/>
+              </a:defRPr>
+            </a:lvl4pPr>
+            <a:lvl5pPr marL="1828800" algn="l" defTabSz="914400" rtl="0" eaLnBrk="1" latinLnBrk="0" hangingPunct="1">
+              <a:defRPr sz="1800" kern="1200">
+                <a:solidFill>
+                  <a:schemeClr val="lt1"/>
+                </a:solidFill>
+                <a:latin typeface="+mn-lt"/>
+                <a:ea typeface="+mn-ea"/>
+                <a:cs typeface="+mn-cs"/>
+              </a:defRPr>
+            </a:lvl5pPr>
+            <a:lvl6pPr marL="2286000" algn="l" defTabSz="914400" rtl="0" eaLnBrk="1" latinLnBrk="0" hangingPunct="1">
+              <a:defRPr sz="1800" kern="1200">
+                <a:solidFill>
+                  <a:schemeClr val="lt1"/>
+                </a:solidFill>
+                <a:latin typeface="+mn-lt"/>
+                <a:ea typeface="+mn-ea"/>
+                <a:cs typeface="+mn-cs"/>
+              </a:defRPr>
+            </a:lvl6pPr>
+            <a:lvl7pPr marL="2743200" algn="l" defTabSz="914400" rtl="0" eaLnBrk="1" latinLnBrk="0" hangingPunct="1">
+              <a:defRPr sz="1800" kern="1200">
+                <a:solidFill>
+                  <a:schemeClr val="lt1"/>
+                </a:solidFill>
+                <a:latin typeface="+mn-lt"/>
+                <a:ea typeface="+mn-ea"/>
+                <a:cs typeface="+mn-cs"/>
+              </a:defRPr>
+            </a:lvl7pPr>
+            <a:lvl8pPr marL="3200400" algn="l" defTabSz="914400" rtl="0" eaLnBrk="1" latinLnBrk="0" hangingPunct="1">
+              <a:defRPr sz="1800" kern="1200">
+                <a:solidFill>
+                  <a:schemeClr val="lt1"/>
+                </a:solidFill>
+                <a:latin typeface="+mn-lt"/>
+                <a:ea typeface="+mn-ea"/>
+                <a:cs typeface="+mn-cs"/>
+              </a:defRPr>
+            </a:lvl8pPr>
+            <a:lvl9pPr marL="3657600" algn="l" defTabSz="914400" rtl="0" eaLnBrk="1" latinLnBrk="0" hangingPunct="1">
+              <a:defRPr sz="1800" kern="1200">
+                <a:solidFill>
+                  <a:schemeClr val="lt1"/>
+                </a:solidFill>
+                <a:latin typeface="+mn-lt"/>
+                <a:ea typeface="+mn-ea"/>
+                <a:cs typeface="+mn-cs"/>
+              </a:defRPr>
+            </a:lvl9pPr>
+          </a:lstStyle>
           <a:p>
             <a:pPr algn="ctr"/>
             <a:r>
@@ -52780,13 +58374,13 @@
       </p:sp>
       <p:sp>
         <p:nvSpPr>
-          <p:cNvPr id="97" name="Rectangle 96"/>
+          <p:cNvPr id="216" name="Rectangle 215"/>
           <p:cNvSpPr/>
           <p:nvPr/>
         </p:nvSpPr>
         <p:spPr>
           <a:xfrm>
-            <a:off x="3623327" y="4559606"/>
+            <a:off x="3768022" y="4485684"/>
             <a:ext cx="890864" cy="663281"/>
           </a:xfrm>
           <a:prstGeom prst="rect">
@@ -52824,7 +58418,101 @@
         </p:style>
         <p:txBody>
           <a:bodyPr rtlCol="0" anchor="ctr"/>
-          <a:lstStyle/>
+          <a:lstStyle>
+            <a:defPPr>
+              <a:defRPr lang="en-US"/>
+            </a:defPPr>
+            <a:lvl1pPr marL="0" algn="l" defTabSz="914400" rtl="0" eaLnBrk="1" latinLnBrk="0" hangingPunct="1">
+              <a:defRPr sz="1800" kern="1200">
+                <a:solidFill>
+                  <a:schemeClr val="lt1"/>
+                </a:solidFill>
+                <a:latin typeface="+mn-lt"/>
+                <a:ea typeface="+mn-ea"/>
+                <a:cs typeface="+mn-cs"/>
+              </a:defRPr>
+            </a:lvl1pPr>
+            <a:lvl2pPr marL="457200" algn="l" defTabSz="914400" rtl="0" eaLnBrk="1" latinLnBrk="0" hangingPunct="1">
+              <a:defRPr sz="1800" kern="1200">
+                <a:solidFill>
+                  <a:schemeClr val="lt1"/>
+                </a:solidFill>
+                <a:latin typeface="+mn-lt"/>
+                <a:ea typeface="+mn-ea"/>
+                <a:cs typeface="+mn-cs"/>
+              </a:defRPr>
+            </a:lvl2pPr>
+            <a:lvl3pPr marL="914400" algn="l" defTabSz="914400" rtl="0" eaLnBrk="1" latinLnBrk="0" hangingPunct="1">
+              <a:defRPr sz="1800" kern="1200">
+                <a:solidFill>
+                  <a:schemeClr val="lt1"/>
+                </a:solidFill>
+                <a:latin typeface="+mn-lt"/>
+                <a:ea typeface="+mn-ea"/>
+                <a:cs typeface="+mn-cs"/>
+              </a:defRPr>
+            </a:lvl3pPr>
+            <a:lvl4pPr marL="1371600" algn="l" defTabSz="914400" rtl="0" eaLnBrk="1" latinLnBrk="0" hangingPunct="1">
+              <a:defRPr sz="1800" kern="1200">
+                <a:solidFill>
+                  <a:schemeClr val="lt1"/>
+                </a:solidFill>
+                <a:latin typeface="+mn-lt"/>
+                <a:ea typeface="+mn-ea"/>
+                <a:cs typeface="+mn-cs"/>
+              </a:defRPr>
+            </a:lvl4pPr>
+            <a:lvl5pPr marL="1828800" algn="l" defTabSz="914400" rtl="0" eaLnBrk="1" latinLnBrk="0" hangingPunct="1">
+              <a:defRPr sz="1800" kern="1200">
+                <a:solidFill>
+                  <a:schemeClr val="lt1"/>
+                </a:solidFill>
+                <a:latin typeface="+mn-lt"/>
+                <a:ea typeface="+mn-ea"/>
+                <a:cs typeface="+mn-cs"/>
+              </a:defRPr>
+            </a:lvl5pPr>
+            <a:lvl6pPr marL="2286000" algn="l" defTabSz="914400" rtl="0" eaLnBrk="1" latinLnBrk="0" hangingPunct="1">
+              <a:defRPr sz="1800" kern="1200">
+                <a:solidFill>
+                  <a:schemeClr val="lt1"/>
+                </a:solidFill>
+                <a:latin typeface="+mn-lt"/>
+                <a:ea typeface="+mn-ea"/>
+                <a:cs typeface="+mn-cs"/>
+              </a:defRPr>
+            </a:lvl6pPr>
+            <a:lvl7pPr marL="2743200" algn="l" defTabSz="914400" rtl="0" eaLnBrk="1" latinLnBrk="0" hangingPunct="1">
+              <a:defRPr sz="1800" kern="1200">
+                <a:solidFill>
+                  <a:schemeClr val="lt1"/>
+                </a:solidFill>
+                <a:latin typeface="+mn-lt"/>
+                <a:ea typeface="+mn-ea"/>
+                <a:cs typeface="+mn-cs"/>
+              </a:defRPr>
+            </a:lvl7pPr>
+            <a:lvl8pPr marL="3200400" algn="l" defTabSz="914400" rtl="0" eaLnBrk="1" latinLnBrk="0" hangingPunct="1">
+              <a:defRPr sz="1800" kern="1200">
+                <a:solidFill>
+                  <a:schemeClr val="lt1"/>
+                </a:solidFill>
+                <a:latin typeface="+mn-lt"/>
+                <a:ea typeface="+mn-ea"/>
+                <a:cs typeface="+mn-cs"/>
+              </a:defRPr>
+            </a:lvl8pPr>
+            <a:lvl9pPr marL="3657600" algn="l" defTabSz="914400" rtl="0" eaLnBrk="1" latinLnBrk="0" hangingPunct="1">
+              <a:defRPr sz="1800" kern="1200">
+                <a:solidFill>
+                  <a:schemeClr val="lt1"/>
+                </a:solidFill>
+                <a:latin typeface="+mn-lt"/>
+                <a:ea typeface="+mn-ea"/>
+                <a:cs typeface="+mn-cs"/>
+              </a:defRPr>
+            </a:lvl9pPr>
+          </a:lstStyle>
           <a:p>
             <a:pPr algn="ctr"/>
             <a:r>
@@ -52856,13 +58544,13 @@
       </p:sp>
       <p:sp>
         <p:nvSpPr>
-          <p:cNvPr id="74" name="Freeform 73"/>
+          <p:cNvPr id="217" name="Freeform 216"/>
           <p:cNvSpPr/>
           <p:nvPr/>
         </p:nvSpPr>
         <p:spPr>
           <a:xfrm>
-            <a:off x="995648" y="2288602"/>
+            <a:off x="1140343" y="2214680"/>
             <a:ext cx="3544756" cy="3079366"/>
           </a:xfrm>
           <a:custGeom>
@@ -52969,7 +58657,101 @@
         </p:style>
         <p:txBody>
           <a:bodyPr rtlCol="0" anchor="ctr"/>
-          <a:lstStyle/>
+          <a:lstStyle>
+            <a:defPPr>
+              <a:defRPr lang="en-US"/>
+            </a:defPPr>
+            <a:lvl1pPr marL="0" algn="l" defTabSz="914400" rtl="0" eaLnBrk="1" latinLnBrk="0" hangingPunct="1">
+              <a:defRPr sz="1800" kern="1200">
+                <a:solidFill>
+                  <a:schemeClr val="lt1"/>
+                </a:solidFill>
+                <a:latin typeface="+mn-lt"/>
+                <a:ea typeface="+mn-ea"/>
+                <a:cs typeface="+mn-cs"/>
+              </a:defRPr>
+            </a:lvl1pPr>
+            <a:lvl2pPr marL="457200" algn="l" defTabSz="914400" rtl="0" eaLnBrk="1" latinLnBrk="0" hangingPunct="1">
+              <a:defRPr sz="1800" kern="1200">
+                <a:solidFill>
+                  <a:schemeClr val="lt1"/>
+                </a:solidFill>
+                <a:latin typeface="+mn-lt"/>
+                <a:ea typeface="+mn-ea"/>
+                <a:cs typeface="+mn-cs"/>
+              </a:defRPr>
+            </a:lvl2pPr>
+            <a:lvl3pPr marL="914400" algn="l" defTabSz="914400" rtl="0" eaLnBrk="1" latinLnBrk="0" hangingPunct="1">
+              <a:defRPr sz="1800" kern="1200">
+                <a:solidFill>
+                  <a:schemeClr val="lt1"/>
+                </a:solidFill>
+                <a:latin typeface="+mn-lt"/>
+                <a:ea typeface="+mn-ea"/>
+                <a:cs typeface="+mn-cs"/>
+              </a:defRPr>
+            </a:lvl3pPr>
+            <a:lvl4pPr marL="1371600" algn="l" defTabSz="914400" rtl="0" eaLnBrk="1" latinLnBrk="0" hangingPunct="1">
+              <a:defRPr sz="1800" kern="1200">
+                <a:solidFill>
+                  <a:schemeClr val="lt1"/>
+                </a:solidFill>
+                <a:latin typeface="+mn-lt"/>
+                <a:ea typeface="+mn-ea"/>
+                <a:cs typeface="+mn-cs"/>
+              </a:defRPr>
+            </a:lvl4pPr>
+            <a:lvl5pPr marL="1828800" algn="l" defTabSz="914400" rtl="0" eaLnBrk="1" latinLnBrk="0" hangingPunct="1">
+              <a:defRPr sz="1800" kern="1200">
+                <a:solidFill>
+                  <a:schemeClr val="lt1"/>
+                </a:solidFill>
+                <a:latin typeface="+mn-lt"/>
+                <a:ea typeface="+mn-ea"/>
+                <a:cs typeface="+mn-cs"/>
+              </a:defRPr>
+            </a:lvl5pPr>
+            <a:lvl6pPr marL="2286000" algn="l" defTabSz="914400" rtl="0" eaLnBrk="1" latinLnBrk="0" hangingPunct="1">
+              <a:defRPr sz="1800" kern="1200">
+                <a:solidFill>
+                  <a:schemeClr val="lt1"/>
+                </a:solidFill>
+                <a:latin typeface="+mn-lt"/>
+                <a:ea typeface="+mn-ea"/>
+                <a:cs typeface="+mn-cs"/>
+              </a:defRPr>
+            </a:lvl6pPr>
+            <a:lvl7pPr marL="2743200" algn="l" defTabSz="914400" rtl="0" eaLnBrk="1" latinLnBrk="0" hangingPunct="1">
+              <a:defRPr sz="1800" kern="1200">
+                <a:solidFill>
+                  <a:schemeClr val="lt1"/>
+                </a:solidFill>
+                <a:latin typeface="+mn-lt"/>
+                <a:ea typeface="+mn-ea"/>
+                <a:cs typeface="+mn-cs"/>
+              </a:defRPr>
+            </a:lvl7pPr>
+            <a:lvl8pPr marL="3200400" algn="l" defTabSz="914400" rtl="0" eaLnBrk="1" latinLnBrk="0" hangingPunct="1">
+              <a:defRPr sz="1800" kern="1200">
+                <a:solidFill>
+                  <a:schemeClr val="lt1"/>
+                </a:solidFill>
+                <a:latin typeface="+mn-lt"/>
+                <a:ea typeface="+mn-ea"/>
+                <a:cs typeface="+mn-cs"/>
+              </a:defRPr>
+            </a:lvl8pPr>
+            <a:lvl9pPr marL="3657600" algn="l" defTabSz="914400" rtl="0" eaLnBrk="1" latinLnBrk="0" hangingPunct="1">
+              <a:defRPr sz="1800" kern="1200">
+                <a:solidFill>
+                  <a:schemeClr val="lt1"/>
+                </a:solidFill>
+                <a:latin typeface="+mn-lt"/>
+                <a:ea typeface="+mn-ea"/>
+                <a:cs typeface="+mn-cs"/>
+              </a:defRPr>
+            </a:lvl9pPr>
+          </a:lstStyle>
           <a:p>
             <a:pPr algn="ctr"/>
             <a:endParaRPr lang="en-AU"/>
@@ -52978,13 +58760,13 @@
       </p:sp>
       <p:cxnSp>
         <p:nvCxnSpPr>
-          <p:cNvPr id="16" name="Straight Connector 15"/>
+          <p:cNvPr id="218" name="Straight Connector 217"/>
           <p:cNvCxnSpPr/>
           <p:nvPr/>
         </p:nvCxnSpPr>
         <p:spPr>
           <a:xfrm>
-            <a:off x="4408633" y="2769854"/>
+            <a:off x="4553328" y="2695932"/>
             <a:ext cx="10964" cy="2434198"/>
           </a:xfrm>
           <a:prstGeom prst="line">
@@ -53015,13 +58797,13 @@
       </p:cxnSp>
       <p:cxnSp>
         <p:nvCxnSpPr>
-          <p:cNvPr id="76" name="Straight Connector 75"/>
+          <p:cNvPr id="219" name="Straight Connector 218"/>
           <p:cNvCxnSpPr/>
           <p:nvPr/>
         </p:nvCxnSpPr>
         <p:spPr>
           <a:xfrm>
-            <a:off x="4408629" y="2465683"/>
+            <a:off x="4553324" y="2391761"/>
             <a:ext cx="0" cy="1443856"/>
           </a:xfrm>
           <a:prstGeom prst="line">
@@ -53052,13 +58834,13 @@
       </p:cxnSp>
       <p:sp>
         <p:nvSpPr>
-          <p:cNvPr id="36" name="Rectangle 35"/>
+          <p:cNvPr id="220" name="Rectangle 219"/>
           <p:cNvSpPr/>
           <p:nvPr/>
         </p:nvSpPr>
         <p:spPr>
           <a:xfrm>
-            <a:off x="1358122" y="2578906"/>
+            <a:off x="1502817" y="2504984"/>
             <a:ext cx="2047255" cy="556809"/>
           </a:xfrm>
           <a:prstGeom prst="rect">
@@ -53091,7 +58873,101 @@
         </p:style>
         <p:txBody>
           <a:bodyPr rtlCol="0" anchor="ctr"/>
-          <a:lstStyle/>
+          <a:lstStyle>
+            <a:defPPr>
+              <a:defRPr lang="en-US"/>
+            </a:defPPr>
+            <a:lvl1pPr marL="0" algn="l" defTabSz="914400" rtl="0" eaLnBrk="1" latinLnBrk="0" hangingPunct="1">
+              <a:defRPr sz="1800" kern="1200">
+                <a:solidFill>
+                  <a:schemeClr val="lt1"/>
+                </a:solidFill>
+                <a:latin typeface="+mn-lt"/>
+                <a:ea typeface="+mn-ea"/>
+                <a:cs typeface="+mn-cs"/>
+              </a:defRPr>
+            </a:lvl1pPr>
+            <a:lvl2pPr marL="457200" algn="l" defTabSz="914400" rtl="0" eaLnBrk="1" latinLnBrk="0" hangingPunct="1">
+              <a:defRPr sz="1800" kern="1200">
+                <a:solidFill>
+                  <a:schemeClr val="lt1"/>
+                </a:solidFill>
+                <a:latin typeface="+mn-lt"/>
+                <a:ea typeface="+mn-ea"/>
+                <a:cs typeface="+mn-cs"/>
+              </a:defRPr>
+            </a:lvl2pPr>
+            <a:lvl3pPr marL="914400" algn="l" defTabSz="914400" rtl="0" eaLnBrk="1" latinLnBrk="0" hangingPunct="1">
+              <a:defRPr sz="1800" kern="1200">
+                <a:solidFill>
+                  <a:schemeClr val="lt1"/>
+                </a:solidFill>
+                <a:latin typeface="+mn-lt"/>
+                <a:ea typeface="+mn-ea"/>
+                <a:cs typeface="+mn-cs"/>
+              </a:defRPr>
+            </a:lvl3pPr>
+            <a:lvl4pPr marL="1371600" algn="l" defTabSz="914400" rtl="0" eaLnBrk="1" latinLnBrk="0" hangingPunct="1">
+              <a:defRPr sz="1800" kern="1200">
+                <a:solidFill>
+                  <a:schemeClr val="lt1"/>
+                </a:solidFill>
+                <a:latin typeface="+mn-lt"/>
+                <a:ea typeface="+mn-ea"/>
+                <a:cs typeface="+mn-cs"/>
+              </a:defRPr>
+            </a:lvl4pPr>
+            <a:lvl5pPr marL="1828800" algn="l" defTabSz="914400" rtl="0" eaLnBrk="1" latinLnBrk="0" hangingPunct="1">
+              <a:defRPr sz="1800" kern="1200">
+                <a:solidFill>
+                  <a:schemeClr val="lt1"/>
+                </a:solidFill>
+                <a:latin typeface="+mn-lt"/>
+                <a:ea typeface="+mn-ea"/>
+                <a:cs typeface="+mn-cs"/>
+              </a:defRPr>
+            </a:lvl5pPr>
+            <a:lvl6pPr marL="2286000" algn="l" defTabSz="914400" rtl="0" eaLnBrk="1" latinLnBrk="0" hangingPunct="1">
+              <a:defRPr sz="1800" kern="1200">
+                <a:solidFill>
+                  <a:schemeClr val="lt1"/>
+                </a:solidFill>
+                <a:latin typeface="+mn-lt"/>
+                <a:ea typeface="+mn-ea"/>
+                <a:cs typeface="+mn-cs"/>
+              </a:defRPr>
+            </a:lvl6pPr>
+            <a:lvl7pPr marL="2743200" algn="l" defTabSz="914400" rtl="0" eaLnBrk="1" latinLnBrk="0" hangingPunct="1">
+              <a:defRPr sz="1800" kern="1200">
+                <a:solidFill>
+                  <a:schemeClr val="lt1"/>
+                </a:solidFill>
+                <a:latin typeface="+mn-lt"/>
+                <a:ea typeface="+mn-ea"/>
+                <a:cs typeface="+mn-cs"/>
+              </a:defRPr>
+            </a:lvl7pPr>
+            <a:lvl8pPr marL="3200400" algn="l" defTabSz="914400" rtl="0" eaLnBrk="1" latinLnBrk="0" hangingPunct="1">
+              <a:defRPr sz="1800" kern="1200">
+                <a:solidFill>
+                  <a:schemeClr val="lt1"/>
+                </a:solidFill>
+                <a:latin typeface="+mn-lt"/>
+                <a:ea typeface="+mn-ea"/>
+                <a:cs typeface="+mn-cs"/>
+              </a:defRPr>
+            </a:lvl8pPr>
+            <a:lvl9pPr marL="3657600" algn="l" defTabSz="914400" rtl="0" eaLnBrk="1" latinLnBrk="0" hangingPunct="1">
+              <a:defRPr sz="1800" kern="1200">
+                <a:solidFill>
+                  <a:schemeClr val="lt1"/>
+                </a:solidFill>
+                <a:latin typeface="+mn-lt"/>
+                <a:ea typeface="+mn-ea"/>
+                <a:cs typeface="+mn-cs"/>
+              </a:defRPr>
+            </a:lvl9pPr>
+          </a:lstStyle>
           <a:p>
             <a:pPr algn="ctr"/>
             <a:endParaRPr lang="en-AU" dirty="0"/>
@@ -53100,13 +58976,13 @@
       </p:sp>
       <p:sp>
         <p:nvSpPr>
-          <p:cNvPr id="37" name="TextBox 36"/>
+          <p:cNvPr id="221" name="TextBox 36"/>
           <p:cNvSpPr txBox="1"/>
           <p:nvPr/>
         </p:nvSpPr>
         <p:spPr>
           <a:xfrm>
-            <a:off x="1313761" y="2611473"/>
+            <a:off x="1458456" y="2537551"/>
             <a:ext cx="2129750" cy="461665"/>
           </a:xfrm>
           <a:prstGeom prst="rect">
@@ -53118,7 +58994,101 @@
           <a:bodyPr wrap="none" rtlCol="0">
             <a:spAutoFit/>
           </a:bodyPr>
-          <a:lstStyle/>
+          <a:lstStyle>
+            <a:defPPr>
+              <a:defRPr lang="en-US"/>
+            </a:defPPr>
+            <a:lvl1pPr marL="0" algn="l" defTabSz="914400" rtl="0" eaLnBrk="1" latinLnBrk="0" hangingPunct="1">
+              <a:defRPr sz="1800" kern="1200">
+                <a:solidFill>
+                  <a:schemeClr val="tx1"/>
+                </a:solidFill>
+                <a:latin typeface="+mn-lt"/>
+                <a:ea typeface="+mn-ea"/>
+                <a:cs typeface="+mn-cs"/>
+              </a:defRPr>
+            </a:lvl1pPr>
+            <a:lvl2pPr marL="457200" algn="l" defTabSz="914400" rtl="0" eaLnBrk="1" latinLnBrk="0" hangingPunct="1">
+              <a:defRPr sz="1800" kern="1200">
+                <a:solidFill>
+                  <a:schemeClr val="tx1"/>
+                </a:solidFill>
+                <a:latin typeface="+mn-lt"/>
+                <a:ea typeface="+mn-ea"/>
+                <a:cs typeface="+mn-cs"/>
+              </a:defRPr>
+            </a:lvl2pPr>
+            <a:lvl3pPr marL="914400" algn="l" defTabSz="914400" rtl="0" eaLnBrk="1" latinLnBrk="0" hangingPunct="1">
+              <a:defRPr sz="1800" kern="1200">
+                <a:solidFill>
+                  <a:schemeClr val="tx1"/>
+                </a:solidFill>
+                <a:latin typeface="+mn-lt"/>
+                <a:ea typeface="+mn-ea"/>
+                <a:cs typeface="+mn-cs"/>
+              </a:defRPr>
+            </a:lvl3pPr>
+            <a:lvl4pPr marL="1371600" algn="l" defTabSz="914400" rtl="0" eaLnBrk="1" latinLnBrk="0" hangingPunct="1">
+              <a:defRPr sz="1800" kern="1200">
+                <a:solidFill>
+                  <a:schemeClr val="tx1"/>
+                </a:solidFill>
+                <a:latin typeface="+mn-lt"/>
+                <a:ea typeface="+mn-ea"/>
+                <a:cs typeface="+mn-cs"/>
+              </a:defRPr>
+            </a:lvl4pPr>
+            <a:lvl5pPr marL="1828800" algn="l" defTabSz="914400" rtl="0" eaLnBrk="1" latinLnBrk="0" hangingPunct="1">
+              <a:defRPr sz="1800" kern="1200">
+                <a:solidFill>
+                  <a:schemeClr val="tx1"/>
+                </a:solidFill>
+                <a:latin typeface="+mn-lt"/>
+                <a:ea typeface="+mn-ea"/>
+                <a:cs typeface="+mn-cs"/>
+              </a:defRPr>
+            </a:lvl5pPr>
+            <a:lvl6pPr marL="2286000" algn="l" defTabSz="914400" rtl="0" eaLnBrk="1" latinLnBrk="0" hangingPunct="1">
+              <a:defRPr sz="1800" kern="1200">
+                <a:solidFill>
+                  <a:schemeClr val="tx1"/>
+                </a:solidFill>
+                <a:latin typeface="+mn-lt"/>
+                <a:ea typeface="+mn-ea"/>
+                <a:cs typeface="+mn-cs"/>
+              </a:defRPr>
+            </a:lvl6pPr>
+            <a:lvl7pPr marL="2743200" algn="l" defTabSz="914400" rtl="0" eaLnBrk="1" latinLnBrk="0" hangingPunct="1">
+              <a:defRPr sz="1800" kern="1200">
+                <a:solidFill>
+                  <a:schemeClr val="tx1"/>
+                </a:solidFill>
+                <a:latin typeface="+mn-lt"/>
+                <a:ea typeface="+mn-ea"/>
+                <a:cs typeface="+mn-cs"/>
+              </a:defRPr>
+            </a:lvl7pPr>
+            <a:lvl8pPr marL="3200400" algn="l" defTabSz="914400" rtl="0" eaLnBrk="1" latinLnBrk="0" hangingPunct="1">
+              <a:defRPr sz="1800" kern="1200">
+                <a:solidFill>
+                  <a:schemeClr val="tx1"/>
+                </a:solidFill>
+                <a:latin typeface="+mn-lt"/>
+                <a:ea typeface="+mn-ea"/>
+                <a:cs typeface="+mn-cs"/>
+              </a:defRPr>
+            </a:lvl8pPr>
+            <a:lvl9pPr marL="3657600" algn="l" defTabSz="914400" rtl="0" eaLnBrk="1" latinLnBrk="0" hangingPunct="1">
+              <a:defRPr sz="1800" kern="1200">
+                <a:solidFill>
+                  <a:schemeClr val="tx1"/>
+                </a:solidFill>
+                <a:latin typeface="+mn-lt"/>
+                <a:ea typeface="+mn-ea"/>
+                <a:cs typeface="+mn-cs"/>
+              </a:defRPr>
+            </a:lvl9pPr>
+          </a:lstStyle>
           <a:p>
             <a:r>
               <a:rPr lang="en-AU" sz="2400" dirty="0" smtClean="0">
@@ -53218,13 +59188,13 @@
       </p:sp>
       <p:sp>
         <p:nvSpPr>
-          <p:cNvPr id="32" name="TextBox 31"/>
+          <p:cNvPr id="222" name="TextBox 31"/>
           <p:cNvSpPr txBox="1"/>
           <p:nvPr/>
         </p:nvSpPr>
         <p:spPr>
           <a:xfrm>
-            <a:off x="1789970" y="2574849"/>
+            <a:off x="1934665" y="2500927"/>
             <a:ext cx="1140890" cy="307777"/>
           </a:xfrm>
           <a:prstGeom prst="rect">
@@ -53236,7 +59206,101 @@
           <a:bodyPr wrap="none" rtlCol="0">
             <a:spAutoFit/>
           </a:bodyPr>
-          <a:lstStyle/>
+          <a:lstStyle>
+            <a:defPPr>
+              <a:defRPr lang="en-US"/>
+            </a:defPPr>
+            <a:lvl1pPr marL="0" algn="l" defTabSz="914400" rtl="0" eaLnBrk="1" latinLnBrk="0" hangingPunct="1">
+              <a:defRPr sz="1800" kern="1200">
+                <a:solidFill>
+                  <a:schemeClr val="tx1"/>
+                </a:solidFill>
+                <a:latin typeface="+mn-lt"/>
+                <a:ea typeface="+mn-ea"/>
+                <a:cs typeface="+mn-cs"/>
+              </a:defRPr>
+            </a:lvl1pPr>
+            <a:lvl2pPr marL="457200" algn="l" defTabSz="914400" rtl="0" eaLnBrk="1" latinLnBrk="0" hangingPunct="1">
+              <a:defRPr sz="1800" kern="1200">
+                <a:solidFill>
+                  <a:schemeClr val="tx1"/>
+                </a:solidFill>
+                <a:latin typeface="+mn-lt"/>
+                <a:ea typeface="+mn-ea"/>
+                <a:cs typeface="+mn-cs"/>
+              </a:defRPr>
+            </a:lvl2pPr>
+            <a:lvl3pPr marL="914400" algn="l" defTabSz="914400" rtl="0" eaLnBrk="1" latinLnBrk="0" hangingPunct="1">
+              <a:defRPr sz="1800" kern="1200">
+                <a:solidFill>
+                  <a:schemeClr val="tx1"/>
+                </a:solidFill>
+                <a:latin typeface="+mn-lt"/>
+                <a:ea typeface="+mn-ea"/>
+                <a:cs typeface="+mn-cs"/>
+              </a:defRPr>
+            </a:lvl3pPr>
+            <a:lvl4pPr marL="1371600" algn="l" defTabSz="914400" rtl="0" eaLnBrk="1" latinLnBrk="0" hangingPunct="1">
+              <a:defRPr sz="1800" kern="1200">
+                <a:solidFill>
+                  <a:schemeClr val="tx1"/>
+                </a:solidFill>
+                <a:latin typeface="+mn-lt"/>
+                <a:ea typeface="+mn-ea"/>
+                <a:cs typeface="+mn-cs"/>
+              </a:defRPr>
+            </a:lvl4pPr>
+            <a:lvl5pPr marL="1828800" algn="l" defTabSz="914400" rtl="0" eaLnBrk="1" latinLnBrk="0" hangingPunct="1">
+              <a:defRPr sz="1800" kern="1200">
+                <a:solidFill>
+                  <a:schemeClr val="tx1"/>
+                </a:solidFill>
+                <a:latin typeface="+mn-lt"/>
+                <a:ea typeface="+mn-ea"/>
+                <a:cs typeface="+mn-cs"/>
+              </a:defRPr>
+            </a:lvl5pPr>
+            <a:lvl6pPr marL="2286000" algn="l" defTabSz="914400" rtl="0" eaLnBrk="1" latinLnBrk="0" hangingPunct="1">
+              <a:defRPr sz="1800" kern="1200">
+                <a:solidFill>
+                  <a:schemeClr val="tx1"/>
+                </a:solidFill>
+                <a:latin typeface="+mn-lt"/>
+                <a:ea typeface="+mn-ea"/>
+                <a:cs typeface="+mn-cs"/>
+              </a:defRPr>
+            </a:lvl6pPr>
+            <a:lvl7pPr marL="2743200" algn="l" defTabSz="914400" rtl="0" eaLnBrk="1" latinLnBrk="0" hangingPunct="1">
+              <a:defRPr sz="1800" kern="1200">
+                <a:solidFill>
+                  <a:schemeClr val="tx1"/>
+                </a:solidFill>
+                <a:latin typeface="+mn-lt"/>
+                <a:ea typeface="+mn-ea"/>
+                <a:cs typeface="+mn-cs"/>
+              </a:defRPr>
+            </a:lvl7pPr>
+            <a:lvl8pPr marL="3200400" algn="l" defTabSz="914400" rtl="0" eaLnBrk="1" latinLnBrk="0" hangingPunct="1">
+              <a:defRPr sz="1800" kern="1200">
+                <a:solidFill>
+                  <a:schemeClr val="tx1"/>
+                </a:solidFill>
+                <a:latin typeface="+mn-lt"/>
+                <a:ea typeface="+mn-ea"/>
+                <a:cs typeface="+mn-cs"/>
+              </a:defRPr>
+            </a:lvl8pPr>
+            <a:lvl9pPr marL="3657600" algn="l" defTabSz="914400" rtl="0" eaLnBrk="1" latinLnBrk="0" hangingPunct="1">
+              <a:defRPr sz="1800" kern="1200">
+                <a:solidFill>
+                  <a:schemeClr val="tx1"/>
+                </a:solidFill>
+                <a:latin typeface="+mn-lt"/>
+                <a:ea typeface="+mn-ea"/>
+                <a:cs typeface="+mn-cs"/>
+              </a:defRPr>
+            </a:lvl9pPr>
+          </a:lstStyle>
           <a:p>
             <a:r>
               <a:rPr lang="en-AU" sz="1400" dirty="0" smtClean="0">
@@ -53256,13 +59320,13 @@
       </p:sp>
       <p:cxnSp>
         <p:nvCxnSpPr>
-          <p:cNvPr id="98" name="Straight Connector 97"/>
+          <p:cNvPr id="223" name="Straight Connector 222"/>
           <p:cNvCxnSpPr/>
           <p:nvPr/>
         </p:nvCxnSpPr>
         <p:spPr>
           <a:xfrm flipH="1">
-            <a:off x="1186955" y="5197834"/>
+            <a:off x="1331650" y="5123912"/>
             <a:ext cx="3219019" cy="0"/>
           </a:xfrm>
           <a:prstGeom prst="line">
@@ -53293,13 +59357,13 @@
       </p:cxnSp>
       <p:cxnSp>
         <p:nvCxnSpPr>
-          <p:cNvPr id="105" name="Straight Connector 104"/>
+          <p:cNvPr id="224" name="Straight Connector 223"/>
           <p:cNvCxnSpPr/>
           <p:nvPr/>
         </p:nvCxnSpPr>
         <p:spPr>
           <a:xfrm>
-            <a:off x="1174429" y="5197834"/>
+            <a:off x="1319124" y="5123912"/>
             <a:ext cx="1242272" cy="0"/>
           </a:xfrm>
           <a:prstGeom prst="line">
@@ -53330,13 +59394,13 @@
       </p:cxnSp>
       <p:sp>
         <p:nvSpPr>
-          <p:cNvPr id="106" name="TextBox 105"/>
+          <p:cNvPr id="225" name="TextBox 105"/>
           <p:cNvSpPr txBox="1"/>
           <p:nvPr/>
         </p:nvSpPr>
         <p:spPr>
           <a:xfrm>
-            <a:off x="1271254" y="3484949"/>
+            <a:off x="1415949" y="3411027"/>
             <a:ext cx="2157963" cy="261610"/>
           </a:xfrm>
           <a:prstGeom prst="rect">
@@ -53348,7 +59412,101 @@
           <a:bodyPr wrap="none" rtlCol="0">
             <a:spAutoFit/>
           </a:bodyPr>
-          <a:lstStyle/>
+          <a:lstStyle>
+            <a:defPPr>
+              <a:defRPr lang="en-US"/>
+            </a:defPPr>
+            <a:lvl1pPr marL="0" algn="l" defTabSz="914400" rtl="0" eaLnBrk="1" latinLnBrk="0" hangingPunct="1">
+              <a:defRPr sz="1800" kern="1200">
+                <a:solidFill>
+                  <a:schemeClr val="tx1"/>
+                </a:solidFill>
+                <a:latin typeface="+mn-lt"/>
+                <a:ea typeface="+mn-ea"/>
+                <a:cs typeface="+mn-cs"/>
+              </a:defRPr>
+            </a:lvl1pPr>
+            <a:lvl2pPr marL="457200" algn="l" defTabSz="914400" rtl="0" eaLnBrk="1" latinLnBrk="0" hangingPunct="1">
+              <a:defRPr sz="1800" kern="1200">
+                <a:solidFill>
+                  <a:schemeClr val="tx1"/>
+                </a:solidFill>
+                <a:latin typeface="+mn-lt"/>
+                <a:ea typeface="+mn-ea"/>
+                <a:cs typeface="+mn-cs"/>
+              </a:defRPr>
+            </a:lvl2pPr>
+            <a:lvl3pPr marL="914400" algn="l" defTabSz="914400" rtl="0" eaLnBrk="1" latinLnBrk="0" hangingPunct="1">
+              <a:defRPr sz="1800" kern="1200">
+                <a:solidFill>
+                  <a:schemeClr val="tx1"/>
+                </a:solidFill>
+                <a:latin typeface="+mn-lt"/>
+                <a:ea typeface="+mn-ea"/>
+                <a:cs typeface="+mn-cs"/>
+              </a:defRPr>
+            </a:lvl3pPr>
+            <a:lvl4pPr marL="1371600" algn="l" defTabSz="914400" rtl="0" eaLnBrk="1" latinLnBrk="0" hangingPunct="1">
+              <a:defRPr sz="1800" kern="1200">
+                <a:solidFill>
+                  <a:schemeClr val="tx1"/>
+                </a:solidFill>
+                <a:latin typeface="+mn-lt"/>
+                <a:ea typeface="+mn-ea"/>
+                <a:cs typeface="+mn-cs"/>
+              </a:defRPr>
+            </a:lvl4pPr>
+            <a:lvl5pPr marL="1828800" algn="l" defTabSz="914400" rtl="0" eaLnBrk="1" latinLnBrk="0" hangingPunct="1">
+              <a:defRPr sz="1800" kern="1200">
+                <a:solidFill>
+                  <a:schemeClr val="tx1"/>
+                </a:solidFill>
+                <a:latin typeface="+mn-lt"/>
+                <a:ea typeface="+mn-ea"/>
+                <a:cs typeface="+mn-cs"/>
+              </a:defRPr>
+            </a:lvl5pPr>
+            <a:lvl6pPr marL="2286000" algn="l" defTabSz="914400" rtl="0" eaLnBrk="1" latinLnBrk="0" hangingPunct="1">
+              <a:defRPr sz="1800" kern="1200">
+                <a:solidFill>
+                  <a:schemeClr val="tx1"/>
+                </a:solidFill>
+                <a:latin typeface="+mn-lt"/>
+                <a:ea typeface="+mn-ea"/>
+                <a:cs typeface="+mn-cs"/>
+              </a:defRPr>
+            </a:lvl6pPr>
+            <a:lvl7pPr marL="2743200" algn="l" defTabSz="914400" rtl="0" eaLnBrk="1" latinLnBrk="0" hangingPunct="1">
+              <a:defRPr sz="1800" kern="1200">
+                <a:solidFill>
+                  <a:schemeClr val="tx1"/>
+                </a:solidFill>
+                <a:latin typeface="+mn-lt"/>
+                <a:ea typeface="+mn-ea"/>
+                <a:cs typeface="+mn-cs"/>
+              </a:defRPr>
+            </a:lvl7pPr>
+            <a:lvl8pPr marL="3200400" algn="l" defTabSz="914400" rtl="0" eaLnBrk="1" latinLnBrk="0" hangingPunct="1">
+              <a:defRPr sz="1800" kern="1200">
+                <a:solidFill>
+                  <a:schemeClr val="tx1"/>
+                </a:solidFill>
+                <a:latin typeface="+mn-lt"/>
+                <a:ea typeface="+mn-ea"/>
+                <a:cs typeface="+mn-cs"/>
+              </a:defRPr>
+            </a:lvl8pPr>
+            <a:lvl9pPr marL="3657600" algn="l" defTabSz="914400" rtl="0" eaLnBrk="1" latinLnBrk="0" hangingPunct="1">
+              <a:defRPr sz="1800" kern="1200">
+                <a:solidFill>
+                  <a:schemeClr val="tx1"/>
+                </a:solidFill>
+                <a:latin typeface="+mn-lt"/>
+                <a:ea typeface="+mn-ea"/>
+                <a:cs typeface="+mn-cs"/>
+              </a:defRPr>
+            </a:lvl9pPr>
+          </a:lstStyle>
           <a:p>
             <a:r>
               <a:rPr lang="en-AU" sz="1100" dirty="0" smtClean="0"/>
@@ -53376,13 +59534,13 @@
       </p:sp>
       <p:sp>
         <p:nvSpPr>
-          <p:cNvPr id="107" name="TextBox 106"/>
+          <p:cNvPr id="226" name="TextBox 106"/>
           <p:cNvSpPr txBox="1"/>
           <p:nvPr/>
         </p:nvSpPr>
         <p:spPr>
           <a:xfrm>
-            <a:off x="1285868" y="3637349"/>
+            <a:off x="1430563" y="3563427"/>
             <a:ext cx="1614545" cy="261610"/>
           </a:xfrm>
           <a:prstGeom prst="rect">
@@ -53394,7 +59552,101 @@
           <a:bodyPr wrap="none" rtlCol="0">
             <a:spAutoFit/>
           </a:bodyPr>
-          <a:lstStyle/>
+          <a:lstStyle>
+            <a:defPPr>
+              <a:defRPr lang="en-US"/>
+            </a:defPPr>
+            <a:lvl1pPr marL="0" algn="l" defTabSz="914400" rtl="0" eaLnBrk="1" latinLnBrk="0" hangingPunct="1">
+              <a:defRPr sz="1800" kern="1200">
+                <a:solidFill>
+                  <a:schemeClr val="tx1"/>
+                </a:solidFill>
+                <a:latin typeface="+mn-lt"/>
+                <a:ea typeface="+mn-ea"/>
+                <a:cs typeface="+mn-cs"/>
+              </a:defRPr>
+            </a:lvl1pPr>
+            <a:lvl2pPr marL="457200" algn="l" defTabSz="914400" rtl="0" eaLnBrk="1" latinLnBrk="0" hangingPunct="1">
+              <a:defRPr sz="1800" kern="1200">
+                <a:solidFill>
+                  <a:schemeClr val="tx1"/>
+                </a:solidFill>
+                <a:latin typeface="+mn-lt"/>
+                <a:ea typeface="+mn-ea"/>
+                <a:cs typeface="+mn-cs"/>
+              </a:defRPr>
+            </a:lvl2pPr>
+            <a:lvl3pPr marL="914400" algn="l" defTabSz="914400" rtl="0" eaLnBrk="1" latinLnBrk="0" hangingPunct="1">
+              <a:defRPr sz="1800" kern="1200">
+                <a:solidFill>
+                  <a:schemeClr val="tx1"/>
+                </a:solidFill>
+                <a:latin typeface="+mn-lt"/>
+                <a:ea typeface="+mn-ea"/>
+                <a:cs typeface="+mn-cs"/>
+              </a:defRPr>
+            </a:lvl3pPr>
+            <a:lvl4pPr marL="1371600" algn="l" defTabSz="914400" rtl="0" eaLnBrk="1" latinLnBrk="0" hangingPunct="1">
+              <a:defRPr sz="1800" kern="1200">
+                <a:solidFill>
+                  <a:schemeClr val="tx1"/>
+                </a:solidFill>
+                <a:latin typeface="+mn-lt"/>
+                <a:ea typeface="+mn-ea"/>
+                <a:cs typeface="+mn-cs"/>
+              </a:defRPr>
+            </a:lvl4pPr>
+            <a:lvl5pPr marL="1828800" algn="l" defTabSz="914400" rtl="0" eaLnBrk="1" latinLnBrk="0" hangingPunct="1">
+              <a:defRPr sz="1800" kern="1200">
+                <a:solidFill>
+                  <a:schemeClr val="tx1"/>
+                </a:solidFill>
+                <a:latin typeface="+mn-lt"/>
+                <a:ea typeface="+mn-ea"/>
+                <a:cs typeface="+mn-cs"/>
+              </a:defRPr>
+            </a:lvl5pPr>
+            <a:lvl6pPr marL="2286000" algn="l" defTabSz="914400" rtl="0" eaLnBrk="1" latinLnBrk="0" hangingPunct="1">
+              <a:defRPr sz="1800" kern="1200">
+                <a:solidFill>
+                  <a:schemeClr val="tx1"/>
+                </a:solidFill>
+                <a:latin typeface="+mn-lt"/>
+                <a:ea typeface="+mn-ea"/>
+                <a:cs typeface="+mn-cs"/>
+              </a:defRPr>
+            </a:lvl6pPr>
+            <a:lvl7pPr marL="2743200" algn="l" defTabSz="914400" rtl="0" eaLnBrk="1" latinLnBrk="0" hangingPunct="1">
+              <a:defRPr sz="1800" kern="1200">
+                <a:solidFill>
+                  <a:schemeClr val="tx1"/>
+                </a:solidFill>
+                <a:latin typeface="+mn-lt"/>
+                <a:ea typeface="+mn-ea"/>
+                <a:cs typeface="+mn-cs"/>
+              </a:defRPr>
+            </a:lvl7pPr>
+            <a:lvl8pPr marL="3200400" algn="l" defTabSz="914400" rtl="0" eaLnBrk="1" latinLnBrk="0" hangingPunct="1">
+              <a:defRPr sz="1800" kern="1200">
+                <a:solidFill>
+                  <a:schemeClr val="tx1"/>
+                </a:solidFill>
+                <a:latin typeface="+mn-lt"/>
+                <a:ea typeface="+mn-ea"/>
+                <a:cs typeface="+mn-cs"/>
+              </a:defRPr>
+            </a:lvl8pPr>
+            <a:lvl9pPr marL="3657600" algn="l" defTabSz="914400" rtl="0" eaLnBrk="1" latinLnBrk="0" hangingPunct="1">
+              <a:defRPr sz="1800" kern="1200">
+                <a:solidFill>
+                  <a:schemeClr val="tx1"/>
+                </a:solidFill>
+                <a:latin typeface="+mn-lt"/>
+                <a:ea typeface="+mn-ea"/>
+                <a:cs typeface="+mn-cs"/>
+              </a:defRPr>
+            </a:lvl9pPr>
+          </a:lstStyle>
           <a:p>
             <a:r>
               <a:rPr lang="en-AU" sz="1100" b="1" dirty="0" smtClean="0"/>
@@ -53412,13 +59664,13 @@
       </p:sp>
       <p:sp>
         <p:nvSpPr>
-          <p:cNvPr id="108" name="TextBox 107"/>
+          <p:cNvPr id="227" name="TextBox 107"/>
           <p:cNvSpPr txBox="1"/>
           <p:nvPr/>
         </p:nvSpPr>
         <p:spPr>
           <a:xfrm>
-            <a:off x="1285868" y="3790272"/>
+            <a:off x="1430563" y="3716350"/>
             <a:ext cx="1322798" cy="261610"/>
           </a:xfrm>
           <a:prstGeom prst="rect">
@@ -53430,7 +59682,101 @@
           <a:bodyPr wrap="none" rtlCol="0">
             <a:spAutoFit/>
           </a:bodyPr>
-          <a:lstStyle/>
+          <a:lstStyle>
+            <a:defPPr>
+              <a:defRPr lang="en-US"/>
+            </a:defPPr>
+            <a:lvl1pPr marL="0" algn="l" defTabSz="914400" rtl="0" eaLnBrk="1" latinLnBrk="0" hangingPunct="1">
+              <a:defRPr sz="1800" kern="1200">
+                <a:solidFill>
+                  <a:schemeClr val="tx1"/>
+                </a:solidFill>
+                <a:latin typeface="+mn-lt"/>
+                <a:ea typeface="+mn-ea"/>
+                <a:cs typeface="+mn-cs"/>
+              </a:defRPr>
+            </a:lvl1pPr>
+            <a:lvl2pPr marL="457200" algn="l" defTabSz="914400" rtl="0" eaLnBrk="1" latinLnBrk="0" hangingPunct="1">
+              <a:defRPr sz="1800" kern="1200">
+                <a:solidFill>
+                  <a:schemeClr val="tx1"/>
+                </a:solidFill>
+                <a:latin typeface="+mn-lt"/>
+                <a:ea typeface="+mn-ea"/>
+                <a:cs typeface="+mn-cs"/>
+              </a:defRPr>
+            </a:lvl2pPr>
+            <a:lvl3pPr marL="914400" algn="l" defTabSz="914400" rtl="0" eaLnBrk="1" latinLnBrk="0" hangingPunct="1">
+              <a:defRPr sz="1800" kern="1200">
+                <a:solidFill>
+                  <a:schemeClr val="tx1"/>
+                </a:solidFill>
+                <a:latin typeface="+mn-lt"/>
+                <a:ea typeface="+mn-ea"/>
+                <a:cs typeface="+mn-cs"/>
+              </a:defRPr>
+            </a:lvl3pPr>
+            <a:lvl4pPr marL="1371600" algn="l" defTabSz="914400" rtl="0" eaLnBrk="1" latinLnBrk="0" hangingPunct="1">
+              <a:defRPr sz="1800" kern="1200">
+                <a:solidFill>
+                  <a:schemeClr val="tx1"/>
+                </a:solidFill>
+                <a:latin typeface="+mn-lt"/>
+                <a:ea typeface="+mn-ea"/>
+                <a:cs typeface="+mn-cs"/>
+              </a:defRPr>
+            </a:lvl4pPr>
+            <a:lvl5pPr marL="1828800" algn="l" defTabSz="914400" rtl="0" eaLnBrk="1" latinLnBrk="0" hangingPunct="1">
+              <a:defRPr sz="1800" kern="1200">
+                <a:solidFill>
+                  <a:schemeClr val="tx1"/>
+                </a:solidFill>
+                <a:latin typeface="+mn-lt"/>
+                <a:ea typeface="+mn-ea"/>
+                <a:cs typeface="+mn-cs"/>
+              </a:defRPr>
+            </a:lvl5pPr>
+            <a:lvl6pPr marL="2286000" algn="l" defTabSz="914400" rtl="0" eaLnBrk="1" latinLnBrk="0" hangingPunct="1">
+              <a:defRPr sz="1800" kern="1200">
+                <a:solidFill>
+                  <a:schemeClr val="tx1"/>
+                </a:solidFill>
+                <a:latin typeface="+mn-lt"/>
+                <a:ea typeface="+mn-ea"/>
+                <a:cs typeface="+mn-cs"/>
+              </a:defRPr>
+            </a:lvl6pPr>
+            <a:lvl7pPr marL="2743200" algn="l" defTabSz="914400" rtl="0" eaLnBrk="1" latinLnBrk="0" hangingPunct="1">
+              <a:defRPr sz="1800" kern="1200">
+                <a:solidFill>
+                  <a:schemeClr val="tx1"/>
+                </a:solidFill>
+                <a:latin typeface="+mn-lt"/>
+                <a:ea typeface="+mn-ea"/>
+                <a:cs typeface="+mn-cs"/>
+              </a:defRPr>
+            </a:lvl7pPr>
+            <a:lvl8pPr marL="3200400" algn="l" defTabSz="914400" rtl="0" eaLnBrk="1" latinLnBrk="0" hangingPunct="1">
+              <a:defRPr sz="1800" kern="1200">
+                <a:solidFill>
+                  <a:schemeClr val="tx1"/>
+                </a:solidFill>
+                <a:latin typeface="+mn-lt"/>
+                <a:ea typeface="+mn-ea"/>
+                <a:cs typeface="+mn-cs"/>
+              </a:defRPr>
+            </a:lvl8pPr>
+            <a:lvl9pPr marL="3657600" algn="l" defTabSz="914400" rtl="0" eaLnBrk="1" latinLnBrk="0" hangingPunct="1">
+              <a:defRPr sz="1800" kern="1200">
+                <a:solidFill>
+                  <a:schemeClr val="tx1"/>
+                </a:solidFill>
+                <a:latin typeface="+mn-lt"/>
+                <a:ea typeface="+mn-ea"/>
+                <a:cs typeface="+mn-cs"/>
+              </a:defRPr>
+            </a:lvl9pPr>
+          </a:lstStyle>
           <a:p>
             <a:r>
               <a:rPr lang="en-AU" sz="1100" b="1" dirty="0" smtClean="0">
@@ -53450,13 +59796,13 @@
       </p:sp>
       <p:sp>
         <p:nvSpPr>
-          <p:cNvPr id="46" name="16-Point Star 45"/>
+          <p:cNvPr id="228" name="16-Point Star 227"/>
           <p:cNvSpPr/>
           <p:nvPr/>
         </p:nvSpPr>
         <p:spPr>
           <a:xfrm>
-            <a:off x="1295492" y="3982496"/>
+            <a:off x="1440187" y="3908574"/>
             <a:ext cx="2149617" cy="424196"/>
           </a:xfrm>
           <a:prstGeom prst="star16">
@@ -53489,7 +59835,101 @@
         </p:style>
         <p:txBody>
           <a:bodyPr rtlCol="0" anchor="ctr"/>
-          <a:lstStyle/>
+          <a:lstStyle>
+            <a:defPPr>
+              <a:defRPr lang="en-US"/>
+            </a:defPPr>
+            <a:lvl1pPr marL="0" algn="l" defTabSz="914400" rtl="0" eaLnBrk="1" latinLnBrk="0" hangingPunct="1">
+              <a:defRPr sz="1800" kern="1200">
+                <a:solidFill>
+                  <a:schemeClr val="lt1"/>
+                </a:solidFill>
+                <a:latin typeface="+mn-lt"/>
+                <a:ea typeface="+mn-ea"/>
+                <a:cs typeface="+mn-cs"/>
+              </a:defRPr>
+            </a:lvl1pPr>
+            <a:lvl2pPr marL="457200" algn="l" defTabSz="914400" rtl="0" eaLnBrk="1" latinLnBrk="0" hangingPunct="1">
+              <a:defRPr sz="1800" kern="1200">
+                <a:solidFill>
+                  <a:schemeClr val="lt1"/>
+                </a:solidFill>
+                <a:latin typeface="+mn-lt"/>
+                <a:ea typeface="+mn-ea"/>
+                <a:cs typeface="+mn-cs"/>
+              </a:defRPr>
+            </a:lvl2pPr>
+            <a:lvl3pPr marL="914400" algn="l" defTabSz="914400" rtl="0" eaLnBrk="1" latinLnBrk="0" hangingPunct="1">
+              <a:defRPr sz="1800" kern="1200">
+                <a:solidFill>
+                  <a:schemeClr val="lt1"/>
+                </a:solidFill>
+                <a:latin typeface="+mn-lt"/>
+                <a:ea typeface="+mn-ea"/>
+                <a:cs typeface="+mn-cs"/>
+              </a:defRPr>
+            </a:lvl3pPr>
+            <a:lvl4pPr marL="1371600" algn="l" defTabSz="914400" rtl="0" eaLnBrk="1" latinLnBrk="0" hangingPunct="1">
+              <a:defRPr sz="1800" kern="1200">
+                <a:solidFill>
+                  <a:schemeClr val="lt1"/>
+                </a:solidFill>
+                <a:latin typeface="+mn-lt"/>
+                <a:ea typeface="+mn-ea"/>
+                <a:cs typeface="+mn-cs"/>
+              </a:defRPr>
+            </a:lvl4pPr>
+            <a:lvl5pPr marL="1828800" algn="l" defTabSz="914400" rtl="0" eaLnBrk="1" latinLnBrk="0" hangingPunct="1">
+              <a:defRPr sz="1800" kern="1200">
+                <a:solidFill>
+                  <a:schemeClr val="lt1"/>
+                </a:solidFill>
+                <a:latin typeface="+mn-lt"/>
+                <a:ea typeface="+mn-ea"/>
+                <a:cs typeface="+mn-cs"/>
+              </a:defRPr>
+            </a:lvl5pPr>
+            <a:lvl6pPr marL="2286000" algn="l" defTabSz="914400" rtl="0" eaLnBrk="1" latinLnBrk="0" hangingPunct="1">
+              <a:defRPr sz="1800" kern="1200">
+                <a:solidFill>
+                  <a:schemeClr val="lt1"/>
+                </a:solidFill>
+                <a:latin typeface="+mn-lt"/>
+                <a:ea typeface="+mn-ea"/>
+                <a:cs typeface="+mn-cs"/>
+              </a:defRPr>
+            </a:lvl6pPr>
+            <a:lvl7pPr marL="2743200" algn="l" defTabSz="914400" rtl="0" eaLnBrk="1" latinLnBrk="0" hangingPunct="1">
+              <a:defRPr sz="1800" kern="1200">
+                <a:solidFill>
+                  <a:schemeClr val="lt1"/>
+                </a:solidFill>
+                <a:latin typeface="+mn-lt"/>
+                <a:ea typeface="+mn-ea"/>
+                <a:cs typeface="+mn-cs"/>
+              </a:defRPr>
+            </a:lvl7pPr>
+            <a:lvl8pPr marL="3200400" algn="l" defTabSz="914400" rtl="0" eaLnBrk="1" latinLnBrk="0" hangingPunct="1">
+              <a:defRPr sz="1800" kern="1200">
+                <a:solidFill>
+                  <a:schemeClr val="lt1"/>
+                </a:solidFill>
+                <a:latin typeface="+mn-lt"/>
+                <a:ea typeface="+mn-ea"/>
+                <a:cs typeface="+mn-cs"/>
+              </a:defRPr>
+            </a:lvl8pPr>
+            <a:lvl9pPr marL="3657600" algn="l" defTabSz="914400" rtl="0" eaLnBrk="1" latinLnBrk="0" hangingPunct="1">
+              <a:defRPr sz="1800" kern="1200">
+                <a:solidFill>
+                  <a:schemeClr val="lt1"/>
+                </a:solidFill>
+                <a:latin typeface="+mn-lt"/>
+                <a:ea typeface="+mn-ea"/>
+                <a:cs typeface="+mn-cs"/>
+              </a:defRPr>
+            </a:lvl9pPr>
+          </a:lstStyle>
           <a:p>
             <a:pPr algn="ctr"/>
             <a:r>
@@ -53510,14 +59950,14 @@
       </p:sp>
       <p:sp>
         <p:nvSpPr>
-          <p:cNvPr id="48" name="Rectangle 47"/>
+          <p:cNvPr id="229" name="Rectangle 228"/>
           <p:cNvSpPr/>
           <p:nvPr/>
         </p:nvSpPr>
         <p:spPr>
           <a:xfrm>
-            <a:off x="1341249" y="3241433"/>
-            <a:ext cx="166091" cy="186914"/>
+            <a:off x="1485944" y="3158166"/>
+            <a:ext cx="166091" cy="205605"/>
           </a:xfrm>
           <a:prstGeom prst="rect">
             <a:avLst/>
@@ -53542,7 +59982,101 @@
         </p:style>
         <p:txBody>
           <a:bodyPr rtlCol="0" anchor="ctr"/>
-          <a:lstStyle/>
+          <a:lstStyle>
+            <a:defPPr>
+              <a:defRPr lang="en-US"/>
+            </a:defPPr>
+            <a:lvl1pPr marL="0" algn="l" defTabSz="914400" rtl="0" eaLnBrk="1" latinLnBrk="0" hangingPunct="1">
+              <a:defRPr sz="1800" kern="1200">
+                <a:solidFill>
+                  <a:schemeClr val="lt1"/>
+                </a:solidFill>
+                <a:latin typeface="+mn-lt"/>
+                <a:ea typeface="+mn-ea"/>
+                <a:cs typeface="+mn-cs"/>
+              </a:defRPr>
+            </a:lvl1pPr>
+            <a:lvl2pPr marL="457200" algn="l" defTabSz="914400" rtl="0" eaLnBrk="1" latinLnBrk="0" hangingPunct="1">
+              <a:defRPr sz="1800" kern="1200">
+                <a:solidFill>
+                  <a:schemeClr val="lt1"/>
+                </a:solidFill>
+                <a:latin typeface="+mn-lt"/>
+                <a:ea typeface="+mn-ea"/>
+                <a:cs typeface="+mn-cs"/>
+              </a:defRPr>
+            </a:lvl2pPr>
+            <a:lvl3pPr marL="914400" algn="l" defTabSz="914400" rtl="0" eaLnBrk="1" latinLnBrk="0" hangingPunct="1">
+              <a:defRPr sz="1800" kern="1200">
+                <a:solidFill>
+                  <a:schemeClr val="lt1"/>
+                </a:solidFill>
+                <a:latin typeface="+mn-lt"/>
+                <a:ea typeface="+mn-ea"/>
+                <a:cs typeface="+mn-cs"/>
+              </a:defRPr>
+            </a:lvl3pPr>
+            <a:lvl4pPr marL="1371600" algn="l" defTabSz="914400" rtl="0" eaLnBrk="1" latinLnBrk="0" hangingPunct="1">
+              <a:defRPr sz="1800" kern="1200">
+                <a:solidFill>
+                  <a:schemeClr val="lt1"/>
+                </a:solidFill>
+                <a:latin typeface="+mn-lt"/>
+                <a:ea typeface="+mn-ea"/>
+                <a:cs typeface="+mn-cs"/>
+              </a:defRPr>
+            </a:lvl4pPr>
+            <a:lvl5pPr marL="1828800" algn="l" defTabSz="914400" rtl="0" eaLnBrk="1" latinLnBrk="0" hangingPunct="1">
+              <a:defRPr sz="1800" kern="1200">
+                <a:solidFill>
+                  <a:schemeClr val="lt1"/>
+                </a:solidFill>
+                <a:latin typeface="+mn-lt"/>
+                <a:ea typeface="+mn-ea"/>
+                <a:cs typeface="+mn-cs"/>
+              </a:defRPr>
+            </a:lvl5pPr>
+            <a:lvl6pPr marL="2286000" algn="l" defTabSz="914400" rtl="0" eaLnBrk="1" latinLnBrk="0" hangingPunct="1">
+              <a:defRPr sz="1800" kern="1200">
+                <a:solidFill>
+                  <a:schemeClr val="lt1"/>
+                </a:solidFill>
+                <a:latin typeface="+mn-lt"/>
+                <a:ea typeface="+mn-ea"/>
+                <a:cs typeface="+mn-cs"/>
+              </a:defRPr>
+            </a:lvl6pPr>
+            <a:lvl7pPr marL="2743200" algn="l" defTabSz="914400" rtl="0" eaLnBrk="1" latinLnBrk="0" hangingPunct="1">
+              <a:defRPr sz="1800" kern="1200">
+                <a:solidFill>
+                  <a:schemeClr val="lt1"/>
+                </a:solidFill>
+                <a:latin typeface="+mn-lt"/>
+                <a:ea typeface="+mn-ea"/>
+                <a:cs typeface="+mn-cs"/>
+              </a:defRPr>
+            </a:lvl7pPr>
+            <a:lvl8pPr marL="3200400" algn="l" defTabSz="914400" rtl="0" eaLnBrk="1" latinLnBrk="0" hangingPunct="1">
+              <a:defRPr sz="1800" kern="1200">
+                <a:solidFill>
+                  <a:schemeClr val="lt1"/>
+                </a:solidFill>
+                <a:latin typeface="+mn-lt"/>
+                <a:ea typeface="+mn-ea"/>
+                <a:cs typeface="+mn-cs"/>
+              </a:defRPr>
+            </a:lvl8pPr>
+            <a:lvl9pPr marL="3657600" algn="l" defTabSz="914400" rtl="0" eaLnBrk="1" latinLnBrk="0" hangingPunct="1">
+              <a:defRPr sz="1800" kern="1200">
+                <a:solidFill>
+                  <a:schemeClr val="lt1"/>
+                </a:solidFill>
+                <a:latin typeface="+mn-lt"/>
+                <a:ea typeface="+mn-ea"/>
+                <a:cs typeface="+mn-cs"/>
+              </a:defRPr>
+            </a:lvl9pPr>
+          </a:lstStyle>
           <a:p>
             <a:pPr algn="ctr"/>
             <a:endParaRPr lang="en-AU"/>
@@ -53551,14 +60085,14 @@
       </p:sp>
       <p:sp>
         <p:nvSpPr>
-          <p:cNvPr id="49" name="Rectangle 48"/>
+          <p:cNvPr id="230" name="Rectangle 229"/>
           <p:cNvSpPr/>
           <p:nvPr/>
         </p:nvSpPr>
         <p:spPr>
           <a:xfrm>
-            <a:off x="1229253" y="3149500"/>
-            <a:ext cx="415498" cy="335756"/>
+            <a:off x="1373948" y="3058790"/>
+            <a:ext cx="415498" cy="369332"/>
           </a:xfrm>
           <a:prstGeom prst="rect">
             <a:avLst/>
@@ -53568,7 +60102,101 @@
           <a:bodyPr wrap="none">
             <a:spAutoFit/>
           </a:bodyPr>
-          <a:lstStyle/>
+          <a:lstStyle>
+            <a:defPPr>
+              <a:defRPr lang="en-US"/>
+            </a:defPPr>
+            <a:lvl1pPr marL="0" algn="l" defTabSz="914400" rtl="0" eaLnBrk="1" latinLnBrk="0" hangingPunct="1">
+              <a:defRPr sz="1800" kern="1200">
+                <a:solidFill>
+                  <a:schemeClr val="tx1"/>
+                </a:solidFill>
+                <a:latin typeface="+mn-lt"/>
+                <a:ea typeface="+mn-ea"/>
+                <a:cs typeface="+mn-cs"/>
+              </a:defRPr>
+            </a:lvl1pPr>
+            <a:lvl2pPr marL="457200" algn="l" defTabSz="914400" rtl="0" eaLnBrk="1" latinLnBrk="0" hangingPunct="1">
+              <a:defRPr sz="1800" kern="1200">
+                <a:solidFill>
+                  <a:schemeClr val="tx1"/>
+                </a:solidFill>
+                <a:latin typeface="+mn-lt"/>
+                <a:ea typeface="+mn-ea"/>
+                <a:cs typeface="+mn-cs"/>
+              </a:defRPr>
+            </a:lvl2pPr>
+            <a:lvl3pPr marL="914400" algn="l" defTabSz="914400" rtl="0" eaLnBrk="1" latinLnBrk="0" hangingPunct="1">
+              <a:defRPr sz="1800" kern="1200">
+                <a:solidFill>
+                  <a:schemeClr val="tx1"/>
+                </a:solidFill>
+                <a:latin typeface="+mn-lt"/>
+                <a:ea typeface="+mn-ea"/>
+                <a:cs typeface="+mn-cs"/>
+              </a:defRPr>
+            </a:lvl3pPr>
+            <a:lvl4pPr marL="1371600" algn="l" defTabSz="914400" rtl="0" eaLnBrk="1" latinLnBrk="0" hangingPunct="1">
+              <a:defRPr sz="1800" kern="1200">
+                <a:solidFill>
+                  <a:schemeClr val="tx1"/>
+                </a:solidFill>
+                <a:latin typeface="+mn-lt"/>
+                <a:ea typeface="+mn-ea"/>
+                <a:cs typeface="+mn-cs"/>
+              </a:defRPr>
+            </a:lvl4pPr>
+            <a:lvl5pPr marL="1828800" algn="l" defTabSz="914400" rtl="0" eaLnBrk="1" latinLnBrk="0" hangingPunct="1">
+              <a:defRPr sz="1800" kern="1200">
+                <a:solidFill>
+                  <a:schemeClr val="tx1"/>
+                </a:solidFill>
+                <a:latin typeface="+mn-lt"/>
+                <a:ea typeface="+mn-ea"/>
+                <a:cs typeface="+mn-cs"/>
+              </a:defRPr>
+            </a:lvl5pPr>
+            <a:lvl6pPr marL="2286000" algn="l" defTabSz="914400" rtl="0" eaLnBrk="1" latinLnBrk="0" hangingPunct="1">
+              <a:defRPr sz="1800" kern="1200">
+                <a:solidFill>
+                  <a:schemeClr val="tx1"/>
+                </a:solidFill>
+                <a:latin typeface="+mn-lt"/>
+                <a:ea typeface="+mn-ea"/>
+                <a:cs typeface="+mn-cs"/>
+              </a:defRPr>
+            </a:lvl6pPr>
+            <a:lvl7pPr marL="2743200" algn="l" defTabSz="914400" rtl="0" eaLnBrk="1" latinLnBrk="0" hangingPunct="1">
+              <a:defRPr sz="1800" kern="1200">
+                <a:solidFill>
+                  <a:schemeClr val="tx1"/>
+                </a:solidFill>
+                <a:latin typeface="+mn-lt"/>
+                <a:ea typeface="+mn-ea"/>
+                <a:cs typeface="+mn-cs"/>
+              </a:defRPr>
+            </a:lvl7pPr>
+            <a:lvl8pPr marL="3200400" algn="l" defTabSz="914400" rtl="0" eaLnBrk="1" latinLnBrk="0" hangingPunct="1">
+              <a:defRPr sz="1800" kern="1200">
+                <a:solidFill>
+                  <a:schemeClr val="tx1"/>
+                </a:solidFill>
+                <a:latin typeface="+mn-lt"/>
+                <a:ea typeface="+mn-ea"/>
+                <a:cs typeface="+mn-cs"/>
+              </a:defRPr>
+            </a:lvl8pPr>
+            <a:lvl9pPr marL="3657600" algn="l" defTabSz="914400" rtl="0" eaLnBrk="1" latinLnBrk="0" hangingPunct="1">
+              <a:defRPr sz="1800" kern="1200">
+                <a:solidFill>
+                  <a:schemeClr val="tx1"/>
+                </a:solidFill>
+                <a:latin typeface="+mn-lt"/>
+                <a:ea typeface="+mn-ea"/>
+                <a:cs typeface="+mn-cs"/>
+              </a:defRPr>
+            </a:lvl9pPr>
+          </a:lstStyle>
           <a:p>
             <a:r>
               <a:rPr lang="en-AU" dirty="0" smtClean="0">
@@ -53585,13 +60213,13 @@
       </p:sp>
       <p:grpSp>
         <p:nvGrpSpPr>
-          <p:cNvPr id="110" name="Group 109"/>
+          <p:cNvPr id="231" name="Group 230"/>
           <p:cNvGrpSpPr/>
           <p:nvPr/>
         </p:nvGrpSpPr>
         <p:grpSpPr>
           <a:xfrm>
-            <a:off x="1116561" y="5371069"/>
+            <a:off x="1261256" y="5297147"/>
             <a:ext cx="3288482" cy="309905"/>
             <a:chOff x="6120000" y="1736080"/>
             <a:chExt cx="2246077" cy="603920"/>
@@ -53599,7 +60227,7 @@
         </p:grpSpPr>
         <p:sp>
           <p:nvSpPr>
-            <p:cNvPr id="117" name="Rectangle 116"/>
+            <p:cNvPr id="236" name="Rectangle 235"/>
             <p:cNvSpPr/>
             <p:nvPr/>
           </p:nvSpPr>
@@ -53637,7 +60265,101 @@
           </p:style>
           <p:txBody>
             <a:bodyPr rtlCol="0" anchor="ctr"/>
-            <a:lstStyle/>
+            <a:lstStyle>
+              <a:defPPr>
+                <a:defRPr lang="en-US"/>
+              </a:defPPr>
+              <a:lvl1pPr marL="0" algn="l" defTabSz="914400" rtl="0" eaLnBrk="1" latinLnBrk="0" hangingPunct="1">
+                <a:defRPr sz="1800" kern="1200">
+                  <a:solidFill>
+                    <a:schemeClr val="lt1"/>
+                  </a:solidFill>
+                  <a:latin typeface="+mn-lt"/>
+                  <a:ea typeface="+mn-ea"/>
+                  <a:cs typeface="+mn-cs"/>
+                </a:defRPr>
+              </a:lvl1pPr>
+              <a:lvl2pPr marL="457200" algn="l" defTabSz="914400" rtl="0" eaLnBrk="1" latinLnBrk="0" hangingPunct="1">
+                <a:defRPr sz="1800" kern="1200">
+                  <a:solidFill>
+                    <a:schemeClr val="lt1"/>
+                  </a:solidFill>
+                  <a:latin typeface="+mn-lt"/>
+                  <a:ea typeface="+mn-ea"/>
+                  <a:cs typeface="+mn-cs"/>
+                </a:defRPr>
+              </a:lvl2pPr>
+              <a:lvl3pPr marL="914400" algn="l" defTabSz="914400" rtl="0" eaLnBrk="1" latinLnBrk="0" hangingPunct="1">
+                <a:defRPr sz="1800" kern="1200">
+                  <a:solidFill>
+                    <a:schemeClr val="lt1"/>
+                  </a:solidFill>
+                  <a:latin typeface="+mn-lt"/>
+                  <a:ea typeface="+mn-ea"/>
+                  <a:cs typeface="+mn-cs"/>
+                </a:defRPr>
+              </a:lvl3pPr>
+              <a:lvl4pPr marL="1371600" algn="l" defTabSz="914400" rtl="0" eaLnBrk="1" latinLnBrk="0" hangingPunct="1">
+                <a:defRPr sz="1800" kern="1200">
+                  <a:solidFill>
+                    <a:schemeClr val="lt1"/>
+                  </a:solidFill>
+                  <a:latin typeface="+mn-lt"/>
+                  <a:ea typeface="+mn-ea"/>
+                  <a:cs typeface="+mn-cs"/>
+                </a:defRPr>
+              </a:lvl4pPr>
+              <a:lvl5pPr marL="1828800" algn="l" defTabSz="914400" rtl="0" eaLnBrk="1" latinLnBrk="0" hangingPunct="1">
+                <a:defRPr sz="1800" kern="1200">
+                  <a:solidFill>
+                    <a:schemeClr val="lt1"/>
+                  </a:solidFill>
+                  <a:latin typeface="+mn-lt"/>
+                  <a:ea typeface="+mn-ea"/>
+                  <a:cs typeface="+mn-cs"/>
+                </a:defRPr>
+              </a:lvl5pPr>
+              <a:lvl6pPr marL="2286000" algn="l" defTabSz="914400" rtl="0" eaLnBrk="1" latinLnBrk="0" hangingPunct="1">
+                <a:defRPr sz="1800" kern="1200">
+                  <a:solidFill>
+                    <a:schemeClr val="lt1"/>
+                  </a:solidFill>
+                  <a:latin typeface="+mn-lt"/>
+                  <a:ea typeface="+mn-ea"/>
+                  <a:cs typeface="+mn-cs"/>
+                </a:defRPr>
+              </a:lvl6pPr>
+              <a:lvl7pPr marL="2743200" algn="l" defTabSz="914400" rtl="0" eaLnBrk="1" latinLnBrk="0" hangingPunct="1">
+                <a:defRPr sz="1800" kern="1200">
+                  <a:solidFill>
+                    <a:schemeClr val="lt1"/>
+                  </a:solidFill>
+                  <a:latin typeface="+mn-lt"/>
+                  <a:ea typeface="+mn-ea"/>
+                  <a:cs typeface="+mn-cs"/>
+                </a:defRPr>
+              </a:lvl7pPr>
+              <a:lvl8pPr marL="3200400" algn="l" defTabSz="914400" rtl="0" eaLnBrk="1" latinLnBrk="0" hangingPunct="1">
+                <a:defRPr sz="1800" kern="1200">
+                  <a:solidFill>
+                    <a:schemeClr val="lt1"/>
+                  </a:solidFill>
+                  <a:latin typeface="+mn-lt"/>
+                  <a:ea typeface="+mn-ea"/>
+                  <a:cs typeface="+mn-cs"/>
+                </a:defRPr>
+              </a:lvl8pPr>
+              <a:lvl9pPr marL="3657600" algn="l" defTabSz="914400" rtl="0" eaLnBrk="1" latinLnBrk="0" hangingPunct="1">
+                <a:defRPr sz="1800" kern="1200">
+                  <a:solidFill>
+                    <a:schemeClr val="lt1"/>
+                  </a:solidFill>
+                  <a:latin typeface="+mn-lt"/>
+                  <a:ea typeface="+mn-ea"/>
+                  <a:cs typeface="+mn-cs"/>
+                </a:defRPr>
+              </a:lvl9pPr>
+            </a:lstStyle>
             <a:p>
               <a:pPr algn="ctr"/>
               <a:endParaRPr lang="en-AU"/>
@@ -53646,7 +60368,7 @@
         </p:sp>
         <p:cxnSp>
           <p:nvCxnSpPr>
-            <p:cNvPr id="118" name="Straight Connector 117"/>
+            <p:cNvPr id="237" name="Straight Connector 236"/>
             <p:cNvCxnSpPr/>
             <p:nvPr/>
           </p:nvCxnSpPr>
@@ -53681,7 +60403,7 @@
         </p:cxnSp>
         <p:cxnSp>
           <p:nvCxnSpPr>
-            <p:cNvPr id="119" name="Straight Connector 118"/>
+            <p:cNvPr id="238" name="Straight Connector 237"/>
             <p:cNvCxnSpPr/>
             <p:nvPr/>
           </p:nvCxnSpPr>
@@ -53717,13 +60439,13 @@
       </p:grpSp>
       <p:sp>
         <p:nvSpPr>
-          <p:cNvPr id="120" name="TextBox 119"/>
+          <p:cNvPr id="232" name="TextBox 119"/>
           <p:cNvSpPr txBox="1"/>
           <p:nvPr/>
         </p:nvSpPr>
         <p:spPr>
           <a:xfrm>
-            <a:off x="1794859" y="5362426"/>
+            <a:off x="1939554" y="5288504"/>
             <a:ext cx="1983107" cy="307777"/>
           </a:xfrm>
           <a:prstGeom prst="rect">
@@ -53735,7 +60457,101 @@
           <a:bodyPr wrap="none" rtlCol="0">
             <a:spAutoFit/>
           </a:bodyPr>
-          <a:lstStyle/>
+          <a:lstStyle>
+            <a:defPPr>
+              <a:defRPr lang="en-US"/>
+            </a:defPPr>
+            <a:lvl1pPr marL="0" algn="l" defTabSz="914400" rtl="0" eaLnBrk="1" latinLnBrk="0" hangingPunct="1">
+              <a:defRPr sz="1800" kern="1200">
+                <a:solidFill>
+                  <a:schemeClr val="tx1"/>
+                </a:solidFill>
+                <a:latin typeface="+mn-lt"/>
+                <a:ea typeface="+mn-ea"/>
+                <a:cs typeface="+mn-cs"/>
+              </a:defRPr>
+            </a:lvl1pPr>
+            <a:lvl2pPr marL="457200" algn="l" defTabSz="914400" rtl="0" eaLnBrk="1" latinLnBrk="0" hangingPunct="1">
+              <a:defRPr sz="1800" kern="1200">
+                <a:solidFill>
+                  <a:schemeClr val="tx1"/>
+                </a:solidFill>
+                <a:latin typeface="+mn-lt"/>
+                <a:ea typeface="+mn-ea"/>
+                <a:cs typeface="+mn-cs"/>
+              </a:defRPr>
+            </a:lvl2pPr>
+            <a:lvl3pPr marL="914400" algn="l" defTabSz="914400" rtl="0" eaLnBrk="1" latinLnBrk="0" hangingPunct="1">
+              <a:defRPr sz="1800" kern="1200">
+                <a:solidFill>
+                  <a:schemeClr val="tx1"/>
+                </a:solidFill>
+                <a:latin typeface="+mn-lt"/>
+                <a:ea typeface="+mn-ea"/>
+                <a:cs typeface="+mn-cs"/>
+              </a:defRPr>
+            </a:lvl3pPr>
+            <a:lvl4pPr marL="1371600" algn="l" defTabSz="914400" rtl="0" eaLnBrk="1" latinLnBrk="0" hangingPunct="1">
+              <a:defRPr sz="1800" kern="1200">
+                <a:solidFill>
+                  <a:schemeClr val="tx1"/>
+                </a:solidFill>
+                <a:latin typeface="+mn-lt"/>
+                <a:ea typeface="+mn-ea"/>
+                <a:cs typeface="+mn-cs"/>
+              </a:defRPr>
+            </a:lvl4pPr>
+            <a:lvl5pPr marL="1828800" algn="l" defTabSz="914400" rtl="0" eaLnBrk="1" latinLnBrk="0" hangingPunct="1">
+              <a:defRPr sz="1800" kern="1200">
+                <a:solidFill>
+                  <a:schemeClr val="tx1"/>
+                </a:solidFill>
+                <a:latin typeface="+mn-lt"/>
+                <a:ea typeface="+mn-ea"/>
+                <a:cs typeface="+mn-cs"/>
+              </a:defRPr>
+            </a:lvl5pPr>
+            <a:lvl6pPr marL="2286000" algn="l" defTabSz="914400" rtl="0" eaLnBrk="1" latinLnBrk="0" hangingPunct="1">
+              <a:defRPr sz="1800" kern="1200">
+                <a:solidFill>
+                  <a:schemeClr val="tx1"/>
+                </a:solidFill>
+                <a:latin typeface="+mn-lt"/>
+                <a:ea typeface="+mn-ea"/>
+                <a:cs typeface="+mn-cs"/>
+              </a:defRPr>
+            </a:lvl6pPr>
+            <a:lvl7pPr marL="2743200" algn="l" defTabSz="914400" rtl="0" eaLnBrk="1" latinLnBrk="0" hangingPunct="1">
+              <a:defRPr sz="1800" kern="1200">
+                <a:solidFill>
+                  <a:schemeClr val="tx1"/>
+                </a:solidFill>
+                <a:latin typeface="+mn-lt"/>
+                <a:ea typeface="+mn-ea"/>
+                <a:cs typeface="+mn-cs"/>
+              </a:defRPr>
+            </a:lvl7pPr>
+            <a:lvl8pPr marL="3200400" algn="l" defTabSz="914400" rtl="0" eaLnBrk="1" latinLnBrk="0" hangingPunct="1">
+              <a:defRPr sz="1800" kern="1200">
+                <a:solidFill>
+                  <a:schemeClr val="tx1"/>
+                </a:solidFill>
+                <a:latin typeface="+mn-lt"/>
+                <a:ea typeface="+mn-ea"/>
+                <a:cs typeface="+mn-cs"/>
+              </a:defRPr>
+            </a:lvl8pPr>
+            <a:lvl9pPr marL="3657600" algn="l" defTabSz="914400" rtl="0" eaLnBrk="1" latinLnBrk="0" hangingPunct="1">
+              <a:defRPr sz="1800" kern="1200">
+                <a:solidFill>
+                  <a:schemeClr val="tx1"/>
+                </a:solidFill>
+                <a:latin typeface="+mn-lt"/>
+                <a:ea typeface="+mn-ea"/>
+                <a:cs typeface="+mn-cs"/>
+              </a:defRPr>
+            </a:lvl9pPr>
+          </a:lstStyle>
           <a:p>
             <a:pPr algn="ctr"/>
             <a:r>
@@ -53748,13 +60564,13 @@
       </p:sp>
       <p:sp>
         <p:nvSpPr>
-          <p:cNvPr id="121" name="Rectangle 120"/>
+          <p:cNvPr id="233" name="Rectangle 232"/>
           <p:cNvSpPr/>
           <p:nvPr/>
         </p:nvSpPr>
         <p:spPr>
           <a:xfrm>
-            <a:off x="3559713" y="6436335"/>
+            <a:off x="3704408" y="6362413"/>
             <a:ext cx="202023" cy="187891"/>
           </a:xfrm>
           <a:prstGeom prst="rect">
@@ -53787,7 +60603,101 @@
         </p:style>
         <p:txBody>
           <a:bodyPr rtlCol="0" anchor="ctr"/>
-          <a:lstStyle/>
+          <a:lstStyle>
+            <a:defPPr>
+              <a:defRPr lang="en-US"/>
+            </a:defPPr>
+            <a:lvl1pPr marL="0" algn="l" defTabSz="914400" rtl="0" eaLnBrk="1" latinLnBrk="0" hangingPunct="1">
+              <a:defRPr sz="1800" kern="1200">
+                <a:solidFill>
+                  <a:schemeClr val="lt1"/>
+                </a:solidFill>
+                <a:latin typeface="+mn-lt"/>
+                <a:ea typeface="+mn-ea"/>
+                <a:cs typeface="+mn-cs"/>
+              </a:defRPr>
+            </a:lvl1pPr>
+            <a:lvl2pPr marL="457200" algn="l" defTabSz="914400" rtl="0" eaLnBrk="1" latinLnBrk="0" hangingPunct="1">
+              <a:defRPr sz="1800" kern="1200">
+                <a:solidFill>
+                  <a:schemeClr val="lt1"/>
+                </a:solidFill>
+                <a:latin typeface="+mn-lt"/>
+                <a:ea typeface="+mn-ea"/>
+                <a:cs typeface="+mn-cs"/>
+              </a:defRPr>
+            </a:lvl2pPr>
+            <a:lvl3pPr marL="914400" algn="l" defTabSz="914400" rtl="0" eaLnBrk="1" latinLnBrk="0" hangingPunct="1">
+              <a:defRPr sz="1800" kern="1200">
+                <a:solidFill>
+                  <a:schemeClr val="lt1"/>
+                </a:solidFill>
+                <a:latin typeface="+mn-lt"/>
+                <a:ea typeface="+mn-ea"/>
+                <a:cs typeface="+mn-cs"/>
+              </a:defRPr>
+            </a:lvl3pPr>
+            <a:lvl4pPr marL="1371600" algn="l" defTabSz="914400" rtl="0" eaLnBrk="1" latinLnBrk="0" hangingPunct="1">
+              <a:defRPr sz="1800" kern="1200">
+                <a:solidFill>
+                  <a:schemeClr val="lt1"/>
+                </a:solidFill>
+                <a:latin typeface="+mn-lt"/>
+                <a:ea typeface="+mn-ea"/>
+                <a:cs typeface="+mn-cs"/>
+              </a:defRPr>
+            </a:lvl4pPr>
+            <a:lvl5pPr marL="1828800" algn="l" defTabSz="914400" rtl="0" eaLnBrk="1" latinLnBrk="0" hangingPunct="1">
+              <a:defRPr sz="1800" kern="1200">
+                <a:solidFill>
+                  <a:schemeClr val="lt1"/>
+                </a:solidFill>
+                <a:latin typeface="+mn-lt"/>
+                <a:ea typeface="+mn-ea"/>
+                <a:cs typeface="+mn-cs"/>
+              </a:defRPr>
+            </a:lvl5pPr>
+            <a:lvl6pPr marL="2286000" algn="l" defTabSz="914400" rtl="0" eaLnBrk="1" latinLnBrk="0" hangingPunct="1">
+              <a:defRPr sz="1800" kern="1200">
+                <a:solidFill>
+                  <a:schemeClr val="lt1"/>
+                </a:solidFill>
+                <a:latin typeface="+mn-lt"/>
+                <a:ea typeface="+mn-ea"/>
+                <a:cs typeface="+mn-cs"/>
+              </a:defRPr>
+            </a:lvl6pPr>
+            <a:lvl7pPr marL="2743200" algn="l" defTabSz="914400" rtl="0" eaLnBrk="1" latinLnBrk="0" hangingPunct="1">
+              <a:defRPr sz="1800" kern="1200">
+                <a:solidFill>
+                  <a:schemeClr val="lt1"/>
+                </a:solidFill>
+                <a:latin typeface="+mn-lt"/>
+                <a:ea typeface="+mn-ea"/>
+                <a:cs typeface="+mn-cs"/>
+              </a:defRPr>
+            </a:lvl7pPr>
+            <a:lvl8pPr marL="3200400" algn="l" defTabSz="914400" rtl="0" eaLnBrk="1" latinLnBrk="0" hangingPunct="1">
+              <a:defRPr sz="1800" kern="1200">
+                <a:solidFill>
+                  <a:schemeClr val="lt1"/>
+                </a:solidFill>
+                <a:latin typeface="+mn-lt"/>
+                <a:ea typeface="+mn-ea"/>
+                <a:cs typeface="+mn-cs"/>
+              </a:defRPr>
+            </a:lvl8pPr>
+            <a:lvl9pPr marL="3657600" algn="l" defTabSz="914400" rtl="0" eaLnBrk="1" latinLnBrk="0" hangingPunct="1">
+              <a:defRPr sz="1800" kern="1200">
+                <a:solidFill>
+                  <a:schemeClr val="lt1"/>
+                </a:solidFill>
+                <a:latin typeface="+mn-lt"/>
+                <a:ea typeface="+mn-ea"/>
+                <a:cs typeface="+mn-cs"/>
+              </a:defRPr>
+            </a:lvl9pPr>
+          </a:lstStyle>
           <a:p>
             <a:pPr algn="ctr"/>
             <a:endParaRPr lang="en-AU"/>
@@ -53796,13 +60706,13 @@
       </p:sp>
       <p:sp>
         <p:nvSpPr>
-          <p:cNvPr id="122" name="Oval 121"/>
+          <p:cNvPr id="234" name="Oval 233"/>
           <p:cNvSpPr/>
           <p:nvPr/>
         </p:nvSpPr>
         <p:spPr>
           <a:xfrm>
-            <a:off x="2717541" y="6450902"/>
+            <a:off x="2862236" y="6376980"/>
             <a:ext cx="192453" cy="187891"/>
           </a:xfrm>
           <a:prstGeom prst="ellipse">
@@ -53835,7 +60745,101 @@
         </p:style>
         <p:txBody>
           <a:bodyPr rtlCol="0" anchor="ctr"/>
-          <a:lstStyle/>
+          <a:lstStyle>
+            <a:defPPr>
+              <a:defRPr lang="en-US"/>
+            </a:defPPr>
+            <a:lvl1pPr marL="0" algn="l" defTabSz="914400" rtl="0" eaLnBrk="1" latinLnBrk="0" hangingPunct="1">
+              <a:defRPr sz="1800" kern="1200">
+                <a:solidFill>
+                  <a:schemeClr val="lt1"/>
+                </a:solidFill>
+                <a:latin typeface="+mn-lt"/>
+                <a:ea typeface="+mn-ea"/>
+                <a:cs typeface="+mn-cs"/>
+              </a:defRPr>
+            </a:lvl1pPr>
+            <a:lvl2pPr marL="457200" algn="l" defTabSz="914400" rtl="0" eaLnBrk="1" latinLnBrk="0" hangingPunct="1">
+              <a:defRPr sz="1800" kern="1200">
+                <a:solidFill>
+                  <a:schemeClr val="lt1"/>
+                </a:solidFill>
+                <a:latin typeface="+mn-lt"/>
+                <a:ea typeface="+mn-ea"/>
+                <a:cs typeface="+mn-cs"/>
+              </a:defRPr>
+            </a:lvl2pPr>
+            <a:lvl3pPr marL="914400" algn="l" defTabSz="914400" rtl="0" eaLnBrk="1" latinLnBrk="0" hangingPunct="1">
+              <a:defRPr sz="1800" kern="1200">
+                <a:solidFill>
+                  <a:schemeClr val="lt1"/>
+                </a:solidFill>
+                <a:latin typeface="+mn-lt"/>
+                <a:ea typeface="+mn-ea"/>
+                <a:cs typeface="+mn-cs"/>
+              </a:defRPr>
+            </a:lvl3pPr>
+            <a:lvl4pPr marL="1371600" algn="l" defTabSz="914400" rtl="0" eaLnBrk="1" latinLnBrk="0" hangingPunct="1">
+              <a:defRPr sz="1800" kern="1200">
+                <a:solidFill>
+                  <a:schemeClr val="lt1"/>
+                </a:solidFill>
+                <a:latin typeface="+mn-lt"/>
+                <a:ea typeface="+mn-ea"/>
+                <a:cs typeface="+mn-cs"/>
+              </a:defRPr>
+            </a:lvl4pPr>
+            <a:lvl5pPr marL="1828800" algn="l" defTabSz="914400" rtl="0" eaLnBrk="1" latinLnBrk="0" hangingPunct="1">
+              <a:defRPr sz="1800" kern="1200">
+                <a:solidFill>
+                  <a:schemeClr val="lt1"/>
+                </a:solidFill>
+                <a:latin typeface="+mn-lt"/>
+                <a:ea typeface="+mn-ea"/>
+                <a:cs typeface="+mn-cs"/>
+              </a:defRPr>
+            </a:lvl5pPr>
+            <a:lvl6pPr marL="2286000" algn="l" defTabSz="914400" rtl="0" eaLnBrk="1" latinLnBrk="0" hangingPunct="1">
+              <a:defRPr sz="1800" kern="1200">
+                <a:solidFill>
+                  <a:schemeClr val="lt1"/>
+                </a:solidFill>
+                <a:latin typeface="+mn-lt"/>
+                <a:ea typeface="+mn-ea"/>
+                <a:cs typeface="+mn-cs"/>
+              </a:defRPr>
+            </a:lvl6pPr>
+            <a:lvl7pPr marL="2743200" algn="l" defTabSz="914400" rtl="0" eaLnBrk="1" latinLnBrk="0" hangingPunct="1">
+              <a:defRPr sz="1800" kern="1200">
+                <a:solidFill>
+                  <a:schemeClr val="lt1"/>
+                </a:solidFill>
+                <a:latin typeface="+mn-lt"/>
+                <a:ea typeface="+mn-ea"/>
+                <a:cs typeface="+mn-cs"/>
+              </a:defRPr>
+            </a:lvl7pPr>
+            <a:lvl8pPr marL="3200400" algn="l" defTabSz="914400" rtl="0" eaLnBrk="1" latinLnBrk="0" hangingPunct="1">
+              <a:defRPr sz="1800" kern="1200">
+                <a:solidFill>
+                  <a:schemeClr val="lt1"/>
+                </a:solidFill>
+                <a:latin typeface="+mn-lt"/>
+                <a:ea typeface="+mn-ea"/>
+                <a:cs typeface="+mn-cs"/>
+              </a:defRPr>
+            </a:lvl8pPr>
+            <a:lvl9pPr marL="3657600" algn="l" defTabSz="914400" rtl="0" eaLnBrk="1" latinLnBrk="0" hangingPunct="1">
+              <a:defRPr sz="1800" kern="1200">
+                <a:solidFill>
+                  <a:schemeClr val="lt1"/>
+                </a:solidFill>
+                <a:latin typeface="+mn-lt"/>
+                <a:ea typeface="+mn-ea"/>
+                <a:cs typeface="+mn-cs"/>
+              </a:defRPr>
+            </a:lvl9pPr>
+          </a:lstStyle>
           <a:p>
             <a:pPr algn="ctr"/>
             <a:endParaRPr lang="en-AU"/>
@@ -53844,13 +60848,13 @@
       </p:sp>
       <p:sp>
         <p:nvSpPr>
-          <p:cNvPr id="125" name="Isosceles Triangle 124"/>
+          <p:cNvPr id="235" name="Isosceles Triangle 234"/>
           <p:cNvSpPr/>
           <p:nvPr/>
         </p:nvSpPr>
         <p:spPr>
           <a:xfrm rot="16200000">
-            <a:off x="1796724" y="6470545"/>
+            <a:off x="1941419" y="6396623"/>
             <a:ext cx="197909" cy="148602"/>
           </a:xfrm>
           <a:prstGeom prst="triangle">
@@ -53883,7 +60887,101 @@
         </p:style>
         <p:txBody>
           <a:bodyPr rtlCol="0" anchor="ctr"/>
-          <a:lstStyle/>
+          <a:lstStyle>
+            <a:defPPr>
+              <a:defRPr lang="en-US"/>
+            </a:defPPr>
+            <a:lvl1pPr marL="0" algn="l" defTabSz="914400" rtl="0" eaLnBrk="1" latinLnBrk="0" hangingPunct="1">
+              <a:defRPr sz="1800" kern="1200">
+                <a:solidFill>
+                  <a:schemeClr val="lt1"/>
+                </a:solidFill>
+                <a:latin typeface="+mn-lt"/>
+                <a:ea typeface="+mn-ea"/>
+                <a:cs typeface="+mn-cs"/>
+              </a:defRPr>
+            </a:lvl1pPr>
+            <a:lvl2pPr marL="457200" algn="l" defTabSz="914400" rtl="0" eaLnBrk="1" latinLnBrk="0" hangingPunct="1">
+              <a:defRPr sz="1800" kern="1200">
+                <a:solidFill>
+                  <a:schemeClr val="lt1"/>
+                </a:solidFill>
+                <a:latin typeface="+mn-lt"/>
+                <a:ea typeface="+mn-ea"/>
+                <a:cs typeface="+mn-cs"/>
+              </a:defRPr>
+            </a:lvl2pPr>
+            <a:lvl3pPr marL="914400" algn="l" defTabSz="914400" rtl="0" eaLnBrk="1" latinLnBrk="0" hangingPunct="1">
+              <a:defRPr sz="1800" kern="1200">
+                <a:solidFill>
+                  <a:schemeClr val="lt1"/>
+                </a:solidFill>
+                <a:latin typeface="+mn-lt"/>
+                <a:ea typeface="+mn-ea"/>
+                <a:cs typeface="+mn-cs"/>
+              </a:defRPr>
+            </a:lvl3pPr>
+            <a:lvl4pPr marL="1371600" algn="l" defTabSz="914400" rtl="0" eaLnBrk="1" latinLnBrk="0" hangingPunct="1">
+              <a:defRPr sz="1800" kern="1200">
+                <a:solidFill>
+                  <a:schemeClr val="lt1"/>
+                </a:solidFill>
+                <a:latin typeface="+mn-lt"/>
+                <a:ea typeface="+mn-ea"/>
+                <a:cs typeface="+mn-cs"/>
+              </a:defRPr>
+            </a:lvl4pPr>
+            <a:lvl5pPr marL="1828800" algn="l" defTabSz="914400" rtl="0" eaLnBrk="1" latinLnBrk="0" hangingPunct="1">
+              <a:defRPr sz="1800" kern="1200">
+                <a:solidFill>
+                  <a:schemeClr val="lt1"/>
+                </a:solidFill>
+                <a:latin typeface="+mn-lt"/>
+                <a:ea typeface="+mn-ea"/>
+                <a:cs typeface="+mn-cs"/>
+              </a:defRPr>
+            </a:lvl5pPr>
+            <a:lvl6pPr marL="2286000" algn="l" defTabSz="914400" rtl="0" eaLnBrk="1" latinLnBrk="0" hangingPunct="1">
+              <a:defRPr sz="1800" kern="1200">
+                <a:solidFill>
+                  <a:schemeClr val="lt1"/>
+                </a:solidFill>
+                <a:latin typeface="+mn-lt"/>
+                <a:ea typeface="+mn-ea"/>
+                <a:cs typeface="+mn-cs"/>
+              </a:defRPr>
+            </a:lvl6pPr>
+            <a:lvl7pPr marL="2743200" algn="l" defTabSz="914400" rtl="0" eaLnBrk="1" latinLnBrk="0" hangingPunct="1">
+              <a:defRPr sz="1800" kern="1200">
+                <a:solidFill>
+                  <a:schemeClr val="lt1"/>
+                </a:solidFill>
+                <a:latin typeface="+mn-lt"/>
+                <a:ea typeface="+mn-ea"/>
+                <a:cs typeface="+mn-cs"/>
+              </a:defRPr>
+            </a:lvl7pPr>
+            <a:lvl8pPr marL="3200400" algn="l" defTabSz="914400" rtl="0" eaLnBrk="1" latinLnBrk="0" hangingPunct="1">
+              <a:defRPr sz="1800" kern="1200">
+                <a:solidFill>
+                  <a:schemeClr val="lt1"/>
+                </a:solidFill>
+                <a:latin typeface="+mn-lt"/>
+                <a:ea typeface="+mn-ea"/>
+                <a:cs typeface="+mn-cs"/>
+              </a:defRPr>
+            </a:lvl8pPr>
+            <a:lvl9pPr marL="3657600" algn="l" defTabSz="914400" rtl="0" eaLnBrk="1" latinLnBrk="0" hangingPunct="1">
+              <a:defRPr sz="1800" kern="1200">
+                <a:solidFill>
+                  <a:schemeClr val="lt1"/>
+                </a:solidFill>
+                <a:latin typeface="+mn-lt"/>
+                <a:ea typeface="+mn-ea"/>
+                <a:cs typeface="+mn-cs"/>
+              </a:defRPr>
+            </a:lvl9pPr>
+          </a:lstStyle>
           <a:p>
             <a:pPr algn="ctr"/>
             <a:endParaRPr lang="en-AU"/>
@@ -53892,34 +60990,212 @@
       </p:sp>
       <p:sp>
         <p:nvSpPr>
-          <p:cNvPr id="151" name="TextBox 150"/>
-          <p:cNvSpPr txBox="1"/>
-          <p:nvPr/>
-        </p:nvSpPr>
-        <p:spPr>
-          <a:xfrm>
-            <a:off x="5277853" y="0"/>
-            <a:ext cx="6079958" cy="461665"/>
-          </a:xfrm>
-          <a:prstGeom prst="rect">
-            <a:avLst/>
-          </a:prstGeom>
-          <a:noFill/>
-        </p:spPr>
-        <p:txBody>
-          <a:bodyPr wrap="square" rtlCol="0">
+          <p:cNvPr id="254" name="Rectangle 253"/>
+          <p:cNvSpPr/>
+          <p:nvPr/>
+        </p:nvSpPr>
+        <p:spPr>
+          <a:xfrm>
+            <a:off x="4183424" y="1872742"/>
+            <a:ext cx="404278" cy="369332"/>
+          </a:xfrm>
+          <a:prstGeom prst="rect">
+            <a:avLst/>
+          </a:prstGeom>
+          <a:ln>
+            <a:noFill/>
+          </a:ln>
+        </p:spPr>
+        <p:txBody>
+          <a:bodyPr wrap="none">
             <a:spAutoFit/>
           </a:bodyPr>
           <a:lstStyle/>
           <a:p>
             <a:r>
-              <a:rPr lang="en-AU" sz="2400" dirty="0" smtClean="0"/>
-              <a:t>SEARCH COURSES PAGE - Mobile</a:t>
-            </a:r>
-            <a:endParaRPr lang="en-AU" sz="2400" dirty="0"/>
-          </a:p>
-        </p:txBody>
-      </p:sp>
+              <a:rPr lang="en-AU" dirty="0" smtClean="0">
+                <a:effectLst/>
+                <a:latin typeface="Wingdings" panose="05000000000000000000" pitchFamily="2" charset="2"/>
+                <a:ea typeface="Calibri" panose="020F0502020204030204" pitchFamily="34" charset="0"/>
+                <a:cs typeface="Times New Roman" panose="02020603050405020304" pitchFamily="18" charset="0"/>
+              </a:rPr>
+              <a:t>m</a:t>
+            </a:r>
+            <a:endParaRPr lang="en-AU" dirty="0"/>
+          </a:p>
+        </p:txBody>
+      </p:sp>
+      <p:cxnSp>
+        <p:nvCxnSpPr>
+          <p:cNvPr id="255" name="Straight Connector 254"/>
+          <p:cNvCxnSpPr/>
+          <p:nvPr/>
+        </p:nvCxnSpPr>
+        <p:spPr>
+          <a:xfrm>
+            <a:off x="4447665" y="2089874"/>
+            <a:ext cx="77934" cy="62871"/>
+          </a:xfrm>
+          <a:prstGeom prst="line">
+            <a:avLst/>
+          </a:prstGeom>
+          <a:ln w="25400">
+            <a:solidFill>
+              <a:schemeClr val="tx1"/>
+            </a:solidFill>
+          </a:ln>
+        </p:spPr>
+        <p:style>
+          <a:lnRef idx="1">
+            <a:schemeClr val="accent1"/>
+          </a:lnRef>
+          <a:fillRef idx="0">
+            <a:schemeClr val="accent1"/>
+          </a:fillRef>
+          <a:effectRef idx="0">
+            <a:schemeClr val="accent1"/>
+          </a:effectRef>
+          <a:fontRef idx="minor">
+            <a:schemeClr val="tx1"/>
+          </a:fontRef>
+        </p:style>
+      </p:cxnSp>
+      <p:grpSp>
+        <p:nvGrpSpPr>
+          <p:cNvPr id="256" name="Group 255"/>
+          <p:cNvGrpSpPr/>
+          <p:nvPr/>
+        </p:nvGrpSpPr>
+        <p:grpSpPr>
+          <a:xfrm>
+            <a:off x="1342591" y="1971980"/>
+            <a:ext cx="2874960" cy="189266"/>
+            <a:chOff x="1440000" y="1080000"/>
+            <a:chExt cx="2160000" cy="540000"/>
+          </a:xfrm>
+          <a:solidFill>
+            <a:schemeClr val="bg1"/>
+          </a:solidFill>
+        </p:grpSpPr>
+        <p:sp>
+          <p:nvSpPr>
+            <p:cNvPr id="257" name="Rectangle 256"/>
+            <p:cNvSpPr/>
+            <p:nvPr/>
+          </p:nvSpPr>
+          <p:spPr>
+            <a:xfrm>
+              <a:off x="1440000" y="1080000"/>
+              <a:ext cx="2160000" cy="540000"/>
+            </a:xfrm>
+            <a:prstGeom prst="rect">
+              <a:avLst/>
+            </a:prstGeom>
+            <a:grpFill/>
+            <a:ln w="12700">
+              <a:solidFill>
+                <a:srgbClr val="002060"/>
+              </a:solidFill>
+            </a:ln>
+          </p:spPr>
+          <p:style>
+            <a:lnRef idx="2">
+              <a:schemeClr val="accent1">
+                <a:shade val="50000"/>
+              </a:schemeClr>
+            </a:lnRef>
+            <a:fillRef idx="1">
+              <a:schemeClr val="accent1"/>
+            </a:fillRef>
+            <a:effectRef idx="0">
+              <a:schemeClr val="accent1"/>
+            </a:effectRef>
+            <a:fontRef idx="minor">
+              <a:schemeClr val="lt1"/>
+            </a:fontRef>
+          </p:style>
+          <p:txBody>
+            <a:bodyPr rtlCol="0" anchor="ctr"/>
+            <a:lstStyle/>
+            <a:p>
+              <a:pPr algn="ctr"/>
+              <a:endParaRPr lang="en-AU"/>
+            </a:p>
+          </p:txBody>
+        </p:sp>
+        <p:cxnSp>
+          <p:nvCxnSpPr>
+            <p:cNvPr id="258" name="Straight Connector 257"/>
+            <p:cNvCxnSpPr/>
+            <p:nvPr/>
+          </p:nvCxnSpPr>
+          <p:spPr>
+            <a:xfrm>
+              <a:off x="1440000" y="1080000"/>
+              <a:ext cx="2160000" cy="540000"/>
+            </a:xfrm>
+            <a:prstGeom prst="line">
+              <a:avLst/>
+            </a:prstGeom>
+            <a:grpFill/>
+            <a:ln w="3175">
+              <a:solidFill>
+                <a:srgbClr val="002060"/>
+              </a:solidFill>
+            </a:ln>
+          </p:spPr>
+          <p:style>
+            <a:lnRef idx="1">
+              <a:schemeClr val="accent1"/>
+            </a:lnRef>
+            <a:fillRef idx="0">
+              <a:schemeClr val="accent1"/>
+            </a:fillRef>
+            <a:effectRef idx="0">
+              <a:schemeClr val="accent1"/>
+            </a:effectRef>
+            <a:fontRef idx="minor">
+              <a:schemeClr val="tx1"/>
+            </a:fontRef>
+          </p:style>
+        </p:cxnSp>
+        <p:cxnSp>
+          <p:nvCxnSpPr>
+            <p:cNvPr id="259" name="Straight Connector 258"/>
+            <p:cNvCxnSpPr/>
+            <p:nvPr/>
+          </p:nvCxnSpPr>
+          <p:spPr>
+            <a:xfrm flipV="1">
+              <a:off x="1440000" y="1080000"/>
+              <a:ext cx="2160000" cy="540000"/>
+            </a:xfrm>
+            <a:prstGeom prst="line">
+              <a:avLst/>
+            </a:prstGeom>
+            <a:grpFill/>
+            <a:ln w="3175">
+              <a:solidFill>
+                <a:srgbClr val="002060"/>
+              </a:solidFill>
+            </a:ln>
+          </p:spPr>
+          <p:style>
+            <a:lnRef idx="1">
+              <a:schemeClr val="accent1"/>
+            </a:lnRef>
+            <a:fillRef idx="0">
+              <a:schemeClr val="accent1"/>
+            </a:fillRef>
+            <a:effectRef idx="0">
+              <a:schemeClr val="accent1"/>
+            </a:effectRef>
+            <a:fontRef idx="minor">
+              <a:schemeClr val="tx1"/>
+            </a:fontRef>
+          </p:style>
+        </p:cxnSp>
+      </p:grpSp>
     </p:spTree>
     <p:extLst>
       <p:ext uri="{BB962C8B-B14F-4D97-AF65-F5344CB8AC3E}">
